--- a/DDI_Qualification_CYP3A4/images/DDI_CYP3A4_Compound_Network.pptx
+++ b/DDI_Qualification_CYP3A4/images/DDI_CYP3A4_Compound_Network.pptx
@@ -115,7 +115,7 @@
 <file path=ppt/revisionInfo.xml><?xml version="1.0" encoding="utf-8"?>
 <p1510:revInfo xmlns:a="http://schemas.openxmlformats.org/drawingml/2006/main" xmlns:r="http://schemas.openxmlformats.org/officeDocument/2006/relationships" xmlns:p1510="http://schemas.microsoft.com/office/powerpoint/2015/10/main">
   <p1510:revLst>
-    <p1510:client id="{D2694C53-4FB6-42FD-B235-864257C79444}" v="654" dt="2020-12-07T18:49:34.992"/>
+    <p1510:client id="{F6DC69EA-CC44-4A60-906C-4596E018BE8C}" v="3" dt="2024-01-12T15:10:45.511"/>
   </p1510:revLst>
 </p1510:revInfo>
 </file>
@@ -1012,6 +1012,910 @@
             <pc:docMk/>
             <pc:sldMk cId="2088911489" sldId="257"/>
             <ac:cxnSpMk id="152" creationId="{105CBEA4-7FE5-462C-B2BD-91B1EB886460}"/>
+          </ac:cxnSpMkLst>
+        </pc:cxnChg>
+      </pc:sldChg>
+    </pc:docChg>
+  </pc:docChgLst>
+  <pc:docChgLst>
+    <pc:chgData name="Andre Dallmann" userId="5c23077c-d33a-43b1-8da1-43baabc21ac0" providerId="ADAL" clId="{F3D43407-5AF1-4B23-851E-C4C61BBA631B}"/>
+    <pc:docChg chg="undo redo custSel modSld">
+      <pc:chgData name="Andre Dallmann" userId="5c23077c-d33a-43b1-8da1-43baabc21ac0" providerId="ADAL" clId="{F3D43407-5AF1-4B23-851E-C4C61BBA631B}" dt="2022-04-27T16:10:30.556" v="274" actId="688"/>
+      <pc:docMkLst>
+        <pc:docMk/>
+      </pc:docMkLst>
+      <pc:sldChg chg="addSp delSp modSp mod">
+        <pc:chgData name="Andre Dallmann" userId="5c23077c-d33a-43b1-8da1-43baabc21ac0" providerId="ADAL" clId="{F3D43407-5AF1-4B23-851E-C4C61BBA631B}" dt="2022-04-27T16:10:30.556" v="274" actId="688"/>
+        <pc:sldMkLst>
+          <pc:docMk/>
+          <pc:sldMk cId="2088911489" sldId="257"/>
+        </pc:sldMkLst>
+        <pc:spChg chg="add mod">
+          <ac:chgData name="Andre Dallmann" userId="5c23077c-d33a-43b1-8da1-43baabc21ac0" providerId="ADAL" clId="{F3D43407-5AF1-4B23-851E-C4C61BBA631B}" dt="2022-04-27T16:10:04.338" v="270" actId="1037"/>
+          <ac:spMkLst>
+            <pc:docMk/>
+            <pc:sldMk cId="2088911489" sldId="257"/>
+            <ac:spMk id="68" creationId="{50FF466E-8DF8-43C2-B89B-AF0A7B2601C5}"/>
+          </ac:spMkLst>
+        </pc:spChg>
+        <pc:spChg chg="mod">
+          <ac:chgData name="Andre Dallmann" userId="5c23077c-d33a-43b1-8da1-43baabc21ac0" providerId="ADAL" clId="{F3D43407-5AF1-4B23-851E-C4C61BBA631B}" dt="2022-04-27T06:50:43.495" v="62" actId="1037"/>
+          <ac:spMkLst>
+            <pc:docMk/>
+            <pc:sldMk cId="2088911489" sldId="257"/>
+            <ac:spMk id="82" creationId="{901ABB62-9433-4052-B7AC-CC55EEC6EB10}"/>
+          </ac:spMkLst>
+        </pc:spChg>
+        <pc:spChg chg="mod">
+          <ac:chgData name="Andre Dallmann" userId="5c23077c-d33a-43b1-8da1-43baabc21ac0" providerId="ADAL" clId="{F3D43407-5AF1-4B23-851E-C4C61BBA631B}" dt="2022-04-27T06:47:05.428" v="1" actId="1076"/>
+          <ac:spMkLst>
+            <pc:docMk/>
+            <pc:sldMk cId="2088911489" sldId="257"/>
+            <ac:spMk id="84" creationId="{FA41E090-4E80-490D-98A9-B7B4DECEC8C9}"/>
+          </ac:spMkLst>
+        </pc:spChg>
+        <pc:spChg chg="mod">
+          <ac:chgData name="Andre Dallmann" userId="5c23077c-d33a-43b1-8da1-43baabc21ac0" providerId="ADAL" clId="{F3D43407-5AF1-4B23-851E-C4C61BBA631B}" dt="2022-04-27T06:49:43.293" v="42" actId="1076"/>
+          <ac:spMkLst>
+            <pc:docMk/>
+            <pc:sldMk cId="2088911489" sldId="257"/>
+            <ac:spMk id="86" creationId="{34ABF6B2-B4C6-47A9-B6F6-F387B0BADB24}"/>
+          </ac:spMkLst>
+        </pc:spChg>
+        <pc:spChg chg="add del mod">
+          <ac:chgData name="Andre Dallmann" userId="5c23077c-d33a-43b1-8da1-43baabc21ac0" providerId="ADAL" clId="{F3D43407-5AF1-4B23-851E-C4C61BBA631B}" dt="2022-04-27T06:55:12.893" v="106" actId="21"/>
+          <ac:spMkLst>
+            <pc:docMk/>
+            <pc:sldMk cId="2088911489" sldId="257"/>
+            <ac:spMk id="116" creationId="{B1DB5D57-8E33-4369-AAF6-4D70DD2F44B5}"/>
+          </ac:spMkLst>
+        </pc:spChg>
+        <pc:spChg chg="add del mod">
+          <ac:chgData name="Andre Dallmann" userId="5c23077c-d33a-43b1-8da1-43baabc21ac0" providerId="ADAL" clId="{F3D43407-5AF1-4B23-851E-C4C61BBA631B}" dt="2022-04-27T06:59:17.061" v="189" actId="21"/>
+          <ac:spMkLst>
+            <pc:docMk/>
+            <pc:sldMk cId="2088911489" sldId="257"/>
+            <ac:spMk id="118" creationId="{CC0DD4CD-D6E3-44BC-9192-18D13158FBEC}"/>
+          </ac:spMkLst>
+        </pc:spChg>
+        <pc:spChg chg="add del mod">
+          <ac:chgData name="Andre Dallmann" userId="5c23077c-d33a-43b1-8da1-43baabc21ac0" providerId="ADAL" clId="{F3D43407-5AF1-4B23-851E-C4C61BBA631B}" dt="2022-04-27T06:59:28.361" v="194" actId="21"/>
+          <ac:spMkLst>
+            <pc:docMk/>
+            <pc:sldMk cId="2088911489" sldId="257"/>
+            <ac:spMk id="122" creationId="{2D979589-4447-452C-BCFA-F5B424442C72}"/>
+          </ac:spMkLst>
+        </pc:spChg>
+        <pc:spChg chg="add del mod">
+          <ac:chgData name="Andre Dallmann" userId="5c23077c-d33a-43b1-8da1-43baabc21ac0" providerId="ADAL" clId="{F3D43407-5AF1-4B23-851E-C4C61BBA631B}" dt="2022-04-27T16:09:24.822" v="251" actId="21"/>
+          <ac:spMkLst>
+            <pc:docMk/>
+            <pc:sldMk cId="2088911489" sldId="257"/>
+            <ac:spMk id="127" creationId="{A4A83894-5761-4455-A6DB-B80A374CA023}"/>
+          </ac:spMkLst>
+        </pc:spChg>
+        <pc:spChg chg="add mod">
+          <ac:chgData name="Andre Dallmann" userId="5c23077c-d33a-43b1-8da1-43baabc21ac0" providerId="ADAL" clId="{F3D43407-5AF1-4B23-851E-C4C61BBA631B}" dt="2022-04-27T06:59:31.562" v="200" actId="1035"/>
+          <ac:spMkLst>
+            <pc:docMk/>
+            <pc:sldMk cId="2088911489" sldId="257"/>
+            <ac:spMk id="128" creationId="{D75756B5-F1D7-4970-8235-9450C3BB75A8}"/>
+          </ac:spMkLst>
+        </pc:spChg>
+        <pc:spChg chg="add mod">
+          <ac:chgData name="Andre Dallmann" userId="5c23077c-d33a-43b1-8da1-43baabc21ac0" providerId="ADAL" clId="{F3D43407-5AF1-4B23-851E-C4C61BBA631B}" dt="2022-04-27T07:02:37.663" v="218" actId="1037"/>
+          <ac:spMkLst>
+            <pc:docMk/>
+            <pc:sldMk cId="2088911489" sldId="257"/>
+            <ac:spMk id="130" creationId="{C57BCDDB-579F-4F27-9C24-60F05BC17FB4}"/>
+          </ac:spMkLst>
+        </pc:spChg>
+        <pc:spChg chg="add mod">
+          <ac:chgData name="Andre Dallmann" userId="5c23077c-d33a-43b1-8da1-43baabc21ac0" providerId="ADAL" clId="{F3D43407-5AF1-4B23-851E-C4C61BBA631B}" dt="2022-04-27T07:02:58.827" v="226" actId="1037"/>
+          <ac:spMkLst>
+            <pc:docMk/>
+            <pc:sldMk cId="2088911489" sldId="257"/>
+            <ac:spMk id="131" creationId="{D7FAA8E7-A924-4F21-98D1-078B92D34E01}"/>
+          </ac:spMkLst>
+        </pc:spChg>
+        <pc:spChg chg="add mod">
+          <ac:chgData name="Andre Dallmann" userId="5c23077c-d33a-43b1-8da1-43baabc21ac0" providerId="ADAL" clId="{F3D43407-5AF1-4B23-851E-C4C61BBA631B}" dt="2022-04-27T16:10:30.556" v="274" actId="688"/>
+          <ac:spMkLst>
+            <pc:docMk/>
+            <pc:sldMk cId="2088911489" sldId="257"/>
+            <ac:spMk id="135" creationId="{B4A4A427-3DC5-489E-BAF2-660A57CC0AAA}"/>
+          </ac:spMkLst>
+        </pc:spChg>
+        <pc:spChg chg="add del mod">
+          <ac:chgData name="Andre Dallmann" userId="5c23077c-d33a-43b1-8da1-43baabc21ac0" providerId="ADAL" clId="{F3D43407-5AF1-4B23-851E-C4C61BBA631B}" dt="2022-04-27T16:09:45.155" v="258" actId="21"/>
+          <ac:spMkLst>
+            <pc:docMk/>
+            <pc:sldMk cId="2088911489" sldId="257"/>
+            <ac:spMk id="138" creationId="{6AB0F6A8-6575-41F5-9ACE-F989864AF317}"/>
+          </ac:spMkLst>
+        </pc:spChg>
+        <pc:spChg chg="add mod">
+          <ac:chgData name="Andre Dallmann" userId="5c23077c-d33a-43b1-8da1-43baabc21ac0" providerId="ADAL" clId="{F3D43407-5AF1-4B23-851E-C4C61BBA631B}" dt="2022-04-27T16:09:45.772" v="259"/>
+          <ac:spMkLst>
+            <pc:docMk/>
+            <pc:sldMk cId="2088911489" sldId="257"/>
+            <ac:spMk id="142" creationId="{29E4E807-5A55-4E70-BF21-80D6599CBFF5}"/>
+          </ac:spMkLst>
+        </pc:spChg>
+        <pc:spChg chg="mod ord">
+          <ac:chgData name="Andre Dallmann" userId="5c23077c-d33a-43b1-8da1-43baabc21ac0" providerId="ADAL" clId="{F3D43407-5AF1-4B23-851E-C4C61BBA631B}" dt="2022-04-27T06:57:06.894" v="143" actId="1035"/>
+          <ac:spMkLst>
+            <pc:docMk/>
+            <pc:sldMk cId="2088911489" sldId="257"/>
+            <ac:spMk id="244" creationId="{F387589C-E349-4DAC-8146-D780AB632BC4}"/>
+          </ac:spMkLst>
+        </pc:spChg>
+        <pc:spChg chg="del mod">
+          <ac:chgData name="Andre Dallmann" userId="5c23077c-d33a-43b1-8da1-43baabc21ac0" providerId="ADAL" clId="{F3D43407-5AF1-4B23-851E-C4C61BBA631B}" dt="2022-04-27T07:02:33.377" v="212" actId="21"/>
+          <ac:spMkLst>
+            <pc:docMk/>
+            <pc:sldMk cId="2088911489" sldId="257"/>
+            <ac:spMk id="253" creationId="{DEAC0FB0-2A94-4D67-88DF-E76E683F63A8}"/>
+          </ac:spMkLst>
+        </pc:spChg>
+        <pc:spChg chg="del ord">
+          <ac:chgData name="Andre Dallmann" userId="5c23077c-d33a-43b1-8da1-43baabc21ac0" providerId="ADAL" clId="{F3D43407-5AF1-4B23-851E-C4C61BBA631B}" dt="2022-04-27T07:02:48.110" v="219" actId="21"/>
+          <ac:spMkLst>
+            <pc:docMk/>
+            <pc:sldMk cId="2088911489" sldId="257"/>
+            <ac:spMk id="277" creationId="{86EEBB6A-E241-42CE-AC13-98EBAF3ABA44}"/>
+          </ac:spMkLst>
+        </pc:spChg>
+        <pc:spChg chg="mod">
+          <ac:chgData name="Andre Dallmann" userId="5c23077c-d33a-43b1-8da1-43baabc21ac0" providerId="ADAL" clId="{F3D43407-5AF1-4B23-851E-C4C61BBA631B}" dt="2022-04-27T06:52:44.776" v="90" actId="1076"/>
+          <ac:spMkLst>
+            <pc:docMk/>
+            <pc:sldMk cId="2088911489" sldId="257"/>
+            <ac:spMk id="325" creationId="{33EB7A10-6F89-45BA-84DD-AEE2271C4041}"/>
+          </ac:spMkLst>
+        </pc:spChg>
+        <pc:cxnChg chg="mod">
+          <ac:chgData name="Andre Dallmann" userId="5c23077c-d33a-43b1-8da1-43baabc21ac0" providerId="ADAL" clId="{F3D43407-5AF1-4B23-851E-C4C61BBA631B}" dt="2022-04-27T06:47:05.428" v="1" actId="1076"/>
+          <ac:cxnSpMkLst>
+            <pc:docMk/>
+            <pc:sldMk cId="2088911489" sldId="257"/>
+            <ac:cxnSpMk id="5" creationId="{98537504-27D0-4241-8A5A-7E0EEFAD60AD}"/>
+          </ac:cxnSpMkLst>
+        </pc:cxnChg>
+        <pc:cxnChg chg="mod">
+          <ac:chgData name="Andre Dallmann" userId="5c23077c-d33a-43b1-8da1-43baabc21ac0" providerId="ADAL" clId="{F3D43407-5AF1-4B23-851E-C4C61BBA631B}" dt="2022-04-27T06:47:05.428" v="1" actId="1076"/>
+          <ac:cxnSpMkLst>
+            <pc:docMk/>
+            <pc:sldMk cId="2088911489" sldId="257"/>
+            <ac:cxnSpMk id="7" creationId="{0C052BFB-242C-44B2-8CD0-E6089625C38D}"/>
+          </ac:cxnSpMkLst>
+        </pc:cxnChg>
+        <pc:cxnChg chg="mod">
+          <ac:chgData name="Andre Dallmann" userId="5c23077c-d33a-43b1-8da1-43baabc21ac0" providerId="ADAL" clId="{F3D43407-5AF1-4B23-851E-C4C61BBA631B}" dt="2022-04-27T06:47:05.428" v="1" actId="1076"/>
+          <ac:cxnSpMkLst>
+            <pc:docMk/>
+            <pc:sldMk cId="2088911489" sldId="257"/>
+            <ac:cxnSpMk id="77" creationId="{A5A5293F-332F-431E-911C-C4115EFCBD06}"/>
+          </ac:cxnSpMkLst>
+        </pc:cxnChg>
+        <pc:cxnChg chg="add mod">
+          <ac:chgData name="Andre Dallmann" userId="5c23077c-d33a-43b1-8da1-43baabc21ac0" providerId="ADAL" clId="{F3D43407-5AF1-4B23-851E-C4C61BBA631B}" dt="2022-04-27T06:57:06.894" v="143" actId="1035"/>
+          <ac:cxnSpMkLst>
+            <pc:docMk/>
+            <pc:sldMk cId="2088911489" sldId="257"/>
+            <ac:cxnSpMk id="92" creationId="{84ED9C60-9627-4B93-92C1-7FDF9D8F45CA}"/>
+          </ac:cxnSpMkLst>
+        </pc:cxnChg>
+        <pc:cxnChg chg="add mod">
+          <ac:chgData name="Andre Dallmann" userId="5c23077c-d33a-43b1-8da1-43baabc21ac0" providerId="ADAL" clId="{F3D43407-5AF1-4B23-851E-C4C61BBA631B}" dt="2022-04-27T07:02:48.110" v="219" actId="21"/>
+          <ac:cxnSpMkLst>
+            <pc:docMk/>
+            <pc:sldMk cId="2088911489" sldId="257"/>
+            <ac:cxnSpMk id="93" creationId="{07AEED44-F50E-43CD-A8EB-B2D4494ACE1C}"/>
+          </ac:cxnSpMkLst>
+        </pc:cxnChg>
+        <pc:cxnChg chg="mod">
+          <ac:chgData name="Andre Dallmann" userId="5c23077c-d33a-43b1-8da1-43baabc21ac0" providerId="ADAL" clId="{F3D43407-5AF1-4B23-851E-C4C61BBA631B}" dt="2022-04-27T06:47:05.428" v="1" actId="1076"/>
+          <ac:cxnSpMkLst>
+            <pc:docMk/>
+            <pc:sldMk cId="2088911489" sldId="257"/>
+            <ac:cxnSpMk id="100" creationId="{D7399CD2-D18A-47C1-BDC8-C6388768C9A7}"/>
+          </ac:cxnSpMkLst>
+        </pc:cxnChg>
+        <pc:cxnChg chg="mod">
+          <ac:chgData name="Andre Dallmann" userId="5c23077c-d33a-43b1-8da1-43baabc21ac0" providerId="ADAL" clId="{F3D43407-5AF1-4B23-851E-C4C61BBA631B}" dt="2022-04-27T06:47:05.428" v="1" actId="1076"/>
+          <ac:cxnSpMkLst>
+            <pc:docMk/>
+            <pc:sldMk cId="2088911489" sldId="257"/>
+            <ac:cxnSpMk id="102" creationId="{91971EEA-8B65-4C45-B9D5-ACE1E23E19CE}"/>
+          </ac:cxnSpMkLst>
+        </pc:cxnChg>
+        <pc:cxnChg chg="mod">
+          <ac:chgData name="Andre Dallmann" userId="5c23077c-d33a-43b1-8da1-43baabc21ac0" providerId="ADAL" clId="{F3D43407-5AF1-4B23-851E-C4C61BBA631B}" dt="2022-04-27T06:50:06.925" v="46" actId="14100"/>
+          <ac:cxnSpMkLst>
+            <pc:docMk/>
+            <pc:sldMk cId="2088911489" sldId="257"/>
+            <ac:cxnSpMk id="106" creationId="{CB17A08C-A6C5-4551-A895-034B94DF707F}"/>
+          </ac:cxnSpMkLst>
+        </pc:cxnChg>
+        <pc:cxnChg chg="add del mod ord">
+          <ac:chgData name="Andre Dallmann" userId="5c23077c-d33a-43b1-8da1-43baabc21ac0" providerId="ADAL" clId="{F3D43407-5AF1-4B23-851E-C4C61BBA631B}" dt="2022-04-27T16:09:34.755" v="254" actId="21"/>
+          <ac:cxnSpMkLst>
+            <pc:docMk/>
+            <pc:sldMk cId="2088911489" sldId="257"/>
+            <ac:cxnSpMk id="107" creationId="{98AA24B8-905D-459D-9E48-7E52A0F110C3}"/>
+          </ac:cxnSpMkLst>
+        </pc:cxnChg>
+        <pc:cxnChg chg="mod ord">
+          <ac:chgData name="Andre Dallmann" userId="5c23077c-d33a-43b1-8da1-43baabc21ac0" providerId="ADAL" clId="{F3D43407-5AF1-4B23-851E-C4C61BBA631B}" dt="2022-04-27T06:57:06.894" v="143" actId="1035"/>
+          <ac:cxnSpMkLst>
+            <pc:docMk/>
+            <pc:sldMk cId="2088911489" sldId="257"/>
+            <ac:cxnSpMk id="108" creationId="{89AC0BCD-9B85-417C-86DD-31F6D26CD7CA}"/>
+          </ac:cxnSpMkLst>
+        </pc:cxnChg>
+        <pc:cxnChg chg="add mod ord">
+          <ac:chgData name="Andre Dallmann" userId="5c23077c-d33a-43b1-8da1-43baabc21ac0" providerId="ADAL" clId="{F3D43407-5AF1-4B23-851E-C4C61BBA631B}" dt="2022-04-27T07:02:27.877" v="211" actId="166"/>
+          <ac:cxnSpMkLst>
+            <pc:docMk/>
+            <pc:sldMk cId="2088911489" sldId="257"/>
+            <ac:cxnSpMk id="119" creationId="{7D07BA42-CA0B-4872-A6F5-88E18BF45201}"/>
+          </ac:cxnSpMkLst>
+        </pc:cxnChg>
+        <pc:cxnChg chg="add mod">
+          <ac:chgData name="Andre Dallmann" userId="5c23077c-d33a-43b1-8da1-43baabc21ac0" providerId="ADAL" clId="{F3D43407-5AF1-4B23-851E-C4C61BBA631B}" dt="2022-04-27T16:08:30.888" v="229" actId="14100"/>
+          <ac:cxnSpMkLst>
+            <pc:docMk/>
+            <pc:sldMk cId="2088911489" sldId="257"/>
+            <ac:cxnSpMk id="132" creationId="{7854DC59-44F2-4CC9-9B92-B9A2DF0A9599}"/>
+          </ac:cxnSpMkLst>
+        </pc:cxnChg>
+        <pc:cxnChg chg="mod">
+          <ac:chgData name="Andre Dallmann" userId="5c23077c-d33a-43b1-8da1-43baabc21ac0" providerId="ADAL" clId="{F3D43407-5AF1-4B23-851E-C4C61BBA631B}" dt="2022-04-27T06:50:43.495" v="62" actId="1037"/>
+          <ac:cxnSpMkLst>
+            <pc:docMk/>
+            <pc:sldMk cId="2088911489" sldId="257"/>
+            <ac:cxnSpMk id="133" creationId="{D3F66049-C9FD-4768-9ED6-300B21567E45}"/>
+          </ac:cxnSpMkLst>
+        </pc:cxnChg>
+        <pc:cxnChg chg="mod ord">
+          <ac:chgData name="Andre Dallmann" userId="5c23077c-d33a-43b1-8da1-43baabc21ac0" providerId="ADAL" clId="{F3D43407-5AF1-4B23-851E-C4C61BBA631B}" dt="2022-04-27T07:02:48.110" v="219" actId="21"/>
+          <ac:cxnSpMkLst>
+            <pc:docMk/>
+            <pc:sldMk cId="2088911489" sldId="257"/>
+            <ac:cxnSpMk id="140" creationId="{8A96EBF3-887E-4E23-BC0F-246AEE2D44B3}"/>
+          </ac:cxnSpMkLst>
+        </pc:cxnChg>
+        <pc:cxnChg chg="add del mod">
+          <ac:chgData name="Andre Dallmann" userId="5c23077c-d33a-43b1-8da1-43baabc21ac0" providerId="ADAL" clId="{F3D43407-5AF1-4B23-851E-C4C61BBA631B}" dt="2022-04-27T16:09:41.205" v="257"/>
+          <ac:cxnSpMkLst>
+            <pc:docMk/>
+            <pc:sldMk cId="2088911489" sldId="257"/>
+            <ac:cxnSpMk id="141" creationId="{D756DE5F-91B3-4242-AC21-1F6296FE0CE4}"/>
+          </ac:cxnSpMkLst>
+        </pc:cxnChg>
+        <pc:cxnChg chg="mod">
+          <ac:chgData name="Andre Dallmann" userId="5c23077c-d33a-43b1-8da1-43baabc21ac0" providerId="ADAL" clId="{F3D43407-5AF1-4B23-851E-C4C61BBA631B}" dt="2022-04-27T06:57:06.894" v="143" actId="1035"/>
+          <ac:cxnSpMkLst>
+            <pc:docMk/>
+            <pc:sldMk cId="2088911489" sldId="257"/>
+            <ac:cxnSpMk id="143" creationId="{BA060CCB-E7DC-4D18-9D56-E48AC35FC14C}"/>
+          </ac:cxnSpMkLst>
+        </pc:cxnChg>
+        <pc:cxnChg chg="add mod">
+          <ac:chgData name="Andre Dallmann" userId="5c23077c-d33a-43b1-8da1-43baabc21ac0" providerId="ADAL" clId="{F3D43407-5AF1-4B23-851E-C4C61BBA631B}" dt="2022-04-27T16:10:30.556" v="274" actId="688"/>
+          <ac:cxnSpMkLst>
+            <pc:docMk/>
+            <pc:sldMk cId="2088911489" sldId="257"/>
+            <ac:cxnSpMk id="144" creationId="{029B5047-0E4B-4552-A84F-C40E2AE27D02}"/>
+          </ac:cxnSpMkLst>
+        </pc:cxnChg>
+        <pc:cxnChg chg="mod">
+          <ac:chgData name="Andre Dallmann" userId="5c23077c-d33a-43b1-8da1-43baabc21ac0" providerId="ADAL" clId="{F3D43407-5AF1-4B23-851E-C4C61BBA631B}" dt="2022-04-27T07:02:33.377" v="212" actId="21"/>
+          <ac:cxnSpMkLst>
+            <pc:docMk/>
+            <pc:sldMk cId="2088911489" sldId="257"/>
+            <ac:cxnSpMk id="146" creationId="{C6ABEC47-3159-4869-A8A9-3CA11764A86F}"/>
+          </ac:cxnSpMkLst>
+        </pc:cxnChg>
+        <pc:cxnChg chg="mod">
+          <ac:chgData name="Andre Dallmann" userId="5c23077c-d33a-43b1-8da1-43baabc21ac0" providerId="ADAL" clId="{F3D43407-5AF1-4B23-851E-C4C61BBA631B}" dt="2022-04-27T06:50:43.495" v="62" actId="1037"/>
+          <ac:cxnSpMkLst>
+            <pc:docMk/>
+            <pc:sldMk cId="2088911489" sldId="257"/>
+            <ac:cxnSpMk id="152" creationId="{105CBEA4-7FE5-462C-B2BD-91B1EB886460}"/>
+          </ac:cxnSpMkLst>
+        </pc:cxnChg>
+      </pc:sldChg>
+    </pc:docChg>
+  </pc:docChgLst>
+  <pc:docChgLst>
+    <pc:chgData name="Andre Dallmann" userId="5c23077c-d33a-43b1-8da1-43baabc21ac0" providerId="ADAL" clId="{F6DC69EA-CC44-4A60-906C-4596E018BE8C}"/>
+    <pc:docChg chg="undo custSel modSld">
+      <pc:chgData name="Andre Dallmann" userId="5c23077c-d33a-43b1-8da1-43baabc21ac0" providerId="ADAL" clId="{F6DC69EA-CC44-4A60-906C-4596E018BE8C}" dt="2024-01-12T15:10:45.511" v="6" actId="164"/>
+      <pc:docMkLst>
+        <pc:docMk/>
+      </pc:docMkLst>
+      <pc:sldChg chg="addSp modSp mod">
+        <pc:chgData name="Andre Dallmann" userId="5c23077c-d33a-43b1-8da1-43baabc21ac0" providerId="ADAL" clId="{F6DC69EA-CC44-4A60-906C-4596E018BE8C}" dt="2024-01-12T15:10:45.511" v="6" actId="164"/>
+        <pc:sldMkLst>
+          <pc:docMk/>
+          <pc:sldMk cId="2088911489" sldId="257"/>
+        </pc:sldMkLst>
+        <pc:spChg chg="mod">
+          <ac:chgData name="Andre Dallmann" userId="5c23077c-d33a-43b1-8da1-43baabc21ac0" providerId="ADAL" clId="{F6DC69EA-CC44-4A60-906C-4596E018BE8C}" dt="2024-01-12T15:10:45.511" v="6" actId="164"/>
+          <ac:spMkLst>
+            <pc:docMk/>
+            <pc:sldMk cId="2088911489" sldId="257"/>
+            <ac:spMk id="56" creationId="{0A357C56-BAD9-4853-91EE-2F1649F1828A}"/>
+          </ac:spMkLst>
+        </pc:spChg>
+        <pc:spChg chg="mod">
+          <ac:chgData name="Andre Dallmann" userId="5c23077c-d33a-43b1-8da1-43baabc21ac0" providerId="ADAL" clId="{F6DC69EA-CC44-4A60-906C-4596E018BE8C}" dt="2024-01-12T15:10:45.511" v="6" actId="164"/>
+          <ac:spMkLst>
+            <pc:docMk/>
+            <pc:sldMk cId="2088911489" sldId="257"/>
+            <ac:spMk id="68" creationId="{50FF466E-8DF8-43C2-B89B-AF0A7B2601C5}"/>
+          </ac:spMkLst>
+        </pc:spChg>
+        <pc:spChg chg="mod">
+          <ac:chgData name="Andre Dallmann" userId="5c23077c-d33a-43b1-8da1-43baabc21ac0" providerId="ADAL" clId="{F6DC69EA-CC44-4A60-906C-4596E018BE8C}" dt="2024-01-12T15:10:44.048" v="5" actId="164"/>
+          <ac:spMkLst>
+            <pc:docMk/>
+            <pc:sldMk cId="2088911489" sldId="257"/>
+            <ac:spMk id="73" creationId="{3B36568C-F1AC-4C56-82E9-751A6283020E}"/>
+          </ac:spMkLst>
+        </pc:spChg>
+        <pc:spChg chg="mod">
+          <ac:chgData name="Andre Dallmann" userId="5c23077c-d33a-43b1-8da1-43baabc21ac0" providerId="ADAL" clId="{F6DC69EA-CC44-4A60-906C-4596E018BE8C}" dt="2024-01-12T15:10:44.048" v="5" actId="164"/>
+          <ac:spMkLst>
+            <pc:docMk/>
+            <pc:sldMk cId="2088911489" sldId="257"/>
+            <ac:spMk id="74" creationId="{30AE1D67-1A73-4290-BF1C-838E2810220E}"/>
+          </ac:spMkLst>
+        </pc:spChg>
+        <pc:spChg chg="mod">
+          <ac:chgData name="Andre Dallmann" userId="5c23077c-d33a-43b1-8da1-43baabc21ac0" providerId="ADAL" clId="{F6DC69EA-CC44-4A60-906C-4596E018BE8C}" dt="2024-01-12T15:10:44.048" v="5" actId="164"/>
+          <ac:spMkLst>
+            <pc:docMk/>
+            <pc:sldMk cId="2088911489" sldId="257"/>
+            <ac:spMk id="75" creationId="{234E6B2D-5E04-446D-9D83-8C86BAA818DE}"/>
+          </ac:spMkLst>
+        </pc:spChg>
+        <pc:spChg chg="mod">
+          <ac:chgData name="Andre Dallmann" userId="5c23077c-d33a-43b1-8da1-43baabc21ac0" providerId="ADAL" clId="{F6DC69EA-CC44-4A60-906C-4596E018BE8C}" dt="2024-01-12T15:10:44.048" v="5" actId="164"/>
+          <ac:spMkLst>
+            <pc:docMk/>
+            <pc:sldMk cId="2088911489" sldId="257"/>
+            <ac:spMk id="78" creationId="{6203B152-E41F-4D76-B689-A636183095C5}"/>
+          </ac:spMkLst>
+        </pc:spChg>
+        <pc:spChg chg="mod">
+          <ac:chgData name="Andre Dallmann" userId="5c23077c-d33a-43b1-8da1-43baabc21ac0" providerId="ADAL" clId="{F6DC69EA-CC44-4A60-906C-4596E018BE8C}" dt="2024-01-12T15:10:44.048" v="5" actId="164"/>
+          <ac:spMkLst>
+            <pc:docMk/>
+            <pc:sldMk cId="2088911489" sldId="257"/>
+            <ac:spMk id="79" creationId="{AE05FCCE-761A-4E1E-AD3E-C8A8BB8052DE}"/>
+          </ac:spMkLst>
+        </pc:spChg>
+        <pc:spChg chg="mod">
+          <ac:chgData name="Andre Dallmann" userId="5c23077c-d33a-43b1-8da1-43baabc21ac0" providerId="ADAL" clId="{F6DC69EA-CC44-4A60-906C-4596E018BE8C}" dt="2024-01-12T15:10:44.048" v="5" actId="164"/>
+          <ac:spMkLst>
+            <pc:docMk/>
+            <pc:sldMk cId="2088911489" sldId="257"/>
+            <ac:spMk id="80" creationId="{1699A084-6E57-4DA4-9D39-5D28C9C59463}"/>
+          </ac:spMkLst>
+        </pc:spChg>
+        <pc:spChg chg="mod">
+          <ac:chgData name="Andre Dallmann" userId="5c23077c-d33a-43b1-8da1-43baabc21ac0" providerId="ADAL" clId="{F6DC69EA-CC44-4A60-906C-4596E018BE8C}" dt="2024-01-12T15:10:44.048" v="5" actId="164"/>
+          <ac:spMkLst>
+            <pc:docMk/>
+            <pc:sldMk cId="2088911489" sldId="257"/>
+            <ac:spMk id="81" creationId="{95A97AAC-200A-4013-8704-8E07ED576A88}"/>
+          </ac:spMkLst>
+        </pc:spChg>
+        <pc:spChg chg="mod">
+          <ac:chgData name="Andre Dallmann" userId="5c23077c-d33a-43b1-8da1-43baabc21ac0" providerId="ADAL" clId="{F6DC69EA-CC44-4A60-906C-4596E018BE8C}" dt="2024-01-12T15:10:44.048" v="5" actId="164"/>
+          <ac:spMkLst>
+            <pc:docMk/>
+            <pc:sldMk cId="2088911489" sldId="257"/>
+            <ac:spMk id="82" creationId="{901ABB62-9433-4052-B7AC-CC55EEC6EB10}"/>
+          </ac:spMkLst>
+        </pc:spChg>
+        <pc:spChg chg="mod">
+          <ac:chgData name="Andre Dallmann" userId="5c23077c-d33a-43b1-8da1-43baabc21ac0" providerId="ADAL" clId="{F6DC69EA-CC44-4A60-906C-4596E018BE8C}" dt="2024-01-12T15:10:44.048" v="5" actId="164"/>
+          <ac:spMkLst>
+            <pc:docMk/>
+            <pc:sldMk cId="2088911489" sldId="257"/>
+            <ac:spMk id="84" creationId="{FA41E090-4E80-490D-98A9-B7B4DECEC8C9}"/>
+          </ac:spMkLst>
+        </pc:spChg>
+        <pc:spChg chg="mod">
+          <ac:chgData name="Andre Dallmann" userId="5c23077c-d33a-43b1-8da1-43baabc21ac0" providerId="ADAL" clId="{F6DC69EA-CC44-4A60-906C-4596E018BE8C}" dt="2024-01-12T15:10:44.048" v="5" actId="164"/>
+          <ac:spMkLst>
+            <pc:docMk/>
+            <pc:sldMk cId="2088911489" sldId="257"/>
+            <ac:spMk id="86" creationId="{34ABF6B2-B4C6-47A9-B6F6-F387B0BADB24}"/>
+          </ac:spMkLst>
+        </pc:spChg>
+        <pc:spChg chg="mod">
+          <ac:chgData name="Andre Dallmann" userId="5c23077c-d33a-43b1-8da1-43baabc21ac0" providerId="ADAL" clId="{F6DC69EA-CC44-4A60-906C-4596E018BE8C}" dt="2024-01-12T15:10:45.511" v="6" actId="164"/>
+          <ac:spMkLst>
+            <pc:docMk/>
+            <pc:sldMk cId="2088911489" sldId="257"/>
+            <ac:spMk id="89" creationId="{B01FC0D7-7C44-4907-8594-22DB3C47610D}"/>
+          </ac:spMkLst>
+        </pc:spChg>
+        <pc:spChg chg="mod">
+          <ac:chgData name="Andre Dallmann" userId="5c23077c-d33a-43b1-8da1-43baabc21ac0" providerId="ADAL" clId="{F6DC69EA-CC44-4A60-906C-4596E018BE8C}" dt="2024-01-12T15:10:45.511" v="6" actId="164"/>
+          <ac:spMkLst>
+            <pc:docMk/>
+            <pc:sldMk cId="2088911489" sldId="257"/>
+            <ac:spMk id="90" creationId="{A44146A4-80AA-4FB5-8B0A-6BB19B353D43}"/>
+          </ac:spMkLst>
+        </pc:spChg>
+        <pc:spChg chg="mod">
+          <ac:chgData name="Andre Dallmann" userId="5c23077c-d33a-43b1-8da1-43baabc21ac0" providerId="ADAL" clId="{F6DC69EA-CC44-4A60-906C-4596E018BE8C}" dt="2024-01-12T15:10:44.048" v="5" actId="164"/>
+          <ac:spMkLst>
+            <pc:docMk/>
+            <pc:sldMk cId="2088911489" sldId="257"/>
+            <ac:spMk id="91" creationId="{AEA17713-094A-4BDC-A237-886245610EB6}"/>
+          </ac:spMkLst>
+        </pc:spChg>
+        <pc:spChg chg="mod">
+          <ac:chgData name="Andre Dallmann" userId="5c23077c-d33a-43b1-8da1-43baabc21ac0" providerId="ADAL" clId="{F6DC69EA-CC44-4A60-906C-4596E018BE8C}" dt="2024-01-12T15:10:44.048" v="5" actId="164"/>
+          <ac:spMkLst>
+            <pc:docMk/>
+            <pc:sldMk cId="2088911489" sldId="257"/>
+            <ac:spMk id="96" creationId="{FD52EBD5-9379-49D0-8F14-2E922C6AE592}"/>
+          </ac:spMkLst>
+        </pc:spChg>
+        <pc:spChg chg="mod">
+          <ac:chgData name="Andre Dallmann" userId="5c23077c-d33a-43b1-8da1-43baabc21ac0" providerId="ADAL" clId="{F6DC69EA-CC44-4A60-906C-4596E018BE8C}" dt="2024-01-12T15:10:44.048" v="5" actId="164"/>
+          <ac:spMkLst>
+            <pc:docMk/>
+            <pc:sldMk cId="2088911489" sldId="257"/>
+            <ac:spMk id="98" creationId="{BB47A4FF-AC7E-4852-8485-54A6939781D8}"/>
+          </ac:spMkLst>
+        </pc:spChg>
+        <pc:spChg chg="mod">
+          <ac:chgData name="Andre Dallmann" userId="5c23077c-d33a-43b1-8da1-43baabc21ac0" providerId="ADAL" clId="{F6DC69EA-CC44-4A60-906C-4596E018BE8C}" dt="2024-01-12T15:10:44.048" v="5" actId="164"/>
+          <ac:spMkLst>
+            <pc:docMk/>
+            <pc:sldMk cId="2088911489" sldId="257"/>
+            <ac:spMk id="101" creationId="{3529796A-F003-4598-96A5-F678DAE42860}"/>
+          </ac:spMkLst>
+        </pc:spChg>
+        <pc:spChg chg="mod">
+          <ac:chgData name="Andre Dallmann" userId="5c23077c-d33a-43b1-8da1-43baabc21ac0" providerId="ADAL" clId="{F6DC69EA-CC44-4A60-906C-4596E018BE8C}" dt="2024-01-12T15:10:44.048" v="5" actId="164"/>
+          <ac:spMkLst>
+            <pc:docMk/>
+            <pc:sldMk cId="2088911489" sldId="257"/>
+            <ac:spMk id="103" creationId="{246D6CDD-062A-44A2-A9E8-EFAD2BDD5921}"/>
+          </ac:spMkLst>
+        </pc:spChg>
+        <pc:spChg chg="mod">
+          <ac:chgData name="Andre Dallmann" userId="5c23077c-d33a-43b1-8da1-43baabc21ac0" providerId="ADAL" clId="{F6DC69EA-CC44-4A60-906C-4596E018BE8C}" dt="2024-01-12T15:10:45.511" v="6" actId="164"/>
+          <ac:spMkLst>
+            <pc:docMk/>
+            <pc:sldMk cId="2088911489" sldId="257"/>
+            <ac:spMk id="128" creationId="{D75756B5-F1D7-4970-8235-9450C3BB75A8}"/>
+          </ac:spMkLst>
+        </pc:spChg>
+        <pc:spChg chg="mod">
+          <ac:chgData name="Andre Dallmann" userId="5c23077c-d33a-43b1-8da1-43baabc21ac0" providerId="ADAL" clId="{F6DC69EA-CC44-4A60-906C-4596E018BE8C}" dt="2024-01-12T15:10:45.511" v="6" actId="164"/>
+          <ac:spMkLst>
+            <pc:docMk/>
+            <pc:sldMk cId="2088911489" sldId="257"/>
+            <ac:spMk id="130" creationId="{C57BCDDB-579F-4F27-9C24-60F05BC17FB4}"/>
+          </ac:spMkLst>
+        </pc:spChg>
+        <pc:spChg chg="mod">
+          <ac:chgData name="Andre Dallmann" userId="5c23077c-d33a-43b1-8da1-43baabc21ac0" providerId="ADAL" clId="{F6DC69EA-CC44-4A60-906C-4596E018BE8C}" dt="2024-01-12T15:10:45.511" v="6" actId="164"/>
+          <ac:spMkLst>
+            <pc:docMk/>
+            <pc:sldMk cId="2088911489" sldId="257"/>
+            <ac:spMk id="131" creationId="{D7FAA8E7-A924-4F21-98D1-078B92D34E01}"/>
+          </ac:spMkLst>
+        </pc:spChg>
+        <pc:spChg chg="mod">
+          <ac:chgData name="Andre Dallmann" userId="5c23077c-d33a-43b1-8da1-43baabc21ac0" providerId="ADAL" clId="{F6DC69EA-CC44-4A60-906C-4596E018BE8C}" dt="2024-01-12T15:10:45.511" v="6" actId="164"/>
+          <ac:spMkLst>
+            <pc:docMk/>
+            <pc:sldMk cId="2088911489" sldId="257"/>
+            <ac:spMk id="135" creationId="{B4A4A427-3DC5-489E-BAF2-660A57CC0AAA}"/>
+          </ac:spMkLst>
+        </pc:spChg>
+        <pc:spChg chg="mod">
+          <ac:chgData name="Andre Dallmann" userId="5c23077c-d33a-43b1-8da1-43baabc21ac0" providerId="ADAL" clId="{F6DC69EA-CC44-4A60-906C-4596E018BE8C}" dt="2024-01-12T15:10:45.511" v="6" actId="164"/>
+          <ac:spMkLst>
+            <pc:docMk/>
+            <pc:sldMk cId="2088911489" sldId="257"/>
+            <ac:spMk id="142" creationId="{29E4E807-5A55-4E70-BF21-80D6599CBFF5}"/>
+          </ac:spMkLst>
+        </pc:spChg>
+        <pc:spChg chg="mod">
+          <ac:chgData name="Andre Dallmann" userId="5c23077c-d33a-43b1-8da1-43baabc21ac0" providerId="ADAL" clId="{F6DC69EA-CC44-4A60-906C-4596E018BE8C}" dt="2024-01-12T15:10:45.511" v="6" actId="164"/>
+          <ac:spMkLst>
+            <pc:docMk/>
+            <pc:sldMk cId="2088911489" sldId="257"/>
+            <ac:spMk id="225" creationId="{158BD913-E196-4523-91A6-0074CF2173D6}"/>
+          </ac:spMkLst>
+        </pc:spChg>
+        <pc:spChg chg="mod">
+          <ac:chgData name="Andre Dallmann" userId="5c23077c-d33a-43b1-8da1-43baabc21ac0" providerId="ADAL" clId="{F6DC69EA-CC44-4A60-906C-4596E018BE8C}" dt="2024-01-12T15:10:45.511" v="6" actId="164"/>
+          <ac:spMkLst>
+            <pc:docMk/>
+            <pc:sldMk cId="2088911489" sldId="257"/>
+            <ac:spMk id="244" creationId="{F387589C-E349-4DAC-8146-D780AB632BC4}"/>
+          </ac:spMkLst>
+        </pc:spChg>
+        <pc:spChg chg="mod">
+          <ac:chgData name="Andre Dallmann" userId="5c23077c-d33a-43b1-8da1-43baabc21ac0" providerId="ADAL" clId="{F6DC69EA-CC44-4A60-906C-4596E018BE8C}" dt="2024-01-12T15:10:45.511" v="6" actId="164"/>
+          <ac:spMkLst>
+            <pc:docMk/>
+            <pc:sldMk cId="2088911489" sldId="257"/>
+            <ac:spMk id="260" creationId="{0F5C47FB-1C81-489E-9A26-8F037CFDCBA0}"/>
+          </ac:spMkLst>
+        </pc:spChg>
+        <pc:spChg chg="mod">
+          <ac:chgData name="Andre Dallmann" userId="5c23077c-d33a-43b1-8da1-43baabc21ac0" providerId="ADAL" clId="{F6DC69EA-CC44-4A60-906C-4596E018BE8C}" dt="2024-01-12T15:10:45.511" v="6" actId="164"/>
+          <ac:spMkLst>
+            <pc:docMk/>
+            <pc:sldMk cId="2088911489" sldId="257"/>
+            <ac:spMk id="282" creationId="{AA9C8588-459E-4598-AEC4-94F680347174}"/>
+          </ac:spMkLst>
+        </pc:spChg>
+        <pc:spChg chg="mod">
+          <ac:chgData name="Andre Dallmann" userId="5c23077c-d33a-43b1-8da1-43baabc21ac0" providerId="ADAL" clId="{F6DC69EA-CC44-4A60-906C-4596E018BE8C}" dt="2024-01-12T15:10:45.511" v="6" actId="164"/>
+          <ac:spMkLst>
+            <pc:docMk/>
+            <pc:sldMk cId="2088911489" sldId="257"/>
+            <ac:spMk id="308" creationId="{79D2B915-6D31-4CE3-BE15-78F15B03D4DC}"/>
+          </ac:spMkLst>
+        </pc:spChg>
+        <pc:spChg chg="mod">
+          <ac:chgData name="Andre Dallmann" userId="5c23077c-d33a-43b1-8da1-43baabc21ac0" providerId="ADAL" clId="{F6DC69EA-CC44-4A60-906C-4596E018BE8C}" dt="2024-01-12T15:10:45.511" v="6" actId="164"/>
+          <ac:spMkLst>
+            <pc:docMk/>
+            <pc:sldMk cId="2088911489" sldId="257"/>
+            <ac:spMk id="309" creationId="{86E5D817-9B16-4B02-8161-CE949B261014}"/>
+          </ac:spMkLst>
+        </pc:spChg>
+        <pc:spChg chg="mod">
+          <ac:chgData name="Andre Dallmann" userId="5c23077c-d33a-43b1-8da1-43baabc21ac0" providerId="ADAL" clId="{F6DC69EA-CC44-4A60-906C-4596E018BE8C}" dt="2024-01-12T15:10:45.511" v="6" actId="164"/>
+          <ac:spMkLst>
+            <pc:docMk/>
+            <pc:sldMk cId="2088911489" sldId="257"/>
+            <ac:spMk id="322" creationId="{440DF057-EC90-445C-90A7-2E14B78B734A}"/>
+          </ac:spMkLst>
+        </pc:spChg>
+        <pc:spChg chg="mod">
+          <ac:chgData name="Andre Dallmann" userId="5c23077c-d33a-43b1-8da1-43baabc21ac0" providerId="ADAL" clId="{F6DC69EA-CC44-4A60-906C-4596E018BE8C}" dt="2024-01-12T15:10:45.511" v="6" actId="164"/>
+          <ac:spMkLst>
+            <pc:docMk/>
+            <pc:sldMk cId="2088911489" sldId="257"/>
+            <ac:spMk id="325" creationId="{33EB7A10-6F89-45BA-84DD-AEE2271C4041}"/>
+          </ac:spMkLst>
+        </pc:spChg>
+        <pc:grpChg chg="add mod">
+          <ac:chgData name="Andre Dallmann" userId="5c23077c-d33a-43b1-8da1-43baabc21ac0" providerId="ADAL" clId="{F6DC69EA-CC44-4A60-906C-4596E018BE8C}" dt="2024-01-12T15:10:45.511" v="6" actId="164"/>
+          <ac:grpSpMkLst>
+            <pc:docMk/>
+            <pc:sldMk cId="2088911489" sldId="257"/>
+            <ac:grpSpMk id="2" creationId="{BCAE344D-4F0E-B748-6127-5C543E13F4BC}"/>
+          </ac:grpSpMkLst>
+        </pc:grpChg>
+        <pc:grpChg chg="mod">
+          <ac:chgData name="Andre Dallmann" userId="5c23077c-d33a-43b1-8da1-43baabc21ac0" providerId="ADAL" clId="{F6DC69EA-CC44-4A60-906C-4596E018BE8C}" dt="2024-01-12T15:10:45.511" v="6" actId="164"/>
+          <ac:grpSpMkLst>
+            <pc:docMk/>
+            <pc:sldMk cId="2088911489" sldId="257"/>
+            <ac:grpSpMk id="3" creationId="{651B8E68-14E9-40DC-9516-1A5587486B33}"/>
+          </ac:grpSpMkLst>
+        </pc:grpChg>
+        <pc:grpChg chg="mod">
+          <ac:chgData name="Andre Dallmann" userId="5c23077c-d33a-43b1-8da1-43baabc21ac0" providerId="ADAL" clId="{F6DC69EA-CC44-4A60-906C-4596E018BE8C}" dt="2024-01-12T15:10:45.511" v="6" actId="164"/>
+          <ac:grpSpMkLst>
+            <pc:docMk/>
+            <pc:sldMk cId="2088911489" sldId="257"/>
+            <ac:grpSpMk id="176" creationId="{4BBF0E06-1277-4994-AFE9-B37C048D848A}"/>
+          </ac:grpSpMkLst>
+        </pc:grpChg>
+        <pc:cxnChg chg="mod">
+          <ac:chgData name="Andre Dallmann" userId="5c23077c-d33a-43b1-8da1-43baabc21ac0" providerId="ADAL" clId="{F6DC69EA-CC44-4A60-906C-4596E018BE8C}" dt="2024-01-12T15:10:45.511" v="6" actId="164"/>
+          <ac:cxnSpMkLst>
+            <pc:docMk/>
+            <pc:sldMk cId="2088911489" sldId="257"/>
+            <ac:cxnSpMk id="5" creationId="{98537504-27D0-4241-8A5A-7E0EEFAD60AD}"/>
+          </ac:cxnSpMkLst>
+        </pc:cxnChg>
+        <pc:cxnChg chg="mod">
+          <ac:chgData name="Andre Dallmann" userId="5c23077c-d33a-43b1-8da1-43baabc21ac0" providerId="ADAL" clId="{F6DC69EA-CC44-4A60-906C-4596E018BE8C}" dt="2024-01-12T15:10:45.511" v="6" actId="164"/>
+          <ac:cxnSpMkLst>
+            <pc:docMk/>
+            <pc:sldMk cId="2088911489" sldId="257"/>
+            <ac:cxnSpMk id="7" creationId="{0C052BFB-242C-44B2-8CD0-E6089625C38D}"/>
+          </ac:cxnSpMkLst>
+        </pc:cxnChg>
+        <pc:cxnChg chg="mod">
+          <ac:chgData name="Andre Dallmann" userId="5c23077c-d33a-43b1-8da1-43baabc21ac0" providerId="ADAL" clId="{F6DC69EA-CC44-4A60-906C-4596E018BE8C}" dt="2024-01-12T15:10:45.511" v="6" actId="164"/>
+          <ac:cxnSpMkLst>
+            <pc:docMk/>
+            <pc:sldMk cId="2088911489" sldId="257"/>
+            <ac:cxnSpMk id="77" creationId="{A5A5293F-332F-431E-911C-C4115EFCBD06}"/>
+          </ac:cxnSpMkLst>
+        </pc:cxnChg>
+        <pc:cxnChg chg="mod">
+          <ac:chgData name="Andre Dallmann" userId="5c23077c-d33a-43b1-8da1-43baabc21ac0" providerId="ADAL" clId="{F6DC69EA-CC44-4A60-906C-4596E018BE8C}" dt="2024-01-12T15:10:45.511" v="6" actId="164"/>
+          <ac:cxnSpMkLst>
+            <pc:docMk/>
+            <pc:sldMk cId="2088911489" sldId="257"/>
+            <ac:cxnSpMk id="83" creationId="{7C4C4657-F70E-402C-8786-36CBBA877661}"/>
+          </ac:cxnSpMkLst>
+        </pc:cxnChg>
+        <pc:cxnChg chg="mod">
+          <ac:chgData name="Andre Dallmann" userId="5c23077c-d33a-43b1-8da1-43baabc21ac0" providerId="ADAL" clId="{F6DC69EA-CC44-4A60-906C-4596E018BE8C}" dt="2024-01-12T15:10:45.511" v="6" actId="164"/>
+          <ac:cxnSpMkLst>
+            <pc:docMk/>
+            <pc:sldMk cId="2088911489" sldId="257"/>
+            <ac:cxnSpMk id="85" creationId="{1D333C90-6C96-4BFC-9362-6D8923E3EB58}"/>
+          </ac:cxnSpMkLst>
+        </pc:cxnChg>
+        <pc:cxnChg chg="mod">
+          <ac:chgData name="Andre Dallmann" userId="5c23077c-d33a-43b1-8da1-43baabc21ac0" providerId="ADAL" clId="{F6DC69EA-CC44-4A60-906C-4596E018BE8C}" dt="2024-01-12T15:10:45.511" v="6" actId="164"/>
+          <ac:cxnSpMkLst>
+            <pc:docMk/>
+            <pc:sldMk cId="2088911489" sldId="257"/>
+            <ac:cxnSpMk id="87" creationId="{B09C1B25-6846-4B5F-8D6B-5ECF6477CAB7}"/>
+          </ac:cxnSpMkLst>
+        </pc:cxnChg>
+        <pc:cxnChg chg="mod">
+          <ac:chgData name="Andre Dallmann" userId="5c23077c-d33a-43b1-8da1-43baabc21ac0" providerId="ADAL" clId="{F6DC69EA-CC44-4A60-906C-4596E018BE8C}" dt="2024-01-12T15:10:45.511" v="6" actId="164"/>
+          <ac:cxnSpMkLst>
+            <pc:docMk/>
+            <pc:sldMk cId="2088911489" sldId="257"/>
+            <ac:cxnSpMk id="92" creationId="{84ED9C60-9627-4B93-92C1-7FDF9D8F45CA}"/>
+          </ac:cxnSpMkLst>
+        </pc:cxnChg>
+        <pc:cxnChg chg="mod">
+          <ac:chgData name="Andre Dallmann" userId="5c23077c-d33a-43b1-8da1-43baabc21ac0" providerId="ADAL" clId="{F6DC69EA-CC44-4A60-906C-4596E018BE8C}" dt="2024-01-12T15:10:45.511" v="6" actId="164"/>
+          <ac:cxnSpMkLst>
+            <pc:docMk/>
+            <pc:sldMk cId="2088911489" sldId="257"/>
+            <ac:cxnSpMk id="93" creationId="{07AEED44-F50E-43CD-A8EB-B2D4494ACE1C}"/>
+          </ac:cxnSpMkLst>
+        </pc:cxnChg>
+        <pc:cxnChg chg="mod">
+          <ac:chgData name="Andre Dallmann" userId="5c23077c-d33a-43b1-8da1-43baabc21ac0" providerId="ADAL" clId="{F6DC69EA-CC44-4A60-906C-4596E018BE8C}" dt="2024-01-12T15:10:45.511" v="6" actId="164"/>
+          <ac:cxnSpMkLst>
+            <pc:docMk/>
+            <pc:sldMk cId="2088911489" sldId="257"/>
+            <ac:cxnSpMk id="100" creationId="{D7399CD2-D18A-47C1-BDC8-C6388768C9A7}"/>
+          </ac:cxnSpMkLst>
+        </pc:cxnChg>
+        <pc:cxnChg chg="mod">
+          <ac:chgData name="Andre Dallmann" userId="5c23077c-d33a-43b1-8da1-43baabc21ac0" providerId="ADAL" clId="{F6DC69EA-CC44-4A60-906C-4596E018BE8C}" dt="2024-01-12T15:10:45.511" v="6" actId="164"/>
+          <ac:cxnSpMkLst>
+            <pc:docMk/>
+            <pc:sldMk cId="2088911489" sldId="257"/>
+            <ac:cxnSpMk id="102" creationId="{91971EEA-8B65-4C45-B9D5-ACE1E23E19CE}"/>
+          </ac:cxnSpMkLst>
+        </pc:cxnChg>
+        <pc:cxnChg chg="mod">
+          <ac:chgData name="Andre Dallmann" userId="5c23077c-d33a-43b1-8da1-43baabc21ac0" providerId="ADAL" clId="{F6DC69EA-CC44-4A60-906C-4596E018BE8C}" dt="2024-01-12T15:10:45.511" v="6" actId="164"/>
+          <ac:cxnSpMkLst>
+            <pc:docMk/>
+            <pc:sldMk cId="2088911489" sldId="257"/>
+            <ac:cxnSpMk id="104" creationId="{0FF9BEFE-B7A9-4FF4-89BB-33781F91CA30}"/>
+          </ac:cxnSpMkLst>
+        </pc:cxnChg>
+        <pc:cxnChg chg="mod">
+          <ac:chgData name="Andre Dallmann" userId="5c23077c-d33a-43b1-8da1-43baabc21ac0" providerId="ADAL" clId="{F6DC69EA-CC44-4A60-906C-4596E018BE8C}" dt="2024-01-12T15:10:45.511" v="6" actId="164"/>
+          <ac:cxnSpMkLst>
+            <pc:docMk/>
+            <pc:sldMk cId="2088911489" sldId="257"/>
+            <ac:cxnSpMk id="105" creationId="{3BF492AF-8A8D-44A6-8FBE-387A96516719}"/>
+          </ac:cxnSpMkLst>
+        </pc:cxnChg>
+        <pc:cxnChg chg="mod">
+          <ac:chgData name="Andre Dallmann" userId="5c23077c-d33a-43b1-8da1-43baabc21ac0" providerId="ADAL" clId="{F6DC69EA-CC44-4A60-906C-4596E018BE8C}" dt="2024-01-12T15:10:45.511" v="6" actId="164"/>
+          <ac:cxnSpMkLst>
+            <pc:docMk/>
+            <pc:sldMk cId="2088911489" sldId="257"/>
+            <ac:cxnSpMk id="106" creationId="{CB17A08C-A6C5-4551-A895-034B94DF707F}"/>
+          </ac:cxnSpMkLst>
+        </pc:cxnChg>
+        <pc:cxnChg chg="mod">
+          <ac:chgData name="Andre Dallmann" userId="5c23077c-d33a-43b1-8da1-43baabc21ac0" providerId="ADAL" clId="{F6DC69EA-CC44-4A60-906C-4596E018BE8C}" dt="2024-01-12T15:10:45.511" v="6" actId="164"/>
+          <ac:cxnSpMkLst>
+            <pc:docMk/>
+            <pc:sldMk cId="2088911489" sldId="257"/>
+            <ac:cxnSpMk id="108" creationId="{89AC0BCD-9B85-417C-86DD-31F6D26CD7CA}"/>
+          </ac:cxnSpMkLst>
+        </pc:cxnChg>
+        <pc:cxnChg chg="mod">
+          <ac:chgData name="Andre Dallmann" userId="5c23077c-d33a-43b1-8da1-43baabc21ac0" providerId="ADAL" clId="{F6DC69EA-CC44-4A60-906C-4596E018BE8C}" dt="2024-01-12T15:10:45.511" v="6" actId="164"/>
+          <ac:cxnSpMkLst>
+            <pc:docMk/>
+            <pc:sldMk cId="2088911489" sldId="257"/>
+            <ac:cxnSpMk id="110" creationId="{55529127-6942-40C9-A355-08809DFE9E04}"/>
+          </ac:cxnSpMkLst>
+        </pc:cxnChg>
+        <pc:cxnChg chg="mod">
+          <ac:chgData name="Andre Dallmann" userId="5c23077c-d33a-43b1-8da1-43baabc21ac0" providerId="ADAL" clId="{F6DC69EA-CC44-4A60-906C-4596E018BE8C}" dt="2024-01-12T15:10:45.511" v="6" actId="164"/>
+          <ac:cxnSpMkLst>
+            <pc:docMk/>
+            <pc:sldMk cId="2088911489" sldId="257"/>
+            <ac:cxnSpMk id="111" creationId="{138E88D9-2CED-46CD-97E0-FF28129C689F}"/>
+          </ac:cxnSpMkLst>
+        </pc:cxnChg>
+        <pc:cxnChg chg="mod">
+          <ac:chgData name="Andre Dallmann" userId="5c23077c-d33a-43b1-8da1-43baabc21ac0" providerId="ADAL" clId="{F6DC69EA-CC44-4A60-906C-4596E018BE8C}" dt="2024-01-12T15:10:45.511" v="6" actId="164"/>
+          <ac:cxnSpMkLst>
+            <pc:docMk/>
+            <pc:sldMk cId="2088911489" sldId="257"/>
+            <ac:cxnSpMk id="112" creationId="{D0917519-090A-4A49-ABD9-982827D3038F}"/>
+          </ac:cxnSpMkLst>
+        </pc:cxnChg>
+        <pc:cxnChg chg="mod">
+          <ac:chgData name="Andre Dallmann" userId="5c23077c-d33a-43b1-8da1-43baabc21ac0" providerId="ADAL" clId="{F6DC69EA-CC44-4A60-906C-4596E018BE8C}" dt="2024-01-12T15:10:45.511" v="6" actId="164"/>
+          <ac:cxnSpMkLst>
+            <pc:docMk/>
+            <pc:sldMk cId="2088911489" sldId="257"/>
+            <ac:cxnSpMk id="113" creationId="{32D0B869-9E2D-4B01-A4F3-24B94DFA52D1}"/>
+          </ac:cxnSpMkLst>
+        </pc:cxnChg>
+        <pc:cxnChg chg="mod">
+          <ac:chgData name="Andre Dallmann" userId="5c23077c-d33a-43b1-8da1-43baabc21ac0" providerId="ADAL" clId="{F6DC69EA-CC44-4A60-906C-4596E018BE8C}" dt="2024-01-12T15:10:45.511" v="6" actId="164"/>
+          <ac:cxnSpMkLst>
+            <pc:docMk/>
+            <pc:sldMk cId="2088911489" sldId="257"/>
+            <ac:cxnSpMk id="114" creationId="{5949F482-CAF7-4C74-A520-8A1DD01E791D}"/>
+          </ac:cxnSpMkLst>
+        </pc:cxnChg>
+        <pc:cxnChg chg="mod">
+          <ac:chgData name="Andre Dallmann" userId="5c23077c-d33a-43b1-8da1-43baabc21ac0" providerId="ADAL" clId="{F6DC69EA-CC44-4A60-906C-4596E018BE8C}" dt="2024-01-12T15:10:45.511" v="6" actId="164"/>
+          <ac:cxnSpMkLst>
+            <pc:docMk/>
+            <pc:sldMk cId="2088911489" sldId="257"/>
+            <ac:cxnSpMk id="115" creationId="{1A453BAF-E106-43B5-B88F-9CDC6F413FDF}"/>
+          </ac:cxnSpMkLst>
+        </pc:cxnChg>
+        <pc:cxnChg chg="mod">
+          <ac:chgData name="Andre Dallmann" userId="5c23077c-d33a-43b1-8da1-43baabc21ac0" providerId="ADAL" clId="{F6DC69EA-CC44-4A60-906C-4596E018BE8C}" dt="2024-01-12T15:10:45.511" v="6" actId="164"/>
+          <ac:cxnSpMkLst>
+            <pc:docMk/>
+            <pc:sldMk cId="2088911489" sldId="257"/>
+            <ac:cxnSpMk id="117" creationId="{9D2E5A2F-7F8C-401C-9C6A-2AF1D20AB953}"/>
+          </ac:cxnSpMkLst>
+        </pc:cxnChg>
+        <pc:cxnChg chg="mod">
+          <ac:chgData name="Andre Dallmann" userId="5c23077c-d33a-43b1-8da1-43baabc21ac0" providerId="ADAL" clId="{F6DC69EA-CC44-4A60-906C-4596E018BE8C}" dt="2024-01-12T15:10:45.511" v="6" actId="164"/>
+          <ac:cxnSpMkLst>
+            <pc:docMk/>
+            <pc:sldMk cId="2088911489" sldId="257"/>
+            <ac:cxnSpMk id="119" creationId="{7D07BA42-CA0B-4872-A6F5-88E18BF45201}"/>
+          </ac:cxnSpMkLst>
+        </pc:cxnChg>
+        <pc:cxnChg chg="mod">
+          <ac:chgData name="Andre Dallmann" userId="5c23077c-d33a-43b1-8da1-43baabc21ac0" providerId="ADAL" clId="{F6DC69EA-CC44-4A60-906C-4596E018BE8C}" dt="2024-01-12T15:10:45.511" v="6" actId="164"/>
+          <ac:cxnSpMkLst>
+            <pc:docMk/>
+            <pc:sldMk cId="2088911489" sldId="257"/>
+            <ac:cxnSpMk id="123" creationId="{5609D8E7-860C-4D02-ADB3-0D0025BEB6DD}"/>
+          </ac:cxnSpMkLst>
+        </pc:cxnChg>
+        <pc:cxnChg chg="mod">
+          <ac:chgData name="Andre Dallmann" userId="5c23077c-d33a-43b1-8da1-43baabc21ac0" providerId="ADAL" clId="{F6DC69EA-CC44-4A60-906C-4596E018BE8C}" dt="2024-01-12T15:10:45.511" v="6" actId="164"/>
+          <ac:cxnSpMkLst>
+            <pc:docMk/>
+            <pc:sldMk cId="2088911489" sldId="257"/>
+            <ac:cxnSpMk id="126" creationId="{A733F265-FE25-455E-A068-A8BC6849120E}"/>
+          </ac:cxnSpMkLst>
+        </pc:cxnChg>
+        <pc:cxnChg chg="mod">
+          <ac:chgData name="Andre Dallmann" userId="5c23077c-d33a-43b1-8da1-43baabc21ac0" providerId="ADAL" clId="{F6DC69EA-CC44-4A60-906C-4596E018BE8C}" dt="2024-01-12T15:10:45.511" v="6" actId="164"/>
+          <ac:cxnSpMkLst>
+            <pc:docMk/>
+            <pc:sldMk cId="2088911489" sldId="257"/>
+            <ac:cxnSpMk id="132" creationId="{7854DC59-44F2-4CC9-9B92-B9A2DF0A9599}"/>
+          </ac:cxnSpMkLst>
+        </pc:cxnChg>
+        <pc:cxnChg chg="mod">
+          <ac:chgData name="Andre Dallmann" userId="5c23077c-d33a-43b1-8da1-43baabc21ac0" providerId="ADAL" clId="{F6DC69EA-CC44-4A60-906C-4596E018BE8C}" dt="2024-01-12T15:10:45.511" v="6" actId="164"/>
+          <ac:cxnSpMkLst>
+            <pc:docMk/>
+            <pc:sldMk cId="2088911489" sldId="257"/>
+            <ac:cxnSpMk id="133" creationId="{D3F66049-C9FD-4768-9ED6-300B21567E45}"/>
+          </ac:cxnSpMkLst>
+        </pc:cxnChg>
+        <pc:cxnChg chg="mod">
+          <ac:chgData name="Andre Dallmann" userId="5c23077c-d33a-43b1-8da1-43baabc21ac0" providerId="ADAL" clId="{F6DC69EA-CC44-4A60-906C-4596E018BE8C}" dt="2024-01-12T15:10:45.511" v="6" actId="164"/>
+          <ac:cxnSpMkLst>
+            <pc:docMk/>
+            <pc:sldMk cId="2088911489" sldId="257"/>
+            <ac:cxnSpMk id="140" creationId="{8A96EBF3-887E-4E23-BC0F-246AEE2D44B3}"/>
+          </ac:cxnSpMkLst>
+        </pc:cxnChg>
+        <pc:cxnChg chg="mod">
+          <ac:chgData name="Andre Dallmann" userId="5c23077c-d33a-43b1-8da1-43baabc21ac0" providerId="ADAL" clId="{F6DC69EA-CC44-4A60-906C-4596E018BE8C}" dt="2024-01-12T15:10:45.511" v="6" actId="164"/>
+          <ac:cxnSpMkLst>
+            <pc:docMk/>
+            <pc:sldMk cId="2088911489" sldId="257"/>
+            <ac:cxnSpMk id="141" creationId="{D756DE5F-91B3-4242-AC21-1F6296FE0CE4}"/>
+          </ac:cxnSpMkLst>
+        </pc:cxnChg>
+        <pc:cxnChg chg="mod">
+          <ac:chgData name="Andre Dallmann" userId="5c23077c-d33a-43b1-8da1-43baabc21ac0" providerId="ADAL" clId="{F6DC69EA-CC44-4A60-906C-4596E018BE8C}" dt="2024-01-12T15:10:45.511" v="6" actId="164"/>
+          <ac:cxnSpMkLst>
+            <pc:docMk/>
+            <pc:sldMk cId="2088911489" sldId="257"/>
+            <ac:cxnSpMk id="143" creationId="{BA060CCB-E7DC-4D18-9D56-E48AC35FC14C}"/>
+          </ac:cxnSpMkLst>
+        </pc:cxnChg>
+        <pc:cxnChg chg="mod">
+          <ac:chgData name="Andre Dallmann" userId="5c23077c-d33a-43b1-8da1-43baabc21ac0" providerId="ADAL" clId="{F6DC69EA-CC44-4A60-906C-4596E018BE8C}" dt="2024-01-12T15:10:45.511" v="6" actId="164"/>
+          <ac:cxnSpMkLst>
+            <pc:docMk/>
+            <pc:sldMk cId="2088911489" sldId="257"/>
+            <ac:cxnSpMk id="144" creationId="{029B5047-0E4B-4552-A84F-C40E2AE27D02}"/>
+          </ac:cxnSpMkLst>
+        </pc:cxnChg>
+        <pc:cxnChg chg="mod">
+          <ac:chgData name="Andre Dallmann" userId="5c23077c-d33a-43b1-8da1-43baabc21ac0" providerId="ADAL" clId="{F6DC69EA-CC44-4A60-906C-4596E018BE8C}" dt="2024-01-12T15:10:45.511" v="6" actId="164"/>
+          <ac:cxnSpMkLst>
+            <pc:docMk/>
+            <pc:sldMk cId="2088911489" sldId="257"/>
+            <ac:cxnSpMk id="146" creationId="{C6ABEC47-3159-4869-A8A9-3CA11764A86F}"/>
+          </ac:cxnSpMkLst>
+        </pc:cxnChg>
+        <pc:cxnChg chg="mod">
+          <ac:chgData name="Andre Dallmann" userId="5c23077c-d33a-43b1-8da1-43baabc21ac0" providerId="ADAL" clId="{F6DC69EA-CC44-4A60-906C-4596E018BE8C}" dt="2024-01-12T15:10:45.511" v="6" actId="164"/>
+          <ac:cxnSpMkLst>
+            <pc:docMk/>
+            <pc:sldMk cId="2088911489" sldId="257"/>
+            <ac:cxnSpMk id="149" creationId="{DDE87805-09A5-4843-BA6D-48B3ED16FC1F}"/>
+          </ac:cxnSpMkLst>
+        </pc:cxnChg>
+        <pc:cxnChg chg="mod">
+          <ac:chgData name="Andre Dallmann" userId="5c23077c-d33a-43b1-8da1-43baabc21ac0" providerId="ADAL" clId="{F6DC69EA-CC44-4A60-906C-4596E018BE8C}" dt="2024-01-12T15:10:45.511" v="6" actId="164"/>
+          <ac:cxnSpMkLst>
+            <pc:docMk/>
+            <pc:sldMk cId="2088911489" sldId="257"/>
+            <ac:cxnSpMk id="152" creationId="{105CBEA4-7FE5-462C-B2BD-91B1EB886460}"/>
+          </ac:cxnSpMkLst>
+        </pc:cxnChg>
+      </pc:sldChg>
+    </pc:docChg>
+  </pc:docChgLst>
+  <pc:docChgLst>
+    <pc:chgData name="Andre Dallmann" userId="5c23077c-d33a-43b1-8da1-43baabc21ac0" providerId="ADAL" clId="{997083EC-9734-4558-B9F9-E174E0C75D60}"/>
+    <pc:docChg chg="modSld">
+      <pc:chgData name="Andre Dallmann" userId="5c23077c-d33a-43b1-8da1-43baabc21ac0" providerId="ADAL" clId="{997083EC-9734-4558-B9F9-E174E0C75D60}" dt="2022-05-23T08:29:58.333" v="1" actId="1038"/>
+      <pc:docMkLst>
+        <pc:docMk/>
+      </pc:docMkLst>
+      <pc:sldChg chg="modSp mod">
+        <pc:chgData name="Andre Dallmann" userId="5c23077c-d33a-43b1-8da1-43baabc21ac0" providerId="ADAL" clId="{997083EC-9734-4558-B9F9-E174E0C75D60}" dt="2022-05-23T08:29:58.333" v="1" actId="1038"/>
+        <pc:sldMkLst>
+          <pc:docMk/>
+          <pc:sldMk cId="2088911489" sldId="257"/>
+        </pc:sldMkLst>
+        <pc:spChg chg="mod">
+          <ac:chgData name="Andre Dallmann" userId="5c23077c-d33a-43b1-8da1-43baabc21ac0" providerId="ADAL" clId="{997083EC-9734-4558-B9F9-E174E0C75D60}" dt="2022-05-23T08:29:58.333" v="1" actId="1038"/>
+          <ac:spMkLst>
+            <pc:docMk/>
+            <pc:sldMk cId="2088911489" sldId="257"/>
+            <ac:spMk id="142" creationId="{29E4E807-5A55-4E70-BF21-80D6599CBFF5}"/>
+          </ac:spMkLst>
+        </pc:spChg>
+        <pc:cxnChg chg="mod">
+          <ac:chgData name="Andre Dallmann" userId="5c23077c-d33a-43b1-8da1-43baabc21ac0" providerId="ADAL" clId="{997083EC-9734-4558-B9F9-E174E0C75D60}" dt="2022-05-23T08:29:58.333" v="1" actId="1038"/>
+          <ac:cxnSpMkLst>
+            <pc:docMk/>
+            <pc:sldMk cId="2088911489" sldId="257"/>
+            <ac:cxnSpMk id="141" creationId="{D756DE5F-91B3-4242-AC21-1F6296FE0CE4}"/>
           </ac:cxnSpMkLst>
         </pc:cxnChg>
       </pc:sldChg>
@@ -1151,7 +2055,7 @@
           <a:p>
             <a:fld id="{3A25AF7A-D1F1-44F6-9E50-C79D58050BA4}" type="datetimeFigureOut">
               <a:rPr lang="en-US" smtClean="0"/>
-              <a:t>1/13/2022</a:t>
+              <a:t>1/12/2024</a:t>
             </a:fld>
             <a:endParaRPr lang="en-US" dirty="0"/>
           </a:p>
@@ -1193,7 +2097,7 @@
           <a:p>
             <a:fld id="{84E92838-740C-420B-9518-DF4A7DEF82EA}" type="slidenum">
               <a:rPr lang="en-US" smtClean="0"/>
-              <a:t>‹Nr.›</a:t>
+              <a:t>‹#›</a:t>
             </a:fld>
             <a:endParaRPr lang="en-US" dirty="0"/>
           </a:p>
@@ -1321,7 +2225,7 @@
           <a:p>
             <a:fld id="{3A25AF7A-D1F1-44F6-9E50-C79D58050BA4}" type="datetimeFigureOut">
               <a:rPr lang="en-US" smtClean="0"/>
-              <a:t>1/13/2022</a:t>
+              <a:t>1/12/2024</a:t>
             </a:fld>
             <a:endParaRPr lang="en-US" dirty="0"/>
           </a:p>
@@ -1363,7 +2267,7 @@
           <a:p>
             <a:fld id="{84E92838-740C-420B-9518-DF4A7DEF82EA}" type="slidenum">
               <a:rPr lang="en-US" smtClean="0"/>
-              <a:t>‹Nr.›</a:t>
+              <a:t>‹#›</a:t>
             </a:fld>
             <a:endParaRPr lang="en-US" dirty="0"/>
           </a:p>
@@ -1501,7 +2405,7 @@
           <a:p>
             <a:fld id="{3A25AF7A-D1F1-44F6-9E50-C79D58050BA4}" type="datetimeFigureOut">
               <a:rPr lang="en-US" smtClean="0"/>
-              <a:t>1/13/2022</a:t>
+              <a:t>1/12/2024</a:t>
             </a:fld>
             <a:endParaRPr lang="en-US" dirty="0"/>
           </a:p>
@@ -1543,7 +2447,7 @@
           <a:p>
             <a:fld id="{84E92838-740C-420B-9518-DF4A7DEF82EA}" type="slidenum">
               <a:rPr lang="en-US" smtClean="0"/>
-              <a:t>‹Nr.›</a:t>
+              <a:t>‹#›</a:t>
             </a:fld>
             <a:endParaRPr lang="en-US" dirty="0"/>
           </a:p>
@@ -1671,7 +2575,7 @@
           <a:p>
             <a:fld id="{3A25AF7A-D1F1-44F6-9E50-C79D58050BA4}" type="datetimeFigureOut">
               <a:rPr lang="en-US" smtClean="0"/>
-              <a:t>1/13/2022</a:t>
+              <a:t>1/12/2024</a:t>
             </a:fld>
             <a:endParaRPr lang="en-US" dirty="0"/>
           </a:p>
@@ -1713,7 +2617,7 @@
           <a:p>
             <a:fld id="{84E92838-740C-420B-9518-DF4A7DEF82EA}" type="slidenum">
               <a:rPr lang="en-US" smtClean="0"/>
-              <a:t>‹Nr.›</a:t>
+              <a:t>‹#›</a:t>
             </a:fld>
             <a:endParaRPr lang="en-US" dirty="0"/>
           </a:p>
@@ -1917,7 +2821,7 @@
           <a:p>
             <a:fld id="{3A25AF7A-D1F1-44F6-9E50-C79D58050BA4}" type="datetimeFigureOut">
               <a:rPr lang="en-US" smtClean="0"/>
-              <a:t>1/13/2022</a:t>
+              <a:t>1/12/2024</a:t>
             </a:fld>
             <a:endParaRPr lang="en-US" dirty="0"/>
           </a:p>
@@ -1959,7 +2863,7 @@
           <a:p>
             <a:fld id="{84E92838-740C-420B-9518-DF4A7DEF82EA}" type="slidenum">
               <a:rPr lang="en-US" smtClean="0"/>
-              <a:t>‹Nr.›</a:t>
+              <a:t>‹#›</a:t>
             </a:fld>
             <a:endParaRPr lang="en-US" dirty="0"/>
           </a:p>
@@ -2149,7 +3053,7 @@
           <a:p>
             <a:fld id="{3A25AF7A-D1F1-44F6-9E50-C79D58050BA4}" type="datetimeFigureOut">
               <a:rPr lang="en-US" smtClean="0"/>
-              <a:t>1/13/2022</a:t>
+              <a:t>1/12/2024</a:t>
             </a:fld>
             <a:endParaRPr lang="en-US" dirty="0"/>
           </a:p>
@@ -2191,7 +3095,7 @@
           <a:p>
             <a:fld id="{84E92838-740C-420B-9518-DF4A7DEF82EA}" type="slidenum">
               <a:rPr lang="en-US" smtClean="0"/>
-              <a:t>‹Nr.›</a:t>
+              <a:t>‹#›</a:t>
             </a:fld>
             <a:endParaRPr lang="en-US" dirty="0"/>
           </a:p>
@@ -2516,7 +3420,7 @@
           <a:p>
             <a:fld id="{3A25AF7A-D1F1-44F6-9E50-C79D58050BA4}" type="datetimeFigureOut">
               <a:rPr lang="en-US" smtClean="0"/>
-              <a:t>1/13/2022</a:t>
+              <a:t>1/12/2024</a:t>
             </a:fld>
             <a:endParaRPr lang="en-US" dirty="0"/>
           </a:p>
@@ -2558,7 +3462,7 @@
           <a:p>
             <a:fld id="{84E92838-740C-420B-9518-DF4A7DEF82EA}" type="slidenum">
               <a:rPr lang="en-US" smtClean="0"/>
-              <a:t>‹Nr.›</a:t>
+              <a:t>‹#›</a:t>
             </a:fld>
             <a:endParaRPr lang="en-US" dirty="0"/>
           </a:p>
@@ -2634,7 +3538,7 @@
           <a:p>
             <a:fld id="{3A25AF7A-D1F1-44F6-9E50-C79D58050BA4}" type="datetimeFigureOut">
               <a:rPr lang="en-US" smtClean="0"/>
-              <a:t>1/13/2022</a:t>
+              <a:t>1/12/2024</a:t>
             </a:fld>
             <a:endParaRPr lang="en-US" dirty="0"/>
           </a:p>
@@ -2676,7 +3580,7 @@
           <a:p>
             <a:fld id="{84E92838-740C-420B-9518-DF4A7DEF82EA}" type="slidenum">
               <a:rPr lang="en-US" smtClean="0"/>
-              <a:t>‹Nr.›</a:t>
+              <a:t>‹#›</a:t>
             </a:fld>
             <a:endParaRPr lang="en-US" dirty="0"/>
           </a:p>
@@ -2729,7 +3633,7 @@
           <a:p>
             <a:fld id="{3A25AF7A-D1F1-44F6-9E50-C79D58050BA4}" type="datetimeFigureOut">
               <a:rPr lang="en-US" smtClean="0"/>
-              <a:t>1/13/2022</a:t>
+              <a:t>1/12/2024</a:t>
             </a:fld>
             <a:endParaRPr lang="en-US" dirty="0"/>
           </a:p>
@@ -2771,7 +3675,7 @@
           <a:p>
             <a:fld id="{84E92838-740C-420B-9518-DF4A7DEF82EA}" type="slidenum">
               <a:rPr lang="en-US" smtClean="0"/>
-              <a:t>‹Nr.›</a:t>
+              <a:t>‹#›</a:t>
             </a:fld>
             <a:endParaRPr lang="en-US" dirty="0"/>
           </a:p>
@@ -3006,7 +3910,7 @@
           <a:p>
             <a:fld id="{3A25AF7A-D1F1-44F6-9E50-C79D58050BA4}" type="datetimeFigureOut">
               <a:rPr lang="en-US" smtClean="0"/>
-              <a:t>1/13/2022</a:t>
+              <a:t>1/12/2024</a:t>
             </a:fld>
             <a:endParaRPr lang="en-US" dirty="0"/>
           </a:p>
@@ -3048,7 +3952,7 @@
           <a:p>
             <a:fld id="{84E92838-740C-420B-9518-DF4A7DEF82EA}" type="slidenum">
               <a:rPr lang="en-US" smtClean="0"/>
-              <a:t>‹Nr.›</a:t>
+              <a:t>‹#›</a:t>
             </a:fld>
             <a:endParaRPr lang="en-US" dirty="0"/>
           </a:p>
@@ -3263,7 +4167,7 @@
           <a:p>
             <a:fld id="{3A25AF7A-D1F1-44F6-9E50-C79D58050BA4}" type="datetimeFigureOut">
               <a:rPr lang="en-US" smtClean="0"/>
-              <a:t>1/13/2022</a:t>
+              <a:t>1/12/2024</a:t>
             </a:fld>
             <a:endParaRPr lang="en-US" dirty="0"/>
           </a:p>
@@ -3305,7 +4209,7 @@
           <a:p>
             <a:fld id="{84E92838-740C-420B-9518-DF4A7DEF82EA}" type="slidenum">
               <a:rPr lang="en-US" smtClean="0"/>
-              <a:t>‹Nr.›</a:t>
+              <a:t>‹#›</a:t>
             </a:fld>
             <a:endParaRPr lang="en-US" dirty="0"/>
           </a:p>
@@ -3476,7 +4380,7 @@
           <a:p>
             <a:fld id="{3A25AF7A-D1F1-44F6-9E50-C79D58050BA4}" type="datetimeFigureOut">
               <a:rPr lang="en-US" smtClean="0"/>
-              <a:t>1/13/2022</a:t>
+              <a:t>1/12/2024</a:t>
             </a:fld>
             <a:endParaRPr lang="en-US" dirty="0"/>
           </a:p>
@@ -3554,7 +4458,7 @@
           <a:p>
             <a:fld id="{84E92838-740C-420B-9518-DF4A7DEF82EA}" type="slidenum">
               <a:rPr lang="en-US" smtClean="0"/>
-              <a:t>‹Nr.›</a:t>
+              <a:t>‹#›</a:t>
             </a:fld>
             <a:endParaRPr lang="en-US" dirty="0"/>
           </a:p>
@@ -3881,79 +4785,1232 @@
           <a:chExt cx="0" cy="0"/>
         </a:xfrm>
       </p:grpSpPr>
-      <p:sp>
-        <p:nvSpPr>
-          <p:cNvPr id="90" name="Rechteck 89">
+      <p:grpSp>
+        <p:nvGrpSpPr>
+          <p:cNvPr id="2" name="Group 1">
             <a:extLst>
               <a:ext uri="{FF2B5EF4-FFF2-40B4-BE49-F238E27FC236}">
-                <a16:creationId xmlns:a16="http://schemas.microsoft.com/office/drawing/2014/main" id="{A44146A4-80AA-4FB5-8B0A-6BB19B353D43}"/>
+                <a16:creationId xmlns:a16="http://schemas.microsoft.com/office/drawing/2014/main" id="{BCAE344D-4F0E-B748-6127-5C543E13F4BC}"/>
               </a:ext>
             </a:extLst>
           </p:cNvPr>
-          <p:cNvSpPr/>
+          <p:cNvGrpSpPr/>
           <p:nvPr/>
-        </p:nvSpPr>
-        <p:spPr bwMode="gray">
-          <a:xfrm rot="16200000">
-            <a:off x="-371049" y="3582269"/>
-            <a:ext cx="1791642" cy="548087"/>
+        </p:nvGrpSpPr>
+        <p:grpSpPr>
+          <a:xfrm>
+            <a:off x="625" y="0"/>
+            <a:ext cx="10080000" cy="5040000"/>
+            <a:chOff x="625" y="0"/>
+            <a:chExt cx="10080000" cy="5040000"/>
           </a:xfrm>
-          <a:prstGeom prst="rect">
-            <a:avLst/>
-          </a:prstGeom>
-          <a:gradFill flip="none" rotWithShape="1">
-            <a:gsLst>
-              <a:gs pos="0">
-                <a:srgbClr val="00BCFF">
-                  <a:shade val="30000"/>
-                  <a:satMod val="115000"/>
-                </a:srgbClr>
-              </a:gs>
-              <a:gs pos="50000">
-                <a:srgbClr val="00BCFF">
-                  <a:shade val="67500"/>
-                  <a:satMod val="115000"/>
-                </a:srgbClr>
-              </a:gs>
-              <a:gs pos="100000">
-                <a:srgbClr val="00BCFF">
-                  <a:shade val="100000"/>
-                  <a:satMod val="115000"/>
-                </a:srgbClr>
-              </a:gs>
-            </a:gsLst>
-            <a:lin ang="2700000" scaled="1"/>
-            <a:tileRect/>
-          </a:gradFill>
-          <a:ln w="25400" cap="flat" cmpd="sng" algn="ctr">
+        </p:grpSpPr>
+        <p:sp>
+          <p:nvSpPr>
+            <p:cNvPr id="90" name="Rechteck 89">
+              <a:extLst>
+                <a:ext uri="{FF2B5EF4-FFF2-40B4-BE49-F238E27FC236}">
+                  <a16:creationId xmlns:a16="http://schemas.microsoft.com/office/drawing/2014/main" id="{A44146A4-80AA-4FB5-8B0A-6BB19B353D43}"/>
+                </a:ext>
+              </a:extLst>
+            </p:cNvPr>
+            <p:cNvSpPr/>
+            <p:nvPr/>
+          </p:nvSpPr>
+          <p:spPr bwMode="gray">
+            <a:xfrm rot="16200000">
+              <a:off x="-371049" y="3582269"/>
+              <a:ext cx="1791642" cy="548087"/>
+            </a:xfrm>
+            <a:prstGeom prst="rect">
+              <a:avLst/>
+            </a:prstGeom>
+            <a:gradFill flip="none" rotWithShape="1">
+              <a:gsLst>
+                <a:gs pos="0">
+                  <a:srgbClr val="00BCFF">
+                    <a:shade val="30000"/>
+                    <a:satMod val="115000"/>
+                  </a:srgbClr>
+                </a:gs>
+                <a:gs pos="50000">
+                  <a:srgbClr val="00BCFF">
+                    <a:shade val="67500"/>
+                    <a:satMod val="115000"/>
+                  </a:srgbClr>
+                </a:gs>
+                <a:gs pos="100000">
+                  <a:srgbClr val="00BCFF">
+                    <a:shade val="100000"/>
+                    <a:satMod val="115000"/>
+                  </a:srgbClr>
+                </a:gs>
+              </a:gsLst>
+              <a:lin ang="2700000" scaled="1"/>
+              <a:tileRect/>
+            </a:gradFill>
+            <a:ln w="25400" cap="flat" cmpd="sng" algn="ctr">
+              <a:noFill/>
+              <a:prstDash val="solid"/>
+            </a:ln>
+            <a:effectLst/>
+          </p:spPr>
+          <p:txBody>
+            <a:bodyPr rtlCol="0" anchor="ctr"/>
+            <a:lstStyle/>
+            <a:p>
+              <a:pPr marL="0" marR="0" lvl="0" indent="0" algn="ctr" defTabSz="914400" eaLnBrk="1" fontAlgn="auto" latinLnBrk="0" hangingPunct="1">
+                <a:lnSpc>
+                  <a:spcPct val="100000"/>
+                </a:lnSpc>
+                <a:spcBef>
+                  <a:spcPts val="0"/>
+                </a:spcBef>
+                <a:spcAft>
+                  <a:spcPts val="0"/>
+                </a:spcAft>
+                <a:buClrTx/>
+                <a:buSzTx/>
+                <a:buFontTx/>
+                <a:buNone/>
+                <a:tabLst/>
+                <a:defRPr/>
+              </a:pPr>
+              <a:r>
+                <a:rPr kumimoji="0" lang="de-DE" sz="1600" b="1" i="0" u="none" strike="noStrike" kern="0" cap="none" spc="0" normalizeH="0" baseline="0" noProof="0" dirty="0">
+                  <a:ln>
+                    <a:noFill/>
+                  </a:ln>
+                  <a:solidFill>
+                    <a:srgbClr val="FFFFFF"/>
+                  </a:solidFill>
+                  <a:effectLst/>
+                  <a:uLnTx/>
+                  <a:uFillTx/>
+                  <a:latin typeface="Arial"/>
+                  <a:cs typeface="Arial"/>
+                </a:rPr>
+                <a:t>Victim</a:t>
+              </a:r>
+            </a:p>
+          </p:txBody>
+        </p:sp>
+        <p:grpSp>
+          <p:nvGrpSpPr>
+            <p:cNvPr id="176" name="Gruppieren 175">
+              <a:extLst>
+                <a:ext uri="{FF2B5EF4-FFF2-40B4-BE49-F238E27FC236}">
+                  <a16:creationId xmlns:a16="http://schemas.microsoft.com/office/drawing/2014/main" id="{4BBF0E06-1277-4994-AFE9-B37C048D848A}"/>
+                </a:ext>
+              </a:extLst>
+            </p:cNvPr>
+            <p:cNvGrpSpPr/>
+            <p:nvPr/>
+          </p:nvGrpSpPr>
+          <p:grpSpPr>
+            <a:xfrm>
+              <a:off x="945048" y="242884"/>
+              <a:ext cx="8988796" cy="4438275"/>
+              <a:chOff x="945048" y="78769"/>
+              <a:chExt cx="8988796" cy="4438275"/>
+            </a:xfrm>
+          </p:grpSpPr>
+          <p:sp>
+            <p:nvSpPr>
+              <p:cNvPr id="73" name="Textfeld 72">
+                <a:extLst>
+                  <a:ext uri="{FF2B5EF4-FFF2-40B4-BE49-F238E27FC236}">
+                    <a16:creationId xmlns:a16="http://schemas.microsoft.com/office/drawing/2014/main" id="{3B36568C-F1AC-4C56-82E9-751A6283020E}"/>
+                  </a:ext>
+                </a:extLst>
+              </p:cNvPr>
+              <p:cNvSpPr txBox="1"/>
+              <p:nvPr/>
+            </p:nvSpPr>
+            <p:spPr>
+              <a:xfrm>
+                <a:off x="8199147" y="1299754"/>
+                <a:ext cx="1598549" cy="292388"/>
+              </a:xfrm>
+              <a:prstGeom prst="rect">
+                <a:avLst/>
+              </a:prstGeom>
+              <a:noFill/>
+            </p:spPr>
+            <p:txBody>
+              <a:bodyPr wrap="square" rIns="0" bIns="0" rtlCol="0" anchor="ctr">
+                <a:spAutoFit/>
+              </a:bodyPr>
+              <a:lstStyle/>
+              <a:p>
+                <a:pPr marL="0" marR="0" lvl="0" indent="0" algn="ctr" defTabSz="1221456" eaLnBrk="1" fontAlgn="auto" latinLnBrk="0" hangingPunct="1">
+                  <a:lnSpc>
+                    <a:spcPct val="100000"/>
+                  </a:lnSpc>
+                  <a:spcBef>
+                    <a:spcPts val="0"/>
+                  </a:spcBef>
+                  <a:spcAft>
+                    <a:spcPts val="0"/>
+                  </a:spcAft>
+                  <a:buClrTx/>
+                  <a:buSzTx/>
+                  <a:buFontTx/>
+                  <a:buNone/>
+                  <a:tabLst/>
+                  <a:defRPr/>
+                </a:pPr>
+                <a:r>
+                  <a:rPr kumimoji="0" lang="en-US" sz="1600" b="1" i="0" u="none" strike="noStrike" kern="0" cap="none" spc="0" normalizeH="0" baseline="0" noProof="0" dirty="0">
+                    <a:ln>
+                      <a:noFill/>
+                    </a:ln>
+                    <a:solidFill>
+                      <a:srgbClr val="10384F"/>
+                    </a:solidFill>
+                    <a:effectLst/>
+                    <a:uLnTx/>
+                    <a:uFillTx/>
+                    <a:latin typeface="Arial"/>
+                    <a:cs typeface="Calibri" panose="020F0502020204030204" pitchFamily="34" charset="0"/>
+                  </a:rPr>
+                  <a:t>Clarithromycin</a:t>
+                </a:r>
+                <a:endParaRPr kumimoji="0" lang="de-DE" sz="1600" b="1" i="0" u="none" strike="noStrike" kern="0" cap="none" spc="0" normalizeH="0" baseline="0" noProof="0" dirty="0">
+                  <a:ln>
+                    <a:noFill/>
+                  </a:ln>
+                  <a:solidFill>
+                    <a:srgbClr val="10384F"/>
+                  </a:solidFill>
+                  <a:effectLst/>
+                  <a:uLnTx/>
+                  <a:uFillTx/>
+                  <a:latin typeface="Arial"/>
+                  <a:cs typeface="Calibri" panose="020F0502020204030204" pitchFamily="34" charset="0"/>
+                </a:endParaRPr>
+              </a:p>
+            </p:txBody>
+          </p:sp>
+          <p:sp>
+            <p:nvSpPr>
+              <p:cNvPr id="74" name="Textfeld 73">
+                <a:extLst>
+                  <a:ext uri="{FF2B5EF4-FFF2-40B4-BE49-F238E27FC236}">
+                    <a16:creationId xmlns:a16="http://schemas.microsoft.com/office/drawing/2014/main" id="{30AE1D67-1A73-4290-BF1C-838E2810220E}"/>
+                  </a:ext>
+                </a:extLst>
+              </p:cNvPr>
+              <p:cNvSpPr txBox="1"/>
+              <p:nvPr/>
+            </p:nvSpPr>
+            <p:spPr>
+              <a:xfrm>
+                <a:off x="7432151" y="708801"/>
+                <a:ext cx="1633907" cy="292388"/>
+              </a:xfrm>
+              <a:prstGeom prst="rect">
+                <a:avLst/>
+              </a:prstGeom>
+              <a:noFill/>
+            </p:spPr>
+            <p:txBody>
+              <a:bodyPr wrap="square" rIns="0" bIns="0" rtlCol="0" anchor="ctr">
+                <a:spAutoFit/>
+              </a:bodyPr>
+              <a:lstStyle/>
+              <a:p>
+                <a:pPr marL="0" marR="0" lvl="0" indent="0" defTabSz="1221456" eaLnBrk="1" fontAlgn="auto" latinLnBrk="0" hangingPunct="1">
+                  <a:lnSpc>
+                    <a:spcPct val="100000"/>
+                  </a:lnSpc>
+                  <a:spcBef>
+                    <a:spcPts val="0"/>
+                  </a:spcBef>
+                  <a:spcAft>
+                    <a:spcPts val="0"/>
+                  </a:spcAft>
+                  <a:buClrTx/>
+                  <a:buSzTx/>
+                  <a:buFontTx/>
+                  <a:buNone/>
+                  <a:tabLst/>
+                  <a:defRPr/>
+                </a:pPr>
+                <a:r>
+                  <a:rPr kumimoji="0" lang="en-US" sz="1600" b="1" i="0" u="none" strike="noStrike" kern="0" cap="none" spc="0" normalizeH="0" baseline="0" noProof="0" dirty="0">
+                    <a:ln>
+                      <a:noFill/>
+                    </a:ln>
+                    <a:solidFill>
+                      <a:srgbClr val="10384F"/>
+                    </a:solidFill>
+                    <a:effectLst/>
+                    <a:uLnTx/>
+                    <a:uFillTx/>
+                    <a:latin typeface="Arial"/>
+                    <a:cs typeface="Calibri" panose="020F0502020204030204" pitchFamily="34" charset="0"/>
+                  </a:rPr>
+                  <a:t>Erythromycin</a:t>
+                </a:r>
+                <a:endParaRPr kumimoji="0" lang="de-DE" sz="1600" b="1" i="0" u="none" strike="noStrike" kern="0" cap="none" spc="0" normalizeH="0" baseline="0" noProof="0" dirty="0">
+                  <a:ln>
+                    <a:noFill/>
+                  </a:ln>
+                  <a:solidFill>
+                    <a:srgbClr val="10384F"/>
+                  </a:solidFill>
+                  <a:effectLst/>
+                  <a:uLnTx/>
+                  <a:uFillTx/>
+                  <a:latin typeface="Arial"/>
+                  <a:cs typeface="Calibri" panose="020F0502020204030204" pitchFamily="34" charset="0"/>
+                </a:endParaRPr>
+              </a:p>
+            </p:txBody>
+          </p:sp>
+          <p:sp>
+            <p:nvSpPr>
+              <p:cNvPr id="75" name="Textfeld 74">
+                <a:extLst>
+                  <a:ext uri="{FF2B5EF4-FFF2-40B4-BE49-F238E27FC236}">
+                    <a16:creationId xmlns:a16="http://schemas.microsoft.com/office/drawing/2014/main" id="{234E6B2D-5E04-446D-9D83-8C86BAA818DE}"/>
+                  </a:ext>
+                </a:extLst>
+              </p:cNvPr>
+              <p:cNvSpPr txBox="1"/>
+              <p:nvPr/>
+            </p:nvSpPr>
+            <p:spPr>
+              <a:xfrm>
+                <a:off x="1933368" y="3485578"/>
+                <a:ext cx="1552673" cy="292388"/>
+              </a:xfrm>
+              <a:prstGeom prst="rect">
+                <a:avLst/>
+              </a:prstGeom>
+              <a:noFill/>
+            </p:spPr>
+            <p:txBody>
+              <a:bodyPr wrap="square" rIns="0" bIns="0" rtlCol="0">
+                <a:spAutoFit/>
+              </a:bodyPr>
+              <a:lstStyle/>
+              <a:p>
+                <a:pPr marL="0" marR="0" lvl="0" indent="0" algn="ctr" defTabSz="1221456" eaLnBrk="1" fontAlgn="auto" latinLnBrk="0" hangingPunct="1">
+                  <a:lnSpc>
+                    <a:spcPct val="100000"/>
+                  </a:lnSpc>
+                  <a:spcBef>
+                    <a:spcPts val="0"/>
+                  </a:spcBef>
+                  <a:spcAft>
+                    <a:spcPts val="0"/>
+                  </a:spcAft>
+                  <a:buClrTx/>
+                  <a:buSzTx/>
+                  <a:buFontTx/>
+                  <a:buNone/>
+                  <a:tabLst/>
+                  <a:defRPr/>
+                </a:pPr>
+                <a:r>
+                  <a:rPr kumimoji="0" lang="en-US" sz="1600" b="1" i="0" u="none" strike="noStrike" kern="0" cap="none" spc="0" normalizeH="0" baseline="0" noProof="0" dirty="0">
+                    <a:ln>
+                      <a:noFill/>
+                    </a:ln>
+                    <a:solidFill>
+                      <a:srgbClr val="10384F"/>
+                    </a:solidFill>
+                    <a:effectLst/>
+                    <a:uLnTx/>
+                    <a:uFillTx/>
+                    <a:latin typeface="Arial"/>
+                    <a:cs typeface="Calibri" panose="020F0502020204030204" pitchFamily="34" charset="0"/>
+                  </a:rPr>
+                  <a:t>Midazolam</a:t>
+                </a:r>
+                <a:endParaRPr kumimoji="0" lang="de-DE" sz="1600" b="1" i="0" u="none" strike="noStrike" kern="0" cap="none" spc="0" normalizeH="0" baseline="0" noProof="0" dirty="0">
+                  <a:ln>
+                    <a:noFill/>
+                  </a:ln>
+                  <a:solidFill>
+                    <a:srgbClr val="10384F"/>
+                  </a:solidFill>
+                  <a:effectLst/>
+                  <a:uLnTx/>
+                  <a:uFillTx/>
+                  <a:latin typeface="Arial"/>
+                  <a:cs typeface="Calibri" panose="020F0502020204030204" pitchFamily="34" charset="0"/>
+                </a:endParaRPr>
+              </a:p>
+            </p:txBody>
+          </p:sp>
+          <p:sp>
+            <p:nvSpPr>
+              <p:cNvPr id="78" name="Textfeld 77">
+                <a:extLst>
+                  <a:ext uri="{FF2B5EF4-FFF2-40B4-BE49-F238E27FC236}">
+                    <a16:creationId xmlns:a16="http://schemas.microsoft.com/office/drawing/2014/main" id="{6203B152-E41F-4D76-B689-A636183095C5}"/>
+                  </a:ext>
+                </a:extLst>
+              </p:cNvPr>
+              <p:cNvSpPr txBox="1"/>
+              <p:nvPr/>
+            </p:nvSpPr>
+            <p:spPr>
+              <a:xfrm>
+                <a:off x="3562534" y="3937031"/>
+                <a:ext cx="1420301" cy="292388"/>
+              </a:xfrm>
+              <a:prstGeom prst="rect">
+                <a:avLst/>
+              </a:prstGeom>
+              <a:noFill/>
+            </p:spPr>
+            <p:txBody>
+              <a:bodyPr wrap="square" rIns="0" bIns="0" rtlCol="0">
+                <a:spAutoFit/>
+              </a:bodyPr>
+              <a:lstStyle/>
+              <a:p>
+                <a:pPr marL="0" marR="0" lvl="0" indent="0" algn="ctr" defTabSz="1221456" eaLnBrk="1" fontAlgn="auto" latinLnBrk="0" hangingPunct="1">
+                  <a:lnSpc>
+                    <a:spcPct val="100000"/>
+                  </a:lnSpc>
+                  <a:spcBef>
+                    <a:spcPts val="0"/>
+                  </a:spcBef>
+                  <a:spcAft>
+                    <a:spcPts val="0"/>
+                  </a:spcAft>
+                  <a:buClrTx/>
+                  <a:buSzTx/>
+                  <a:buFontTx/>
+                  <a:buNone/>
+                  <a:tabLst/>
+                  <a:defRPr/>
+                </a:pPr>
+                <a:r>
+                  <a:rPr kumimoji="0" lang="en-US" sz="1600" b="1" i="0" u="none" strike="noStrike" kern="0" cap="none" spc="0" normalizeH="0" baseline="0" noProof="0" dirty="0">
+                    <a:ln>
+                      <a:noFill/>
+                    </a:ln>
+                    <a:solidFill>
+                      <a:srgbClr val="10384F"/>
+                    </a:solidFill>
+                    <a:effectLst/>
+                    <a:uLnTx/>
+                    <a:uFillTx/>
+                    <a:latin typeface="Arial"/>
+                    <a:cs typeface="Calibri" panose="020F0502020204030204" pitchFamily="34" charset="0"/>
+                  </a:rPr>
+                  <a:t>Triazolam</a:t>
+                </a:r>
+                <a:endParaRPr kumimoji="0" lang="de-DE" sz="1600" b="1" i="0" u="none" strike="noStrike" kern="0" cap="none" spc="0" normalizeH="0" baseline="0" noProof="0" dirty="0">
+                  <a:ln>
+                    <a:noFill/>
+                  </a:ln>
+                  <a:solidFill>
+                    <a:srgbClr val="10384F"/>
+                  </a:solidFill>
+                  <a:effectLst/>
+                  <a:uLnTx/>
+                  <a:uFillTx/>
+                  <a:latin typeface="Arial"/>
+                  <a:cs typeface="Calibri" panose="020F0502020204030204" pitchFamily="34" charset="0"/>
+                </a:endParaRPr>
+              </a:p>
+            </p:txBody>
+          </p:sp>
+          <p:sp>
+            <p:nvSpPr>
+              <p:cNvPr id="79" name="Textfeld 78">
+                <a:extLst>
+                  <a:ext uri="{FF2B5EF4-FFF2-40B4-BE49-F238E27FC236}">
+                    <a16:creationId xmlns:a16="http://schemas.microsoft.com/office/drawing/2014/main" id="{AE05FCCE-761A-4E1E-AD3E-C8A8BB8052DE}"/>
+                  </a:ext>
+                </a:extLst>
+              </p:cNvPr>
+              <p:cNvSpPr txBox="1"/>
+              <p:nvPr/>
+            </p:nvSpPr>
+            <p:spPr>
+              <a:xfrm>
+                <a:off x="7602448" y="3710894"/>
+                <a:ext cx="1115499" cy="292388"/>
+              </a:xfrm>
+              <a:prstGeom prst="rect">
+                <a:avLst/>
+              </a:prstGeom>
+              <a:noFill/>
+            </p:spPr>
+            <p:txBody>
+              <a:bodyPr wrap="square" rIns="0" bIns="0" rtlCol="0">
+                <a:spAutoFit/>
+              </a:bodyPr>
+              <a:lstStyle/>
+              <a:p>
+                <a:pPr marL="0" marR="0" lvl="0" indent="0" algn="ctr" defTabSz="1221456" eaLnBrk="1" fontAlgn="auto" latinLnBrk="0" hangingPunct="1">
+                  <a:lnSpc>
+                    <a:spcPct val="100000"/>
+                  </a:lnSpc>
+                  <a:spcBef>
+                    <a:spcPts val="0"/>
+                  </a:spcBef>
+                  <a:spcAft>
+                    <a:spcPts val="0"/>
+                  </a:spcAft>
+                  <a:buClrTx/>
+                  <a:buSzTx/>
+                  <a:buFontTx/>
+                  <a:buNone/>
+                  <a:tabLst/>
+                  <a:defRPr/>
+                </a:pPr>
+                <a:r>
+                  <a:rPr kumimoji="0" lang="en-US" sz="1600" b="1" i="0" u="none" strike="noStrike" kern="0" cap="none" spc="0" normalizeH="0" baseline="0" noProof="0" dirty="0">
+                    <a:ln>
+                      <a:noFill/>
+                    </a:ln>
+                    <a:solidFill>
+                      <a:srgbClr val="10384F"/>
+                    </a:solidFill>
+                    <a:effectLst/>
+                    <a:uLnTx/>
+                    <a:uFillTx/>
+                    <a:latin typeface="Arial"/>
+                    <a:cs typeface="Calibri" panose="020F0502020204030204" pitchFamily="34" charset="0"/>
+                  </a:rPr>
+                  <a:t>Alfentanil</a:t>
+                </a:r>
+                <a:endParaRPr kumimoji="0" lang="de-DE" sz="1600" b="1" i="0" u="none" strike="noStrike" kern="0" cap="none" spc="0" normalizeH="0" baseline="0" noProof="0" dirty="0">
+                  <a:ln>
+                    <a:noFill/>
+                  </a:ln>
+                  <a:solidFill>
+                    <a:srgbClr val="10384F"/>
+                  </a:solidFill>
+                  <a:effectLst/>
+                  <a:uLnTx/>
+                  <a:uFillTx/>
+                  <a:latin typeface="Arial"/>
+                  <a:cs typeface="Calibri" panose="020F0502020204030204" pitchFamily="34" charset="0"/>
+                </a:endParaRPr>
+              </a:p>
+            </p:txBody>
+          </p:sp>
+          <p:sp>
+            <p:nvSpPr>
+              <p:cNvPr id="80" name="Textfeld 79">
+                <a:extLst>
+                  <a:ext uri="{FF2B5EF4-FFF2-40B4-BE49-F238E27FC236}">
+                    <a16:creationId xmlns:a16="http://schemas.microsoft.com/office/drawing/2014/main" id="{1699A084-6E57-4DA4-9D39-5D28C9C59463}"/>
+                  </a:ext>
+                </a:extLst>
+              </p:cNvPr>
+              <p:cNvSpPr txBox="1"/>
+              <p:nvPr/>
+            </p:nvSpPr>
+            <p:spPr>
+              <a:xfrm>
+                <a:off x="5664563" y="4224656"/>
+                <a:ext cx="1651038" cy="292388"/>
+              </a:xfrm>
+              <a:prstGeom prst="rect">
+                <a:avLst/>
+              </a:prstGeom>
+              <a:noFill/>
+            </p:spPr>
+            <p:txBody>
+              <a:bodyPr wrap="square" rIns="0" bIns="0" rtlCol="0">
+                <a:spAutoFit/>
+              </a:bodyPr>
+              <a:lstStyle/>
+              <a:p>
+                <a:pPr marL="0" marR="0" lvl="0" indent="0" algn="ctr" defTabSz="1221456" eaLnBrk="1" fontAlgn="auto" latinLnBrk="0" hangingPunct="1">
+                  <a:lnSpc>
+                    <a:spcPct val="100000"/>
+                  </a:lnSpc>
+                  <a:spcBef>
+                    <a:spcPts val="0"/>
+                  </a:spcBef>
+                  <a:spcAft>
+                    <a:spcPts val="0"/>
+                  </a:spcAft>
+                  <a:buClrTx/>
+                  <a:buSzTx/>
+                  <a:buFontTx/>
+                  <a:buNone/>
+                  <a:tabLst/>
+                  <a:defRPr/>
+                </a:pPr>
+                <a:r>
+                  <a:rPr kumimoji="0" lang="en-US" sz="1600" b="1" i="0" u="none" strike="noStrike" kern="0" cap="none" spc="0" normalizeH="0" baseline="0" noProof="0" dirty="0">
+                    <a:ln>
+                      <a:noFill/>
+                    </a:ln>
+                    <a:solidFill>
+                      <a:srgbClr val="10384F"/>
+                    </a:solidFill>
+                    <a:effectLst/>
+                    <a:uLnTx/>
+                    <a:uFillTx/>
+                    <a:latin typeface="Arial"/>
+                    <a:cs typeface="Calibri" panose="020F0502020204030204" pitchFamily="34" charset="0"/>
+                  </a:rPr>
+                  <a:t>Alprazolam</a:t>
+                </a:r>
+                <a:endParaRPr kumimoji="0" lang="de-DE" sz="1600" b="1" i="0" u="none" strike="noStrike" kern="0" cap="none" spc="0" normalizeH="0" baseline="0" noProof="0" dirty="0">
+                  <a:ln>
+                    <a:noFill/>
+                  </a:ln>
+                  <a:solidFill>
+                    <a:srgbClr val="10384F"/>
+                  </a:solidFill>
+                  <a:effectLst/>
+                  <a:uLnTx/>
+                  <a:uFillTx/>
+                  <a:latin typeface="Arial"/>
+                  <a:cs typeface="Calibri" panose="020F0502020204030204" pitchFamily="34" charset="0"/>
+                </a:endParaRPr>
+              </a:p>
+            </p:txBody>
+          </p:sp>
+          <p:sp>
+            <p:nvSpPr>
+              <p:cNvPr id="82" name="Textfeld 81">
+                <a:extLst>
+                  <a:ext uri="{FF2B5EF4-FFF2-40B4-BE49-F238E27FC236}">
+                    <a16:creationId xmlns:a16="http://schemas.microsoft.com/office/drawing/2014/main" id="{901ABB62-9433-4052-B7AC-CC55EEC6EB10}"/>
+                  </a:ext>
+                </a:extLst>
+              </p:cNvPr>
+              <p:cNvSpPr txBox="1"/>
+              <p:nvPr/>
+            </p:nvSpPr>
+            <p:spPr>
+              <a:xfrm>
+                <a:off x="945048" y="2202652"/>
+                <a:ext cx="1184475" cy="292388"/>
+              </a:xfrm>
+              <a:prstGeom prst="rect">
+                <a:avLst/>
+              </a:prstGeom>
+              <a:noFill/>
+            </p:spPr>
+            <p:txBody>
+              <a:bodyPr wrap="square" rIns="0" bIns="0" rtlCol="0" anchor="ctr">
+                <a:spAutoFit/>
+              </a:bodyPr>
+              <a:lstStyle/>
+              <a:p>
+                <a:pPr marL="0" marR="0" lvl="0" indent="0" algn="ctr" defTabSz="1221456" eaLnBrk="1" fontAlgn="auto" latinLnBrk="0" hangingPunct="1">
+                  <a:lnSpc>
+                    <a:spcPct val="100000"/>
+                  </a:lnSpc>
+                  <a:spcBef>
+                    <a:spcPts val="0"/>
+                  </a:spcBef>
+                  <a:spcAft>
+                    <a:spcPts val="0"/>
+                  </a:spcAft>
+                  <a:buClrTx/>
+                  <a:buSzTx/>
+                  <a:buFontTx/>
+                  <a:buNone/>
+                  <a:tabLst/>
+                  <a:defRPr/>
+                </a:pPr>
+                <a:r>
+                  <a:rPr kumimoji="0" lang="en-US" sz="1600" b="1" i="0" u="none" strike="noStrike" kern="0" cap="none" spc="0" normalizeH="0" baseline="0" noProof="0" dirty="0">
+                    <a:ln>
+                      <a:noFill/>
+                    </a:ln>
+                    <a:solidFill>
+                      <a:srgbClr val="10384F"/>
+                    </a:solidFill>
+                    <a:effectLst/>
+                    <a:uLnTx/>
+                    <a:uFillTx/>
+                    <a:latin typeface="Arial"/>
+                    <a:cs typeface="Calibri" panose="020F0502020204030204" pitchFamily="34" charset="0"/>
+                  </a:rPr>
+                  <a:t>Rifampicin</a:t>
+                </a:r>
+                <a:endParaRPr kumimoji="0" lang="de-DE" sz="1600" b="1" i="0" u="none" strike="noStrike" kern="0" cap="none" spc="0" normalizeH="0" baseline="0" noProof="0" dirty="0">
+                  <a:ln>
+                    <a:noFill/>
+                  </a:ln>
+                  <a:solidFill>
+                    <a:srgbClr val="10384F"/>
+                  </a:solidFill>
+                  <a:effectLst/>
+                  <a:uLnTx/>
+                  <a:uFillTx/>
+                  <a:latin typeface="Arial"/>
+                  <a:cs typeface="Calibri" panose="020F0502020204030204" pitchFamily="34" charset="0"/>
+                </a:endParaRPr>
+              </a:p>
+            </p:txBody>
+          </p:sp>
+          <p:sp>
+            <p:nvSpPr>
+              <p:cNvPr id="84" name="Textfeld 83">
+                <a:extLst>
+                  <a:ext uri="{FF2B5EF4-FFF2-40B4-BE49-F238E27FC236}">
+                    <a16:creationId xmlns:a16="http://schemas.microsoft.com/office/drawing/2014/main" id="{FA41E090-4E80-490D-98A9-B7B4DECEC8C9}"/>
+                  </a:ext>
+                </a:extLst>
+              </p:cNvPr>
+              <p:cNvSpPr txBox="1"/>
+              <p:nvPr/>
+            </p:nvSpPr>
+            <p:spPr>
+              <a:xfrm>
+                <a:off x="2275413" y="547308"/>
+                <a:ext cx="1210628" cy="292388"/>
+              </a:xfrm>
+              <a:prstGeom prst="rect">
+                <a:avLst/>
+              </a:prstGeom>
+              <a:noFill/>
+              <a:ln w="25400" cap="flat" cmpd="sng" algn="ctr">
+                <a:noFill/>
+                <a:prstDash val="solid"/>
+                <a:round/>
+                <a:headEnd type="none" w="med" len="med"/>
+                <a:tailEnd type="triangle" w="med" len="med"/>
+              </a:ln>
+              <a:effectLst/>
+            </p:spPr>
+            <p:txBody>
+              <a:bodyPr wrap="square" rIns="0" bIns="0" rtlCol="0" anchor="ctr">
+                <a:spAutoFit/>
+              </a:bodyPr>
+              <a:lstStyle/>
+              <a:p>
+                <a:pPr marL="0" marR="0" lvl="0" indent="0" algn="ctr" defTabSz="1221456" eaLnBrk="1" fontAlgn="auto" latinLnBrk="0" hangingPunct="1">
+                  <a:lnSpc>
+                    <a:spcPct val="100000"/>
+                  </a:lnSpc>
+                  <a:spcBef>
+                    <a:spcPts val="0"/>
+                  </a:spcBef>
+                  <a:spcAft>
+                    <a:spcPts val="0"/>
+                  </a:spcAft>
+                  <a:buClrTx/>
+                  <a:buSzTx/>
+                  <a:buFontTx/>
+                  <a:buNone/>
+                  <a:tabLst/>
+                  <a:defRPr/>
+                </a:pPr>
+                <a:r>
+                  <a:rPr kumimoji="0" lang="en-US" sz="1600" b="1" i="0" u="none" strike="noStrike" kern="0" cap="none" spc="0" normalizeH="0" baseline="0" noProof="0" dirty="0">
+                    <a:ln>
+                      <a:noFill/>
+                    </a:ln>
+                    <a:solidFill>
+                      <a:srgbClr val="10384F"/>
+                    </a:solidFill>
+                    <a:effectLst/>
+                    <a:uLnTx/>
+                    <a:uFillTx/>
+                    <a:latin typeface="Arial"/>
+                    <a:cs typeface="Calibri" panose="020F0502020204030204" pitchFamily="34" charset="0"/>
+                  </a:rPr>
+                  <a:t>Cimetidine</a:t>
+                </a:r>
+                <a:endParaRPr kumimoji="0" lang="de-DE" sz="1600" b="1" i="0" u="none" strike="noStrike" kern="0" cap="none" spc="0" normalizeH="0" baseline="0" noProof="0" dirty="0">
+                  <a:ln>
+                    <a:noFill/>
+                  </a:ln>
+                  <a:solidFill>
+                    <a:srgbClr val="10384F"/>
+                  </a:solidFill>
+                  <a:effectLst/>
+                  <a:uLnTx/>
+                  <a:uFillTx/>
+                  <a:latin typeface="Arial"/>
+                  <a:cs typeface="Calibri" panose="020F0502020204030204" pitchFamily="34" charset="0"/>
+                </a:endParaRPr>
+              </a:p>
+            </p:txBody>
+          </p:sp>
+          <p:sp>
+            <p:nvSpPr>
+              <p:cNvPr id="86" name="Textfeld 85">
+                <a:extLst>
+                  <a:ext uri="{FF2B5EF4-FFF2-40B4-BE49-F238E27FC236}">
+                    <a16:creationId xmlns:a16="http://schemas.microsoft.com/office/drawing/2014/main" id="{34ABF6B2-B4C6-47A9-B6F6-F387B0BADB24}"/>
+                  </a:ext>
+                </a:extLst>
+              </p:cNvPr>
+              <p:cNvSpPr txBox="1"/>
+              <p:nvPr/>
+            </p:nvSpPr>
+            <p:spPr>
+              <a:xfrm>
+                <a:off x="1648174" y="1036679"/>
+                <a:ext cx="1019630" cy="292388"/>
+              </a:xfrm>
+              <a:prstGeom prst="rect">
+                <a:avLst/>
+              </a:prstGeom>
+              <a:noFill/>
+              <a:effectLst/>
+            </p:spPr>
+            <p:txBody>
+              <a:bodyPr wrap="square" rIns="0" bIns="0" rtlCol="0" anchor="ctr">
+                <a:spAutoFit/>
+              </a:bodyPr>
+              <a:lstStyle/>
+              <a:p>
+                <a:pPr marL="0" marR="0" lvl="0" indent="0" algn="ctr" defTabSz="1221456" eaLnBrk="1" fontAlgn="auto" latinLnBrk="0" hangingPunct="1">
+                  <a:lnSpc>
+                    <a:spcPct val="100000"/>
+                  </a:lnSpc>
+                  <a:spcBef>
+                    <a:spcPts val="0"/>
+                  </a:spcBef>
+                  <a:spcAft>
+                    <a:spcPts val="0"/>
+                  </a:spcAft>
+                  <a:buClrTx/>
+                  <a:buSzTx/>
+                  <a:buFontTx/>
+                  <a:buNone/>
+                  <a:tabLst/>
+                  <a:defRPr/>
+                </a:pPr>
+                <a:r>
+                  <a:rPr kumimoji="0" lang="en-US" sz="1600" b="1" i="0" u="none" strike="noStrike" kern="0" cap="none" spc="0" normalizeH="0" baseline="0" noProof="0" dirty="0">
+                    <a:ln>
+                      <a:noFill/>
+                    </a:ln>
+                    <a:solidFill>
+                      <a:srgbClr val="10384F"/>
+                    </a:solidFill>
+                    <a:effectLst/>
+                    <a:uLnTx/>
+                    <a:uFillTx/>
+                    <a:latin typeface="Arial"/>
+                    <a:cs typeface="Calibri" panose="020F0502020204030204" pitchFamily="34" charset="0"/>
+                  </a:rPr>
+                  <a:t>Efavirenz</a:t>
+                </a:r>
+                <a:endParaRPr kumimoji="0" lang="de-DE" sz="1600" b="1" i="0" u="none" strike="noStrike" kern="0" cap="none" spc="0" normalizeH="0" baseline="0" noProof="0" dirty="0">
+                  <a:ln>
+                    <a:noFill/>
+                  </a:ln>
+                  <a:solidFill>
+                    <a:srgbClr val="10384F"/>
+                  </a:solidFill>
+                  <a:effectLst/>
+                  <a:uLnTx/>
+                  <a:uFillTx/>
+                  <a:latin typeface="Arial"/>
+                  <a:cs typeface="Calibri" panose="020F0502020204030204" pitchFamily="34" charset="0"/>
+                </a:endParaRPr>
+              </a:p>
+            </p:txBody>
+          </p:sp>
+          <p:sp>
+            <p:nvSpPr>
+              <p:cNvPr id="91" name="Rechteck 90">
+                <a:extLst>
+                  <a:ext uri="{FF2B5EF4-FFF2-40B4-BE49-F238E27FC236}">
+                    <a16:creationId xmlns:a16="http://schemas.microsoft.com/office/drawing/2014/main" id="{AEA17713-094A-4BDC-A237-886245610EB6}"/>
+                  </a:ext>
+                </a:extLst>
+              </p:cNvPr>
+              <p:cNvSpPr/>
+              <p:nvPr/>
+            </p:nvSpPr>
+            <p:spPr>
+              <a:xfrm>
+                <a:off x="8554215" y="2061269"/>
+                <a:ext cx="1379629" cy="477054"/>
+              </a:xfrm>
+              <a:prstGeom prst="rect">
+                <a:avLst/>
+              </a:prstGeom>
+            </p:spPr>
+            <p:txBody>
+              <a:bodyPr wrap="square" anchor="ctr">
+                <a:spAutoFit/>
+              </a:bodyPr>
+              <a:lstStyle/>
+              <a:p>
+                <a:pPr marL="0" marR="0" lvl="0" indent="0" algn="ctr" defTabSz="1221456" eaLnBrk="1" fontAlgn="auto" latinLnBrk="0" hangingPunct="1">
+                  <a:lnSpc>
+                    <a:spcPct val="100000"/>
+                  </a:lnSpc>
+                  <a:spcBef>
+                    <a:spcPts val="0"/>
+                  </a:spcBef>
+                  <a:spcAft>
+                    <a:spcPts val="0"/>
+                  </a:spcAft>
+                  <a:buClrTx/>
+                  <a:buSzTx/>
+                  <a:buFontTx/>
+                  <a:buNone/>
+                  <a:tabLst/>
+                  <a:defRPr/>
+                </a:pPr>
+                <a:r>
+                  <a:rPr kumimoji="0" lang="en-US" sz="1600" b="1" i="0" u="none" strike="noStrike" kern="0" cap="none" spc="0" normalizeH="0" baseline="0" noProof="0" dirty="0">
+                    <a:ln>
+                      <a:noFill/>
+                    </a:ln>
+                    <a:solidFill>
+                      <a:srgbClr val="10384F"/>
+                    </a:solidFill>
+                    <a:effectLst/>
+                    <a:uLnTx/>
+                    <a:uFillTx/>
+                    <a:latin typeface="Arial"/>
+                    <a:cs typeface="Calibri" panose="020F0502020204030204" pitchFamily="34" charset="0"/>
+                  </a:rPr>
+                  <a:t>Itraconazole</a:t>
+                </a:r>
+              </a:p>
+              <a:p>
+                <a:pPr marL="0" marR="0" lvl="0" indent="0" algn="ctr" defTabSz="1221456" eaLnBrk="1" fontAlgn="auto" latinLnBrk="0" hangingPunct="1">
+                  <a:lnSpc>
+                    <a:spcPct val="100000"/>
+                  </a:lnSpc>
+                  <a:spcBef>
+                    <a:spcPts val="0"/>
+                  </a:spcBef>
+                  <a:spcAft>
+                    <a:spcPts val="0"/>
+                  </a:spcAft>
+                  <a:buClrTx/>
+                  <a:buSzTx/>
+                  <a:buFontTx/>
+                  <a:buNone/>
+                  <a:tabLst/>
+                  <a:defRPr/>
+                </a:pPr>
+                <a:r>
+                  <a:rPr kumimoji="0" lang="en-US" sz="900" b="1" i="0" u="none" strike="noStrike" kern="0" cap="none" spc="0" normalizeH="0" baseline="0" noProof="0" dirty="0">
+                    <a:ln>
+                      <a:noFill/>
+                    </a:ln>
+                    <a:solidFill>
+                      <a:srgbClr val="10384F"/>
+                    </a:solidFill>
+                    <a:effectLst/>
+                    <a:uLnTx/>
+                    <a:uFillTx/>
+                    <a:latin typeface="Arial"/>
+                    <a:cs typeface="Calibri" panose="020F0502020204030204" pitchFamily="34" charset="0"/>
+                  </a:rPr>
+                  <a:t>(+ metabolites)</a:t>
+                </a:r>
+                <a:endParaRPr kumimoji="0" lang="de-DE" sz="900" b="1" i="0" u="none" strike="noStrike" kern="0" cap="none" spc="0" normalizeH="0" baseline="0" noProof="0" dirty="0">
+                  <a:ln>
+                    <a:noFill/>
+                  </a:ln>
+                  <a:solidFill>
+                    <a:srgbClr val="10384F"/>
+                  </a:solidFill>
+                  <a:effectLst/>
+                  <a:uLnTx/>
+                  <a:uFillTx/>
+                  <a:latin typeface="Arial"/>
+                  <a:cs typeface="Calibri" panose="020F0502020204030204" pitchFamily="34" charset="0"/>
+                </a:endParaRPr>
+              </a:p>
+            </p:txBody>
+          </p:sp>
+          <p:sp>
+            <p:nvSpPr>
+              <p:cNvPr id="96" name="Textfeld 95">
+                <a:extLst>
+                  <a:ext uri="{FF2B5EF4-FFF2-40B4-BE49-F238E27FC236}">
+                    <a16:creationId xmlns:a16="http://schemas.microsoft.com/office/drawing/2014/main" id="{FD52EBD5-9379-49D0-8F14-2E922C6AE592}"/>
+                  </a:ext>
+                </a:extLst>
+              </p:cNvPr>
+              <p:cNvSpPr txBox="1"/>
+              <p:nvPr/>
+            </p:nvSpPr>
+            <p:spPr>
+              <a:xfrm>
+                <a:off x="6621806" y="338465"/>
+                <a:ext cx="1107368" cy="292388"/>
+              </a:xfrm>
+              <a:prstGeom prst="rect">
+                <a:avLst/>
+              </a:prstGeom>
+              <a:noFill/>
+            </p:spPr>
+            <p:txBody>
+              <a:bodyPr wrap="square" rIns="0" bIns="0" rtlCol="0" anchor="ctr">
+                <a:spAutoFit/>
+              </a:bodyPr>
+              <a:lstStyle/>
+              <a:p>
+                <a:pPr marL="0" marR="0" lvl="0" indent="0" algn="ctr" defTabSz="1221456" eaLnBrk="1" fontAlgn="auto" latinLnBrk="0" hangingPunct="1">
+                  <a:lnSpc>
+                    <a:spcPct val="100000"/>
+                  </a:lnSpc>
+                  <a:spcBef>
+                    <a:spcPts val="0"/>
+                  </a:spcBef>
+                  <a:spcAft>
+                    <a:spcPts val="0"/>
+                  </a:spcAft>
+                  <a:buClrTx/>
+                  <a:buSzTx/>
+                  <a:buFontTx/>
+                  <a:buNone/>
+                  <a:tabLst/>
+                  <a:defRPr/>
+                </a:pPr>
+                <a:r>
+                  <a:rPr kumimoji="0" lang="en-US" sz="1600" b="1" i="0" u="none" strike="noStrike" kern="0" cap="none" spc="0" normalizeH="0" baseline="0" noProof="0" dirty="0">
+                    <a:ln>
+                      <a:noFill/>
+                    </a:ln>
+                    <a:solidFill>
+                      <a:srgbClr val="10384F"/>
+                    </a:solidFill>
+                    <a:effectLst/>
+                    <a:uLnTx/>
+                    <a:uFillTx/>
+                    <a:latin typeface="Arial"/>
+                    <a:cs typeface="Calibri" panose="020F0502020204030204" pitchFamily="34" charset="0"/>
+                  </a:rPr>
+                  <a:t>Verapamil</a:t>
+                </a:r>
+                <a:endParaRPr kumimoji="0" lang="de-DE" sz="1600" b="1" i="0" u="none" strike="noStrike" kern="0" cap="none" spc="0" normalizeH="0" baseline="0" noProof="0" dirty="0">
+                  <a:ln>
+                    <a:noFill/>
+                  </a:ln>
+                  <a:solidFill>
+                    <a:srgbClr val="10384F"/>
+                  </a:solidFill>
+                  <a:effectLst/>
+                  <a:uLnTx/>
+                  <a:uFillTx/>
+                  <a:latin typeface="Arial"/>
+                  <a:cs typeface="Calibri" panose="020F0502020204030204" pitchFamily="34" charset="0"/>
+                </a:endParaRPr>
+              </a:p>
+            </p:txBody>
+          </p:sp>
+          <p:sp>
+            <p:nvSpPr>
+              <p:cNvPr id="98" name="Textfeld 97">
+                <a:extLst>
+                  <a:ext uri="{FF2B5EF4-FFF2-40B4-BE49-F238E27FC236}">
+                    <a16:creationId xmlns:a16="http://schemas.microsoft.com/office/drawing/2014/main" id="{BB47A4FF-AC7E-4852-8485-54A6939781D8}"/>
+                  </a:ext>
+                </a:extLst>
+              </p:cNvPr>
+              <p:cNvSpPr txBox="1"/>
+              <p:nvPr/>
+            </p:nvSpPr>
+            <p:spPr>
+              <a:xfrm>
+                <a:off x="3395288" y="180370"/>
+                <a:ext cx="1387455" cy="292388"/>
+              </a:xfrm>
+              <a:prstGeom prst="rect">
+                <a:avLst/>
+              </a:prstGeom>
+              <a:noFill/>
+            </p:spPr>
+            <p:txBody>
+              <a:bodyPr wrap="square" rIns="0" bIns="0" rtlCol="0" anchor="ctr">
+                <a:spAutoFit/>
+              </a:bodyPr>
+              <a:lstStyle/>
+              <a:p>
+                <a:pPr marL="0" marR="0" lvl="0" indent="0" algn="ctr" defTabSz="1221456" eaLnBrk="1" fontAlgn="auto" latinLnBrk="0" hangingPunct="1">
+                  <a:lnSpc>
+                    <a:spcPct val="100000"/>
+                  </a:lnSpc>
+                  <a:spcBef>
+                    <a:spcPts val="0"/>
+                  </a:spcBef>
+                  <a:spcAft>
+                    <a:spcPts val="0"/>
+                  </a:spcAft>
+                  <a:buClrTx/>
+                  <a:buSzTx/>
+                  <a:buFontTx/>
+                  <a:buNone/>
+                  <a:tabLst/>
+                  <a:defRPr/>
+                </a:pPr>
+                <a:r>
+                  <a:rPr kumimoji="0" lang="en-US" sz="1600" b="1" i="0" u="none" strike="noStrike" kern="0" cap="none" spc="0" normalizeH="0" baseline="0" noProof="0" dirty="0">
+                    <a:ln>
+                      <a:noFill/>
+                    </a:ln>
+                    <a:solidFill>
+                      <a:srgbClr val="10384F"/>
+                    </a:solidFill>
+                    <a:effectLst/>
+                    <a:uLnTx/>
+                    <a:uFillTx/>
+                    <a:latin typeface="Arial"/>
+                    <a:cs typeface="Calibri" panose="020F0502020204030204" pitchFamily="34" charset="0"/>
+                  </a:rPr>
+                  <a:t>Fluvoxamine</a:t>
+                </a:r>
+                <a:endParaRPr kumimoji="0" lang="de-DE" sz="1600" b="1" i="0" u="none" strike="noStrike" kern="0" cap="none" spc="0" normalizeH="0" baseline="0" noProof="0" dirty="0">
+                  <a:ln>
+                    <a:noFill/>
+                  </a:ln>
+                  <a:solidFill>
+                    <a:srgbClr val="10384F"/>
+                  </a:solidFill>
+                  <a:effectLst/>
+                  <a:uLnTx/>
+                  <a:uFillTx/>
+                  <a:latin typeface="Arial"/>
+                  <a:cs typeface="Calibri" panose="020F0502020204030204" pitchFamily="34" charset="0"/>
+                </a:endParaRPr>
+              </a:p>
+            </p:txBody>
+          </p:sp>
+          <p:sp>
+            <p:nvSpPr>
+              <p:cNvPr id="81" name="Textfeld 80">
+                <a:extLst>
+                  <a:ext uri="{FF2B5EF4-FFF2-40B4-BE49-F238E27FC236}">
+                    <a16:creationId xmlns:a16="http://schemas.microsoft.com/office/drawing/2014/main" id="{95A97AAC-200A-4013-8704-8E07ED576A88}"/>
+                  </a:ext>
+                </a:extLst>
+              </p:cNvPr>
+              <p:cNvSpPr txBox="1"/>
+              <p:nvPr/>
+            </p:nvSpPr>
+            <p:spPr>
+              <a:xfrm>
+                <a:off x="4982835" y="78769"/>
+                <a:ext cx="1387455" cy="292388"/>
+              </a:xfrm>
+              <a:prstGeom prst="rect">
+                <a:avLst/>
+              </a:prstGeom>
+              <a:noFill/>
+            </p:spPr>
+            <p:txBody>
+              <a:bodyPr wrap="square" rIns="0" bIns="0" rtlCol="0" anchor="ctr">
+                <a:spAutoFit/>
+              </a:bodyPr>
+              <a:lstStyle/>
+              <a:p>
+                <a:pPr marL="0" marR="0" lvl="0" indent="0" algn="ctr" defTabSz="1221456" eaLnBrk="1" fontAlgn="auto" latinLnBrk="0" hangingPunct="1">
+                  <a:lnSpc>
+                    <a:spcPct val="100000"/>
+                  </a:lnSpc>
+                  <a:spcBef>
+                    <a:spcPts val="0"/>
+                  </a:spcBef>
+                  <a:spcAft>
+                    <a:spcPts val="0"/>
+                  </a:spcAft>
+                  <a:buClrTx/>
+                  <a:buSzTx/>
+                  <a:buFontTx/>
+                  <a:buNone/>
+                  <a:tabLst/>
+                  <a:defRPr/>
+                </a:pPr>
+                <a:r>
+                  <a:rPr kumimoji="0" lang="en-US" sz="1600" b="1" i="0" u="none" strike="noStrike" kern="0" cap="none" spc="0" normalizeH="0" baseline="0" noProof="0" dirty="0">
+                    <a:ln>
+                      <a:noFill/>
+                    </a:ln>
+                    <a:solidFill>
+                      <a:srgbClr val="10384F"/>
+                    </a:solidFill>
+                    <a:effectLst/>
+                    <a:uLnTx/>
+                    <a:uFillTx/>
+                    <a:latin typeface="Arial"/>
+                    <a:cs typeface="Calibri" panose="020F0502020204030204" pitchFamily="34" charset="0"/>
+                  </a:rPr>
+                  <a:t>Fluconazole</a:t>
+                </a:r>
+                <a:endParaRPr kumimoji="0" lang="de-DE" sz="1600" b="1" i="0" u="none" strike="noStrike" kern="0" cap="none" spc="0" normalizeH="0" baseline="0" noProof="0" dirty="0">
+                  <a:ln>
+                    <a:noFill/>
+                  </a:ln>
+                  <a:solidFill>
+                    <a:srgbClr val="10384F"/>
+                  </a:solidFill>
+                  <a:effectLst/>
+                  <a:uLnTx/>
+                  <a:uFillTx/>
+                  <a:latin typeface="Arial"/>
+                  <a:cs typeface="Calibri" panose="020F0502020204030204" pitchFamily="34" charset="0"/>
+                </a:endParaRPr>
+              </a:p>
+            </p:txBody>
+          </p:sp>
+        </p:grpSp>
+        <p:sp>
+          <p:nvSpPr>
+            <p:cNvPr id="56" name="Rechteck 55">
+              <a:extLst>
+                <a:ext uri="{FF2B5EF4-FFF2-40B4-BE49-F238E27FC236}">
+                  <a16:creationId xmlns:a16="http://schemas.microsoft.com/office/drawing/2014/main" id="{0A357C56-BAD9-4853-91EE-2F1649F1828A}"/>
+                </a:ext>
+              </a:extLst>
+            </p:cNvPr>
+            <p:cNvSpPr/>
+            <p:nvPr/>
+          </p:nvSpPr>
+          <p:spPr bwMode="gray">
+            <a:xfrm>
+              <a:off x="625" y="0"/>
+              <a:ext cx="10080000" cy="5040000"/>
+            </a:xfrm>
+            <a:prstGeom prst="rect">
+              <a:avLst/>
+            </a:prstGeom>
             <a:noFill/>
-            <a:prstDash val="solid"/>
-          </a:ln>
-          <a:effectLst/>
-        </p:spPr>
-        <p:txBody>
-          <a:bodyPr rtlCol="0" anchor="ctr"/>
-          <a:lstStyle/>
-          <a:p>
-            <a:pPr marL="0" marR="0" lvl="0" indent="0" algn="ctr" defTabSz="914400" eaLnBrk="1" fontAlgn="auto" latinLnBrk="0" hangingPunct="1">
-              <a:lnSpc>
-                <a:spcPct val="100000"/>
-              </a:lnSpc>
-              <a:spcBef>
-                <a:spcPts val="0"/>
-              </a:spcBef>
-              <a:spcAft>
-                <a:spcPts val="0"/>
-              </a:spcAft>
-              <a:buClrTx/>
-              <a:buSzTx/>
-              <a:buFontTx/>
-              <a:buNone/>
-              <a:tabLst/>
-              <a:defRPr/>
-            </a:pPr>
-            <a:r>
-              <a:rPr kumimoji="0" lang="de-DE" sz="1600" b="1" i="0" u="none" strike="noStrike" kern="0" cap="none" spc="0" normalizeH="0" baseline="0" noProof="0" dirty="0">
+            <a:ln w="76200" cap="flat" cmpd="sng" algn="ctr">
+              <a:solidFill>
+                <a:srgbClr val="10384F"/>
+              </a:solidFill>
+              <a:prstDash val="solid"/>
+            </a:ln>
+            <a:effectLst/>
+          </p:spPr>
+          <p:txBody>
+            <a:bodyPr rtlCol="0" anchor="ctr"/>
+            <a:lstStyle/>
+            <a:p>
+              <a:pPr marL="0" marR="0" lvl="0" indent="0" algn="ctr" defTabSz="914400" eaLnBrk="1" fontAlgn="auto" latinLnBrk="0" hangingPunct="1">
+                <a:lnSpc>
+                  <a:spcPct val="100000"/>
+                </a:lnSpc>
+                <a:spcBef>
+                  <a:spcPts val="0"/>
+                </a:spcBef>
+                <a:spcAft>
+                  <a:spcPts val="0"/>
+                </a:spcAft>
+                <a:buClrTx/>
+                <a:buSzTx/>
+                <a:buFontTx/>
+                <a:buNone/>
+                <a:tabLst/>
+                <a:defRPr/>
+              </a:pPr>
+              <a:endParaRPr kumimoji="0" lang="en-US" sz="1800" b="0" i="0" u="none" strike="noStrike" kern="0" cap="none" spc="0" normalizeH="0" baseline="0" noProof="0" dirty="0">
                 <a:ln>
                   <a:noFill/>
                 </a:ln>
@@ -3965,38 +6022,2609 @@
                 <a:uFillTx/>
                 <a:latin typeface="Arial"/>
                 <a:cs typeface="Arial"/>
-              </a:rPr>
-              <a:t>Victim</a:t>
-            </a:r>
-          </a:p>
-        </p:txBody>
-      </p:sp>
-      <p:grpSp>
-        <p:nvGrpSpPr>
-          <p:cNvPr id="176" name="Gruppieren 175">
-            <a:extLst>
-              <a:ext uri="{FF2B5EF4-FFF2-40B4-BE49-F238E27FC236}">
-                <a16:creationId xmlns:a16="http://schemas.microsoft.com/office/drawing/2014/main" id="{4BBF0E06-1277-4994-AFE9-B37C048D848A}"/>
-              </a:ext>
-            </a:extLst>
-          </p:cNvPr>
-          <p:cNvGrpSpPr/>
-          <p:nvPr/>
-        </p:nvGrpSpPr>
-        <p:grpSpPr>
-          <a:xfrm>
-            <a:off x="1008548" y="242884"/>
-            <a:ext cx="8925296" cy="4438275"/>
-            <a:chOff x="1008548" y="78769"/>
-            <a:chExt cx="8925296" cy="4438275"/>
-          </a:xfrm>
-        </p:grpSpPr>
+              </a:endParaRPr>
+            </a:p>
+          </p:txBody>
+        </p:sp>
+        <p:cxnSp>
+          <p:nvCxnSpPr>
+            <p:cNvPr id="5" name="Gerade Verbindung mit Pfeil 4">
+              <a:extLst>
+                <a:ext uri="{FF2B5EF4-FFF2-40B4-BE49-F238E27FC236}">
+                  <a16:creationId xmlns:a16="http://schemas.microsoft.com/office/drawing/2014/main" id="{98537504-27D0-4241-8A5A-7E0EEFAD60AD}"/>
+                </a:ext>
+              </a:extLst>
+            </p:cNvPr>
+            <p:cNvCxnSpPr>
+              <a:cxnSpLocks/>
+              <a:stCxn id="84" idx="2"/>
+              <a:endCxn id="225" idx="3"/>
+            </p:cNvCxnSpPr>
+            <p:nvPr/>
+          </p:nvCxnSpPr>
+          <p:spPr>
+            <a:xfrm flipH="1">
+              <a:off x="2836961" y="1003811"/>
+              <a:ext cx="43766" cy="2625228"/>
+            </a:xfrm>
+            <a:prstGeom prst="straightConnector1">
+              <a:avLst/>
+            </a:prstGeom>
+            <a:noFill/>
+            <a:ln w="12700" cap="flat" cmpd="sng" algn="ctr">
+              <a:solidFill>
+                <a:srgbClr val="C00000"/>
+              </a:solidFill>
+              <a:prstDash val="solid"/>
+              <a:round/>
+              <a:headEnd type="none" w="med" len="med"/>
+              <a:tailEnd type="none" w="med" len="med"/>
+            </a:ln>
+            <a:effectLst>
+              <a:outerShdw blurRad="50800" dist="38100" dir="2700000" algn="tl" rotWithShape="0">
+                <a:prstClr val="black">
+                  <a:alpha val="40000"/>
+                </a:prstClr>
+              </a:outerShdw>
+            </a:effectLst>
+          </p:spPr>
+        </p:cxnSp>
+        <p:cxnSp>
+          <p:nvCxnSpPr>
+            <p:cNvPr id="7" name="Gerade Verbindung mit Pfeil 6">
+              <a:extLst>
+                <a:ext uri="{FF2B5EF4-FFF2-40B4-BE49-F238E27FC236}">
+                  <a16:creationId xmlns:a16="http://schemas.microsoft.com/office/drawing/2014/main" id="{0C052BFB-242C-44B2-8CD0-E6089625C38D}"/>
+                </a:ext>
+              </a:extLst>
+            </p:cNvPr>
+            <p:cNvCxnSpPr>
+              <a:cxnSpLocks/>
+              <a:stCxn id="84" idx="2"/>
+              <a:endCxn id="260" idx="3"/>
+            </p:cNvCxnSpPr>
+            <p:nvPr/>
+          </p:nvCxnSpPr>
+          <p:spPr>
+            <a:xfrm>
+              <a:off x="2880727" y="1003811"/>
+              <a:ext cx="1587905" cy="3079109"/>
+            </a:xfrm>
+            <a:prstGeom prst="straightConnector1">
+              <a:avLst/>
+            </a:prstGeom>
+            <a:noFill/>
+            <a:ln w="12700" cap="flat" cmpd="sng" algn="ctr">
+              <a:solidFill>
+                <a:srgbClr val="C00000"/>
+              </a:solidFill>
+              <a:prstDash val="solid"/>
+              <a:round/>
+              <a:headEnd type="none" w="med" len="med"/>
+              <a:tailEnd type="none" w="med" len="med"/>
+            </a:ln>
+            <a:effectLst>
+              <a:outerShdw blurRad="50800" dist="38100" dir="2700000" algn="tl" rotWithShape="0">
+                <a:prstClr val="black">
+                  <a:alpha val="40000"/>
+                </a:prstClr>
+              </a:outerShdw>
+            </a:effectLst>
+          </p:spPr>
+        </p:cxnSp>
+        <p:cxnSp>
+          <p:nvCxnSpPr>
+            <p:cNvPr id="77" name="Gerade Verbindung mit Pfeil 76">
+              <a:extLst>
+                <a:ext uri="{FF2B5EF4-FFF2-40B4-BE49-F238E27FC236}">
+                  <a16:creationId xmlns:a16="http://schemas.microsoft.com/office/drawing/2014/main" id="{A5A5293F-332F-431E-911C-C4115EFCBD06}"/>
+                </a:ext>
+              </a:extLst>
+            </p:cNvPr>
+            <p:cNvCxnSpPr>
+              <a:cxnSpLocks/>
+              <a:stCxn id="84" idx="2"/>
+              <a:endCxn id="282" idx="3"/>
+            </p:cNvCxnSpPr>
+            <p:nvPr/>
+          </p:nvCxnSpPr>
+          <p:spPr>
+            <a:xfrm>
+              <a:off x="2880727" y="1003811"/>
+              <a:ext cx="3729237" cy="3335695"/>
+            </a:xfrm>
+            <a:prstGeom prst="straightConnector1">
+              <a:avLst/>
+            </a:prstGeom>
+            <a:noFill/>
+            <a:ln w="12700" cap="flat" cmpd="sng" algn="ctr">
+              <a:solidFill>
+                <a:srgbClr val="C00000"/>
+              </a:solidFill>
+              <a:prstDash val="solid"/>
+              <a:round/>
+              <a:headEnd type="none" w="med" len="med"/>
+              <a:tailEnd type="none" w="med" len="med"/>
+            </a:ln>
+            <a:effectLst>
+              <a:outerShdw blurRad="50800" dist="38100" dir="2700000" algn="tl" rotWithShape="0">
+                <a:prstClr val="black">
+                  <a:alpha val="40000"/>
+                </a:prstClr>
+              </a:outerShdw>
+            </a:effectLst>
+          </p:spPr>
+        </p:cxnSp>
+        <p:cxnSp>
+          <p:nvCxnSpPr>
+            <p:cNvPr id="100" name="Gerade Verbindung mit Pfeil 99">
+              <a:extLst>
+                <a:ext uri="{FF2B5EF4-FFF2-40B4-BE49-F238E27FC236}">
+                  <a16:creationId xmlns:a16="http://schemas.microsoft.com/office/drawing/2014/main" id="{D7399CD2-D18A-47C1-BDC8-C6388768C9A7}"/>
+                </a:ext>
+              </a:extLst>
+            </p:cNvPr>
+            <p:cNvCxnSpPr>
+              <a:cxnSpLocks/>
+              <a:stCxn id="84" idx="3"/>
+              <a:endCxn id="322" idx="3"/>
+            </p:cNvCxnSpPr>
+            <p:nvPr/>
+          </p:nvCxnSpPr>
+          <p:spPr>
+            <a:xfrm flipV="1">
+              <a:off x="3486041" y="704794"/>
+              <a:ext cx="3112517" cy="152823"/>
+            </a:xfrm>
+            <a:prstGeom prst="straightConnector1">
+              <a:avLst/>
+            </a:prstGeom>
+            <a:noFill/>
+            <a:ln w="12700" cap="flat" cmpd="sng" algn="ctr">
+              <a:solidFill>
+                <a:srgbClr val="C00000"/>
+              </a:solidFill>
+              <a:prstDash val="solid"/>
+              <a:round/>
+              <a:headEnd type="none" w="med" len="med"/>
+              <a:tailEnd type="none" w="med" len="med"/>
+            </a:ln>
+            <a:effectLst>
+              <a:outerShdw blurRad="50800" dist="38100" dir="2700000" algn="tl" rotWithShape="0">
+                <a:prstClr val="black">
+                  <a:alpha val="40000"/>
+                </a:prstClr>
+              </a:outerShdw>
+            </a:effectLst>
+          </p:spPr>
+        </p:cxnSp>
+        <p:cxnSp>
+          <p:nvCxnSpPr>
+            <p:cNvPr id="102" name="Gerade Verbindung mit Pfeil 101">
+              <a:extLst>
+                <a:ext uri="{FF2B5EF4-FFF2-40B4-BE49-F238E27FC236}">
+                  <a16:creationId xmlns:a16="http://schemas.microsoft.com/office/drawing/2014/main" id="{91971EEA-8B65-4C45-B9D5-ACE1E23E19CE}"/>
+                </a:ext>
+              </a:extLst>
+            </p:cNvPr>
+            <p:cNvCxnSpPr>
+              <a:cxnSpLocks/>
+              <a:stCxn id="84" idx="2"/>
+              <a:endCxn id="309" idx="3"/>
+            </p:cNvCxnSpPr>
+            <p:nvPr/>
+          </p:nvCxnSpPr>
+          <p:spPr>
+            <a:xfrm>
+              <a:off x="2880727" y="1003811"/>
+              <a:ext cx="5262240" cy="2770682"/>
+            </a:xfrm>
+            <a:prstGeom prst="straightConnector1">
+              <a:avLst/>
+            </a:prstGeom>
+            <a:noFill/>
+            <a:ln w="12700" cap="flat" cmpd="sng" algn="ctr">
+              <a:solidFill>
+                <a:srgbClr val="C00000"/>
+              </a:solidFill>
+              <a:prstDash val="solid"/>
+              <a:round/>
+              <a:headEnd type="none" w="med" len="med"/>
+              <a:tailEnd type="none" w="med" len="med"/>
+            </a:ln>
+            <a:effectLst>
+              <a:outerShdw blurRad="50800" dist="38100" dir="2700000" algn="tl" rotWithShape="0">
+                <a:prstClr val="black">
+                  <a:alpha val="40000"/>
+                </a:prstClr>
+              </a:outerShdw>
+            </a:effectLst>
+          </p:spPr>
+        </p:cxnSp>
+        <p:cxnSp>
+          <p:nvCxnSpPr>
+            <p:cNvPr id="104" name="Gerade Verbindung mit Pfeil 103">
+              <a:extLst>
+                <a:ext uri="{FF2B5EF4-FFF2-40B4-BE49-F238E27FC236}">
+                  <a16:creationId xmlns:a16="http://schemas.microsoft.com/office/drawing/2014/main" id="{0FF9BEFE-B7A9-4FF4-89BB-33781F91CA30}"/>
+                </a:ext>
+              </a:extLst>
+            </p:cNvPr>
+            <p:cNvCxnSpPr>
+              <a:cxnSpLocks/>
+              <a:stCxn id="73" idx="2"/>
+              <a:endCxn id="225" idx="3"/>
+            </p:cNvCxnSpPr>
+            <p:nvPr/>
+          </p:nvCxnSpPr>
+          <p:spPr>
+            <a:xfrm flipH="1">
+              <a:off x="2836961" y="1756257"/>
+              <a:ext cx="6161461" cy="1872782"/>
+            </a:xfrm>
+            <a:prstGeom prst="straightConnector1">
+              <a:avLst/>
+            </a:prstGeom>
+            <a:noFill/>
+            <a:ln w="38100" cap="flat" cmpd="sng" algn="ctr">
+              <a:solidFill>
+                <a:srgbClr val="C00000"/>
+              </a:solidFill>
+              <a:prstDash val="solid"/>
+              <a:round/>
+              <a:headEnd type="none" w="med" len="med"/>
+              <a:tailEnd type="none" w="med" len="med"/>
+            </a:ln>
+            <a:effectLst>
+              <a:outerShdw blurRad="50800" dist="38100" dir="2700000" algn="tl" rotWithShape="0">
+                <a:prstClr val="black">
+                  <a:alpha val="40000"/>
+                </a:prstClr>
+              </a:outerShdw>
+            </a:effectLst>
+          </p:spPr>
+        </p:cxnSp>
+        <p:cxnSp>
+          <p:nvCxnSpPr>
+            <p:cNvPr id="105" name="Gerade Verbindung mit Pfeil 104">
+              <a:extLst>
+                <a:ext uri="{FF2B5EF4-FFF2-40B4-BE49-F238E27FC236}">
+                  <a16:creationId xmlns:a16="http://schemas.microsoft.com/office/drawing/2014/main" id="{3BF492AF-8A8D-44A6-8FBE-387A96516719}"/>
+                </a:ext>
+              </a:extLst>
+            </p:cNvPr>
+            <p:cNvCxnSpPr>
+              <a:cxnSpLocks/>
+              <a:stCxn id="73" idx="2"/>
+              <a:endCxn id="260" idx="3"/>
+            </p:cNvCxnSpPr>
+            <p:nvPr/>
+          </p:nvCxnSpPr>
+          <p:spPr>
+            <a:xfrm flipH="1">
+              <a:off x="4468632" y="1756257"/>
+              <a:ext cx="4529790" cy="2326663"/>
+            </a:xfrm>
+            <a:prstGeom prst="straightConnector1">
+              <a:avLst/>
+            </a:prstGeom>
+            <a:noFill/>
+            <a:ln w="38100" cap="flat" cmpd="sng" algn="ctr">
+              <a:solidFill>
+                <a:srgbClr val="C00000"/>
+              </a:solidFill>
+              <a:prstDash val="solid"/>
+              <a:round/>
+              <a:headEnd type="none" w="med" len="med"/>
+              <a:tailEnd type="none" w="med" len="med"/>
+            </a:ln>
+            <a:effectLst>
+              <a:outerShdw blurRad="50800" dist="38100" dir="2700000" algn="tl" rotWithShape="0">
+                <a:prstClr val="black">
+                  <a:alpha val="40000"/>
+                </a:prstClr>
+              </a:outerShdw>
+            </a:effectLst>
+          </p:spPr>
+        </p:cxnSp>
+        <p:cxnSp>
+          <p:nvCxnSpPr>
+            <p:cNvPr id="106" name="Gerade Verbindung mit Pfeil 105">
+              <a:extLst>
+                <a:ext uri="{FF2B5EF4-FFF2-40B4-BE49-F238E27FC236}">
+                  <a16:creationId xmlns:a16="http://schemas.microsoft.com/office/drawing/2014/main" id="{CB17A08C-A6C5-4551-A895-034B94DF707F}"/>
+                </a:ext>
+              </a:extLst>
+            </p:cNvPr>
+            <p:cNvCxnSpPr>
+              <a:cxnSpLocks/>
+              <a:endCxn id="308" idx="3"/>
+            </p:cNvCxnSpPr>
+            <p:nvPr/>
+          </p:nvCxnSpPr>
+          <p:spPr>
+            <a:xfrm>
+              <a:off x="2501683" y="1499671"/>
+              <a:ext cx="5463018" cy="2364247"/>
+            </a:xfrm>
+            <a:prstGeom prst="straightConnector1">
+              <a:avLst/>
+            </a:prstGeom>
+            <a:noFill/>
+            <a:ln w="25400" cap="flat" cmpd="sng" algn="ctr">
+              <a:solidFill>
+                <a:srgbClr val="00B050"/>
+              </a:solidFill>
+              <a:prstDash val="solid"/>
+              <a:round/>
+              <a:headEnd type="none" w="med" len="med"/>
+              <a:tailEnd type="none" w="med" len="med"/>
+            </a:ln>
+            <a:effectLst>
+              <a:outerShdw blurRad="50800" dist="38100" dir="2700000" algn="tl" rotWithShape="0">
+                <a:prstClr val="black">
+                  <a:alpha val="40000"/>
+                </a:prstClr>
+              </a:outerShdw>
+            </a:effectLst>
+          </p:spPr>
+        </p:cxnSp>
+        <p:cxnSp>
+          <p:nvCxnSpPr>
+            <p:cNvPr id="110" name="Gerade Verbindung mit Pfeil 109">
+              <a:extLst>
+                <a:ext uri="{FF2B5EF4-FFF2-40B4-BE49-F238E27FC236}">
+                  <a16:creationId xmlns:a16="http://schemas.microsoft.com/office/drawing/2014/main" id="{55529127-6942-40C9-A355-08809DFE9E04}"/>
+                </a:ext>
+              </a:extLst>
+            </p:cNvPr>
+            <p:cNvCxnSpPr>
+              <a:cxnSpLocks/>
+              <a:stCxn id="74" idx="2"/>
+              <a:endCxn id="309" idx="3"/>
+            </p:cNvCxnSpPr>
+            <p:nvPr/>
+          </p:nvCxnSpPr>
+          <p:spPr>
+            <a:xfrm flipH="1">
+              <a:off x="8142967" y="1165304"/>
+              <a:ext cx="106138" cy="2609189"/>
+            </a:xfrm>
+            <a:prstGeom prst="straightConnector1">
+              <a:avLst/>
+            </a:prstGeom>
+            <a:noFill/>
+            <a:ln w="25400" cap="flat" cmpd="sng" algn="ctr">
+              <a:solidFill>
+                <a:srgbClr val="C00000"/>
+              </a:solidFill>
+              <a:prstDash val="solid"/>
+              <a:round/>
+              <a:headEnd type="none" w="med" len="med"/>
+              <a:tailEnd type="none" w="med" len="med"/>
+            </a:ln>
+            <a:effectLst>
+              <a:outerShdw blurRad="50800" dist="38100" dir="2700000" algn="tl" rotWithShape="0">
+                <a:prstClr val="black">
+                  <a:alpha val="40000"/>
+                </a:prstClr>
+              </a:outerShdw>
+            </a:effectLst>
+          </p:spPr>
+        </p:cxnSp>
+        <p:cxnSp>
+          <p:nvCxnSpPr>
+            <p:cNvPr id="111" name="Gerade Verbindung mit Pfeil 110">
+              <a:extLst>
+                <a:ext uri="{FF2B5EF4-FFF2-40B4-BE49-F238E27FC236}">
+                  <a16:creationId xmlns:a16="http://schemas.microsoft.com/office/drawing/2014/main" id="{138E88D9-2CED-46CD-97E0-FF28129C689F}"/>
+                </a:ext>
+              </a:extLst>
+            </p:cNvPr>
+            <p:cNvCxnSpPr>
+              <a:cxnSpLocks/>
+              <a:stCxn id="74" idx="2"/>
+              <a:endCxn id="282" idx="3"/>
+            </p:cNvCxnSpPr>
+            <p:nvPr/>
+          </p:nvCxnSpPr>
+          <p:spPr>
+            <a:xfrm flipH="1">
+              <a:off x="6609964" y="1165304"/>
+              <a:ext cx="1639141" cy="3174202"/>
+            </a:xfrm>
+            <a:prstGeom prst="straightConnector1">
+              <a:avLst/>
+            </a:prstGeom>
+            <a:noFill/>
+            <a:ln w="25400" cap="flat" cmpd="sng" algn="ctr">
+              <a:solidFill>
+                <a:srgbClr val="C00000"/>
+              </a:solidFill>
+              <a:prstDash val="solid"/>
+              <a:round/>
+              <a:headEnd type="none" w="med" len="med"/>
+              <a:tailEnd type="none" w="med" len="med"/>
+            </a:ln>
+            <a:effectLst>
+              <a:outerShdw blurRad="50800" dist="38100" dir="2700000" algn="tl" rotWithShape="0">
+                <a:prstClr val="black">
+                  <a:alpha val="40000"/>
+                </a:prstClr>
+              </a:outerShdw>
+            </a:effectLst>
+          </p:spPr>
+        </p:cxnSp>
+        <p:cxnSp>
+          <p:nvCxnSpPr>
+            <p:cNvPr id="112" name="Gerade Verbindung mit Pfeil 111">
+              <a:extLst>
+                <a:ext uri="{FF2B5EF4-FFF2-40B4-BE49-F238E27FC236}">
+                  <a16:creationId xmlns:a16="http://schemas.microsoft.com/office/drawing/2014/main" id="{D0917519-090A-4A49-ABD9-982827D3038F}"/>
+                </a:ext>
+              </a:extLst>
+            </p:cNvPr>
+            <p:cNvCxnSpPr>
+              <a:cxnSpLocks/>
+              <a:stCxn id="74" idx="2"/>
+              <a:endCxn id="225" idx="3"/>
+            </p:cNvCxnSpPr>
+            <p:nvPr/>
+          </p:nvCxnSpPr>
+          <p:spPr>
+            <a:xfrm flipH="1">
+              <a:off x="2836961" y="1165304"/>
+              <a:ext cx="5412144" cy="2463735"/>
+            </a:xfrm>
+            <a:prstGeom prst="straightConnector1">
+              <a:avLst/>
+            </a:prstGeom>
+            <a:noFill/>
+            <a:ln w="25400" cap="flat" cmpd="sng" algn="ctr">
+              <a:solidFill>
+                <a:srgbClr val="C00000"/>
+              </a:solidFill>
+              <a:prstDash val="solid"/>
+              <a:round/>
+              <a:headEnd type="none" w="med" len="med"/>
+              <a:tailEnd type="none" w="med" len="med"/>
+            </a:ln>
+            <a:effectLst>
+              <a:outerShdw blurRad="50800" dist="38100" dir="2700000" algn="tl" rotWithShape="0">
+                <a:prstClr val="black">
+                  <a:alpha val="40000"/>
+                </a:prstClr>
+              </a:outerShdw>
+            </a:effectLst>
+          </p:spPr>
+        </p:cxnSp>
+        <p:cxnSp>
+          <p:nvCxnSpPr>
+            <p:cNvPr id="113" name="Gerade Verbindung mit Pfeil 112">
+              <a:extLst>
+                <a:ext uri="{FF2B5EF4-FFF2-40B4-BE49-F238E27FC236}">
+                  <a16:creationId xmlns:a16="http://schemas.microsoft.com/office/drawing/2014/main" id="{32D0B869-9E2D-4B01-A4F3-24B94DFA52D1}"/>
+                </a:ext>
+              </a:extLst>
+            </p:cNvPr>
+            <p:cNvCxnSpPr>
+              <a:cxnSpLocks/>
+              <a:stCxn id="74" idx="2"/>
+              <a:endCxn id="260" idx="3"/>
+            </p:cNvCxnSpPr>
+            <p:nvPr/>
+          </p:nvCxnSpPr>
+          <p:spPr>
+            <a:xfrm flipH="1">
+              <a:off x="4468632" y="1165304"/>
+              <a:ext cx="3780473" cy="2917616"/>
+            </a:xfrm>
+            <a:prstGeom prst="straightConnector1">
+              <a:avLst/>
+            </a:prstGeom>
+            <a:noFill/>
+            <a:ln w="25400" cap="flat" cmpd="sng" algn="ctr">
+              <a:solidFill>
+                <a:srgbClr val="C00000"/>
+              </a:solidFill>
+              <a:prstDash val="solid"/>
+              <a:round/>
+              <a:headEnd type="none" w="med" len="med"/>
+              <a:tailEnd type="none" w="med" len="med"/>
+            </a:ln>
+            <a:effectLst>
+              <a:outerShdw blurRad="50800" dist="38100" dir="2700000" algn="tl" rotWithShape="0">
+                <a:prstClr val="black">
+                  <a:alpha val="40000"/>
+                </a:prstClr>
+              </a:outerShdw>
+            </a:effectLst>
+          </p:spPr>
+        </p:cxnSp>
+        <p:cxnSp>
+          <p:nvCxnSpPr>
+            <p:cNvPr id="114" name="Gerade Verbindung mit Pfeil 113">
+              <a:extLst>
+                <a:ext uri="{FF2B5EF4-FFF2-40B4-BE49-F238E27FC236}">
+                  <a16:creationId xmlns:a16="http://schemas.microsoft.com/office/drawing/2014/main" id="{5949F482-CAF7-4C74-A520-8A1DD01E791D}"/>
+                </a:ext>
+              </a:extLst>
+            </p:cNvPr>
+            <p:cNvCxnSpPr>
+              <a:cxnSpLocks/>
+              <a:stCxn id="98" idx="2"/>
+              <a:endCxn id="282" idx="3"/>
+            </p:cNvCxnSpPr>
+            <p:nvPr/>
+          </p:nvCxnSpPr>
+          <p:spPr>
+            <a:xfrm>
+              <a:off x="4089016" y="636873"/>
+              <a:ext cx="2520948" cy="3702633"/>
+            </a:xfrm>
+            <a:prstGeom prst="straightConnector1">
+              <a:avLst/>
+            </a:prstGeom>
+            <a:noFill/>
+            <a:ln w="25400" cap="flat" cmpd="sng" algn="ctr">
+              <a:solidFill>
+                <a:srgbClr val="C00000"/>
+              </a:solidFill>
+              <a:prstDash val="solid"/>
+              <a:round/>
+              <a:headEnd type="none" w="med" len="med"/>
+              <a:tailEnd type="none" w="med" len="med"/>
+            </a:ln>
+            <a:effectLst>
+              <a:outerShdw blurRad="50800" dist="38100" dir="2700000" algn="tl" rotWithShape="0">
+                <a:prstClr val="black">
+                  <a:alpha val="40000"/>
+                </a:prstClr>
+              </a:outerShdw>
+            </a:effectLst>
+          </p:spPr>
+        </p:cxnSp>
+        <p:cxnSp>
+          <p:nvCxnSpPr>
+            <p:cNvPr id="115" name="Gerade Verbindung mit Pfeil 114">
+              <a:extLst>
+                <a:ext uri="{FF2B5EF4-FFF2-40B4-BE49-F238E27FC236}">
+                  <a16:creationId xmlns:a16="http://schemas.microsoft.com/office/drawing/2014/main" id="{1A453BAF-E106-43B5-B88F-9CDC6F413FDF}"/>
+                </a:ext>
+              </a:extLst>
+            </p:cNvPr>
+            <p:cNvCxnSpPr>
+              <a:cxnSpLocks/>
+              <a:stCxn id="98" idx="2"/>
+              <a:endCxn id="225" idx="3"/>
+            </p:cNvCxnSpPr>
+            <p:nvPr/>
+          </p:nvCxnSpPr>
+          <p:spPr>
+            <a:xfrm flipH="1">
+              <a:off x="2836961" y="636873"/>
+              <a:ext cx="1252055" cy="2992166"/>
+            </a:xfrm>
+            <a:prstGeom prst="straightConnector1">
+              <a:avLst/>
+            </a:prstGeom>
+            <a:noFill/>
+            <a:ln w="25400" cap="flat" cmpd="sng" algn="ctr">
+              <a:solidFill>
+                <a:srgbClr val="C00000"/>
+              </a:solidFill>
+              <a:prstDash val="solid"/>
+              <a:round/>
+              <a:headEnd type="none" w="med" len="med"/>
+              <a:tailEnd type="none" w="med" len="med"/>
+            </a:ln>
+            <a:effectLst>
+              <a:outerShdw blurRad="50800" dist="38100" dir="2700000" algn="tl" rotWithShape="0">
+                <a:prstClr val="black">
+                  <a:alpha val="40000"/>
+                </a:prstClr>
+              </a:outerShdw>
+            </a:effectLst>
+          </p:spPr>
+        </p:cxnSp>
+        <p:cxnSp>
+          <p:nvCxnSpPr>
+            <p:cNvPr id="117" name="Gerade Verbindung mit Pfeil 116">
+              <a:extLst>
+                <a:ext uri="{FF2B5EF4-FFF2-40B4-BE49-F238E27FC236}">
+                  <a16:creationId xmlns:a16="http://schemas.microsoft.com/office/drawing/2014/main" id="{9D2E5A2F-7F8C-401C-9C6A-2AF1D20AB953}"/>
+                </a:ext>
+              </a:extLst>
+            </p:cNvPr>
+            <p:cNvCxnSpPr>
+              <a:cxnSpLocks/>
+              <a:stCxn id="91" idx="2"/>
+              <a:endCxn id="225" idx="3"/>
+            </p:cNvCxnSpPr>
+            <p:nvPr/>
+          </p:nvCxnSpPr>
+          <p:spPr>
+            <a:xfrm flipH="1">
+              <a:off x="2836961" y="2702438"/>
+              <a:ext cx="6407069" cy="926601"/>
+            </a:xfrm>
+            <a:prstGeom prst="straightConnector1">
+              <a:avLst/>
+            </a:prstGeom>
+            <a:noFill/>
+            <a:ln w="38100" cap="flat" cmpd="sng" algn="ctr">
+              <a:solidFill>
+                <a:srgbClr val="C00000"/>
+              </a:solidFill>
+              <a:prstDash val="solid"/>
+              <a:round/>
+              <a:headEnd type="none" w="med" len="med"/>
+              <a:tailEnd type="none" w="med" len="med"/>
+            </a:ln>
+            <a:effectLst>
+              <a:outerShdw blurRad="50800" dist="38100" dir="2700000" algn="tl" rotWithShape="0">
+                <a:prstClr val="black">
+                  <a:alpha val="40000"/>
+                </a:prstClr>
+              </a:outerShdw>
+            </a:effectLst>
+          </p:spPr>
+        </p:cxnSp>
+        <p:cxnSp>
+          <p:nvCxnSpPr>
+            <p:cNvPr id="123" name="Gerade Verbindung mit Pfeil 122">
+              <a:extLst>
+                <a:ext uri="{FF2B5EF4-FFF2-40B4-BE49-F238E27FC236}">
+                  <a16:creationId xmlns:a16="http://schemas.microsoft.com/office/drawing/2014/main" id="{5609D8E7-860C-4D02-ADB3-0D0025BEB6DD}"/>
+                </a:ext>
+              </a:extLst>
+            </p:cNvPr>
+            <p:cNvCxnSpPr>
+              <a:cxnSpLocks/>
+              <a:stCxn id="91" idx="2"/>
+              <a:endCxn id="260" idx="3"/>
+            </p:cNvCxnSpPr>
+            <p:nvPr/>
+          </p:nvCxnSpPr>
+          <p:spPr>
+            <a:xfrm flipH="1">
+              <a:off x="4468632" y="2702438"/>
+              <a:ext cx="4775398" cy="1380482"/>
+            </a:xfrm>
+            <a:prstGeom prst="straightConnector1">
+              <a:avLst/>
+            </a:prstGeom>
+            <a:noFill/>
+            <a:ln w="38100" cap="flat" cmpd="sng" algn="ctr">
+              <a:solidFill>
+                <a:srgbClr val="C00000"/>
+              </a:solidFill>
+              <a:prstDash val="solid"/>
+              <a:round/>
+              <a:headEnd type="none" w="med" len="med"/>
+              <a:tailEnd type="none" w="med" len="med"/>
+            </a:ln>
+            <a:effectLst>
+              <a:outerShdw blurRad="50800" dist="38100" dir="2700000" algn="tl" rotWithShape="0">
+                <a:prstClr val="black">
+                  <a:alpha val="40000"/>
+                </a:prstClr>
+              </a:outerShdw>
+            </a:effectLst>
+          </p:spPr>
+        </p:cxnSp>
+        <p:cxnSp>
+          <p:nvCxnSpPr>
+            <p:cNvPr id="126" name="Gerade Verbindung mit Pfeil 125">
+              <a:extLst>
+                <a:ext uri="{FF2B5EF4-FFF2-40B4-BE49-F238E27FC236}">
+                  <a16:creationId xmlns:a16="http://schemas.microsoft.com/office/drawing/2014/main" id="{A733F265-FE25-455E-A068-A8BC6849120E}"/>
+                </a:ext>
+              </a:extLst>
+            </p:cNvPr>
+            <p:cNvCxnSpPr>
+              <a:cxnSpLocks/>
+              <a:stCxn id="91" idx="2"/>
+              <a:endCxn id="282" idx="3"/>
+            </p:cNvCxnSpPr>
+            <p:nvPr/>
+          </p:nvCxnSpPr>
+          <p:spPr>
+            <a:xfrm flipH="1">
+              <a:off x="6609964" y="2702438"/>
+              <a:ext cx="2634066" cy="1637068"/>
+            </a:xfrm>
+            <a:prstGeom prst="straightConnector1">
+              <a:avLst/>
+            </a:prstGeom>
+            <a:noFill/>
+            <a:ln w="38100" cap="flat" cmpd="sng" algn="ctr">
+              <a:solidFill>
+                <a:srgbClr val="C00000"/>
+              </a:solidFill>
+              <a:prstDash val="solid"/>
+              <a:round/>
+              <a:headEnd type="none" w="med" len="med"/>
+              <a:tailEnd type="none" w="med" len="med"/>
+            </a:ln>
+            <a:effectLst>
+              <a:outerShdw blurRad="50800" dist="38100" dir="2700000" algn="tl" rotWithShape="0">
+                <a:prstClr val="black">
+                  <a:alpha val="40000"/>
+                </a:prstClr>
+              </a:outerShdw>
+            </a:effectLst>
+          </p:spPr>
+        </p:cxnSp>
+        <p:cxnSp>
+          <p:nvCxnSpPr>
+            <p:cNvPr id="133" name="Gerade Verbindung mit Pfeil 132">
+              <a:extLst>
+                <a:ext uri="{FF2B5EF4-FFF2-40B4-BE49-F238E27FC236}">
+                  <a16:creationId xmlns:a16="http://schemas.microsoft.com/office/drawing/2014/main" id="{D3F66049-C9FD-4768-9ED6-300B21567E45}"/>
+                </a:ext>
+              </a:extLst>
+            </p:cNvPr>
+            <p:cNvCxnSpPr>
+              <a:cxnSpLocks/>
+              <a:stCxn id="82" idx="2"/>
+              <a:endCxn id="308" idx="3"/>
+            </p:cNvCxnSpPr>
+            <p:nvPr/>
+          </p:nvCxnSpPr>
+          <p:spPr>
+            <a:xfrm>
+              <a:off x="1537286" y="2659155"/>
+              <a:ext cx="6427415" cy="1204763"/>
+            </a:xfrm>
+            <a:prstGeom prst="straightConnector1">
+              <a:avLst/>
+            </a:prstGeom>
+            <a:noFill/>
+            <a:ln w="38100" cap="flat" cmpd="sng" algn="ctr">
+              <a:solidFill>
+                <a:srgbClr val="00B050"/>
+              </a:solidFill>
+              <a:prstDash val="solid"/>
+              <a:round/>
+              <a:headEnd type="none" w="med" len="med"/>
+              <a:tailEnd type="none" w="med" len="med"/>
+            </a:ln>
+            <a:effectLst>
+              <a:outerShdw blurRad="50800" dist="38100" dir="2700000" algn="tl" rotWithShape="0">
+                <a:prstClr val="black">
+                  <a:alpha val="40000"/>
+                </a:prstClr>
+              </a:outerShdw>
+            </a:effectLst>
+          </p:spPr>
+        </p:cxnSp>
+        <p:cxnSp>
+          <p:nvCxnSpPr>
+            <p:cNvPr id="143" name="Gerade Verbindung mit Pfeil 142">
+              <a:extLst>
+                <a:ext uri="{FF2B5EF4-FFF2-40B4-BE49-F238E27FC236}">
+                  <a16:creationId xmlns:a16="http://schemas.microsoft.com/office/drawing/2014/main" id="{BA060CCB-E7DC-4D18-9D56-E48AC35FC14C}"/>
+                </a:ext>
+              </a:extLst>
+            </p:cNvPr>
+            <p:cNvCxnSpPr>
+              <a:cxnSpLocks/>
+              <a:stCxn id="82" idx="2"/>
+              <a:endCxn id="244" idx="3"/>
+            </p:cNvCxnSpPr>
+            <p:nvPr/>
+          </p:nvCxnSpPr>
+          <p:spPr>
+            <a:xfrm>
+              <a:off x="1537286" y="2659155"/>
+              <a:ext cx="1120082" cy="963626"/>
+            </a:xfrm>
+            <a:prstGeom prst="straightConnector1">
+              <a:avLst/>
+            </a:prstGeom>
+            <a:noFill/>
+            <a:ln w="38100" cap="flat" cmpd="sng" algn="ctr">
+              <a:solidFill>
+                <a:srgbClr val="00B050"/>
+              </a:solidFill>
+              <a:prstDash val="solid"/>
+              <a:round/>
+              <a:headEnd type="none" w="med" len="med"/>
+              <a:tailEnd type="none" w="med" len="med"/>
+            </a:ln>
+            <a:effectLst>
+              <a:outerShdw blurRad="50800" dist="38100" dir="2700000" algn="tl" rotWithShape="0">
+                <a:prstClr val="black">
+                  <a:alpha val="40000"/>
+                </a:prstClr>
+              </a:outerShdw>
+            </a:effectLst>
+          </p:spPr>
+        </p:cxnSp>
+        <p:cxnSp>
+          <p:nvCxnSpPr>
+            <p:cNvPr id="146" name="Gerade Verbindung mit Pfeil 145">
+              <a:extLst>
+                <a:ext uri="{FF2B5EF4-FFF2-40B4-BE49-F238E27FC236}">
+                  <a16:creationId xmlns:a16="http://schemas.microsoft.com/office/drawing/2014/main" id="{C6ABEC47-3159-4869-A8A9-3CA11764A86F}"/>
+                </a:ext>
+              </a:extLst>
+            </p:cNvPr>
+            <p:cNvCxnSpPr>
+              <a:cxnSpLocks/>
+              <a:stCxn id="82" idx="2"/>
+            </p:cNvCxnSpPr>
+            <p:nvPr/>
+          </p:nvCxnSpPr>
+          <p:spPr>
+            <a:xfrm>
+              <a:off x="1537286" y="2659155"/>
+              <a:ext cx="2629249" cy="1451736"/>
+            </a:xfrm>
+            <a:prstGeom prst="straightConnector1">
+              <a:avLst/>
+            </a:prstGeom>
+            <a:noFill/>
+            <a:ln w="38100" cap="flat" cmpd="sng" algn="ctr">
+              <a:solidFill>
+                <a:srgbClr val="00B050"/>
+              </a:solidFill>
+              <a:prstDash val="solid"/>
+              <a:round/>
+              <a:headEnd type="none" w="med" len="med"/>
+              <a:tailEnd type="none" w="med" len="med"/>
+            </a:ln>
+            <a:effectLst>
+              <a:outerShdw blurRad="50800" dist="38100" dir="2700000" algn="tl" rotWithShape="0">
+                <a:prstClr val="black">
+                  <a:alpha val="40000"/>
+                </a:prstClr>
+              </a:outerShdw>
+            </a:effectLst>
+          </p:spPr>
+        </p:cxnSp>
+        <p:cxnSp>
+          <p:nvCxnSpPr>
+            <p:cNvPr id="149" name="Gerade Verbindung mit Pfeil 148">
+              <a:extLst>
+                <a:ext uri="{FF2B5EF4-FFF2-40B4-BE49-F238E27FC236}">
+                  <a16:creationId xmlns:a16="http://schemas.microsoft.com/office/drawing/2014/main" id="{DDE87805-09A5-4843-BA6D-48B3ED16FC1F}"/>
+                </a:ext>
+              </a:extLst>
+            </p:cNvPr>
+            <p:cNvCxnSpPr>
+              <a:cxnSpLocks/>
+              <a:stCxn id="96" idx="2"/>
+              <a:endCxn id="225" idx="3"/>
+            </p:cNvCxnSpPr>
+            <p:nvPr/>
+          </p:nvCxnSpPr>
+          <p:spPr>
+            <a:xfrm flipH="1">
+              <a:off x="2836961" y="794968"/>
+              <a:ext cx="4338529" cy="2834071"/>
+            </a:xfrm>
+            <a:prstGeom prst="straightConnector1">
+              <a:avLst/>
+            </a:prstGeom>
+            <a:noFill/>
+            <a:ln w="25400" cap="flat" cmpd="sng" algn="ctr">
+              <a:solidFill>
+                <a:srgbClr val="C00000"/>
+              </a:solidFill>
+              <a:prstDash val="solid"/>
+              <a:round/>
+              <a:headEnd type="none" w="med" len="med"/>
+              <a:tailEnd type="none" w="med" len="med"/>
+            </a:ln>
+            <a:effectLst>
+              <a:outerShdw blurRad="50800" dist="38100" dir="2700000" algn="tl" rotWithShape="0">
+                <a:prstClr val="black">
+                  <a:alpha val="40000"/>
+                </a:prstClr>
+              </a:outerShdw>
+            </a:effectLst>
+          </p:spPr>
+        </p:cxnSp>
+        <p:cxnSp>
+          <p:nvCxnSpPr>
+            <p:cNvPr id="152" name="Gerade Verbindung mit Pfeil 151">
+              <a:extLst>
+                <a:ext uri="{FF2B5EF4-FFF2-40B4-BE49-F238E27FC236}">
+                  <a16:creationId xmlns:a16="http://schemas.microsoft.com/office/drawing/2014/main" id="{105CBEA4-7FE5-462C-B2BD-91B1EB886460}"/>
+                </a:ext>
+              </a:extLst>
+            </p:cNvPr>
+            <p:cNvCxnSpPr>
+              <a:cxnSpLocks/>
+              <a:stCxn id="82" idx="3"/>
+            </p:cNvCxnSpPr>
+            <p:nvPr/>
+          </p:nvCxnSpPr>
+          <p:spPr>
+            <a:xfrm flipV="1">
+              <a:off x="2129523" y="818747"/>
+              <a:ext cx="4550129" cy="1694214"/>
+            </a:xfrm>
+            <a:prstGeom prst="straightConnector1">
+              <a:avLst/>
+            </a:prstGeom>
+            <a:noFill/>
+            <a:ln w="38100" cap="flat" cmpd="sng" algn="ctr">
+              <a:solidFill>
+                <a:srgbClr val="00B050"/>
+              </a:solidFill>
+              <a:prstDash val="solid"/>
+              <a:round/>
+              <a:headEnd type="none" w="med" len="med"/>
+              <a:tailEnd type="none" w="med" len="med"/>
+            </a:ln>
+            <a:effectLst>
+              <a:outerShdw blurRad="50800" dist="38100" dir="2700000" algn="tl" rotWithShape="0">
+                <a:prstClr val="black">
+                  <a:alpha val="40000"/>
+                </a:prstClr>
+              </a:outerShdw>
+            </a:effectLst>
+          </p:spPr>
+        </p:cxnSp>
         <p:sp>
           <p:nvSpPr>
-            <p:cNvPr id="73" name="Textfeld 72">
+            <p:cNvPr id="225" name="Gleichschenkliges Dreieck 224">
               <a:extLst>
                 <a:ext uri="{FF2B5EF4-FFF2-40B4-BE49-F238E27FC236}">
-                  <a16:creationId xmlns:a16="http://schemas.microsoft.com/office/drawing/2014/main" id="{3B36568C-F1AC-4C56-82E9-751A6283020E}"/>
+                  <a16:creationId xmlns:a16="http://schemas.microsoft.com/office/drawing/2014/main" id="{158BD913-E196-4523-91A6-0074CF2173D6}"/>
+                </a:ext>
+              </a:extLst>
+            </p:cNvPr>
+            <p:cNvSpPr/>
+            <p:nvPr/>
+          </p:nvSpPr>
+          <p:spPr>
+            <a:xfrm rot="13268434">
+              <a:off x="2747434" y="3615706"/>
+              <a:ext cx="108000" cy="108000"/>
+            </a:xfrm>
+            <a:prstGeom prst="triangle">
+              <a:avLst/>
+            </a:prstGeom>
+            <a:solidFill>
+              <a:srgbClr val="C00000"/>
+            </a:solidFill>
+            <a:ln>
+              <a:noFill/>
+            </a:ln>
+            <a:effectLst>
+              <a:outerShdw blurRad="50800" dist="38100" dir="2700000" algn="tl" rotWithShape="0">
+                <a:prstClr val="black">
+                  <a:alpha val="40000"/>
+                </a:prstClr>
+              </a:outerShdw>
+            </a:effectLst>
+          </p:spPr>
+          <p:style>
+            <a:lnRef idx="2">
+              <a:schemeClr val="accent1">
+                <a:shade val="50000"/>
+              </a:schemeClr>
+            </a:lnRef>
+            <a:fillRef idx="1">
+              <a:schemeClr val="accent1"/>
+            </a:fillRef>
+            <a:effectRef idx="0">
+              <a:schemeClr val="accent1"/>
+            </a:effectRef>
+            <a:fontRef idx="minor">
+              <a:schemeClr val="lt1"/>
+            </a:fontRef>
+          </p:style>
+          <p:txBody>
+            <a:bodyPr rtlCol="0" anchor="ctr"/>
+            <a:lstStyle/>
+            <a:p>
+              <a:pPr algn="ctr"/>
+              <a:endParaRPr lang="en-US"/>
+            </a:p>
+          </p:txBody>
+        </p:sp>
+        <p:sp>
+          <p:nvSpPr>
+            <p:cNvPr id="260" name="Gleichschenkliges Dreieck 259">
+              <a:extLst>
+                <a:ext uri="{FF2B5EF4-FFF2-40B4-BE49-F238E27FC236}">
+                  <a16:creationId xmlns:a16="http://schemas.microsoft.com/office/drawing/2014/main" id="{0F5C47FB-1C81-489E-9A26-8F037CFDCBA0}"/>
+                </a:ext>
+              </a:extLst>
+            </p:cNvPr>
+            <p:cNvSpPr/>
+            <p:nvPr/>
+          </p:nvSpPr>
+          <p:spPr>
+            <a:xfrm rot="12594733">
+              <a:off x="4387704" y="4075727"/>
+              <a:ext cx="108000" cy="108000"/>
+            </a:xfrm>
+            <a:prstGeom prst="triangle">
+              <a:avLst/>
+            </a:prstGeom>
+            <a:solidFill>
+              <a:srgbClr val="C00000"/>
+            </a:solidFill>
+            <a:ln>
+              <a:noFill/>
+            </a:ln>
+            <a:effectLst>
+              <a:outerShdw blurRad="50800" dist="38100" dir="2700000" algn="tl" rotWithShape="0">
+                <a:prstClr val="black">
+                  <a:alpha val="40000"/>
+                </a:prstClr>
+              </a:outerShdw>
+            </a:effectLst>
+          </p:spPr>
+          <p:style>
+            <a:lnRef idx="2">
+              <a:schemeClr val="accent1">
+                <a:shade val="50000"/>
+              </a:schemeClr>
+            </a:lnRef>
+            <a:fillRef idx="1">
+              <a:schemeClr val="accent1"/>
+            </a:fillRef>
+            <a:effectRef idx="0">
+              <a:schemeClr val="accent1"/>
+            </a:effectRef>
+            <a:fontRef idx="minor">
+              <a:schemeClr val="lt1"/>
+            </a:fontRef>
+          </p:style>
+          <p:txBody>
+            <a:bodyPr rtlCol="0" anchor="ctr"/>
+            <a:lstStyle/>
+            <a:p>
+              <a:pPr algn="ctr"/>
+              <a:endParaRPr lang="en-US"/>
+            </a:p>
+          </p:txBody>
+        </p:sp>
+        <p:sp>
+          <p:nvSpPr>
+            <p:cNvPr id="282" name="Gleichschenkliges Dreieck 281">
+              <a:extLst>
+                <a:ext uri="{FF2B5EF4-FFF2-40B4-BE49-F238E27FC236}">
+                  <a16:creationId xmlns:a16="http://schemas.microsoft.com/office/drawing/2014/main" id="{AA9C8588-459E-4598-AEC4-94F680347174}"/>
+                </a:ext>
+              </a:extLst>
+            </p:cNvPr>
+            <p:cNvSpPr/>
+            <p:nvPr/>
+          </p:nvSpPr>
+          <p:spPr>
+            <a:xfrm rot="10774011">
+              <a:off x="6556372" y="4339504"/>
+              <a:ext cx="108000" cy="108000"/>
+            </a:xfrm>
+            <a:prstGeom prst="triangle">
+              <a:avLst/>
+            </a:prstGeom>
+            <a:solidFill>
+              <a:srgbClr val="C00000"/>
+            </a:solidFill>
+            <a:ln>
+              <a:noFill/>
+            </a:ln>
+            <a:effectLst>
+              <a:outerShdw blurRad="50800" dist="38100" dir="2700000" algn="tl" rotWithShape="0">
+                <a:prstClr val="black">
+                  <a:alpha val="40000"/>
+                </a:prstClr>
+              </a:outerShdw>
+            </a:effectLst>
+          </p:spPr>
+          <p:style>
+            <a:lnRef idx="2">
+              <a:schemeClr val="accent1">
+                <a:shade val="50000"/>
+              </a:schemeClr>
+            </a:lnRef>
+            <a:fillRef idx="1">
+              <a:schemeClr val="accent1"/>
+            </a:fillRef>
+            <a:effectRef idx="0">
+              <a:schemeClr val="accent1"/>
+            </a:effectRef>
+            <a:fontRef idx="minor">
+              <a:schemeClr val="lt1"/>
+            </a:fontRef>
+          </p:style>
+          <p:txBody>
+            <a:bodyPr rtlCol="0" anchor="ctr"/>
+            <a:lstStyle/>
+            <a:p>
+              <a:pPr algn="ctr"/>
+              <a:endParaRPr lang="en-US"/>
+            </a:p>
+          </p:txBody>
+        </p:sp>
+        <p:sp>
+          <p:nvSpPr>
+            <p:cNvPr id="308" name="Gleichschenkliges Dreieck 307">
+              <a:extLst>
+                <a:ext uri="{FF2B5EF4-FFF2-40B4-BE49-F238E27FC236}">
+                  <a16:creationId xmlns:a16="http://schemas.microsoft.com/office/drawing/2014/main" id="{79D2B915-6D31-4CE3-BE15-78F15B03D4DC}"/>
+                </a:ext>
+              </a:extLst>
+            </p:cNvPr>
+            <p:cNvSpPr/>
+            <p:nvPr/>
+          </p:nvSpPr>
+          <p:spPr>
+            <a:xfrm rot="6115709">
+              <a:off x="7963535" y="3821079"/>
+              <a:ext cx="108000" cy="108000"/>
+            </a:xfrm>
+            <a:prstGeom prst="triangle">
+              <a:avLst/>
+            </a:prstGeom>
+            <a:solidFill>
+              <a:srgbClr val="00B050"/>
+            </a:solidFill>
+            <a:ln>
+              <a:noFill/>
+            </a:ln>
+            <a:effectLst>
+              <a:outerShdw blurRad="50800" dist="38100" dir="2700000" algn="tl" rotWithShape="0">
+                <a:prstClr val="black">
+                  <a:alpha val="40000"/>
+                </a:prstClr>
+              </a:outerShdw>
+            </a:effectLst>
+          </p:spPr>
+          <p:style>
+            <a:lnRef idx="2">
+              <a:schemeClr val="accent1">
+                <a:shade val="50000"/>
+              </a:schemeClr>
+            </a:lnRef>
+            <a:fillRef idx="1">
+              <a:schemeClr val="accent1"/>
+            </a:fillRef>
+            <a:effectRef idx="0">
+              <a:schemeClr val="accent1"/>
+            </a:effectRef>
+            <a:fontRef idx="minor">
+              <a:schemeClr val="lt1"/>
+            </a:fontRef>
+          </p:style>
+          <p:txBody>
+            <a:bodyPr rtlCol="0" anchor="ctr"/>
+            <a:lstStyle/>
+            <a:p>
+              <a:pPr algn="ctr"/>
+              <a:endParaRPr lang="en-US"/>
+            </a:p>
+          </p:txBody>
+        </p:sp>
+        <p:sp>
+          <p:nvSpPr>
+            <p:cNvPr id="309" name="Gleichschenkliges Dreieck 308">
+              <a:extLst>
+                <a:ext uri="{FF2B5EF4-FFF2-40B4-BE49-F238E27FC236}">
+                  <a16:creationId xmlns:a16="http://schemas.microsoft.com/office/drawing/2014/main" id="{86E5D817-9B16-4B02-8161-CE949B261014}"/>
+                </a:ext>
+              </a:extLst>
+            </p:cNvPr>
+            <p:cNvSpPr/>
+            <p:nvPr/>
+          </p:nvSpPr>
+          <p:spPr>
+            <a:xfrm rot="10607087">
+              <a:off x="8091996" y="3774408"/>
+              <a:ext cx="108000" cy="108000"/>
+            </a:xfrm>
+            <a:prstGeom prst="triangle">
+              <a:avLst/>
+            </a:prstGeom>
+            <a:solidFill>
+              <a:srgbClr val="C00000"/>
+            </a:solidFill>
+            <a:ln>
+              <a:noFill/>
+            </a:ln>
+            <a:effectLst>
+              <a:outerShdw blurRad="50800" dist="38100" dir="2700000" algn="tl" rotWithShape="0">
+                <a:prstClr val="black">
+                  <a:alpha val="40000"/>
+                </a:prstClr>
+              </a:outerShdw>
+            </a:effectLst>
+          </p:spPr>
+          <p:style>
+            <a:lnRef idx="2">
+              <a:schemeClr val="accent1">
+                <a:shade val="50000"/>
+              </a:schemeClr>
+            </a:lnRef>
+            <a:fillRef idx="1">
+              <a:schemeClr val="accent1"/>
+            </a:fillRef>
+            <a:effectRef idx="0">
+              <a:schemeClr val="accent1"/>
+            </a:effectRef>
+            <a:fontRef idx="minor">
+              <a:schemeClr val="lt1"/>
+            </a:fontRef>
+          </p:style>
+          <p:txBody>
+            <a:bodyPr rtlCol="0" anchor="ctr"/>
+            <a:lstStyle/>
+            <a:p>
+              <a:pPr algn="ctr"/>
+              <a:endParaRPr lang="en-US"/>
+            </a:p>
+          </p:txBody>
+        </p:sp>
+        <p:sp>
+          <p:nvSpPr>
+            <p:cNvPr id="322" name="Gleichschenkliges Dreieck 321">
+              <a:extLst>
+                <a:ext uri="{FF2B5EF4-FFF2-40B4-BE49-F238E27FC236}">
+                  <a16:creationId xmlns:a16="http://schemas.microsoft.com/office/drawing/2014/main" id="{440DF057-EC90-445C-90A7-2E14B78B734A}"/>
+                </a:ext>
+              </a:extLst>
+            </p:cNvPr>
+            <p:cNvSpPr/>
+            <p:nvPr/>
+          </p:nvSpPr>
+          <p:spPr>
+            <a:xfrm rot="5002482">
+              <a:off x="6598197" y="644564"/>
+              <a:ext cx="108000" cy="108000"/>
+            </a:xfrm>
+            <a:prstGeom prst="triangle">
+              <a:avLst/>
+            </a:prstGeom>
+            <a:solidFill>
+              <a:srgbClr val="C00000"/>
+            </a:solidFill>
+            <a:ln>
+              <a:noFill/>
+            </a:ln>
+            <a:effectLst>
+              <a:outerShdw blurRad="50800" dist="38100" dir="2700000" algn="tl" rotWithShape="0">
+                <a:prstClr val="black">
+                  <a:alpha val="40000"/>
+                </a:prstClr>
+              </a:outerShdw>
+            </a:effectLst>
+          </p:spPr>
+          <p:style>
+            <a:lnRef idx="2">
+              <a:schemeClr val="accent1">
+                <a:shade val="50000"/>
+              </a:schemeClr>
+            </a:lnRef>
+            <a:fillRef idx="1">
+              <a:schemeClr val="accent1"/>
+            </a:fillRef>
+            <a:effectRef idx="0">
+              <a:schemeClr val="accent1"/>
+            </a:effectRef>
+            <a:fontRef idx="minor">
+              <a:schemeClr val="lt1"/>
+            </a:fontRef>
+          </p:style>
+          <p:txBody>
+            <a:bodyPr rtlCol="0" anchor="ctr"/>
+            <a:lstStyle/>
+            <a:p>
+              <a:pPr algn="ctr"/>
+              <a:endParaRPr lang="en-US"/>
+            </a:p>
+          </p:txBody>
+        </p:sp>
+        <p:sp>
+          <p:nvSpPr>
+            <p:cNvPr id="325" name="Gleichschenkliges Dreieck 324">
+              <a:extLst>
+                <a:ext uri="{FF2B5EF4-FFF2-40B4-BE49-F238E27FC236}">
+                  <a16:creationId xmlns:a16="http://schemas.microsoft.com/office/drawing/2014/main" id="{33EB7A10-6F89-45BA-84DD-AEE2271C4041}"/>
+                </a:ext>
+              </a:extLst>
+            </p:cNvPr>
+            <p:cNvSpPr/>
+            <p:nvPr/>
+          </p:nvSpPr>
+          <p:spPr>
+            <a:xfrm rot="4060640">
+              <a:off x="6668663" y="746481"/>
+              <a:ext cx="108000" cy="108000"/>
+            </a:xfrm>
+            <a:prstGeom prst="triangle">
+              <a:avLst/>
+            </a:prstGeom>
+            <a:solidFill>
+              <a:srgbClr val="00B050"/>
+            </a:solidFill>
+            <a:ln>
+              <a:noFill/>
+            </a:ln>
+            <a:effectLst>
+              <a:outerShdw blurRad="50800" dist="38100" dir="2700000" algn="tl" rotWithShape="0">
+                <a:prstClr val="black">
+                  <a:alpha val="40000"/>
+                </a:prstClr>
+              </a:outerShdw>
+            </a:effectLst>
+          </p:spPr>
+          <p:style>
+            <a:lnRef idx="2">
+              <a:schemeClr val="accent1">
+                <a:shade val="50000"/>
+              </a:schemeClr>
+            </a:lnRef>
+            <a:fillRef idx="1">
+              <a:schemeClr val="accent1"/>
+            </a:fillRef>
+            <a:effectRef idx="0">
+              <a:schemeClr val="accent1"/>
+            </a:effectRef>
+            <a:fontRef idx="minor">
+              <a:schemeClr val="lt1"/>
+            </a:fontRef>
+          </p:style>
+          <p:txBody>
+            <a:bodyPr rtlCol="0" anchor="ctr"/>
+            <a:lstStyle/>
+            <a:p>
+              <a:pPr algn="ctr"/>
+              <a:endParaRPr lang="en-US"/>
+            </a:p>
+          </p:txBody>
+        </p:sp>
+        <p:sp>
+          <p:nvSpPr>
+            <p:cNvPr id="89" name="Rechteck 88">
+              <a:extLst>
+                <a:ext uri="{FF2B5EF4-FFF2-40B4-BE49-F238E27FC236}">
+                  <a16:creationId xmlns:a16="http://schemas.microsoft.com/office/drawing/2014/main" id="{B01FC0D7-7C44-4907-8594-22DB3C47610D}"/>
+                </a:ext>
+              </a:extLst>
+            </p:cNvPr>
+            <p:cNvSpPr/>
+            <p:nvPr/>
+          </p:nvSpPr>
+          <p:spPr bwMode="gray">
+            <a:xfrm rot="16200000">
+              <a:off x="-703723" y="1277947"/>
+              <a:ext cx="2462212" cy="542847"/>
+            </a:xfrm>
+            <a:prstGeom prst="rect">
+              <a:avLst/>
+            </a:prstGeom>
+            <a:gradFill flip="none" rotWithShape="1">
+              <a:gsLst>
+                <a:gs pos="0">
+                  <a:srgbClr val="D30F4B">
+                    <a:shade val="30000"/>
+                    <a:satMod val="115000"/>
+                  </a:srgbClr>
+                </a:gs>
+                <a:gs pos="50000">
+                  <a:srgbClr val="BD0039"/>
+                </a:gs>
+                <a:gs pos="100000">
+                  <a:srgbClr val="D30F4B">
+                    <a:shade val="100000"/>
+                    <a:satMod val="115000"/>
+                  </a:srgbClr>
+                </a:gs>
+              </a:gsLst>
+              <a:lin ang="2700000" scaled="1"/>
+              <a:tileRect/>
+            </a:gradFill>
+            <a:ln w="25400" cap="flat" cmpd="sng" algn="ctr">
+              <a:noFill/>
+              <a:prstDash val="solid"/>
+            </a:ln>
+            <a:effectLst/>
+          </p:spPr>
+          <p:txBody>
+            <a:bodyPr rtlCol="0" anchor="ctr"/>
+            <a:lstStyle/>
+            <a:p>
+              <a:pPr marL="0" marR="0" lvl="0" indent="0" algn="ctr" defTabSz="914400" eaLnBrk="1" fontAlgn="auto" latinLnBrk="0" hangingPunct="1">
+                <a:lnSpc>
+                  <a:spcPct val="100000"/>
+                </a:lnSpc>
+                <a:spcBef>
+                  <a:spcPts val="0"/>
+                </a:spcBef>
+                <a:spcAft>
+                  <a:spcPts val="0"/>
+                </a:spcAft>
+                <a:buClrTx/>
+                <a:buSzTx/>
+                <a:buFontTx/>
+                <a:buNone/>
+                <a:tabLst/>
+                <a:defRPr/>
+              </a:pPr>
+              <a:r>
+                <a:rPr kumimoji="0" lang="de-DE" sz="1600" b="1" i="0" u="none" strike="noStrike" kern="0" cap="none" spc="0" normalizeH="0" baseline="0" noProof="0" dirty="0">
+                  <a:ln>
+                    <a:noFill/>
+                  </a:ln>
+                  <a:solidFill>
+                    <a:srgbClr val="FFFFFF"/>
+                  </a:solidFill>
+                  <a:effectLst/>
+                  <a:uLnTx/>
+                  <a:uFillTx/>
+                  <a:latin typeface="Arial"/>
+                  <a:cs typeface="Arial"/>
+                </a:rPr>
+                <a:t>Perpetrator</a:t>
+              </a:r>
+            </a:p>
+          </p:txBody>
+        </p:sp>
+        <p:cxnSp>
+          <p:nvCxnSpPr>
+            <p:cNvPr id="83" name="Gerade Verbindung mit Pfeil 82">
+              <a:extLst>
+                <a:ext uri="{FF2B5EF4-FFF2-40B4-BE49-F238E27FC236}">
+                  <a16:creationId xmlns:a16="http://schemas.microsoft.com/office/drawing/2014/main" id="{7C4C4657-F70E-402C-8786-36CBBA877661}"/>
+                </a:ext>
+              </a:extLst>
+            </p:cNvPr>
+            <p:cNvCxnSpPr>
+              <a:cxnSpLocks/>
+              <a:stCxn id="81" idx="2"/>
+              <a:endCxn id="225" idx="3"/>
+            </p:cNvCxnSpPr>
+            <p:nvPr/>
+          </p:nvCxnSpPr>
+          <p:spPr>
+            <a:xfrm flipH="1">
+              <a:off x="2836961" y="535272"/>
+              <a:ext cx="2839602" cy="3093767"/>
+            </a:xfrm>
+            <a:prstGeom prst="straightConnector1">
+              <a:avLst/>
+            </a:prstGeom>
+            <a:noFill/>
+            <a:ln w="25400" cap="flat" cmpd="sng" algn="ctr">
+              <a:solidFill>
+                <a:srgbClr val="C00000"/>
+              </a:solidFill>
+              <a:prstDash val="solid"/>
+              <a:round/>
+              <a:headEnd type="none" w="med" len="med"/>
+              <a:tailEnd type="none" w="med" len="med"/>
+            </a:ln>
+            <a:effectLst>
+              <a:outerShdw blurRad="50800" dist="38100" dir="2700000" algn="tl" rotWithShape="0">
+                <a:prstClr val="black">
+                  <a:alpha val="40000"/>
+                </a:prstClr>
+              </a:outerShdw>
+            </a:effectLst>
+          </p:spPr>
+        </p:cxnSp>
+        <p:cxnSp>
+          <p:nvCxnSpPr>
+            <p:cNvPr id="85" name="Gerade Verbindung mit Pfeil 84">
+              <a:extLst>
+                <a:ext uri="{FF2B5EF4-FFF2-40B4-BE49-F238E27FC236}">
+                  <a16:creationId xmlns:a16="http://schemas.microsoft.com/office/drawing/2014/main" id="{1D333C90-6C96-4BFC-9362-6D8923E3EB58}"/>
+                </a:ext>
+              </a:extLst>
+            </p:cNvPr>
+            <p:cNvCxnSpPr>
+              <a:cxnSpLocks/>
+              <a:stCxn id="81" idx="2"/>
+              <a:endCxn id="260" idx="3"/>
+            </p:cNvCxnSpPr>
+            <p:nvPr/>
+          </p:nvCxnSpPr>
+          <p:spPr>
+            <a:xfrm flipH="1">
+              <a:off x="4468632" y="535272"/>
+              <a:ext cx="1207931" cy="3547648"/>
+            </a:xfrm>
+            <a:prstGeom prst="straightConnector1">
+              <a:avLst/>
+            </a:prstGeom>
+            <a:noFill/>
+            <a:ln w="25400" cap="flat" cmpd="sng" algn="ctr">
+              <a:solidFill>
+                <a:srgbClr val="C00000"/>
+              </a:solidFill>
+              <a:prstDash val="solid"/>
+              <a:round/>
+              <a:headEnd type="none" w="med" len="med"/>
+              <a:tailEnd type="none" w="med" len="med"/>
+            </a:ln>
+            <a:effectLst>
+              <a:outerShdw blurRad="50800" dist="38100" dir="2700000" algn="tl" rotWithShape="0">
+                <a:prstClr val="black">
+                  <a:alpha val="40000"/>
+                </a:prstClr>
+              </a:outerShdw>
+            </a:effectLst>
+          </p:spPr>
+        </p:cxnSp>
+        <p:cxnSp>
+          <p:nvCxnSpPr>
+            <p:cNvPr id="87" name="Gerade Verbindung mit Pfeil 86">
+              <a:extLst>
+                <a:ext uri="{FF2B5EF4-FFF2-40B4-BE49-F238E27FC236}">
+                  <a16:creationId xmlns:a16="http://schemas.microsoft.com/office/drawing/2014/main" id="{B09C1B25-6846-4B5F-8D6B-5ECF6477CAB7}"/>
+                </a:ext>
+              </a:extLst>
+            </p:cNvPr>
+            <p:cNvCxnSpPr>
+              <a:cxnSpLocks/>
+              <a:stCxn id="81" idx="2"/>
+              <a:endCxn id="309" idx="3"/>
+            </p:cNvCxnSpPr>
+            <p:nvPr/>
+          </p:nvCxnSpPr>
+          <p:spPr>
+            <a:xfrm>
+              <a:off x="5676563" y="535272"/>
+              <a:ext cx="2466404" cy="3239221"/>
+            </a:xfrm>
+            <a:prstGeom prst="straightConnector1">
+              <a:avLst/>
+            </a:prstGeom>
+            <a:noFill/>
+            <a:ln w="25400" cap="flat" cmpd="sng" algn="ctr">
+              <a:solidFill>
+                <a:srgbClr val="C00000"/>
+              </a:solidFill>
+              <a:prstDash val="solid"/>
+              <a:round/>
+              <a:headEnd type="none" w="med" len="med"/>
+              <a:tailEnd type="none" w="med" len="med"/>
+            </a:ln>
+            <a:effectLst>
+              <a:outerShdw blurRad="50800" dist="38100" dir="2700000" algn="tl" rotWithShape="0">
+                <a:prstClr val="black">
+                  <a:alpha val="40000"/>
+                </a:prstClr>
+              </a:outerShdw>
+            </a:effectLst>
+          </p:spPr>
+        </p:cxnSp>
+        <p:grpSp>
+          <p:nvGrpSpPr>
+            <p:cNvPr id="3" name="Gruppieren 2">
+              <a:extLst>
+                <a:ext uri="{FF2B5EF4-FFF2-40B4-BE49-F238E27FC236}">
+                  <a16:creationId xmlns:a16="http://schemas.microsoft.com/office/drawing/2014/main" id="{651B8E68-14E9-40DC-9516-1A5587486B33}"/>
+                </a:ext>
+              </a:extLst>
+            </p:cNvPr>
+            <p:cNvGrpSpPr/>
+            <p:nvPr/>
+          </p:nvGrpSpPr>
+          <p:grpSpPr>
+            <a:xfrm>
+              <a:off x="4517898" y="2218921"/>
+              <a:ext cx="1478716" cy="1255456"/>
+              <a:chOff x="4667154" y="1816802"/>
+              <a:chExt cx="1478716" cy="1255456"/>
+            </a:xfrm>
+          </p:grpSpPr>
+          <p:sp>
+            <p:nvSpPr>
+              <p:cNvPr id="103" name="Freihandform: Form 102">
+                <a:extLst>
+                  <a:ext uri="{FF2B5EF4-FFF2-40B4-BE49-F238E27FC236}">
+                    <a16:creationId xmlns:a16="http://schemas.microsoft.com/office/drawing/2014/main" id="{246D6CDD-062A-44A2-A9E8-EFAD2BDD5921}"/>
+                  </a:ext>
+                </a:extLst>
+              </p:cNvPr>
+              <p:cNvSpPr/>
+              <p:nvPr/>
+            </p:nvSpPr>
+            <p:spPr>
+              <a:xfrm>
+                <a:off x="4736211" y="1816802"/>
+                <a:ext cx="1256861" cy="1255456"/>
+              </a:xfrm>
+              <a:custGeom>
+                <a:avLst/>
+                <a:gdLst>
+                  <a:gd name="connsiteX0" fmla="*/ 283464 w 1256861"/>
+                  <a:gd name="connsiteY0" fmla="*/ 859723 h 1255456"/>
+                  <a:gd name="connsiteX1" fmla="*/ 216789 w 1256861"/>
+                  <a:gd name="connsiteY1" fmla="*/ 859723 h 1255456"/>
+                  <a:gd name="connsiteX2" fmla="*/ 162020 w 1256861"/>
+                  <a:gd name="connsiteY2" fmla="*/ 847817 h 1255456"/>
+                  <a:gd name="connsiteX3" fmla="*/ 126302 w 1256861"/>
+                  <a:gd name="connsiteY3" fmla="*/ 876392 h 1255456"/>
+                  <a:gd name="connsiteX4" fmla="*/ 64389 w 1256861"/>
+                  <a:gd name="connsiteY4" fmla="*/ 843054 h 1255456"/>
+                  <a:gd name="connsiteX5" fmla="*/ 19145 w 1256861"/>
+                  <a:gd name="connsiteY5" fmla="*/ 804954 h 1255456"/>
+                  <a:gd name="connsiteX6" fmla="*/ 4858 w 1256861"/>
+                  <a:gd name="connsiteY6" fmla="*/ 764473 h 1255456"/>
+                  <a:gd name="connsiteX7" fmla="*/ 100108 w 1256861"/>
+                  <a:gd name="connsiteY7" fmla="*/ 723992 h 1255456"/>
+                  <a:gd name="connsiteX8" fmla="*/ 42958 w 1256861"/>
+                  <a:gd name="connsiteY8" fmla="*/ 673986 h 1255456"/>
+                  <a:gd name="connsiteX9" fmla="*/ 92964 w 1256861"/>
+                  <a:gd name="connsiteY9" fmla="*/ 628742 h 1255456"/>
+                  <a:gd name="connsiteX10" fmla="*/ 138208 w 1256861"/>
+                  <a:gd name="connsiteY10" fmla="*/ 550161 h 1255456"/>
+                  <a:gd name="connsiteX11" fmla="*/ 192977 w 1256861"/>
+                  <a:gd name="connsiteY11" fmla="*/ 488248 h 1255456"/>
+                  <a:gd name="connsiteX12" fmla="*/ 247745 w 1256861"/>
+                  <a:gd name="connsiteY12" fmla="*/ 404904 h 1255456"/>
+                  <a:gd name="connsiteX13" fmla="*/ 245364 w 1256861"/>
+                  <a:gd name="connsiteY13" fmla="*/ 323942 h 1255456"/>
+                  <a:gd name="connsiteX14" fmla="*/ 271558 w 1256861"/>
+                  <a:gd name="connsiteY14" fmla="*/ 257267 h 1255456"/>
+                  <a:gd name="connsiteX15" fmla="*/ 335852 w 1256861"/>
+                  <a:gd name="connsiteY15" fmla="*/ 281079 h 1255456"/>
+                  <a:gd name="connsiteX16" fmla="*/ 402527 w 1256861"/>
+                  <a:gd name="connsiteY16" fmla="*/ 204879 h 1255456"/>
+                  <a:gd name="connsiteX17" fmla="*/ 457295 w 1256861"/>
+                  <a:gd name="connsiteY17" fmla="*/ 202498 h 1255456"/>
+                  <a:gd name="connsiteX18" fmla="*/ 493014 w 1256861"/>
+                  <a:gd name="connsiteY18" fmla="*/ 181067 h 1255456"/>
+                  <a:gd name="connsiteX19" fmla="*/ 500158 w 1256861"/>
+                  <a:gd name="connsiteY19" fmla="*/ 133442 h 1255456"/>
+                  <a:gd name="connsiteX20" fmla="*/ 612077 w 1256861"/>
+                  <a:gd name="connsiteY20" fmla="*/ 119154 h 1255456"/>
+                  <a:gd name="connsiteX21" fmla="*/ 588264 w 1256861"/>
+                  <a:gd name="connsiteY21" fmla="*/ 92961 h 1255456"/>
+                  <a:gd name="connsiteX22" fmla="*/ 597789 w 1256861"/>
+                  <a:gd name="connsiteY22" fmla="*/ 9617 h 1255456"/>
+                  <a:gd name="connsiteX23" fmla="*/ 676370 w 1256861"/>
+                  <a:gd name="connsiteY23" fmla="*/ 4854 h 1255456"/>
+                  <a:gd name="connsiteX24" fmla="*/ 759714 w 1256861"/>
+                  <a:gd name="connsiteY24" fmla="*/ 21523 h 1255456"/>
+                  <a:gd name="connsiteX25" fmla="*/ 766858 w 1256861"/>
+                  <a:gd name="connsiteY25" fmla="*/ 40573 h 1255456"/>
+                  <a:gd name="connsiteX26" fmla="*/ 785908 w 1256861"/>
+                  <a:gd name="connsiteY26" fmla="*/ 92 h 1255456"/>
+                  <a:gd name="connsiteX27" fmla="*/ 912114 w 1256861"/>
+                  <a:gd name="connsiteY27" fmla="*/ 28667 h 1255456"/>
+                  <a:gd name="connsiteX28" fmla="*/ 971645 w 1256861"/>
+                  <a:gd name="connsiteY28" fmla="*/ 42954 h 1255456"/>
+                  <a:gd name="connsiteX29" fmla="*/ 985933 w 1256861"/>
+                  <a:gd name="connsiteY29" fmla="*/ 112011 h 1255456"/>
+                  <a:gd name="connsiteX30" fmla="*/ 1038320 w 1256861"/>
+                  <a:gd name="connsiteY30" fmla="*/ 195354 h 1255456"/>
+                  <a:gd name="connsiteX31" fmla="*/ 1100233 w 1256861"/>
+                  <a:gd name="connsiteY31" fmla="*/ 254886 h 1255456"/>
+                  <a:gd name="connsiteX32" fmla="*/ 1152620 w 1256861"/>
+                  <a:gd name="connsiteY32" fmla="*/ 288223 h 1255456"/>
+                  <a:gd name="connsiteX33" fmla="*/ 1143095 w 1256861"/>
+                  <a:gd name="connsiteY33" fmla="*/ 323942 h 1255456"/>
+                  <a:gd name="connsiteX34" fmla="*/ 1157383 w 1256861"/>
+                  <a:gd name="connsiteY34" fmla="*/ 362042 h 1255456"/>
+                  <a:gd name="connsiteX35" fmla="*/ 1219295 w 1256861"/>
+                  <a:gd name="connsiteY35" fmla="*/ 419192 h 1255456"/>
+                  <a:gd name="connsiteX36" fmla="*/ 1190720 w 1256861"/>
+                  <a:gd name="connsiteY36" fmla="*/ 464436 h 1255456"/>
+                  <a:gd name="connsiteX37" fmla="*/ 1157383 w 1256861"/>
+                  <a:gd name="connsiteY37" fmla="*/ 452529 h 1255456"/>
+                  <a:gd name="connsiteX38" fmla="*/ 1176433 w 1256861"/>
+                  <a:gd name="connsiteY38" fmla="*/ 490629 h 1255456"/>
+                  <a:gd name="connsiteX39" fmla="*/ 1178814 w 1256861"/>
+                  <a:gd name="connsiteY39" fmla="*/ 538254 h 1255456"/>
+                  <a:gd name="connsiteX40" fmla="*/ 1157383 w 1256861"/>
+                  <a:gd name="connsiteY40" fmla="*/ 552542 h 1255456"/>
+                  <a:gd name="connsiteX41" fmla="*/ 1212152 w 1256861"/>
+                  <a:gd name="connsiteY41" fmla="*/ 597786 h 1255456"/>
+                  <a:gd name="connsiteX42" fmla="*/ 1209770 w 1256861"/>
+                  <a:gd name="connsiteY42" fmla="*/ 621598 h 1255456"/>
+                  <a:gd name="connsiteX43" fmla="*/ 1252633 w 1256861"/>
+                  <a:gd name="connsiteY43" fmla="*/ 645411 h 1255456"/>
+                  <a:gd name="connsiteX44" fmla="*/ 1255014 w 1256861"/>
+                  <a:gd name="connsiteY44" fmla="*/ 704942 h 1255456"/>
+                  <a:gd name="connsiteX45" fmla="*/ 1250252 w 1256861"/>
+                  <a:gd name="connsiteY45" fmla="*/ 733517 h 1255456"/>
+                  <a:gd name="connsiteX46" fmla="*/ 1233583 w 1256861"/>
+                  <a:gd name="connsiteY46" fmla="*/ 759711 h 1255456"/>
+                  <a:gd name="connsiteX47" fmla="*/ 1188339 w 1256861"/>
+                  <a:gd name="connsiteY47" fmla="*/ 754948 h 1255456"/>
+                  <a:gd name="connsiteX48" fmla="*/ 1162145 w 1256861"/>
+                  <a:gd name="connsiteY48" fmla="*/ 754948 h 1255456"/>
+                  <a:gd name="connsiteX49" fmla="*/ 1143095 w 1256861"/>
+                  <a:gd name="connsiteY49" fmla="*/ 812098 h 1255456"/>
+                  <a:gd name="connsiteX50" fmla="*/ 1152620 w 1256861"/>
+                  <a:gd name="connsiteY50" fmla="*/ 862104 h 1255456"/>
+                  <a:gd name="connsiteX51" fmla="*/ 1147858 w 1256861"/>
+                  <a:gd name="connsiteY51" fmla="*/ 890679 h 1255456"/>
+                  <a:gd name="connsiteX52" fmla="*/ 1157383 w 1256861"/>
+                  <a:gd name="connsiteY52" fmla="*/ 919254 h 1255456"/>
+                  <a:gd name="connsiteX53" fmla="*/ 1140714 w 1256861"/>
+                  <a:gd name="connsiteY53" fmla="*/ 957354 h 1255456"/>
+                  <a:gd name="connsiteX54" fmla="*/ 1095470 w 1256861"/>
+                  <a:gd name="connsiteY54" fmla="*/ 988311 h 1255456"/>
+                  <a:gd name="connsiteX55" fmla="*/ 1114520 w 1256861"/>
+                  <a:gd name="connsiteY55" fmla="*/ 1026411 h 1255456"/>
+                  <a:gd name="connsiteX56" fmla="*/ 1095470 w 1256861"/>
+                  <a:gd name="connsiteY56" fmla="*/ 1071654 h 1255456"/>
+                  <a:gd name="connsiteX57" fmla="*/ 1045464 w 1256861"/>
+                  <a:gd name="connsiteY57" fmla="*/ 1074036 h 1255456"/>
+                  <a:gd name="connsiteX58" fmla="*/ 1026414 w 1256861"/>
+                  <a:gd name="connsiteY58" fmla="*/ 1095467 h 1255456"/>
+                  <a:gd name="connsiteX59" fmla="*/ 1000220 w 1256861"/>
+                  <a:gd name="connsiteY59" fmla="*/ 1128804 h 1255456"/>
+                  <a:gd name="connsiteX60" fmla="*/ 954977 w 1256861"/>
+                  <a:gd name="connsiteY60" fmla="*/ 1116898 h 1255456"/>
+                  <a:gd name="connsiteX61" fmla="*/ 938308 w 1256861"/>
+                  <a:gd name="connsiteY61" fmla="*/ 1157379 h 1255456"/>
+                  <a:gd name="connsiteX62" fmla="*/ 950214 w 1256861"/>
+                  <a:gd name="connsiteY62" fmla="*/ 1205004 h 1255456"/>
+                  <a:gd name="connsiteX63" fmla="*/ 904970 w 1256861"/>
+                  <a:gd name="connsiteY63" fmla="*/ 1231198 h 1255456"/>
+                  <a:gd name="connsiteX64" fmla="*/ 862108 w 1256861"/>
+                  <a:gd name="connsiteY64" fmla="*/ 1255011 h 1255456"/>
+                  <a:gd name="connsiteX65" fmla="*/ 812102 w 1256861"/>
+                  <a:gd name="connsiteY65" fmla="*/ 1243104 h 1255456"/>
+                  <a:gd name="connsiteX66" fmla="*/ 783527 w 1256861"/>
+                  <a:gd name="connsiteY66" fmla="*/ 1200242 h 1255456"/>
+                  <a:gd name="connsiteX67" fmla="*/ 754952 w 1256861"/>
+                  <a:gd name="connsiteY67" fmla="*/ 1181192 h 1255456"/>
+                  <a:gd name="connsiteX68" fmla="*/ 676370 w 1256861"/>
+                  <a:gd name="connsiteY68" fmla="*/ 1131186 h 1255456"/>
+                  <a:gd name="connsiteX69" fmla="*/ 621602 w 1256861"/>
+                  <a:gd name="connsiteY69" fmla="*/ 1135948 h 1255456"/>
+                  <a:gd name="connsiteX70" fmla="*/ 564452 w 1256861"/>
+                  <a:gd name="connsiteY70" fmla="*/ 1121661 h 1255456"/>
+                  <a:gd name="connsiteX71" fmla="*/ 521589 w 1256861"/>
+                  <a:gd name="connsiteY71" fmla="*/ 1107373 h 1255456"/>
+                  <a:gd name="connsiteX72" fmla="*/ 514445 w 1256861"/>
+                  <a:gd name="connsiteY72" fmla="*/ 1035936 h 1255456"/>
+                  <a:gd name="connsiteX73" fmla="*/ 452533 w 1256861"/>
+                  <a:gd name="connsiteY73" fmla="*/ 1031173 h 1255456"/>
+                  <a:gd name="connsiteX74" fmla="*/ 395383 w 1256861"/>
+                  <a:gd name="connsiteY74" fmla="*/ 1002598 h 1255456"/>
+                  <a:gd name="connsiteX75" fmla="*/ 378714 w 1256861"/>
+                  <a:gd name="connsiteY75" fmla="*/ 976404 h 1255456"/>
+                  <a:gd name="connsiteX76" fmla="*/ 338233 w 1256861"/>
+                  <a:gd name="connsiteY76" fmla="*/ 912111 h 1255456"/>
+                  <a:gd name="connsiteX77" fmla="*/ 290608 w 1256861"/>
+                  <a:gd name="connsiteY77" fmla="*/ 909729 h 1255456"/>
+                  <a:gd name="connsiteX78" fmla="*/ 283464 w 1256861"/>
+                  <a:gd name="connsiteY78" fmla="*/ 859723 h 1255456"/>
+                </a:gdLst>
+                <a:ahLst/>
+                <a:cxnLst>
+                  <a:cxn ang="0">
+                    <a:pos x="connsiteX0" y="connsiteY0"/>
+                  </a:cxn>
+                  <a:cxn ang="0">
+                    <a:pos x="connsiteX1" y="connsiteY1"/>
+                  </a:cxn>
+                  <a:cxn ang="0">
+                    <a:pos x="connsiteX2" y="connsiteY2"/>
+                  </a:cxn>
+                  <a:cxn ang="0">
+                    <a:pos x="connsiteX3" y="connsiteY3"/>
+                  </a:cxn>
+                  <a:cxn ang="0">
+                    <a:pos x="connsiteX4" y="connsiteY4"/>
+                  </a:cxn>
+                  <a:cxn ang="0">
+                    <a:pos x="connsiteX5" y="connsiteY5"/>
+                  </a:cxn>
+                  <a:cxn ang="0">
+                    <a:pos x="connsiteX6" y="connsiteY6"/>
+                  </a:cxn>
+                  <a:cxn ang="0">
+                    <a:pos x="connsiteX7" y="connsiteY7"/>
+                  </a:cxn>
+                  <a:cxn ang="0">
+                    <a:pos x="connsiteX8" y="connsiteY8"/>
+                  </a:cxn>
+                  <a:cxn ang="0">
+                    <a:pos x="connsiteX9" y="connsiteY9"/>
+                  </a:cxn>
+                  <a:cxn ang="0">
+                    <a:pos x="connsiteX10" y="connsiteY10"/>
+                  </a:cxn>
+                  <a:cxn ang="0">
+                    <a:pos x="connsiteX11" y="connsiteY11"/>
+                  </a:cxn>
+                  <a:cxn ang="0">
+                    <a:pos x="connsiteX12" y="connsiteY12"/>
+                  </a:cxn>
+                  <a:cxn ang="0">
+                    <a:pos x="connsiteX13" y="connsiteY13"/>
+                  </a:cxn>
+                  <a:cxn ang="0">
+                    <a:pos x="connsiteX14" y="connsiteY14"/>
+                  </a:cxn>
+                  <a:cxn ang="0">
+                    <a:pos x="connsiteX15" y="connsiteY15"/>
+                  </a:cxn>
+                  <a:cxn ang="0">
+                    <a:pos x="connsiteX16" y="connsiteY16"/>
+                  </a:cxn>
+                  <a:cxn ang="0">
+                    <a:pos x="connsiteX17" y="connsiteY17"/>
+                  </a:cxn>
+                  <a:cxn ang="0">
+                    <a:pos x="connsiteX18" y="connsiteY18"/>
+                  </a:cxn>
+                  <a:cxn ang="0">
+                    <a:pos x="connsiteX19" y="connsiteY19"/>
+                  </a:cxn>
+                  <a:cxn ang="0">
+                    <a:pos x="connsiteX20" y="connsiteY20"/>
+                  </a:cxn>
+                  <a:cxn ang="0">
+                    <a:pos x="connsiteX21" y="connsiteY21"/>
+                  </a:cxn>
+                  <a:cxn ang="0">
+                    <a:pos x="connsiteX22" y="connsiteY22"/>
+                  </a:cxn>
+                  <a:cxn ang="0">
+                    <a:pos x="connsiteX23" y="connsiteY23"/>
+                  </a:cxn>
+                  <a:cxn ang="0">
+                    <a:pos x="connsiteX24" y="connsiteY24"/>
+                  </a:cxn>
+                  <a:cxn ang="0">
+                    <a:pos x="connsiteX25" y="connsiteY25"/>
+                  </a:cxn>
+                  <a:cxn ang="0">
+                    <a:pos x="connsiteX26" y="connsiteY26"/>
+                  </a:cxn>
+                  <a:cxn ang="0">
+                    <a:pos x="connsiteX27" y="connsiteY27"/>
+                  </a:cxn>
+                  <a:cxn ang="0">
+                    <a:pos x="connsiteX28" y="connsiteY28"/>
+                  </a:cxn>
+                  <a:cxn ang="0">
+                    <a:pos x="connsiteX29" y="connsiteY29"/>
+                  </a:cxn>
+                  <a:cxn ang="0">
+                    <a:pos x="connsiteX30" y="connsiteY30"/>
+                  </a:cxn>
+                  <a:cxn ang="0">
+                    <a:pos x="connsiteX31" y="connsiteY31"/>
+                  </a:cxn>
+                  <a:cxn ang="0">
+                    <a:pos x="connsiteX32" y="connsiteY32"/>
+                  </a:cxn>
+                  <a:cxn ang="0">
+                    <a:pos x="connsiteX33" y="connsiteY33"/>
+                  </a:cxn>
+                  <a:cxn ang="0">
+                    <a:pos x="connsiteX34" y="connsiteY34"/>
+                  </a:cxn>
+                  <a:cxn ang="0">
+                    <a:pos x="connsiteX35" y="connsiteY35"/>
+                  </a:cxn>
+                  <a:cxn ang="0">
+                    <a:pos x="connsiteX36" y="connsiteY36"/>
+                  </a:cxn>
+                  <a:cxn ang="0">
+                    <a:pos x="connsiteX37" y="connsiteY37"/>
+                  </a:cxn>
+                  <a:cxn ang="0">
+                    <a:pos x="connsiteX38" y="connsiteY38"/>
+                  </a:cxn>
+                  <a:cxn ang="0">
+                    <a:pos x="connsiteX39" y="connsiteY39"/>
+                  </a:cxn>
+                  <a:cxn ang="0">
+                    <a:pos x="connsiteX40" y="connsiteY40"/>
+                  </a:cxn>
+                  <a:cxn ang="0">
+                    <a:pos x="connsiteX41" y="connsiteY41"/>
+                  </a:cxn>
+                  <a:cxn ang="0">
+                    <a:pos x="connsiteX42" y="connsiteY42"/>
+                  </a:cxn>
+                  <a:cxn ang="0">
+                    <a:pos x="connsiteX43" y="connsiteY43"/>
+                  </a:cxn>
+                  <a:cxn ang="0">
+                    <a:pos x="connsiteX44" y="connsiteY44"/>
+                  </a:cxn>
+                  <a:cxn ang="0">
+                    <a:pos x="connsiteX45" y="connsiteY45"/>
+                  </a:cxn>
+                  <a:cxn ang="0">
+                    <a:pos x="connsiteX46" y="connsiteY46"/>
+                  </a:cxn>
+                  <a:cxn ang="0">
+                    <a:pos x="connsiteX47" y="connsiteY47"/>
+                  </a:cxn>
+                  <a:cxn ang="0">
+                    <a:pos x="connsiteX48" y="connsiteY48"/>
+                  </a:cxn>
+                  <a:cxn ang="0">
+                    <a:pos x="connsiteX49" y="connsiteY49"/>
+                  </a:cxn>
+                  <a:cxn ang="0">
+                    <a:pos x="connsiteX50" y="connsiteY50"/>
+                  </a:cxn>
+                  <a:cxn ang="0">
+                    <a:pos x="connsiteX51" y="connsiteY51"/>
+                  </a:cxn>
+                  <a:cxn ang="0">
+                    <a:pos x="connsiteX52" y="connsiteY52"/>
+                  </a:cxn>
+                  <a:cxn ang="0">
+                    <a:pos x="connsiteX53" y="connsiteY53"/>
+                  </a:cxn>
+                  <a:cxn ang="0">
+                    <a:pos x="connsiteX54" y="connsiteY54"/>
+                  </a:cxn>
+                  <a:cxn ang="0">
+                    <a:pos x="connsiteX55" y="connsiteY55"/>
+                  </a:cxn>
+                  <a:cxn ang="0">
+                    <a:pos x="connsiteX56" y="connsiteY56"/>
+                  </a:cxn>
+                  <a:cxn ang="0">
+                    <a:pos x="connsiteX57" y="connsiteY57"/>
+                  </a:cxn>
+                  <a:cxn ang="0">
+                    <a:pos x="connsiteX58" y="connsiteY58"/>
+                  </a:cxn>
+                  <a:cxn ang="0">
+                    <a:pos x="connsiteX59" y="connsiteY59"/>
+                  </a:cxn>
+                  <a:cxn ang="0">
+                    <a:pos x="connsiteX60" y="connsiteY60"/>
+                  </a:cxn>
+                  <a:cxn ang="0">
+                    <a:pos x="connsiteX61" y="connsiteY61"/>
+                  </a:cxn>
+                  <a:cxn ang="0">
+                    <a:pos x="connsiteX62" y="connsiteY62"/>
+                  </a:cxn>
+                  <a:cxn ang="0">
+                    <a:pos x="connsiteX63" y="connsiteY63"/>
+                  </a:cxn>
+                  <a:cxn ang="0">
+                    <a:pos x="connsiteX64" y="connsiteY64"/>
+                  </a:cxn>
+                  <a:cxn ang="0">
+                    <a:pos x="connsiteX65" y="connsiteY65"/>
+                  </a:cxn>
+                  <a:cxn ang="0">
+                    <a:pos x="connsiteX66" y="connsiteY66"/>
+                  </a:cxn>
+                  <a:cxn ang="0">
+                    <a:pos x="connsiteX67" y="connsiteY67"/>
+                  </a:cxn>
+                  <a:cxn ang="0">
+                    <a:pos x="connsiteX68" y="connsiteY68"/>
+                  </a:cxn>
+                  <a:cxn ang="0">
+                    <a:pos x="connsiteX69" y="connsiteY69"/>
+                  </a:cxn>
+                  <a:cxn ang="0">
+                    <a:pos x="connsiteX70" y="connsiteY70"/>
+                  </a:cxn>
+                  <a:cxn ang="0">
+                    <a:pos x="connsiteX71" y="connsiteY71"/>
+                  </a:cxn>
+                  <a:cxn ang="0">
+                    <a:pos x="connsiteX72" y="connsiteY72"/>
+                  </a:cxn>
+                  <a:cxn ang="0">
+                    <a:pos x="connsiteX73" y="connsiteY73"/>
+                  </a:cxn>
+                  <a:cxn ang="0">
+                    <a:pos x="connsiteX74" y="connsiteY74"/>
+                  </a:cxn>
+                  <a:cxn ang="0">
+                    <a:pos x="connsiteX75" y="connsiteY75"/>
+                  </a:cxn>
+                  <a:cxn ang="0">
+                    <a:pos x="connsiteX76" y="connsiteY76"/>
+                  </a:cxn>
+                  <a:cxn ang="0">
+                    <a:pos x="connsiteX77" y="connsiteY77"/>
+                  </a:cxn>
+                  <a:cxn ang="0">
+                    <a:pos x="connsiteX78" y="connsiteY78"/>
+                  </a:cxn>
+                </a:cxnLst>
+                <a:rect l="l" t="t" r="r" b="b"/>
+                <a:pathLst>
+                  <a:path w="1256861" h="1255456">
+                    <a:moveTo>
+                      <a:pt x="283464" y="859723"/>
+                    </a:moveTo>
+                    <a:cubicBezTo>
+                      <a:pt x="271161" y="851389"/>
+                      <a:pt x="237030" y="861707"/>
+                      <a:pt x="216789" y="859723"/>
+                    </a:cubicBezTo>
+                    <a:cubicBezTo>
+                      <a:pt x="196548" y="857739"/>
+                      <a:pt x="177101" y="845039"/>
+                      <a:pt x="162020" y="847817"/>
+                    </a:cubicBezTo>
+                    <a:cubicBezTo>
+                      <a:pt x="146939" y="850595"/>
+                      <a:pt x="142574" y="877186"/>
+                      <a:pt x="126302" y="876392"/>
+                    </a:cubicBezTo>
+                    <a:cubicBezTo>
+                      <a:pt x="110030" y="875598"/>
+                      <a:pt x="82248" y="854960"/>
+                      <a:pt x="64389" y="843054"/>
+                    </a:cubicBezTo>
+                    <a:cubicBezTo>
+                      <a:pt x="46530" y="831148"/>
+                      <a:pt x="29067" y="818051"/>
+                      <a:pt x="19145" y="804954"/>
+                    </a:cubicBezTo>
+                    <a:cubicBezTo>
+                      <a:pt x="9223" y="791857"/>
+                      <a:pt x="-8636" y="777967"/>
+                      <a:pt x="4858" y="764473"/>
+                    </a:cubicBezTo>
+                    <a:cubicBezTo>
+                      <a:pt x="18352" y="750979"/>
+                      <a:pt x="93758" y="739073"/>
+                      <a:pt x="100108" y="723992"/>
+                    </a:cubicBezTo>
+                    <a:cubicBezTo>
+                      <a:pt x="106458" y="708911"/>
+                      <a:pt x="44149" y="689861"/>
+                      <a:pt x="42958" y="673986"/>
+                    </a:cubicBezTo>
+                    <a:cubicBezTo>
+                      <a:pt x="41767" y="658111"/>
+                      <a:pt x="77089" y="649379"/>
+                      <a:pt x="92964" y="628742"/>
+                    </a:cubicBezTo>
+                    <a:cubicBezTo>
+                      <a:pt x="108839" y="608104"/>
+                      <a:pt x="121539" y="573577"/>
+                      <a:pt x="138208" y="550161"/>
+                    </a:cubicBezTo>
+                    <a:cubicBezTo>
+                      <a:pt x="154877" y="526745"/>
+                      <a:pt x="174721" y="512457"/>
+                      <a:pt x="192977" y="488248"/>
+                    </a:cubicBezTo>
+                    <a:cubicBezTo>
+                      <a:pt x="211233" y="464038"/>
+                      <a:pt x="239014" y="432288"/>
+                      <a:pt x="247745" y="404904"/>
+                    </a:cubicBezTo>
+                    <a:cubicBezTo>
+                      <a:pt x="256476" y="377520"/>
+                      <a:pt x="241395" y="348548"/>
+                      <a:pt x="245364" y="323942"/>
+                    </a:cubicBezTo>
+                    <a:cubicBezTo>
+                      <a:pt x="249333" y="299336"/>
+                      <a:pt x="256477" y="264411"/>
+                      <a:pt x="271558" y="257267"/>
+                    </a:cubicBezTo>
+                    <a:cubicBezTo>
+                      <a:pt x="286639" y="250123"/>
+                      <a:pt x="314024" y="289810"/>
+                      <a:pt x="335852" y="281079"/>
+                    </a:cubicBezTo>
+                    <a:cubicBezTo>
+                      <a:pt x="357680" y="272348"/>
+                      <a:pt x="382287" y="217976"/>
+                      <a:pt x="402527" y="204879"/>
+                    </a:cubicBezTo>
+                    <a:cubicBezTo>
+                      <a:pt x="422767" y="191782"/>
+                      <a:pt x="442214" y="206467"/>
+                      <a:pt x="457295" y="202498"/>
+                    </a:cubicBezTo>
+                    <a:cubicBezTo>
+                      <a:pt x="472376" y="198529"/>
+                      <a:pt x="485870" y="192576"/>
+                      <a:pt x="493014" y="181067"/>
+                    </a:cubicBezTo>
+                    <a:cubicBezTo>
+                      <a:pt x="500158" y="169558"/>
+                      <a:pt x="480314" y="143761"/>
+                      <a:pt x="500158" y="133442"/>
+                    </a:cubicBezTo>
+                    <a:cubicBezTo>
+                      <a:pt x="520002" y="123123"/>
+                      <a:pt x="597393" y="125901"/>
+                      <a:pt x="612077" y="119154"/>
+                    </a:cubicBezTo>
+                    <a:cubicBezTo>
+                      <a:pt x="626761" y="112407"/>
+                      <a:pt x="590645" y="111217"/>
+                      <a:pt x="588264" y="92961"/>
+                    </a:cubicBezTo>
+                    <a:cubicBezTo>
+                      <a:pt x="585883" y="74705"/>
+                      <a:pt x="583105" y="24301"/>
+                      <a:pt x="597789" y="9617"/>
+                    </a:cubicBezTo>
+                    <a:cubicBezTo>
+                      <a:pt x="612473" y="-5068"/>
+                      <a:pt x="649383" y="2870"/>
+                      <a:pt x="676370" y="4854"/>
+                    </a:cubicBezTo>
+                    <a:cubicBezTo>
+                      <a:pt x="703357" y="6838"/>
+                      <a:pt x="744633" y="15570"/>
+                      <a:pt x="759714" y="21523"/>
+                    </a:cubicBezTo>
+                    <a:cubicBezTo>
+                      <a:pt x="774795" y="27476"/>
+                      <a:pt x="762493" y="44145"/>
+                      <a:pt x="766858" y="40573"/>
+                    </a:cubicBezTo>
+                    <a:cubicBezTo>
+                      <a:pt x="771223" y="37001"/>
+                      <a:pt x="761699" y="2076"/>
+                      <a:pt x="785908" y="92"/>
+                    </a:cubicBezTo>
+                    <a:cubicBezTo>
+                      <a:pt x="810117" y="-1892"/>
+                      <a:pt x="912114" y="28667"/>
+                      <a:pt x="912114" y="28667"/>
+                    </a:cubicBezTo>
+                    <a:cubicBezTo>
+                      <a:pt x="943070" y="35811"/>
+                      <a:pt x="959342" y="29063"/>
+                      <a:pt x="971645" y="42954"/>
+                    </a:cubicBezTo>
+                    <a:cubicBezTo>
+                      <a:pt x="983948" y="56845"/>
+                      <a:pt x="974821" y="86611"/>
+                      <a:pt x="985933" y="112011"/>
+                    </a:cubicBezTo>
+                    <a:cubicBezTo>
+                      <a:pt x="997045" y="137411"/>
+                      <a:pt x="1019270" y="171542"/>
+                      <a:pt x="1038320" y="195354"/>
+                    </a:cubicBezTo>
+                    <a:cubicBezTo>
+                      <a:pt x="1057370" y="219166"/>
+                      <a:pt x="1081183" y="239408"/>
+                      <a:pt x="1100233" y="254886"/>
+                    </a:cubicBezTo>
+                    <a:cubicBezTo>
+                      <a:pt x="1119283" y="270364"/>
+                      <a:pt x="1145476" y="276714"/>
+                      <a:pt x="1152620" y="288223"/>
+                    </a:cubicBezTo>
+                    <a:cubicBezTo>
+                      <a:pt x="1159764" y="299732"/>
+                      <a:pt x="1142301" y="311639"/>
+                      <a:pt x="1143095" y="323942"/>
+                    </a:cubicBezTo>
+                    <a:cubicBezTo>
+                      <a:pt x="1143889" y="336245"/>
+                      <a:pt x="1144683" y="346167"/>
+                      <a:pt x="1157383" y="362042"/>
+                    </a:cubicBezTo>
+                    <a:cubicBezTo>
+                      <a:pt x="1170083" y="377917"/>
+                      <a:pt x="1213739" y="402126"/>
+                      <a:pt x="1219295" y="419192"/>
+                    </a:cubicBezTo>
+                    <a:cubicBezTo>
+                      <a:pt x="1224851" y="436258"/>
+                      <a:pt x="1201039" y="458880"/>
+                      <a:pt x="1190720" y="464436"/>
+                    </a:cubicBezTo>
+                    <a:cubicBezTo>
+                      <a:pt x="1180401" y="469992"/>
+                      <a:pt x="1159764" y="448163"/>
+                      <a:pt x="1157383" y="452529"/>
+                    </a:cubicBezTo>
+                    <a:cubicBezTo>
+                      <a:pt x="1155002" y="456895"/>
+                      <a:pt x="1172861" y="476342"/>
+                      <a:pt x="1176433" y="490629"/>
+                    </a:cubicBezTo>
+                    <a:cubicBezTo>
+                      <a:pt x="1180005" y="504916"/>
+                      <a:pt x="1181989" y="527935"/>
+                      <a:pt x="1178814" y="538254"/>
+                    </a:cubicBezTo>
+                    <a:cubicBezTo>
+                      <a:pt x="1175639" y="548573"/>
+                      <a:pt x="1151827" y="542620"/>
+                      <a:pt x="1157383" y="552542"/>
+                    </a:cubicBezTo>
+                    <a:cubicBezTo>
+                      <a:pt x="1162939" y="562464"/>
+                      <a:pt x="1203421" y="586277"/>
+                      <a:pt x="1212152" y="597786"/>
+                    </a:cubicBezTo>
+                    <a:cubicBezTo>
+                      <a:pt x="1220883" y="609295"/>
+                      <a:pt x="1203023" y="613660"/>
+                      <a:pt x="1209770" y="621598"/>
+                    </a:cubicBezTo>
+                    <a:cubicBezTo>
+                      <a:pt x="1216517" y="629535"/>
+                      <a:pt x="1245092" y="631520"/>
+                      <a:pt x="1252633" y="645411"/>
+                    </a:cubicBezTo>
+                    <a:cubicBezTo>
+                      <a:pt x="1260174" y="659302"/>
+                      <a:pt x="1255411" y="690258"/>
+                      <a:pt x="1255014" y="704942"/>
+                    </a:cubicBezTo>
+                    <a:cubicBezTo>
+                      <a:pt x="1254617" y="719626"/>
+                      <a:pt x="1253824" y="724389"/>
+                      <a:pt x="1250252" y="733517"/>
+                    </a:cubicBezTo>
+                    <a:cubicBezTo>
+                      <a:pt x="1246680" y="742645"/>
+                      <a:pt x="1243902" y="756139"/>
+                      <a:pt x="1233583" y="759711"/>
+                    </a:cubicBezTo>
+                    <a:cubicBezTo>
+                      <a:pt x="1223264" y="763283"/>
+                      <a:pt x="1200245" y="755742"/>
+                      <a:pt x="1188339" y="754948"/>
+                    </a:cubicBezTo>
+                    <a:cubicBezTo>
+                      <a:pt x="1176433" y="754154"/>
+                      <a:pt x="1169686" y="745423"/>
+                      <a:pt x="1162145" y="754948"/>
+                    </a:cubicBezTo>
+                    <a:cubicBezTo>
+                      <a:pt x="1154604" y="764473"/>
+                      <a:pt x="1144682" y="794239"/>
+                      <a:pt x="1143095" y="812098"/>
+                    </a:cubicBezTo>
+                    <a:cubicBezTo>
+                      <a:pt x="1141508" y="829957"/>
+                      <a:pt x="1151826" y="849007"/>
+                      <a:pt x="1152620" y="862104"/>
+                    </a:cubicBezTo>
+                    <a:cubicBezTo>
+                      <a:pt x="1153414" y="875201"/>
+                      <a:pt x="1147064" y="881154"/>
+                      <a:pt x="1147858" y="890679"/>
+                    </a:cubicBezTo>
+                    <a:cubicBezTo>
+                      <a:pt x="1148652" y="900204"/>
+                      <a:pt x="1158574" y="908142"/>
+                      <a:pt x="1157383" y="919254"/>
+                    </a:cubicBezTo>
+                    <a:cubicBezTo>
+                      <a:pt x="1156192" y="930367"/>
+                      <a:pt x="1151033" y="945845"/>
+                      <a:pt x="1140714" y="957354"/>
+                    </a:cubicBezTo>
+                    <a:cubicBezTo>
+                      <a:pt x="1130395" y="968863"/>
+                      <a:pt x="1099836" y="976802"/>
+                      <a:pt x="1095470" y="988311"/>
+                    </a:cubicBezTo>
+                    <a:cubicBezTo>
+                      <a:pt x="1091104" y="999820"/>
+                      <a:pt x="1114520" y="1012521"/>
+                      <a:pt x="1114520" y="1026411"/>
+                    </a:cubicBezTo>
+                    <a:cubicBezTo>
+                      <a:pt x="1114520" y="1040301"/>
+                      <a:pt x="1106979" y="1063717"/>
+                      <a:pt x="1095470" y="1071654"/>
+                    </a:cubicBezTo>
+                    <a:cubicBezTo>
+                      <a:pt x="1083961" y="1079592"/>
+                      <a:pt x="1056973" y="1070067"/>
+                      <a:pt x="1045464" y="1074036"/>
+                    </a:cubicBezTo>
+                    <a:cubicBezTo>
+                      <a:pt x="1033955" y="1078005"/>
+                      <a:pt x="1033955" y="1086339"/>
+                      <a:pt x="1026414" y="1095467"/>
+                    </a:cubicBezTo>
+                    <a:cubicBezTo>
+                      <a:pt x="1018873" y="1104595"/>
+                      <a:pt x="1012126" y="1125232"/>
+                      <a:pt x="1000220" y="1128804"/>
+                    </a:cubicBezTo>
+                    <a:cubicBezTo>
+                      <a:pt x="988314" y="1132376"/>
+                      <a:pt x="965296" y="1112136"/>
+                      <a:pt x="954977" y="1116898"/>
+                    </a:cubicBezTo>
+                    <a:cubicBezTo>
+                      <a:pt x="944658" y="1121660"/>
+                      <a:pt x="939102" y="1142695"/>
+                      <a:pt x="938308" y="1157379"/>
+                    </a:cubicBezTo>
+                    <a:cubicBezTo>
+                      <a:pt x="937514" y="1172063"/>
+                      <a:pt x="955770" y="1192701"/>
+                      <a:pt x="950214" y="1205004"/>
+                    </a:cubicBezTo>
+                    <a:cubicBezTo>
+                      <a:pt x="944658" y="1217307"/>
+                      <a:pt x="919654" y="1222864"/>
+                      <a:pt x="904970" y="1231198"/>
+                    </a:cubicBezTo>
+                    <a:cubicBezTo>
+                      <a:pt x="890286" y="1239532"/>
+                      <a:pt x="877586" y="1253027"/>
+                      <a:pt x="862108" y="1255011"/>
+                    </a:cubicBezTo>
+                    <a:cubicBezTo>
+                      <a:pt x="846630" y="1256995"/>
+                      <a:pt x="825199" y="1252232"/>
+                      <a:pt x="812102" y="1243104"/>
+                    </a:cubicBezTo>
+                    <a:cubicBezTo>
+                      <a:pt x="799005" y="1233976"/>
+                      <a:pt x="793052" y="1210561"/>
+                      <a:pt x="783527" y="1200242"/>
+                    </a:cubicBezTo>
+                    <a:cubicBezTo>
+                      <a:pt x="774002" y="1189923"/>
+                      <a:pt x="754952" y="1181192"/>
+                      <a:pt x="754952" y="1181192"/>
+                    </a:cubicBezTo>
+                    <a:cubicBezTo>
+                      <a:pt x="737093" y="1169683"/>
+                      <a:pt x="698595" y="1138727"/>
+                      <a:pt x="676370" y="1131186"/>
+                    </a:cubicBezTo>
+                    <a:cubicBezTo>
+                      <a:pt x="654145" y="1123645"/>
+                      <a:pt x="640255" y="1137536"/>
+                      <a:pt x="621602" y="1135948"/>
+                    </a:cubicBezTo>
+                    <a:cubicBezTo>
+                      <a:pt x="602949" y="1134361"/>
+                      <a:pt x="581121" y="1126424"/>
+                      <a:pt x="564452" y="1121661"/>
+                    </a:cubicBezTo>
+                    <a:cubicBezTo>
+                      <a:pt x="547783" y="1116899"/>
+                      <a:pt x="529923" y="1121660"/>
+                      <a:pt x="521589" y="1107373"/>
+                    </a:cubicBezTo>
+                    <a:cubicBezTo>
+                      <a:pt x="513255" y="1093086"/>
+                      <a:pt x="525954" y="1048636"/>
+                      <a:pt x="514445" y="1035936"/>
+                    </a:cubicBezTo>
+                    <a:cubicBezTo>
+                      <a:pt x="502936" y="1023236"/>
+                      <a:pt x="472377" y="1036729"/>
+                      <a:pt x="452533" y="1031173"/>
+                    </a:cubicBezTo>
+                    <a:cubicBezTo>
+                      <a:pt x="432689" y="1025617"/>
+                      <a:pt x="407686" y="1011726"/>
+                      <a:pt x="395383" y="1002598"/>
+                    </a:cubicBezTo>
+                    <a:cubicBezTo>
+                      <a:pt x="383080" y="993470"/>
+                      <a:pt x="378714" y="976404"/>
+                      <a:pt x="378714" y="976404"/>
+                    </a:cubicBezTo>
+                    <a:cubicBezTo>
+                      <a:pt x="369189" y="961323"/>
+                      <a:pt x="352917" y="923224"/>
+                      <a:pt x="338233" y="912111"/>
+                    </a:cubicBezTo>
+                    <a:cubicBezTo>
+                      <a:pt x="323549" y="900999"/>
+                      <a:pt x="300530" y="917270"/>
+                      <a:pt x="290608" y="909729"/>
+                    </a:cubicBezTo>
+                    <a:cubicBezTo>
+                      <a:pt x="280686" y="902188"/>
+                      <a:pt x="295767" y="868057"/>
+                      <a:pt x="283464" y="859723"/>
+                    </a:cubicBezTo>
+                    <a:close/>
+                  </a:path>
+                </a:pathLst>
+              </a:custGeom>
+              <a:blipFill dpi="0" rotWithShape="1">
+                <a:blip r:embed="rId2">
+                  <a:alphaModFix amt="80000"/>
+                  <a:duotone>
+                    <a:prstClr val="black"/>
+                    <a:srgbClr val="FFFF00">
+                      <a:tint val="45000"/>
+                      <a:satMod val="400000"/>
+                    </a:srgbClr>
+                  </a:duotone>
+                  <a:extLst>
+                    <a:ext uri="{BEBA8EAE-BF5A-486C-A8C5-ECC9F3942E4B}">
+                      <a14:imgProps xmlns:a14="http://schemas.microsoft.com/office/drawing/2010/main">
+                        <a14:imgLayer r:embed="rId3">
+                          <a14:imgEffect>
+                            <a14:artisticCement/>
+                          </a14:imgEffect>
+                          <a14:imgEffect>
+                            <a14:sharpenSoften amount="50000"/>
+                          </a14:imgEffect>
+                          <a14:imgEffect>
+                            <a14:brightnessContrast bright="20000" contrast="-40000"/>
+                          </a14:imgEffect>
+                        </a14:imgLayer>
+                      </a14:imgProps>
+                    </a:ext>
+                  </a:extLst>
+                </a:blip>
+                <a:srcRect/>
+                <a:tile tx="0" ty="0" sx="100000" sy="100000" flip="none" algn="tl"/>
+              </a:blipFill>
+              <a:ln>
+                <a:solidFill>
+                  <a:srgbClr val="A0A044"/>
+                </a:solidFill>
+              </a:ln>
+              <a:effectLst>
+                <a:outerShdw blurRad="50800" dist="38100" dir="2700000" algn="tl" rotWithShape="0">
+                  <a:prstClr val="black">
+                    <a:alpha val="40000"/>
+                  </a:prstClr>
+                </a:outerShdw>
+              </a:effectLst>
+            </p:spPr>
+            <p:style>
+              <a:lnRef idx="2">
+                <a:schemeClr val="accent1">
+                  <a:shade val="50000"/>
+                </a:schemeClr>
+              </a:lnRef>
+              <a:fillRef idx="1">
+                <a:schemeClr val="accent1"/>
+              </a:fillRef>
+              <a:effectRef idx="0">
+                <a:schemeClr val="accent1"/>
+              </a:effectRef>
+              <a:fontRef idx="minor">
+                <a:schemeClr val="lt1"/>
+              </a:fontRef>
+            </p:style>
+            <p:txBody>
+              <a:bodyPr rtlCol="0" anchor="ctr"/>
+              <a:lstStyle/>
+              <a:p>
+                <a:pPr algn="ctr"/>
+                <a:endParaRPr lang="en-US" dirty="0"/>
+              </a:p>
+            </p:txBody>
+          </p:sp>
+          <p:sp>
+            <p:nvSpPr>
+              <p:cNvPr id="101" name="Textfeld 100">
+                <a:extLst>
+                  <a:ext uri="{FF2B5EF4-FFF2-40B4-BE49-F238E27FC236}">
+                    <a16:creationId xmlns:a16="http://schemas.microsoft.com/office/drawing/2014/main" id="{3529796A-F003-4598-96A5-F678DAE42860}"/>
+                  </a:ext>
+                </a:extLst>
+              </p:cNvPr>
+              <p:cNvSpPr txBox="1"/>
+              <p:nvPr/>
+            </p:nvSpPr>
+            <p:spPr>
+              <a:xfrm>
+                <a:off x="4667154" y="2269925"/>
+                <a:ext cx="1478716" cy="338554"/>
+              </a:xfrm>
+              <a:prstGeom prst="rect">
+                <a:avLst/>
+              </a:prstGeom>
+              <a:noFill/>
+              <a:effectLst>
+                <a:outerShdw blurRad="50800" dist="38100" dir="2700000" algn="tl" rotWithShape="0">
+                  <a:schemeClr val="bg1">
+                    <a:alpha val="40000"/>
+                  </a:schemeClr>
+                </a:outerShdw>
+              </a:effectLst>
+            </p:spPr>
+            <p:txBody>
+              <a:bodyPr wrap="square" rtlCol="0">
+                <a:spAutoFit/>
+              </a:bodyPr>
+              <a:lstStyle/>
+              <a:p>
+                <a:pPr marL="0" marR="0" lvl="0" indent="0" algn="ctr" defTabSz="1221456" eaLnBrk="1" fontAlgn="auto" latinLnBrk="0" hangingPunct="1">
+                  <a:lnSpc>
+                    <a:spcPct val="100000"/>
+                  </a:lnSpc>
+                  <a:spcBef>
+                    <a:spcPts val="0"/>
+                  </a:spcBef>
+                  <a:spcAft>
+                    <a:spcPts val="0"/>
+                  </a:spcAft>
+                  <a:buClrTx/>
+                  <a:buSzTx/>
+                  <a:buFontTx/>
+                  <a:buNone/>
+                  <a:tabLst/>
+                  <a:defRPr/>
+                </a:pPr>
+                <a:r>
+                  <a:rPr kumimoji="0" lang="de-DE" sz="1600" b="1" i="0" u="none" strike="noStrike" kern="0" cap="none" spc="0" normalizeH="0" baseline="0" noProof="0" dirty="0">
+                    <a:ln>
+                      <a:noFill/>
+                    </a:ln>
+                    <a:solidFill>
+                      <a:schemeClr val="tx1">
+                        <a:lumMod val="85000"/>
+                        <a:lumOff val="15000"/>
+                      </a:schemeClr>
+                    </a:solidFill>
+                    <a:effectLst/>
+                    <a:uLnTx/>
+                    <a:uFillTx/>
+                    <a:latin typeface="Arial"/>
+                    <a:cs typeface="Calibri" panose="020F0502020204030204" pitchFamily="34" charset="0"/>
+                  </a:rPr>
+                  <a:t>CYP</a:t>
+                </a:r>
+                <a:r>
+                  <a:rPr kumimoji="0" lang="de-DE" sz="500" b="1" i="0" u="none" strike="noStrike" kern="0" cap="none" spc="0" normalizeH="0" baseline="0" noProof="0" dirty="0">
+                    <a:ln>
+                      <a:noFill/>
+                    </a:ln>
+                    <a:solidFill>
+                      <a:schemeClr val="tx1">
+                        <a:lumMod val="85000"/>
+                        <a:lumOff val="15000"/>
+                      </a:schemeClr>
+                    </a:solidFill>
+                    <a:effectLst/>
+                    <a:uLnTx/>
+                    <a:uFillTx/>
+                    <a:latin typeface="Arial"/>
+                    <a:cs typeface="Calibri" panose="020F0502020204030204" pitchFamily="34" charset="0"/>
+                  </a:rPr>
+                  <a:t> </a:t>
+                </a:r>
+                <a:r>
+                  <a:rPr kumimoji="0" lang="de-DE" sz="1600" b="1" i="0" u="none" strike="noStrike" kern="0" cap="none" spc="0" normalizeH="0" baseline="0" noProof="0" dirty="0">
+                    <a:ln>
+                      <a:noFill/>
+                    </a:ln>
+                    <a:solidFill>
+                      <a:schemeClr val="tx1">
+                        <a:lumMod val="85000"/>
+                        <a:lumOff val="15000"/>
+                      </a:schemeClr>
+                    </a:solidFill>
+                    <a:effectLst/>
+                    <a:uLnTx/>
+                    <a:uFillTx/>
+                    <a:latin typeface="Arial"/>
+                    <a:cs typeface="Calibri" panose="020F0502020204030204" pitchFamily="34" charset="0"/>
+                  </a:rPr>
+                  <a:t>3A4</a:t>
+                </a:r>
+              </a:p>
+            </p:txBody>
+          </p:sp>
+        </p:grpSp>
+        <p:sp>
+          <p:nvSpPr>
+            <p:cNvPr id="68" name="Textfeld 85">
+              <a:extLst>
+                <a:ext uri="{FF2B5EF4-FFF2-40B4-BE49-F238E27FC236}">
+                  <a16:creationId xmlns:a16="http://schemas.microsoft.com/office/drawing/2014/main" id="{50FF466E-8DF8-43C2-B89B-AF0A7B2601C5}"/>
                 </a:ext>
               </a:extLst>
             </p:cNvPr>
@@ -4005,13 +8633,14 @@
           </p:nvSpPr>
           <p:spPr>
             <a:xfrm>
-              <a:off x="8199147" y="1299754"/>
-              <a:ext cx="1598549" cy="292388"/>
+              <a:off x="596346" y="1761401"/>
+              <a:ext cx="1785754" cy="292388"/>
             </a:xfrm>
             <a:prstGeom prst="rect">
               <a:avLst/>
             </a:prstGeom>
             <a:noFill/>
+            <a:effectLst/>
           </p:spPr>
           <p:txBody>
             <a:bodyPr wrap="square" rIns="0" bIns="0" rtlCol="0" anchor="ctr">
@@ -4019,7 +8648,7 @@
             </a:bodyPr>
             <a:lstStyle/>
             <a:p>
-              <a:pPr marL="0" marR="0" lvl="0" indent="0" algn="ctr" defTabSz="1221456" eaLnBrk="1" fontAlgn="auto" latinLnBrk="0" hangingPunct="1">
+              <a:pPr marL="0" marR="0" lvl="0" indent="0" algn="r" defTabSz="1221456" eaLnBrk="1" fontAlgn="auto" latinLnBrk="0" hangingPunct="1">
                 <a:lnSpc>
                   <a:spcPct val="100000"/>
                 </a:lnSpc>
@@ -4050,7 +8679,7 @@
                   <a:latin typeface="Arial"/>
                   <a:cs typeface="Calibri" panose="020F0502020204030204" pitchFamily="34" charset="0"/>
                 </a:rPr>
-                <a:t>Clarithromycin</a:t>
+                <a:t>Carbamazepine</a:t>
               </a:r>
               <a:endParaRPr kumimoji="0" lang="de-DE" sz="1600" b="1" i="0" u="none" strike="noStrike" kern="0" cap="none" spc="0" normalizeH="0" baseline="0" noProof="0" dirty="0">
                 <a:ln>
@@ -4068,637 +8697,179 @@
             </a:p>
           </p:txBody>
         </p:sp>
-        <p:sp>
-          <p:nvSpPr>
-            <p:cNvPr id="74" name="Textfeld 73">
+        <p:cxnSp>
+          <p:nvCxnSpPr>
+            <p:cNvPr id="92" name="Gerade Verbindung mit Pfeil 142">
               <a:extLst>
                 <a:ext uri="{FF2B5EF4-FFF2-40B4-BE49-F238E27FC236}">
-                  <a16:creationId xmlns:a16="http://schemas.microsoft.com/office/drawing/2014/main" id="{30AE1D67-1A73-4290-BF1C-838E2810220E}"/>
+                  <a16:creationId xmlns:a16="http://schemas.microsoft.com/office/drawing/2014/main" id="{84ED9C60-9627-4B93-92C1-7FDF9D8F45CA}"/>
                 </a:ext>
               </a:extLst>
             </p:cNvPr>
-            <p:cNvSpPr txBox="1"/>
+            <p:cNvCxnSpPr>
+              <a:cxnSpLocks/>
+              <a:endCxn id="244" idx="3"/>
+            </p:cNvCxnSpPr>
             <p:nvPr/>
-          </p:nvSpPr>
+          </p:nvCxnSpPr>
           <p:spPr>
             <a:xfrm>
-              <a:off x="7432151" y="708801"/>
-              <a:ext cx="1633907" cy="292388"/>
+              <a:off x="2159713" y="2060139"/>
+              <a:ext cx="497655" cy="1562642"/>
             </a:xfrm>
-            <a:prstGeom prst="rect">
+            <a:prstGeom prst="straightConnector1">
               <a:avLst/>
             </a:prstGeom>
             <a:noFill/>
+            <a:ln w="38100" cap="flat" cmpd="sng" algn="ctr">
+              <a:solidFill>
+                <a:srgbClr val="00B050"/>
+              </a:solidFill>
+              <a:prstDash val="solid"/>
+              <a:round/>
+              <a:headEnd type="none" w="med" len="med"/>
+              <a:tailEnd type="none" w="med" len="med"/>
+            </a:ln>
+            <a:effectLst>
+              <a:outerShdw blurRad="50800" dist="38100" dir="2700000" algn="tl" rotWithShape="0">
+                <a:prstClr val="black">
+                  <a:alpha val="40000"/>
+                </a:prstClr>
+              </a:outerShdw>
+            </a:effectLst>
           </p:spPr>
-          <p:txBody>
-            <a:bodyPr wrap="square" rIns="0" bIns="0" rtlCol="0" anchor="ctr">
-              <a:spAutoFit/>
-            </a:bodyPr>
-            <a:lstStyle/>
-            <a:p>
-              <a:pPr marL="0" marR="0" lvl="0" indent="0" defTabSz="1221456" eaLnBrk="1" fontAlgn="auto" latinLnBrk="0" hangingPunct="1">
-                <a:lnSpc>
-                  <a:spcPct val="100000"/>
-                </a:lnSpc>
-                <a:spcBef>
-                  <a:spcPts val="0"/>
-                </a:spcBef>
-                <a:spcAft>
-                  <a:spcPts val="0"/>
-                </a:spcAft>
-                <a:buClrTx/>
-                <a:buSzTx/>
-                <a:buFontTx/>
-                <a:buNone/>
-                <a:tabLst/>
-                <a:defRPr/>
-              </a:pPr>
-              <a:r>
-                <a:rPr kumimoji="0" lang="en-US" sz="1600" b="1" i="0" u="none" strike="noStrike" kern="0" cap="none" spc="0" normalizeH="0" baseline="0" noProof="0" dirty="0">
-                  <a:ln>
-                    <a:noFill/>
-                  </a:ln>
-                  <a:solidFill>
-                    <a:srgbClr val="10384F"/>
-                  </a:solidFill>
-                  <a:effectLst/>
-                  <a:uLnTx/>
-                  <a:uFillTx/>
-                  <a:latin typeface="Arial"/>
-                  <a:cs typeface="Calibri" panose="020F0502020204030204" pitchFamily="34" charset="0"/>
-                </a:rPr>
-                <a:t>Erythromycin</a:t>
-              </a:r>
-              <a:endParaRPr kumimoji="0" lang="de-DE" sz="1600" b="1" i="0" u="none" strike="noStrike" kern="0" cap="none" spc="0" normalizeH="0" baseline="0" noProof="0" dirty="0">
-                <a:ln>
-                  <a:noFill/>
-                </a:ln>
-                <a:solidFill>
-                  <a:srgbClr val="10384F"/>
-                </a:solidFill>
-                <a:effectLst/>
-                <a:uLnTx/>
-                <a:uFillTx/>
-                <a:latin typeface="Arial"/>
-                <a:cs typeface="Calibri" panose="020F0502020204030204" pitchFamily="34" charset="0"/>
-              </a:endParaRPr>
-            </a:p>
-          </p:txBody>
-        </p:sp>
-        <p:sp>
-          <p:nvSpPr>
-            <p:cNvPr id="75" name="Textfeld 74">
+        </p:cxnSp>
+        <p:cxnSp>
+          <p:nvCxnSpPr>
+            <p:cNvPr id="93" name="Gerade Verbindung mit Pfeil 142">
               <a:extLst>
                 <a:ext uri="{FF2B5EF4-FFF2-40B4-BE49-F238E27FC236}">
-                  <a16:creationId xmlns:a16="http://schemas.microsoft.com/office/drawing/2014/main" id="{234E6B2D-5E04-446D-9D83-8C86BAA818DE}"/>
+                  <a16:creationId xmlns:a16="http://schemas.microsoft.com/office/drawing/2014/main" id="{07AEED44-F50E-43CD-A8EB-B2D4494ACE1C}"/>
                 </a:ext>
               </a:extLst>
             </p:cNvPr>
-            <p:cNvSpPr txBox="1"/>
+            <p:cNvCxnSpPr>
+              <a:cxnSpLocks/>
+            </p:cNvCxnSpPr>
             <p:nvPr/>
-          </p:nvSpPr>
+          </p:nvCxnSpPr>
           <p:spPr>
             <a:xfrm>
-              <a:off x="1933368" y="3485578"/>
-              <a:ext cx="1552673" cy="292388"/>
+              <a:off x="2156615" y="2060139"/>
+              <a:ext cx="4211636" cy="2344872"/>
             </a:xfrm>
-            <a:prstGeom prst="rect">
+            <a:prstGeom prst="straightConnector1">
               <a:avLst/>
             </a:prstGeom>
             <a:noFill/>
+            <a:ln w="38100" cap="flat" cmpd="sng" algn="ctr">
+              <a:solidFill>
+                <a:srgbClr val="00B050"/>
+              </a:solidFill>
+              <a:prstDash val="solid"/>
+              <a:round/>
+              <a:headEnd type="none" w="med" len="med"/>
+              <a:tailEnd type="none" w="med" len="med"/>
+            </a:ln>
+            <a:effectLst>
+              <a:outerShdw blurRad="50800" dist="38100" dir="2700000" algn="tl" rotWithShape="0">
+                <a:prstClr val="black">
+                  <a:alpha val="40000"/>
+                </a:prstClr>
+              </a:outerShdw>
+            </a:effectLst>
           </p:spPr>
-          <p:txBody>
-            <a:bodyPr wrap="square" rIns="0" bIns="0" rtlCol="0">
-              <a:spAutoFit/>
-            </a:bodyPr>
-            <a:lstStyle/>
-            <a:p>
-              <a:pPr marL="0" marR="0" lvl="0" indent="0" algn="ctr" defTabSz="1221456" eaLnBrk="1" fontAlgn="auto" latinLnBrk="0" hangingPunct="1">
-                <a:lnSpc>
-                  <a:spcPct val="100000"/>
-                </a:lnSpc>
-                <a:spcBef>
-                  <a:spcPts val="0"/>
-                </a:spcBef>
-                <a:spcAft>
-                  <a:spcPts val="0"/>
-                </a:spcAft>
-                <a:buClrTx/>
-                <a:buSzTx/>
-                <a:buFontTx/>
-                <a:buNone/>
-                <a:tabLst/>
-                <a:defRPr/>
-              </a:pPr>
-              <a:r>
-                <a:rPr kumimoji="0" lang="en-US" sz="1600" b="1" i="0" u="none" strike="noStrike" kern="0" cap="none" spc="0" normalizeH="0" baseline="0" noProof="0" dirty="0">
-                  <a:ln>
-                    <a:noFill/>
-                  </a:ln>
-                  <a:solidFill>
-                    <a:srgbClr val="10384F"/>
-                  </a:solidFill>
-                  <a:effectLst/>
-                  <a:uLnTx/>
-                  <a:uFillTx/>
-                  <a:latin typeface="Arial"/>
-                  <a:cs typeface="Calibri" panose="020F0502020204030204" pitchFamily="34" charset="0"/>
-                </a:rPr>
-                <a:t>Midazolam</a:t>
-              </a:r>
-              <a:endParaRPr kumimoji="0" lang="de-DE" sz="1600" b="1" i="0" u="none" strike="noStrike" kern="0" cap="none" spc="0" normalizeH="0" baseline="0" noProof="0" dirty="0">
-                <a:ln>
-                  <a:noFill/>
-                </a:ln>
-                <a:solidFill>
-                  <a:srgbClr val="10384F"/>
-                </a:solidFill>
-                <a:effectLst/>
-                <a:uLnTx/>
-                <a:uFillTx/>
-                <a:latin typeface="Arial"/>
-                <a:cs typeface="Calibri" panose="020F0502020204030204" pitchFamily="34" charset="0"/>
-              </a:endParaRPr>
-            </a:p>
-          </p:txBody>
-        </p:sp>
-        <p:sp>
-          <p:nvSpPr>
-            <p:cNvPr id="78" name="Textfeld 77">
+        </p:cxnSp>
+        <p:cxnSp>
+          <p:nvCxnSpPr>
+            <p:cNvPr id="140" name="Gerade Verbindung mit Pfeil 139">
               <a:extLst>
                 <a:ext uri="{FF2B5EF4-FFF2-40B4-BE49-F238E27FC236}">
-                  <a16:creationId xmlns:a16="http://schemas.microsoft.com/office/drawing/2014/main" id="{6203B152-E41F-4D76-B689-A636183095C5}"/>
+                  <a16:creationId xmlns:a16="http://schemas.microsoft.com/office/drawing/2014/main" id="{8A96EBF3-887E-4E23-BC0F-246AEE2D44B3}"/>
                 </a:ext>
               </a:extLst>
             </p:cNvPr>
-            <p:cNvSpPr txBox="1"/>
+            <p:cNvCxnSpPr>
+              <a:cxnSpLocks/>
+              <a:stCxn id="82" idx="2"/>
+            </p:cNvCxnSpPr>
             <p:nvPr/>
-          </p:nvSpPr>
+          </p:nvCxnSpPr>
           <p:spPr>
             <a:xfrm>
-              <a:off x="3562534" y="3937031"/>
-              <a:ext cx="1420301" cy="292388"/>
+              <a:off x="1537286" y="2659155"/>
+              <a:ext cx="4830965" cy="1745856"/>
             </a:xfrm>
-            <a:prstGeom prst="rect">
+            <a:prstGeom prst="straightConnector1">
               <a:avLst/>
             </a:prstGeom>
             <a:noFill/>
+            <a:ln w="38100" cap="flat" cmpd="sng" algn="ctr">
+              <a:solidFill>
+                <a:srgbClr val="00B050"/>
+              </a:solidFill>
+              <a:prstDash val="solid"/>
+              <a:round/>
+              <a:headEnd type="none" w="med" len="med"/>
+              <a:tailEnd type="none" w="med" len="med"/>
+            </a:ln>
+            <a:effectLst>
+              <a:outerShdw blurRad="50800" dist="38100" dir="2700000" algn="tl" rotWithShape="0">
+                <a:prstClr val="black">
+                  <a:alpha val="40000"/>
+                </a:prstClr>
+              </a:outerShdw>
+            </a:effectLst>
           </p:spPr>
-          <p:txBody>
-            <a:bodyPr wrap="square" rIns="0" bIns="0" rtlCol="0">
-              <a:spAutoFit/>
-            </a:bodyPr>
-            <a:lstStyle/>
-            <a:p>
-              <a:pPr marL="0" marR="0" lvl="0" indent="0" algn="ctr" defTabSz="1221456" eaLnBrk="1" fontAlgn="auto" latinLnBrk="0" hangingPunct="1">
-                <a:lnSpc>
-                  <a:spcPct val="100000"/>
-                </a:lnSpc>
-                <a:spcBef>
-                  <a:spcPts val="0"/>
-                </a:spcBef>
-                <a:spcAft>
-                  <a:spcPts val="0"/>
-                </a:spcAft>
-                <a:buClrTx/>
-                <a:buSzTx/>
-                <a:buFontTx/>
-                <a:buNone/>
-                <a:tabLst/>
-                <a:defRPr/>
-              </a:pPr>
-              <a:r>
-                <a:rPr kumimoji="0" lang="en-US" sz="1600" b="1" i="0" u="none" strike="noStrike" kern="0" cap="none" spc="0" normalizeH="0" baseline="0" noProof="0" dirty="0">
-                  <a:ln>
-                    <a:noFill/>
-                  </a:ln>
-                  <a:solidFill>
-                    <a:srgbClr val="10384F"/>
-                  </a:solidFill>
-                  <a:effectLst/>
-                  <a:uLnTx/>
-                  <a:uFillTx/>
-                  <a:latin typeface="Arial"/>
-                  <a:cs typeface="Calibri" panose="020F0502020204030204" pitchFamily="34" charset="0"/>
-                </a:rPr>
-                <a:t>Triazolam</a:t>
-              </a:r>
-              <a:endParaRPr kumimoji="0" lang="de-DE" sz="1600" b="1" i="0" u="none" strike="noStrike" kern="0" cap="none" spc="0" normalizeH="0" baseline="0" noProof="0" dirty="0">
-                <a:ln>
-                  <a:noFill/>
-                </a:ln>
-                <a:solidFill>
-                  <a:srgbClr val="10384F"/>
-                </a:solidFill>
-                <a:effectLst/>
-                <a:uLnTx/>
-                <a:uFillTx/>
-                <a:latin typeface="Arial"/>
-                <a:cs typeface="Calibri" panose="020F0502020204030204" pitchFamily="34" charset="0"/>
-              </a:endParaRPr>
-            </a:p>
-          </p:txBody>
-        </p:sp>
-        <p:sp>
-          <p:nvSpPr>
-            <p:cNvPr id="79" name="Textfeld 78">
+        </p:cxnSp>
+        <p:cxnSp>
+          <p:nvCxnSpPr>
+            <p:cNvPr id="108" name="Gerade Verbindung mit Pfeil 107">
               <a:extLst>
                 <a:ext uri="{FF2B5EF4-FFF2-40B4-BE49-F238E27FC236}">
-                  <a16:creationId xmlns:a16="http://schemas.microsoft.com/office/drawing/2014/main" id="{AE05FCCE-761A-4E1E-AD3E-C8A8BB8052DE}"/>
+                  <a16:creationId xmlns:a16="http://schemas.microsoft.com/office/drawing/2014/main" id="{89AC0BCD-9B85-417C-86DD-31F6D26CD7CA}"/>
                 </a:ext>
               </a:extLst>
             </p:cNvPr>
-            <p:cNvSpPr txBox="1"/>
+            <p:cNvCxnSpPr>
+              <a:cxnSpLocks/>
+              <a:endCxn id="244" idx="3"/>
+            </p:cNvCxnSpPr>
             <p:nvPr/>
-          </p:nvSpPr>
+          </p:nvCxnSpPr>
           <p:spPr>
             <a:xfrm>
-              <a:off x="7602448" y="3710894"/>
-              <a:ext cx="1115499" cy="292388"/>
+              <a:off x="2501683" y="1493182"/>
+              <a:ext cx="155685" cy="2129599"/>
             </a:xfrm>
-            <a:prstGeom prst="rect">
-              <a:avLst/>
-            </a:prstGeom>
-            <a:noFill/>
-          </p:spPr>
-          <p:txBody>
-            <a:bodyPr wrap="square" rIns="0" bIns="0" rtlCol="0">
-              <a:spAutoFit/>
-            </a:bodyPr>
-            <a:lstStyle/>
-            <a:p>
-              <a:pPr marL="0" marR="0" lvl="0" indent="0" algn="ctr" defTabSz="1221456" eaLnBrk="1" fontAlgn="auto" latinLnBrk="0" hangingPunct="1">
-                <a:lnSpc>
-                  <a:spcPct val="100000"/>
-                </a:lnSpc>
-                <a:spcBef>
-                  <a:spcPts val="0"/>
-                </a:spcBef>
-                <a:spcAft>
-                  <a:spcPts val="0"/>
-                </a:spcAft>
-                <a:buClrTx/>
-                <a:buSzTx/>
-                <a:buFontTx/>
-                <a:buNone/>
-                <a:tabLst/>
-                <a:defRPr/>
-              </a:pPr>
-              <a:r>
-                <a:rPr kumimoji="0" lang="en-US" sz="1600" b="1" i="0" u="none" strike="noStrike" kern="0" cap="none" spc="0" normalizeH="0" baseline="0" noProof="0" dirty="0">
-                  <a:ln>
-                    <a:noFill/>
-                  </a:ln>
-                  <a:solidFill>
-                    <a:srgbClr val="10384F"/>
-                  </a:solidFill>
-                  <a:effectLst/>
-                  <a:uLnTx/>
-                  <a:uFillTx/>
-                  <a:latin typeface="Arial"/>
-                  <a:cs typeface="Calibri" panose="020F0502020204030204" pitchFamily="34" charset="0"/>
-                </a:rPr>
-                <a:t>Alfentanil</a:t>
-              </a:r>
-              <a:endParaRPr kumimoji="0" lang="de-DE" sz="1600" b="1" i="0" u="none" strike="noStrike" kern="0" cap="none" spc="0" normalizeH="0" baseline="0" noProof="0" dirty="0">
-                <a:ln>
-                  <a:noFill/>
-                </a:ln>
-                <a:solidFill>
-                  <a:srgbClr val="10384F"/>
-                </a:solidFill>
-                <a:effectLst/>
-                <a:uLnTx/>
-                <a:uFillTx/>
-                <a:latin typeface="Arial"/>
-                <a:cs typeface="Calibri" panose="020F0502020204030204" pitchFamily="34" charset="0"/>
-              </a:endParaRPr>
-            </a:p>
-          </p:txBody>
-        </p:sp>
-        <p:sp>
-          <p:nvSpPr>
-            <p:cNvPr id="80" name="Textfeld 79">
-              <a:extLst>
-                <a:ext uri="{FF2B5EF4-FFF2-40B4-BE49-F238E27FC236}">
-                  <a16:creationId xmlns:a16="http://schemas.microsoft.com/office/drawing/2014/main" id="{1699A084-6E57-4DA4-9D39-5D28C9C59463}"/>
-                </a:ext>
-              </a:extLst>
-            </p:cNvPr>
-            <p:cNvSpPr txBox="1"/>
-            <p:nvPr/>
-          </p:nvSpPr>
-          <p:spPr>
-            <a:xfrm>
-              <a:off x="5664563" y="4224656"/>
-              <a:ext cx="1651038" cy="292388"/>
-            </a:xfrm>
-            <a:prstGeom prst="rect">
-              <a:avLst/>
-            </a:prstGeom>
-            <a:noFill/>
-          </p:spPr>
-          <p:txBody>
-            <a:bodyPr wrap="square" rIns="0" bIns="0" rtlCol="0">
-              <a:spAutoFit/>
-            </a:bodyPr>
-            <a:lstStyle/>
-            <a:p>
-              <a:pPr marL="0" marR="0" lvl="0" indent="0" algn="ctr" defTabSz="1221456" eaLnBrk="1" fontAlgn="auto" latinLnBrk="0" hangingPunct="1">
-                <a:lnSpc>
-                  <a:spcPct val="100000"/>
-                </a:lnSpc>
-                <a:spcBef>
-                  <a:spcPts val="0"/>
-                </a:spcBef>
-                <a:spcAft>
-                  <a:spcPts val="0"/>
-                </a:spcAft>
-                <a:buClrTx/>
-                <a:buSzTx/>
-                <a:buFontTx/>
-                <a:buNone/>
-                <a:tabLst/>
-                <a:defRPr/>
-              </a:pPr>
-              <a:r>
-                <a:rPr kumimoji="0" lang="en-US" sz="1600" b="1" i="0" u="none" strike="noStrike" kern="0" cap="none" spc="0" normalizeH="0" baseline="0" noProof="0" dirty="0">
-                  <a:ln>
-                    <a:noFill/>
-                  </a:ln>
-                  <a:solidFill>
-                    <a:srgbClr val="10384F"/>
-                  </a:solidFill>
-                  <a:effectLst/>
-                  <a:uLnTx/>
-                  <a:uFillTx/>
-                  <a:latin typeface="Arial"/>
-                  <a:cs typeface="Calibri" panose="020F0502020204030204" pitchFamily="34" charset="0"/>
-                </a:rPr>
-                <a:t>Alprazolam</a:t>
-              </a:r>
-              <a:endParaRPr kumimoji="0" lang="de-DE" sz="1600" b="1" i="0" u="none" strike="noStrike" kern="0" cap="none" spc="0" normalizeH="0" baseline="0" noProof="0" dirty="0">
-                <a:ln>
-                  <a:noFill/>
-                </a:ln>
-                <a:solidFill>
-                  <a:srgbClr val="10384F"/>
-                </a:solidFill>
-                <a:effectLst/>
-                <a:uLnTx/>
-                <a:uFillTx/>
-                <a:latin typeface="Arial"/>
-                <a:cs typeface="Calibri" panose="020F0502020204030204" pitchFamily="34" charset="0"/>
-              </a:endParaRPr>
-            </a:p>
-          </p:txBody>
-        </p:sp>
-        <p:sp>
-          <p:nvSpPr>
-            <p:cNvPr id="82" name="Textfeld 81">
-              <a:extLst>
-                <a:ext uri="{FF2B5EF4-FFF2-40B4-BE49-F238E27FC236}">
-                  <a16:creationId xmlns:a16="http://schemas.microsoft.com/office/drawing/2014/main" id="{901ABB62-9433-4052-B7AC-CC55EEC6EB10}"/>
-                </a:ext>
-              </a:extLst>
-            </p:cNvPr>
-            <p:cNvSpPr txBox="1"/>
-            <p:nvPr/>
-          </p:nvSpPr>
-          <p:spPr>
-            <a:xfrm>
-              <a:off x="1008548" y="2202652"/>
-              <a:ext cx="1184475" cy="292388"/>
-            </a:xfrm>
-            <a:prstGeom prst="rect">
-              <a:avLst/>
-            </a:prstGeom>
-            <a:noFill/>
-          </p:spPr>
-          <p:txBody>
-            <a:bodyPr wrap="square" rIns="0" bIns="0" rtlCol="0" anchor="ctr">
-              <a:spAutoFit/>
-            </a:bodyPr>
-            <a:lstStyle/>
-            <a:p>
-              <a:pPr marL="0" marR="0" lvl="0" indent="0" algn="ctr" defTabSz="1221456" eaLnBrk="1" fontAlgn="auto" latinLnBrk="0" hangingPunct="1">
-                <a:lnSpc>
-                  <a:spcPct val="100000"/>
-                </a:lnSpc>
-                <a:spcBef>
-                  <a:spcPts val="0"/>
-                </a:spcBef>
-                <a:spcAft>
-                  <a:spcPts val="0"/>
-                </a:spcAft>
-                <a:buClrTx/>
-                <a:buSzTx/>
-                <a:buFontTx/>
-                <a:buNone/>
-                <a:tabLst/>
-                <a:defRPr/>
-              </a:pPr>
-              <a:r>
-                <a:rPr kumimoji="0" lang="en-US" sz="1600" b="1" i="0" u="none" strike="noStrike" kern="0" cap="none" spc="0" normalizeH="0" baseline="0" noProof="0" dirty="0">
-                  <a:ln>
-                    <a:noFill/>
-                  </a:ln>
-                  <a:solidFill>
-                    <a:srgbClr val="10384F"/>
-                  </a:solidFill>
-                  <a:effectLst/>
-                  <a:uLnTx/>
-                  <a:uFillTx/>
-                  <a:latin typeface="Arial"/>
-                  <a:cs typeface="Calibri" panose="020F0502020204030204" pitchFamily="34" charset="0"/>
-                </a:rPr>
-                <a:t>Rifampicin</a:t>
-              </a:r>
-              <a:endParaRPr kumimoji="0" lang="de-DE" sz="1600" b="1" i="0" u="none" strike="noStrike" kern="0" cap="none" spc="0" normalizeH="0" baseline="0" noProof="0" dirty="0">
-                <a:ln>
-                  <a:noFill/>
-                </a:ln>
-                <a:solidFill>
-                  <a:srgbClr val="10384F"/>
-                </a:solidFill>
-                <a:effectLst/>
-                <a:uLnTx/>
-                <a:uFillTx/>
-                <a:latin typeface="Arial"/>
-                <a:cs typeface="Calibri" panose="020F0502020204030204" pitchFamily="34" charset="0"/>
-              </a:endParaRPr>
-            </a:p>
-          </p:txBody>
-        </p:sp>
-        <p:sp>
-          <p:nvSpPr>
-            <p:cNvPr id="84" name="Textfeld 83">
-              <a:extLst>
-                <a:ext uri="{FF2B5EF4-FFF2-40B4-BE49-F238E27FC236}">
-                  <a16:creationId xmlns:a16="http://schemas.microsoft.com/office/drawing/2014/main" id="{FA41E090-4E80-490D-98A9-B7B4DECEC8C9}"/>
-                </a:ext>
-              </a:extLst>
-            </p:cNvPr>
-            <p:cNvSpPr txBox="1"/>
-            <p:nvPr/>
-          </p:nvSpPr>
-          <p:spPr>
-            <a:xfrm>
-              <a:off x="2277194" y="655921"/>
-              <a:ext cx="1210628" cy="292388"/>
-            </a:xfrm>
-            <a:prstGeom prst="rect">
+            <a:prstGeom prst="straightConnector1">
               <a:avLst/>
             </a:prstGeom>
             <a:noFill/>
             <a:ln w="25400" cap="flat" cmpd="sng" algn="ctr">
-              <a:noFill/>
+              <a:solidFill>
+                <a:srgbClr val="00B050"/>
+              </a:solidFill>
               <a:prstDash val="solid"/>
               <a:round/>
               <a:headEnd type="none" w="med" len="med"/>
-              <a:tailEnd type="triangle" w="med" len="med"/>
+              <a:tailEnd type="none" w="med" len="med"/>
             </a:ln>
-            <a:effectLst/>
+            <a:effectLst>
+              <a:outerShdw blurRad="50800" dist="38100" dir="2700000" algn="tl" rotWithShape="0">
+                <a:prstClr val="black">
+                  <a:alpha val="40000"/>
+                </a:prstClr>
+              </a:outerShdw>
+            </a:effectLst>
           </p:spPr>
-          <p:txBody>
-            <a:bodyPr wrap="square" rIns="0" bIns="0" rtlCol="0" anchor="ctr">
-              <a:spAutoFit/>
-            </a:bodyPr>
-            <a:lstStyle/>
-            <a:p>
-              <a:pPr marL="0" marR="0" lvl="0" indent="0" algn="ctr" defTabSz="1221456" eaLnBrk="1" fontAlgn="auto" latinLnBrk="0" hangingPunct="1">
-                <a:lnSpc>
-                  <a:spcPct val="100000"/>
-                </a:lnSpc>
-                <a:spcBef>
-                  <a:spcPts val="0"/>
-                </a:spcBef>
-                <a:spcAft>
-                  <a:spcPts val="0"/>
-                </a:spcAft>
-                <a:buClrTx/>
-                <a:buSzTx/>
-                <a:buFontTx/>
-                <a:buNone/>
-                <a:tabLst/>
-                <a:defRPr/>
-              </a:pPr>
-              <a:r>
-                <a:rPr kumimoji="0" lang="en-US" sz="1600" b="1" i="0" u="none" strike="noStrike" kern="0" cap="none" spc="0" normalizeH="0" baseline="0" noProof="0" dirty="0">
-                  <a:ln>
-                    <a:noFill/>
-                  </a:ln>
-                  <a:solidFill>
-                    <a:srgbClr val="10384F"/>
-                  </a:solidFill>
-                  <a:effectLst/>
-                  <a:uLnTx/>
-                  <a:uFillTx/>
-                  <a:latin typeface="Arial"/>
-                  <a:cs typeface="Calibri" panose="020F0502020204030204" pitchFamily="34" charset="0"/>
-                </a:rPr>
-                <a:t>Cimetidine</a:t>
-              </a:r>
-              <a:endParaRPr kumimoji="0" lang="de-DE" sz="1600" b="1" i="0" u="none" strike="noStrike" kern="0" cap="none" spc="0" normalizeH="0" baseline="0" noProof="0" dirty="0">
-                <a:ln>
-                  <a:noFill/>
-                </a:ln>
-                <a:solidFill>
-                  <a:srgbClr val="10384F"/>
-                </a:solidFill>
-                <a:effectLst/>
-                <a:uLnTx/>
-                <a:uFillTx/>
-                <a:latin typeface="Arial"/>
-                <a:cs typeface="Calibri" panose="020F0502020204030204" pitchFamily="34" charset="0"/>
-              </a:endParaRPr>
-            </a:p>
-          </p:txBody>
-        </p:sp>
+        </p:cxnSp>
         <p:sp>
           <p:nvSpPr>
-            <p:cNvPr id="86" name="Textfeld 85">
+            <p:cNvPr id="244" name="Gleichschenkliges Dreieck 243">
               <a:extLst>
                 <a:ext uri="{FF2B5EF4-FFF2-40B4-BE49-F238E27FC236}">
-                  <a16:creationId xmlns:a16="http://schemas.microsoft.com/office/drawing/2014/main" id="{34ABF6B2-B4C6-47A9-B6F6-F387B0BADB24}"/>
-                </a:ext>
-              </a:extLst>
-            </p:cNvPr>
-            <p:cNvSpPr txBox="1"/>
-            <p:nvPr/>
-          </p:nvSpPr>
-          <p:spPr>
-            <a:xfrm>
-              <a:off x="1659106" y="1323557"/>
-              <a:ext cx="1019630" cy="292388"/>
-            </a:xfrm>
-            <a:prstGeom prst="rect">
-              <a:avLst/>
-            </a:prstGeom>
-            <a:noFill/>
-            <a:effectLst/>
-          </p:spPr>
-          <p:txBody>
-            <a:bodyPr wrap="square" rIns="0" bIns="0" rtlCol="0" anchor="ctr">
-              <a:spAutoFit/>
-            </a:bodyPr>
-            <a:lstStyle/>
-            <a:p>
-              <a:pPr marL="0" marR="0" lvl="0" indent="0" algn="ctr" defTabSz="1221456" eaLnBrk="1" fontAlgn="auto" latinLnBrk="0" hangingPunct="1">
-                <a:lnSpc>
-                  <a:spcPct val="100000"/>
-                </a:lnSpc>
-                <a:spcBef>
-                  <a:spcPts val="0"/>
-                </a:spcBef>
-                <a:spcAft>
-                  <a:spcPts val="0"/>
-                </a:spcAft>
-                <a:buClrTx/>
-                <a:buSzTx/>
-                <a:buFontTx/>
-                <a:buNone/>
-                <a:tabLst/>
-                <a:defRPr/>
-              </a:pPr>
-              <a:r>
-                <a:rPr kumimoji="0" lang="en-US" sz="1600" b="1" i="0" u="none" strike="noStrike" kern="0" cap="none" spc="0" normalizeH="0" baseline="0" noProof="0" dirty="0">
-                  <a:ln>
-                    <a:noFill/>
-                  </a:ln>
-                  <a:solidFill>
-                    <a:srgbClr val="10384F"/>
-                  </a:solidFill>
-                  <a:effectLst/>
-                  <a:uLnTx/>
-                  <a:uFillTx/>
-                  <a:latin typeface="Arial"/>
-                  <a:cs typeface="Calibri" panose="020F0502020204030204" pitchFamily="34" charset="0"/>
-                </a:rPr>
-                <a:t>Efavirenz</a:t>
-              </a:r>
-              <a:endParaRPr kumimoji="0" lang="de-DE" sz="1600" b="1" i="0" u="none" strike="noStrike" kern="0" cap="none" spc="0" normalizeH="0" baseline="0" noProof="0" dirty="0">
-                <a:ln>
-                  <a:noFill/>
-                </a:ln>
-                <a:solidFill>
-                  <a:srgbClr val="10384F"/>
-                </a:solidFill>
-                <a:effectLst/>
-                <a:uLnTx/>
-                <a:uFillTx/>
-                <a:latin typeface="Arial"/>
-                <a:cs typeface="Calibri" panose="020F0502020204030204" pitchFamily="34" charset="0"/>
-              </a:endParaRPr>
-            </a:p>
-          </p:txBody>
-        </p:sp>
-        <p:sp>
-          <p:nvSpPr>
-            <p:cNvPr id="91" name="Rechteck 90">
-              <a:extLst>
-                <a:ext uri="{FF2B5EF4-FFF2-40B4-BE49-F238E27FC236}">
-                  <a16:creationId xmlns:a16="http://schemas.microsoft.com/office/drawing/2014/main" id="{AEA17713-094A-4BDC-A237-886245610EB6}"/>
+                  <a16:creationId xmlns:a16="http://schemas.microsoft.com/office/drawing/2014/main" id="{F387589C-E349-4DAC-8146-D780AB632BC4}"/>
                 </a:ext>
               </a:extLst>
             </p:cNvPr>
@@ -4706,3113 +8877,18 @@
             <p:nvPr/>
           </p:nvSpPr>
           <p:spPr>
-            <a:xfrm>
-              <a:off x="8554215" y="2061269"/>
-              <a:ext cx="1379629" cy="477054"/>
+            <a:xfrm rot="9020490">
+              <a:off x="2630089" y="3615706"/>
+              <a:ext cx="108000" cy="108000"/>
             </a:xfrm>
-            <a:prstGeom prst="rect">
+            <a:prstGeom prst="triangle">
               <a:avLst/>
             </a:prstGeom>
-          </p:spPr>
-          <p:txBody>
-            <a:bodyPr wrap="square" anchor="ctr">
-              <a:spAutoFit/>
-            </a:bodyPr>
-            <a:lstStyle/>
-            <a:p>
-              <a:pPr marL="0" marR="0" lvl="0" indent="0" algn="ctr" defTabSz="1221456" eaLnBrk="1" fontAlgn="auto" latinLnBrk="0" hangingPunct="1">
-                <a:lnSpc>
-                  <a:spcPct val="100000"/>
-                </a:lnSpc>
-                <a:spcBef>
-                  <a:spcPts val="0"/>
-                </a:spcBef>
-                <a:spcAft>
-                  <a:spcPts val="0"/>
-                </a:spcAft>
-                <a:buClrTx/>
-                <a:buSzTx/>
-                <a:buFontTx/>
-                <a:buNone/>
-                <a:tabLst/>
-                <a:defRPr/>
-              </a:pPr>
-              <a:r>
-                <a:rPr kumimoji="0" lang="en-US" sz="1600" b="1" i="0" u="none" strike="noStrike" kern="0" cap="none" spc="0" normalizeH="0" baseline="0" noProof="0" dirty="0">
-                  <a:ln>
-                    <a:noFill/>
-                  </a:ln>
-                  <a:solidFill>
-                    <a:srgbClr val="10384F"/>
-                  </a:solidFill>
-                  <a:effectLst/>
-                  <a:uLnTx/>
-                  <a:uFillTx/>
-                  <a:latin typeface="Arial"/>
-                  <a:cs typeface="Calibri" panose="020F0502020204030204" pitchFamily="34" charset="0"/>
-                </a:rPr>
-                <a:t>Itraconazole</a:t>
-              </a:r>
-            </a:p>
-            <a:p>
-              <a:pPr marL="0" marR="0" lvl="0" indent="0" algn="ctr" defTabSz="1221456" eaLnBrk="1" fontAlgn="auto" latinLnBrk="0" hangingPunct="1">
-                <a:lnSpc>
-                  <a:spcPct val="100000"/>
-                </a:lnSpc>
-                <a:spcBef>
-                  <a:spcPts val="0"/>
-                </a:spcBef>
-                <a:spcAft>
-                  <a:spcPts val="0"/>
-                </a:spcAft>
-                <a:buClrTx/>
-                <a:buSzTx/>
-                <a:buFontTx/>
-                <a:buNone/>
-                <a:tabLst/>
-                <a:defRPr/>
-              </a:pPr>
-              <a:r>
-                <a:rPr kumimoji="0" lang="en-US" sz="900" b="1" i="0" u="none" strike="noStrike" kern="0" cap="none" spc="0" normalizeH="0" baseline="0" noProof="0" dirty="0">
-                  <a:ln>
-                    <a:noFill/>
-                  </a:ln>
-                  <a:solidFill>
-                    <a:srgbClr val="10384F"/>
-                  </a:solidFill>
-                  <a:effectLst/>
-                  <a:uLnTx/>
-                  <a:uFillTx/>
-                  <a:latin typeface="Arial"/>
-                  <a:cs typeface="Calibri" panose="020F0502020204030204" pitchFamily="34" charset="0"/>
-                </a:rPr>
-                <a:t>(+ metabolites)</a:t>
-              </a:r>
-              <a:endParaRPr kumimoji="0" lang="de-DE" sz="900" b="1" i="0" u="none" strike="noStrike" kern="0" cap="none" spc="0" normalizeH="0" baseline="0" noProof="0" dirty="0">
-                <a:ln>
-                  <a:noFill/>
-                </a:ln>
-                <a:solidFill>
-                  <a:srgbClr val="10384F"/>
-                </a:solidFill>
-                <a:effectLst/>
-                <a:uLnTx/>
-                <a:uFillTx/>
-                <a:latin typeface="Arial"/>
-                <a:cs typeface="Calibri" panose="020F0502020204030204" pitchFamily="34" charset="0"/>
-              </a:endParaRPr>
-            </a:p>
-          </p:txBody>
-        </p:sp>
-        <p:sp>
-          <p:nvSpPr>
-            <p:cNvPr id="96" name="Textfeld 95">
-              <a:extLst>
-                <a:ext uri="{FF2B5EF4-FFF2-40B4-BE49-F238E27FC236}">
-                  <a16:creationId xmlns:a16="http://schemas.microsoft.com/office/drawing/2014/main" id="{FD52EBD5-9379-49D0-8F14-2E922C6AE592}"/>
-                </a:ext>
-              </a:extLst>
-            </p:cNvPr>
-            <p:cNvSpPr txBox="1"/>
-            <p:nvPr/>
-          </p:nvSpPr>
-          <p:spPr>
-            <a:xfrm>
-              <a:off x="6621806" y="338465"/>
-              <a:ext cx="1107368" cy="292388"/>
-            </a:xfrm>
-            <a:prstGeom prst="rect">
-              <a:avLst/>
-            </a:prstGeom>
-            <a:noFill/>
-          </p:spPr>
-          <p:txBody>
-            <a:bodyPr wrap="square" rIns="0" bIns="0" rtlCol="0" anchor="ctr">
-              <a:spAutoFit/>
-            </a:bodyPr>
-            <a:lstStyle/>
-            <a:p>
-              <a:pPr marL="0" marR="0" lvl="0" indent="0" algn="ctr" defTabSz="1221456" eaLnBrk="1" fontAlgn="auto" latinLnBrk="0" hangingPunct="1">
-                <a:lnSpc>
-                  <a:spcPct val="100000"/>
-                </a:lnSpc>
-                <a:spcBef>
-                  <a:spcPts val="0"/>
-                </a:spcBef>
-                <a:spcAft>
-                  <a:spcPts val="0"/>
-                </a:spcAft>
-                <a:buClrTx/>
-                <a:buSzTx/>
-                <a:buFontTx/>
-                <a:buNone/>
-                <a:tabLst/>
-                <a:defRPr/>
-              </a:pPr>
-              <a:r>
-                <a:rPr kumimoji="0" lang="en-US" sz="1600" b="1" i="0" u="none" strike="noStrike" kern="0" cap="none" spc="0" normalizeH="0" baseline="0" noProof="0" dirty="0">
-                  <a:ln>
-                    <a:noFill/>
-                  </a:ln>
-                  <a:solidFill>
-                    <a:srgbClr val="10384F"/>
-                  </a:solidFill>
-                  <a:effectLst/>
-                  <a:uLnTx/>
-                  <a:uFillTx/>
-                  <a:latin typeface="Arial"/>
-                  <a:cs typeface="Calibri" panose="020F0502020204030204" pitchFamily="34" charset="0"/>
-                </a:rPr>
-                <a:t>Verapamil</a:t>
-              </a:r>
-              <a:endParaRPr kumimoji="0" lang="de-DE" sz="1600" b="1" i="0" u="none" strike="noStrike" kern="0" cap="none" spc="0" normalizeH="0" baseline="0" noProof="0" dirty="0">
-                <a:ln>
-                  <a:noFill/>
-                </a:ln>
-                <a:solidFill>
-                  <a:srgbClr val="10384F"/>
-                </a:solidFill>
-                <a:effectLst/>
-                <a:uLnTx/>
-                <a:uFillTx/>
-                <a:latin typeface="Arial"/>
-                <a:cs typeface="Calibri" panose="020F0502020204030204" pitchFamily="34" charset="0"/>
-              </a:endParaRPr>
-            </a:p>
-          </p:txBody>
-        </p:sp>
-        <p:sp>
-          <p:nvSpPr>
-            <p:cNvPr id="98" name="Textfeld 97">
-              <a:extLst>
-                <a:ext uri="{FF2B5EF4-FFF2-40B4-BE49-F238E27FC236}">
-                  <a16:creationId xmlns:a16="http://schemas.microsoft.com/office/drawing/2014/main" id="{BB47A4FF-AC7E-4852-8485-54A6939781D8}"/>
-                </a:ext>
-              </a:extLst>
-            </p:cNvPr>
-            <p:cNvSpPr txBox="1"/>
-            <p:nvPr/>
-          </p:nvSpPr>
-          <p:spPr>
-            <a:xfrm>
-              <a:off x="3395288" y="180370"/>
-              <a:ext cx="1387455" cy="292388"/>
-            </a:xfrm>
-            <a:prstGeom prst="rect">
-              <a:avLst/>
-            </a:prstGeom>
-            <a:noFill/>
-          </p:spPr>
-          <p:txBody>
-            <a:bodyPr wrap="square" rIns="0" bIns="0" rtlCol="0" anchor="ctr">
-              <a:spAutoFit/>
-            </a:bodyPr>
-            <a:lstStyle/>
-            <a:p>
-              <a:pPr marL="0" marR="0" lvl="0" indent="0" algn="ctr" defTabSz="1221456" eaLnBrk="1" fontAlgn="auto" latinLnBrk="0" hangingPunct="1">
-                <a:lnSpc>
-                  <a:spcPct val="100000"/>
-                </a:lnSpc>
-                <a:spcBef>
-                  <a:spcPts val="0"/>
-                </a:spcBef>
-                <a:spcAft>
-                  <a:spcPts val="0"/>
-                </a:spcAft>
-                <a:buClrTx/>
-                <a:buSzTx/>
-                <a:buFontTx/>
-                <a:buNone/>
-                <a:tabLst/>
-                <a:defRPr/>
-              </a:pPr>
-              <a:r>
-                <a:rPr kumimoji="0" lang="en-US" sz="1600" b="1" i="0" u="none" strike="noStrike" kern="0" cap="none" spc="0" normalizeH="0" baseline="0" noProof="0" dirty="0">
-                  <a:ln>
-                    <a:noFill/>
-                  </a:ln>
-                  <a:solidFill>
-                    <a:srgbClr val="10384F"/>
-                  </a:solidFill>
-                  <a:effectLst/>
-                  <a:uLnTx/>
-                  <a:uFillTx/>
-                  <a:latin typeface="Arial"/>
-                  <a:cs typeface="Calibri" panose="020F0502020204030204" pitchFamily="34" charset="0"/>
-                </a:rPr>
-                <a:t>Fluvoxamine</a:t>
-              </a:r>
-              <a:endParaRPr kumimoji="0" lang="de-DE" sz="1600" b="1" i="0" u="none" strike="noStrike" kern="0" cap="none" spc="0" normalizeH="0" baseline="0" noProof="0" dirty="0">
-                <a:ln>
-                  <a:noFill/>
-                </a:ln>
-                <a:solidFill>
-                  <a:srgbClr val="10384F"/>
-                </a:solidFill>
-                <a:effectLst/>
-                <a:uLnTx/>
-                <a:uFillTx/>
-                <a:latin typeface="Arial"/>
-                <a:cs typeface="Calibri" panose="020F0502020204030204" pitchFamily="34" charset="0"/>
-              </a:endParaRPr>
-            </a:p>
-          </p:txBody>
-        </p:sp>
-        <p:sp>
-          <p:nvSpPr>
-            <p:cNvPr id="81" name="Textfeld 80">
-              <a:extLst>
-                <a:ext uri="{FF2B5EF4-FFF2-40B4-BE49-F238E27FC236}">
-                  <a16:creationId xmlns:a16="http://schemas.microsoft.com/office/drawing/2014/main" id="{95A97AAC-200A-4013-8704-8E07ED576A88}"/>
-                </a:ext>
-              </a:extLst>
-            </p:cNvPr>
-            <p:cNvSpPr txBox="1"/>
-            <p:nvPr/>
-          </p:nvSpPr>
-          <p:spPr>
-            <a:xfrm>
-              <a:off x="4982835" y="78769"/>
-              <a:ext cx="1387455" cy="292388"/>
-            </a:xfrm>
-            <a:prstGeom prst="rect">
-              <a:avLst/>
-            </a:prstGeom>
-            <a:noFill/>
-          </p:spPr>
-          <p:txBody>
-            <a:bodyPr wrap="square" rIns="0" bIns="0" rtlCol="0" anchor="ctr">
-              <a:spAutoFit/>
-            </a:bodyPr>
-            <a:lstStyle/>
-            <a:p>
-              <a:pPr marL="0" marR="0" lvl="0" indent="0" algn="ctr" defTabSz="1221456" eaLnBrk="1" fontAlgn="auto" latinLnBrk="0" hangingPunct="1">
-                <a:lnSpc>
-                  <a:spcPct val="100000"/>
-                </a:lnSpc>
-                <a:spcBef>
-                  <a:spcPts val="0"/>
-                </a:spcBef>
-                <a:spcAft>
-                  <a:spcPts val="0"/>
-                </a:spcAft>
-                <a:buClrTx/>
-                <a:buSzTx/>
-                <a:buFontTx/>
-                <a:buNone/>
-                <a:tabLst/>
-                <a:defRPr/>
-              </a:pPr>
-              <a:r>
-                <a:rPr kumimoji="0" lang="en-US" sz="1600" b="1" i="0" u="none" strike="noStrike" kern="0" cap="none" spc="0" normalizeH="0" baseline="0" noProof="0" dirty="0">
-                  <a:ln>
-                    <a:noFill/>
-                  </a:ln>
-                  <a:solidFill>
-                    <a:srgbClr val="10384F"/>
-                  </a:solidFill>
-                  <a:effectLst/>
-                  <a:uLnTx/>
-                  <a:uFillTx/>
-                  <a:latin typeface="Arial"/>
-                  <a:cs typeface="Calibri" panose="020F0502020204030204" pitchFamily="34" charset="0"/>
-                </a:rPr>
-                <a:t>Fluconazole</a:t>
-              </a:r>
-              <a:endParaRPr kumimoji="0" lang="de-DE" sz="1600" b="1" i="0" u="none" strike="noStrike" kern="0" cap="none" spc="0" normalizeH="0" baseline="0" noProof="0" dirty="0">
-                <a:ln>
-                  <a:noFill/>
-                </a:ln>
-                <a:solidFill>
-                  <a:srgbClr val="10384F"/>
-                </a:solidFill>
-                <a:effectLst/>
-                <a:uLnTx/>
-                <a:uFillTx/>
-                <a:latin typeface="Arial"/>
-                <a:cs typeface="Calibri" panose="020F0502020204030204" pitchFamily="34" charset="0"/>
-              </a:endParaRPr>
-            </a:p>
-          </p:txBody>
-        </p:sp>
-      </p:grpSp>
-      <p:sp>
-        <p:nvSpPr>
-          <p:cNvPr id="56" name="Rechteck 55">
-            <a:extLst>
-              <a:ext uri="{FF2B5EF4-FFF2-40B4-BE49-F238E27FC236}">
-                <a16:creationId xmlns:a16="http://schemas.microsoft.com/office/drawing/2014/main" id="{0A357C56-BAD9-4853-91EE-2F1649F1828A}"/>
-              </a:ext>
-            </a:extLst>
-          </p:cNvPr>
-          <p:cNvSpPr/>
-          <p:nvPr/>
-        </p:nvSpPr>
-        <p:spPr bwMode="gray">
-          <a:xfrm>
-            <a:off x="625" y="0"/>
-            <a:ext cx="10080000" cy="5040000"/>
-          </a:xfrm>
-          <a:prstGeom prst="rect">
-            <a:avLst/>
-          </a:prstGeom>
-          <a:noFill/>
-          <a:ln w="76200" cap="flat" cmpd="sng" algn="ctr">
-            <a:solidFill>
-              <a:srgbClr val="10384F"/>
-            </a:solidFill>
-            <a:prstDash val="solid"/>
-          </a:ln>
-          <a:effectLst/>
-        </p:spPr>
-        <p:txBody>
-          <a:bodyPr rtlCol="0" anchor="ctr"/>
-          <a:lstStyle/>
-          <a:p>
-            <a:pPr marL="0" marR="0" lvl="0" indent="0" algn="ctr" defTabSz="914400" eaLnBrk="1" fontAlgn="auto" latinLnBrk="0" hangingPunct="1">
-              <a:lnSpc>
-                <a:spcPct val="100000"/>
-              </a:lnSpc>
-              <a:spcBef>
-                <a:spcPts val="0"/>
-              </a:spcBef>
-              <a:spcAft>
-                <a:spcPts val="0"/>
-              </a:spcAft>
-              <a:buClrTx/>
-              <a:buSzTx/>
-              <a:buFontTx/>
-              <a:buNone/>
-              <a:tabLst/>
-              <a:defRPr/>
-            </a:pPr>
-            <a:endParaRPr kumimoji="0" lang="en-US" sz="1800" b="0" i="0" u="none" strike="noStrike" kern="0" cap="none" spc="0" normalizeH="0" baseline="0" noProof="0" dirty="0">
-              <a:ln>
-                <a:noFill/>
-              </a:ln>
-              <a:solidFill>
-                <a:srgbClr val="FFFFFF"/>
-              </a:solidFill>
-              <a:effectLst/>
-              <a:uLnTx/>
-              <a:uFillTx/>
-              <a:latin typeface="Arial"/>
-              <a:cs typeface="Arial"/>
-            </a:endParaRPr>
-          </a:p>
-        </p:txBody>
-      </p:sp>
-      <p:cxnSp>
-        <p:nvCxnSpPr>
-          <p:cNvPr id="5" name="Gerade Verbindung mit Pfeil 4">
-            <a:extLst>
-              <a:ext uri="{FF2B5EF4-FFF2-40B4-BE49-F238E27FC236}">
-                <a16:creationId xmlns:a16="http://schemas.microsoft.com/office/drawing/2014/main" id="{98537504-27D0-4241-8A5A-7E0EEFAD60AD}"/>
-              </a:ext>
-            </a:extLst>
-          </p:cNvPr>
-          <p:cNvCxnSpPr>
-            <a:cxnSpLocks/>
-            <a:stCxn id="84" idx="2"/>
-            <a:endCxn id="225" idx="3"/>
-          </p:cNvCxnSpPr>
-          <p:nvPr/>
-        </p:nvCxnSpPr>
-        <p:spPr>
-          <a:xfrm flipH="1">
-            <a:off x="2836961" y="1112424"/>
-            <a:ext cx="45547" cy="2516615"/>
-          </a:xfrm>
-          <a:prstGeom prst="straightConnector1">
-            <a:avLst/>
-          </a:prstGeom>
-          <a:noFill/>
-          <a:ln w="12700" cap="flat" cmpd="sng" algn="ctr">
-            <a:solidFill>
-              <a:srgbClr val="C00000"/>
-            </a:solidFill>
-            <a:prstDash val="solid"/>
-            <a:round/>
-            <a:headEnd type="none" w="med" len="med"/>
-            <a:tailEnd type="none" w="med" len="med"/>
-          </a:ln>
-          <a:effectLst>
-            <a:outerShdw blurRad="50800" dist="38100" dir="2700000" algn="tl" rotWithShape="0">
-              <a:prstClr val="black">
-                <a:alpha val="40000"/>
-              </a:prstClr>
-            </a:outerShdw>
-          </a:effectLst>
-        </p:spPr>
-      </p:cxnSp>
-      <p:cxnSp>
-        <p:nvCxnSpPr>
-          <p:cNvPr id="7" name="Gerade Verbindung mit Pfeil 6">
-            <a:extLst>
-              <a:ext uri="{FF2B5EF4-FFF2-40B4-BE49-F238E27FC236}">
-                <a16:creationId xmlns:a16="http://schemas.microsoft.com/office/drawing/2014/main" id="{0C052BFB-242C-44B2-8CD0-E6089625C38D}"/>
-              </a:ext>
-            </a:extLst>
-          </p:cNvPr>
-          <p:cNvCxnSpPr>
-            <a:cxnSpLocks/>
-            <a:stCxn id="84" idx="2"/>
-            <a:endCxn id="260" idx="3"/>
-          </p:cNvCxnSpPr>
-          <p:nvPr/>
-        </p:nvCxnSpPr>
-        <p:spPr>
-          <a:xfrm>
-            <a:off x="2882508" y="1112424"/>
-            <a:ext cx="1586124" cy="2970496"/>
-          </a:xfrm>
-          <a:prstGeom prst="straightConnector1">
-            <a:avLst/>
-          </a:prstGeom>
-          <a:noFill/>
-          <a:ln w="12700" cap="flat" cmpd="sng" algn="ctr">
-            <a:solidFill>
-              <a:srgbClr val="C00000"/>
-            </a:solidFill>
-            <a:prstDash val="solid"/>
-            <a:round/>
-            <a:headEnd type="none" w="med" len="med"/>
-            <a:tailEnd type="none" w="med" len="med"/>
-          </a:ln>
-          <a:effectLst>
-            <a:outerShdw blurRad="50800" dist="38100" dir="2700000" algn="tl" rotWithShape="0">
-              <a:prstClr val="black">
-                <a:alpha val="40000"/>
-              </a:prstClr>
-            </a:outerShdw>
-          </a:effectLst>
-        </p:spPr>
-      </p:cxnSp>
-      <p:cxnSp>
-        <p:nvCxnSpPr>
-          <p:cNvPr id="77" name="Gerade Verbindung mit Pfeil 76">
-            <a:extLst>
-              <a:ext uri="{FF2B5EF4-FFF2-40B4-BE49-F238E27FC236}">
-                <a16:creationId xmlns:a16="http://schemas.microsoft.com/office/drawing/2014/main" id="{A5A5293F-332F-431E-911C-C4115EFCBD06}"/>
-              </a:ext>
-            </a:extLst>
-          </p:cNvPr>
-          <p:cNvCxnSpPr>
-            <a:cxnSpLocks/>
-            <a:stCxn id="84" idx="2"/>
-            <a:endCxn id="282" idx="3"/>
-          </p:cNvCxnSpPr>
-          <p:nvPr/>
-        </p:nvCxnSpPr>
-        <p:spPr>
-          <a:xfrm>
-            <a:off x="2882508" y="1112424"/>
-            <a:ext cx="3727456" cy="3227082"/>
-          </a:xfrm>
-          <a:prstGeom prst="straightConnector1">
-            <a:avLst/>
-          </a:prstGeom>
-          <a:noFill/>
-          <a:ln w="12700" cap="flat" cmpd="sng" algn="ctr">
-            <a:solidFill>
-              <a:srgbClr val="C00000"/>
-            </a:solidFill>
-            <a:prstDash val="solid"/>
-            <a:round/>
-            <a:headEnd type="none" w="med" len="med"/>
-            <a:tailEnd type="none" w="med" len="med"/>
-          </a:ln>
-          <a:effectLst>
-            <a:outerShdw blurRad="50800" dist="38100" dir="2700000" algn="tl" rotWithShape="0">
-              <a:prstClr val="black">
-                <a:alpha val="40000"/>
-              </a:prstClr>
-            </a:outerShdw>
-          </a:effectLst>
-        </p:spPr>
-      </p:cxnSp>
-      <p:cxnSp>
-        <p:nvCxnSpPr>
-          <p:cNvPr id="100" name="Gerade Verbindung mit Pfeil 99">
-            <a:extLst>
-              <a:ext uri="{FF2B5EF4-FFF2-40B4-BE49-F238E27FC236}">
-                <a16:creationId xmlns:a16="http://schemas.microsoft.com/office/drawing/2014/main" id="{D7399CD2-D18A-47C1-BDC8-C6388768C9A7}"/>
-              </a:ext>
-            </a:extLst>
-          </p:cNvPr>
-          <p:cNvCxnSpPr>
-            <a:cxnSpLocks/>
-            <a:stCxn id="84" idx="3"/>
-            <a:endCxn id="322" idx="3"/>
-          </p:cNvCxnSpPr>
-          <p:nvPr/>
-        </p:nvCxnSpPr>
-        <p:spPr>
-          <a:xfrm flipV="1">
-            <a:off x="3487822" y="704794"/>
-            <a:ext cx="3110736" cy="261436"/>
-          </a:xfrm>
-          <a:prstGeom prst="straightConnector1">
-            <a:avLst/>
-          </a:prstGeom>
-          <a:noFill/>
-          <a:ln w="12700" cap="flat" cmpd="sng" algn="ctr">
-            <a:solidFill>
-              <a:srgbClr val="C00000"/>
-            </a:solidFill>
-            <a:prstDash val="solid"/>
-            <a:round/>
-            <a:headEnd type="none" w="med" len="med"/>
-            <a:tailEnd type="none" w="med" len="med"/>
-          </a:ln>
-          <a:effectLst>
-            <a:outerShdw blurRad="50800" dist="38100" dir="2700000" algn="tl" rotWithShape="0">
-              <a:prstClr val="black">
-                <a:alpha val="40000"/>
-              </a:prstClr>
-            </a:outerShdw>
-          </a:effectLst>
-        </p:spPr>
-      </p:cxnSp>
-      <p:cxnSp>
-        <p:nvCxnSpPr>
-          <p:cNvPr id="102" name="Gerade Verbindung mit Pfeil 101">
-            <a:extLst>
-              <a:ext uri="{FF2B5EF4-FFF2-40B4-BE49-F238E27FC236}">
-                <a16:creationId xmlns:a16="http://schemas.microsoft.com/office/drawing/2014/main" id="{91971EEA-8B65-4C45-B9D5-ACE1E23E19CE}"/>
-              </a:ext>
-            </a:extLst>
-          </p:cNvPr>
-          <p:cNvCxnSpPr>
-            <a:cxnSpLocks/>
-            <a:stCxn id="84" idx="2"/>
-            <a:endCxn id="309" idx="3"/>
-          </p:cNvCxnSpPr>
-          <p:nvPr/>
-        </p:nvCxnSpPr>
-        <p:spPr>
-          <a:xfrm>
-            <a:off x="2882508" y="1112424"/>
-            <a:ext cx="5260459" cy="2662069"/>
-          </a:xfrm>
-          <a:prstGeom prst="straightConnector1">
-            <a:avLst/>
-          </a:prstGeom>
-          <a:noFill/>
-          <a:ln w="12700" cap="flat" cmpd="sng" algn="ctr">
-            <a:solidFill>
-              <a:srgbClr val="C00000"/>
-            </a:solidFill>
-            <a:prstDash val="solid"/>
-            <a:round/>
-            <a:headEnd type="none" w="med" len="med"/>
-            <a:tailEnd type="none" w="med" len="med"/>
-          </a:ln>
-          <a:effectLst>
-            <a:outerShdw blurRad="50800" dist="38100" dir="2700000" algn="tl" rotWithShape="0">
-              <a:prstClr val="black">
-                <a:alpha val="40000"/>
-              </a:prstClr>
-            </a:outerShdw>
-          </a:effectLst>
-        </p:spPr>
-      </p:cxnSp>
-      <p:cxnSp>
-        <p:nvCxnSpPr>
-          <p:cNvPr id="104" name="Gerade Verbindung mit Pfeil 103">
-            <a:extLst>
-              <a:ext uri="{FF2B5EF4-FFF2-40B4-BE49-F238E27FC236}">
-                <a16:creationId xmlns:a16="http://schemas.microsoft.com/office/drawing/2014/main" id="{0FF9BEFE-B7A9-4FF4-89BB-33781F91CA30}"/>
-              </a:ext>
-            </a:extLst>
-          </p:cNvPr>
-          <p:cNvCxnSpPr>
-            <a:cxnSpLocks/>
-            <a:stCxn id="73" idx="2"/>
-            <a:endCxn id="225" idx="3"/>
-          </p:cNvCxnSpPr>
-          <p:nvPr/>
-        </p:nvCxnSpPr>
-        <p:spPr>
-          <a:xfrm flipH="1">
-            <a:off x="2836961" y="1756257"/>
-            <a:ext cx="6161461" cy="1872782"/>
-          </a:xfrm>
-          <a:prstGeom prst="straightConnector1">
-            <a:avLst/>
-          </a:prstGeom>
-          <a:noFill/>
-          <a:ln w="38100" cap="flat" cmpd="sng" algn="ctr">
-            <a:solidFill>
-              <a:srgbClr val="C00000"/>
-            </a:solidFill>
-            <a:prstDash val="solid"/>
-            <a:round/>
-            <a:headEnd type="none" w="med" len="med"/>
-            <a:tailEnd type="none" w="med" len="med"/>
-          </a:ln>
-          <a:effectLst>
-            <a:outerShdw blurRad="50800" dist="38100" dir="2700000" algn="tl" rotWithShape="0">
-              <a:prstClr val="black">
-                <a:alpha val="40000"/>
-              </a:prstClr>
-            </a:outerShdw>
-          </a:effectLst>
-        </p:spPr>
-      </p:cxnSp>
-      <p:cxnSp>
-        <p:nvCxnSpPr>
-          <p:cNvPr id="105" name="Gerade Verbindung mit Pfeil 104">
-            <a:extLst>
-              <a:ext uri="{FF2B5EF4-FFF2-40B4-BE49-F238E27FC236}">
-                <a16:creationId xmlns:a16="http://schemas.microsoft.com/office/drawing/2014/main" id="{3BF492AF-8A8D-44A6-8FBE-387A96516719}"/>
-              </a:ext>
-            </a:extLst>
-          </p:cNvPr>
-          <p:cNvCxnSpPr>
-            <a:cxnSpLocks/>
-            <a:stCxn id="73" idx="2"/>
-            <a:endCxn id="260" idx="3"/>
-          </p:cNvCxnSpPr>
-          <p:nvPr/>
-        </p:nvCxnSpPr>
-        <p:spPr>
-          <a:xfrm flipH="1">
-            <a:off x="4468632" y="1756257"/>
-            <a:ext cx="4529790" cy="2326663"/>
-          </a:xfrm>
-          <a:prstGeom prst="straightConnector1">
-            <a:avLst/>
-          </a:prstGeom>
-          <a:noFill/>
-          <a:ln w="38100" cap="flat" cmpd="sng" algn="ctr">
-            <a:solidFill>
-              <a:srgbClr val="C00000"/>
-            </a:solidFill>
-            <a:prstDash val="solid"/>
-            <a:round/>
-            <a:headEnd type="none" w="med" len="med"/>
-            <a:tailEnd type="none" w="med" len="med"/>
-          </a:ln>
-          <a:effectLst>
-            <a:outerShdw blurRad="50800" dist="38100" dir="2700000" algn="tl" rotWithShape="0">
-              <a:prstClr val="black">
-                <a:alpha val="40000"/>
-              </a:prstClr>
-            </a:outerShdw>
-          </a:effectLst>
-        </p:spPr>
-      </p:cxnSp>
-      <p:cxnSp>
-        <p:nvCxnSpPr>
-          <p:cNvPr id="106" name="Gerade Verbindung mit Pfeil 105">
-            <a:extLst>
-              <a:ext uri="{FF2B5EF4-FFF2-40B4-BE49-F238E27FC236}">
-                <a16:creationId xmlns:a16="http://schemas.microsoft.com/office/drawing/2014/main" id="{CB17A08C-A6C5-4551-A895-034B94DF707F}"/>
-              </a:ext>
-            </a:extLst>
-          </p:cNvPr>
-          <p:cNvCxnSpPr>
-            <a:cxnSpLocks/>
-            <a:stCxn id="86" idx="2"/>
-            <a:endCxn id="308" idx="3"/>
-          </p:cNvCxnSpPr>
-          <p:nvPr/>
-        </p:nvCxnSpPr>
-        <p:spPr>
-          <a:xfrm>
-            <a:off x="2168921" y="1780060"/>
-            <a:ext cx="5795780" cy="2083858"/>
-          </a:xfrm>
-          <a:prstGeom prst="straightConnector1">
-            <a:avLst/>
-          </a:prstGeom>
-          <a:noFill/>
-          <a:ln w="25400" cap="flat" cmpd="sng" algn="ctr">
             <a:solidFill>
               <a:srgbClr val="00B050"/>
             </a:solidFill>
-            <a:prstDash val="solid"/>
-            <a:round/>
-            <a:headEnd type="none" w="med" len="med"/>
-            <a:tailEnd type="none" w="med" len="med"/>
-          </a:ln>
-          <a:effectLst>
-            <a:outerShdw blurRad="50800" dist="38100" dir="2700000" algn="tl" rotWithShape="0">
-              <a:prstClr val="black">
-                <a:alpha val="40000"/>
-              </a:prstClr>
-            </a:outerShdw>
-          </a:effectLst>
-        </p:spPr>
-      </p:cxnSp>
-      <p:cxnSp>
-        <p:nvCxnSpPr>
-          <p:cNvPr id="108" name="Gerade Verbindung mit Pfeil 107">
-            <a:extLst>
-              <a:ext uri="{FF2B5EF4-FFF2-40B4-BE49-F238E27FC236}">
-                <a16:creationId xmlns:a16="http://schemas.microsoft.com/office/drawing/2014/main" id="{89AC0BCD-9B85-417C-86DD-31F6D26CD7CA}"/>
-              </a:ext>
-            </a:extLst>
-          </p:cNvPr>
-          <p:cNvCxnSpPr>
-            <a:cxnSpLocks/>
-            <a:stCxn id="86" idx="2"/>
-            <a:endCxn id="244" idx="3"/>
-          </p:cNvCxnSpPr>
-          <p:nvPr/>
-        </p:nvCxnSpPr>
-        <p:spPr>
-          <a:xfrm>
-            <a:off x="2168921" y="1780060"/>
-            <a:ext cx="485152" cy="1844757"/>
-          </a:xfrm>
-          <a:prstGeom prst="straightConnector1">
-            <a:avLst/>
-          </a:prstGeom>
-          <a:noFill/>
-          <a:ln w="25400" cap="flat" cmpd="sng" algn="ctr">
-            <a:solidFill>
-              <a:srgbClr val="00B050"/>
-            </a:solidFill>
-            <a:prstDash val="solid"/>
-            <a:round/>
-            <a:headEnd type="none" w="med" len="med"/>
-            <a:tailEnd type="none" w="med" len="med"/>
-          </a:ln>
-          <a:effectLst>
-            <a:outerShdw blurRad="50800" dist="38100" dir="2700000" algn="tl" rotWithShape="0">
-              <a:prstClr val="black">
-                <a:alpha val="40000"/>
-              </a:prstClr>
-            </a:outerShdw>
-          </a:effectLst>
-        </p:spPr>
-      </p:cxnSp>
-      <p:cxnSp>
-        <p:nvCxnSpPr>
-          <p:cNvPr id="110" name="Gerade Verbindung mit Pfeil 109">
-            <a:extLst>
-              <a:ext uri="{FF2B5EF4-FFF2-40B4-BE49-F238E27FC236}">
-                <a16:creationId xmlns:a16="http://schemas.microsoft.com/office/drawing/2014/main" id="{55529127-6942-40C9-A355-08809DFE9E04}"/>
-              </a:ext>
-            </a:extLst>
-          </p:cNvPr>
-          <p:cNvCxnSpPr>
-            <a:cxnSpLocks/>
-            <a:stCxn id="74" idx="2"/>
-            <a:endCxn id="309" idx="3"/>
-          </p:cNvCxnSpPr>
-          <p:nvPr/>
-        </p:nvCxnSpPr>
-        <p:spPr>
-          <a:xfrm flipH="1">
-            <a:off x="8142967" y="1165304"/>
-            <a:ext cx="106138" cy="2609189"/>
-          </a:xfrm>
-          <a:prstGeom prst="straightConnector1">
-            <a:avLst/>
-          </a:prstGeom>
-          <a:noFill/>
-          <a:ln w="25400" cap="flat" cmpd="sng" algn="ctr">
-            <a:solidFill>
-              <a:srgbClr val="C00000"/>
-            </a:solidFill>
-            <a:prstDash val="solid"/>
-            <a:round/>
-            <a:headEnd type="none" w="med" len="med"/>
-            <a:tailEnd type="none" w="med" len="med"/>
-          </a:ln>
-          <a:effectLst>
-            <a:outerShdw blurRad="50800" dist="38100" dir="2700000" algn="tl" rotWithShape="0">
-              <a:prstClr val="black">
-                <a:alpha val="40000"/>
-              </a:prstClr>
-            </a:outerShdw>
-          </a:effectLst>
-        </p:spPr>
-      </p:cxnSp>
-      <p:cxnSp>
-        <p:nvCxnSpPr>
-          <p:cNvPr id="111" name="Gerade Verbindung mit Pfeil 110">
-            <a:extLst>
-              <a:ext uri="{FF2B5EF4-FFF2-40B4-BE49-F238E27FC236}">
-                <a16:creationId xmlns:a16="http://schemas.microsoft.com/office/drawing/2014/main" id="{138E88D9-2CED-46CD-97E0-FF28129C689F}"/>
-              </a:ext>
-            </a:extLst>
-          </p:cNvPr>
-          <p:cNvCxnSpPr>
-            <a:cxnSpLocks/>
-            <a:stCxn id="74" idx="2"/>
-            <a:endCxn id="282" idx="3"/>
-          </p:cNvCxnSpPr>
-          <p:nvPr/>
-        </p:nvCxnSpPr>
-        <p:spPr>
-          <a:xfrm flipH="1">
-            <a:off x="6609964" y="1165304"/>
-            <a:ext cx="1639141" cy="3174202"/>
-          </a:xfrm>
-          <a:prstGeom prst="straightConnector1">
-            <a:avLst/>
-          </a:prstGeom>
-          <a:noFill/>
-          <a:ln w="25400" cap="flat" cmpd="sng" algn="ctr">
-            <a:solidFill>
-              <a:srgbClr val="C00000"/>
-            </a:solidFill>
-            <a:prstDash val="solid"/>
-            <a:round/>
-            <a:headEnd type="none" w="med" len="med"/>
-            <a:tailEnd type="none" w="med" len="med"/>
-          </a:ln>
-          <a:effectLst>
-            <a:outerShdw blurRad="50800" dist="38100" dir="2700000" algn="tl" rotWithShape="0">
-              <a:prstClr val="black">
-                <a:alpha val="40000"/>
-              </a:prstClr>
-            </a:outerShdw>
-          </a:effectLst>
-        </p:spPr>
-      </p:cxnSp>
-      <p:cxnSp>
-        <p:nvCxnSpPr>
-          <p:cNvPr id="112" name="Gerade Verbindung mit Pfeil 111">
-            <a:extLst>
-              <a:ext uri="{FF2B5EF4-FFF2-40B4-BE49-F238E27FC236}">
-                <a16:creationId xmlns:a16="http://schemas.microsoft.com/office/drawing/2014/main" id="{D0917519-090A-4A49-ABD9-982827D3038F}"/>
-              </a:ext>
-            </a:extLst>
-          </p:cNvPr>
-          <p:cNvCxnSpPr>
-            <a:cxnSpLocks/>
-            <a:stCxn id="74" idx="2"/>
-            <a:endCxn id="225" idx="3"/>
-          </p:cNvCxnSpPr>
-          <p:nvPr/>
-        </p:nvCxnSpPr>
-        <p:spPr>
-          <a:xfrm flipH="1">
-            <a:off x="2836961" y="1165304"/>
-            <a:ext cx="5412144" cy="2463735"/>
-          </a:xfrm>
-          <a:prstGeom prst="straightConnector1">
-            <a:avLst/>
-          </a:prstGeom>
-          <a:noFill/>
-          <a:ln w="25400" cap="flat" cmpd="sng" algn="ctr">
-            <a:solidFill>
-              <a:srgbClr val="C00000"/>
-            </a:solidFill>
-            <a:prstDash val="solid"/>
-            <a:round/>
-            <a:headEnd type="none" w="med" len="med"/>
-            <a:tailEnd type="none" w="med" len="med"/>
-          </a:ln>
-          <a:effectLst>
-            <a:outerShdw blurRad="50800" dist="38100" dir="2700000" algn="tl" rotWithShape="0">
-              <a:prstClr val="black">
-                <a:alpha val="40000"/>
-              </a:prstClr>
-            </a:outerShdw>
-          </a:effectLst>
-        </p:spPr>
-      </p:cxnSp>
-      <p:cxnSp>
-        <p:nvCxnSpPr>
-          <p:cNvPr id="113" name="Gerade Verbindung mit Pfeil 112">
-            <a:extLst>
-              <a:ext uri="{FF2B5EF4-FFF2-40B4-BE49-F238E27FC236}">
-                <a16:creationId xmlns:a16="http://schemas.microsoft.com/office/drawing/2014/main" id="{32D0B869-9E2D-4B01-A4F3-24B94DFA52D1}"/>
-              </a:ext>
-            </a:extLst>
-          </p:cNvPr>
-          <p:cNvCxnSpPr>
-            <a:cxnSpLocks/>
-            <a:stCxn id="74" idx="2"/>
-            <a:endCxn id="260" idx="3"/>
-          </p:cNvCxnSpPr>
-          <p:nvPr/>
-        </p:nvCxnSpPr>
-        <p:spPr>
-          <a:xfrm flipH="1">
-            <a:off x="4468632" y="1165304"/>
-            <a:ext cx="3780473" cy="2917616"/>
-          </a:xfrm>
-          <a:prstGeom prst="straightConnector1">
-            <a:avLst/>
-          </a:prstGeom>
-          <a:noFill/>
-          <a:ln w="25400" cap="flat" cmpd="sng" algn="ctr">
-            <a:solidFill>
-              <a:srgbClr val="C00000"/>
-            </a:solidFill>
-            <a:prstDash val="solid"/>
-            <a:round/>
-            <a:headEnd type="none" w="med" len="med"/>
-            <a:tailEnd type="none" w="med" len="med"/>
-          </a:ln>
-          <a:effectLst>
-            <a:outerShdw blurRad="50800" dist="38100" dir="2700000" algn="tl" rotWithShape="0">
-              <a:prstClr val="black">
-                <a:alpha val="40000"/>
-              </a:prstClr>
-            </a:outerShdw>
-          </a:effectLst>
-        </p:spPr>
-      </p:cxnSp>
-      <p:cxnSp>
-        <p:nvCxnSpPr>
-          <p:cNvPr id="114" name="Gerade Verbindung mit Pfeil 113">
-            <a:extLst>
-              <a:ext uri="{FF2B5EF4-FFF2-40B4-BE49-F238E27FC236}">
-                <a16:creationId xmlns:a16="http://schemas.microsoft.com/office/drawing/2014/main" id="{5949F482-CAF7-4C74-A520-8A1DD01E791D}"/>
-              </a:ext>
-            </a:extLst>
-          </p:cNvPr>
-          <p:cNvCxnSpPr>
-            <a:cxnSpLocks/>
-            <a:stCxn id="98" idx="2"/>
-            <a:endCxn id="282" idx="3"/>
-          </p:cNvCxnSpPr>
-          <p:nvPr/>
-        </p:nvCxnSpPr>
-        <p:spPr>
-          <a:xfrm>
-            <a:off x="4089016" y="636873"/>
-            <a:ext cx="2520948" cy="3702633"/>
-          </a:xfrm>
-          <a:prstGeom prst="straightConnector1">
-            <a:avLst/>
-          </a:prstGeom>
-          <a:noFill/>
-          <a:ln w="25400" cap="flat" cmpd="sng" algn="ctr">
-            <a:solidFill>
-              <a:srgbClr val="C00000"/>
-            </a:solidFill>
-            <a:prstDash val="solid"/>
-            <a:round/>
-            <a:headEnd type="none" w="med" len="med"/>
-            <a:tailEnd type="none" w="med" len="med"/>
-          </a:ln>
-          <a:effectLst>
-            <a:outerShdw blurRad="50800" dist="38100" dir="2700000" algn="tl" rotWithShape="0">
-              <a:prstClr val="black">
-                <a:alpha val="40000"/>
-              </a:prstClr>
-            </a:outerShdw>
-          </a:effectLst>
-        </p:spPr>
-      </p:cxnSp>
-      <p:cxnSp>
-        <p:nvCxnSpPr>
-          <p:cNvPr id="115" name="Gerade Verbindung mit Pfeil 114">
-            <a:extLst>
-              <a:ext uri="{FF2B5EF4-FFF2-40B4-BE49-F238E27FC236}">
-                <a16:creationId xmlns:a16="http://schemas.microsoft.com/office/drawing/2014/main" id="{1A453BAF-E106-43B5-B88F-9CDC6F413FDF}"/>
-              </a:ext>
-            </a:extLst>
-          </p:cNvPr>
-          <p:cNvCxnSpPr>
-            <a:cxnSpLocks/>
-            <a:stCxn id="98" idx="2"/>
-            <a:endCxn id="225" idx="3"/>
-          </p:cNvCxnSpPr>
-          <p:nvPr/>
-        </p:nvCxnSpPr>
-        <p:spPr>
-          <a:xfrm flipH="1">
-            <a:off x="2836961" y="636873"/>
-            <a:ext cx="1252055" cy="2992166"/>
-          </a:xfrm>
-          <a:prstGeom prst="straightConnector1">
-            <a:avLst/>
-          </a:prstGeom>
-          <a:noFill/>
-          <a:ln w="25400" cap="flat" cmpd="sng" algn="ctr">
-            <a:solidFill>
-              <a:srgbClr val="C00000"/>
-            </a:solidFill>
-            <a:prstDash val="solid"/>
-            <a:round/>
-            <a:headEnd type="none" w="med" len="med"/>
-            <a:tailEnd type="none" w="med" len="med"/>
-          </a:ln>
-          <a:effectLst>
-            <a:outerShdw blurRad="50800" dist="38100" dir="2700000" algn="tl" rotWithShape="0">
-              <a:prstClr val="black">
-                <a:alpha val="40000"/>
-              </a:prstClr>
-            </a:outerShdw>
-          </a:effectLst>
-        </p:spPr>
-      </p:cxnSp>
-      <p:cxnSp>
-        <p:nvCxnSpPr>
-          <p:cNvPr id="117" name="Gerade Verbindung mit Pfeil 116">
-            <a:extLst>
-              <a:ext uri="{FF2B5EF4-FFF2-40B4-BE49-F238E27FC236}">
-                <a16:creationId xmlns:a16="http://schemas.microsoft.com/office/drawing/2014/main" id="{9D2E5A2F-7F8C-401C-9C6A-2AF1D20AB953}"/>
-              </a:ext>
-            </a:extLst>
-          </p:cNvPr>
-          <p:cNvCxnSpPr>
-            <a:cxnSpLocks/>
-            <a:stCxn id="91" idx="2"/>
-            <a:endCxn id="225" idx="3"/>
-          </p:cNvCxnSpPr>
-          <p:nvPr/>
-        </p:nvCxnSpPr>
-        <p:spPr>
-          <a:xfrm flipH="1">
-            <a:off x="2836961" y="2702438"/>
-            <a:ext cx="6407069" cy="926601"/>
-          </a:xfrm>
-          <a:prstGeom prst="straightConnector1">
-            <a:avLst/>
-          </a:prstGeom>
-          <a:noFill/>
-          <a:ln w="38100" cap="flat" cmpd="sng" algn="ctr">
-            <a:solidFill>
-              <a:srgbClr val="C00000"/>
-            </a:solidFill>
-            <a:prstDash val="solid"/>
-            <a:round/>
-            <a:headEnd type="none" w="med" len="med"/>
-            <a:tailEnd type="none" w="med" len="med"/>
-          </a:ln>
-          <a:effectLst>
-            <a:outerShdw blurRad="50800" dist="38100" dir="2700000" algn="tl" rotWithShape="0">
-              <a:prstClr val="black">
-                <a:alpha val="40000"/>
-              </a:prstClr>
-            </a:outerShdw>
-          </a:effectLst>
-        </p:spPr>
-      </p:cxnSp>
-      <p:cxnSp>
-        <p:nvCxnSpPr>
-          <p:cNvPr id="123" name="Gerade Verbindung mit Pfeil 122">
-            <a:extLst>
-              <a:ext uri="{FF2B5EF4-FFF2-40B4-BE49-F238E27FC236}">
-                <a16:creationId xmlns:a16="http://schemas.microsoft.com/office/drawing/2014/main" id="{5609D8E7-860C-4D02-ADB3-0D0025BEB6DD}"/>
-              </a:ext>
-            </a:extLst>
-          </p:cNvPr>
-          <p:cNvCxnSpPr>
-            <a:cxnSpLocks/>
-            <a:stCxn id="91" idx="2"/>
-            <a:endCxn id="260" idx="3"/>
-          </p:cNvCxnSpPr>
-          <p:nvPr/>
-        </p:nvCxnSpPr>
-        <p:spPr>
-          <a:xfrm flipH="1">
-            <a:off x="4468632" y="2702438"/>
-            <a:ext cx="4775398" cy="1380482"/>
-          </a:xfrm>
-          <a:prstGeom prst="straightConnector1">
-            <a:avLst/>
-          </a:prstGeom>
-          <a:noFill/>
-          <a:ln w="38100" cap="flat" cmpd="sng" algn="ctr">
-            <a:solidFill>
-              <a:srgbClr val="C00000"/>
-            </a:solidFill>
-            <a:prstDash val="solid"/>
-            <a:round/>
-            <a:headEnd type="none" w="med" len="med"/>
-            <a:tailEnd type="none" w="med" len="med"/>
-          </a:ln>
-          <a:effectLst>
-            <a:outerShdw blurRad="50800" dist="38100" dir="2700000" algn="tl" rotWithShape="0">
-              <a:prstClr val="black">
-                <a:alpha val="40000"/>
-              </a:prstClr>
-            </a:outerShdw>
-          </a:effectLst>
-        </p:spPr>
-      </p:cxnSp>
-      <p:cxnSp>
-        <p:nvCxnSpPr>
-          <p:cNvPr id="126" name="Gerade Verbindung mit Pfeil 125">
-            <a:extLst>
-              <a:ext uri="{FF2B5EF4-FFF2-40B4-BE49-F238E27FC236}">
-                <a16:creationId xmlns:a16="http://schemas.microsoft.com/office/drawing/2014/main" id="{A733F265-FE25-455E-A068-A8BC6849120E}"/>
-              </a:ext>
-            </a:extLst>
-          </p:cNvPr>
-          <p:cNvCxnSpPr>
-            <a:cxnSpLocks/>
-            <a:stCxn id="91" idx="2"/>
-            <a:endCxn id="282" idx="3"/>
-          </p:cNvCxnSpPr>
-          <p:nvPr/>
-        </p:nvCxnSpPr>
-        <p:spPr>
-          <a:xfrm flipH="1">
-            <a:off x="6609964" y="2702438"/>
-            <a:ext cx="2634066" cy="1637068"/>
-          </a:xfrm>
-          <a:prstGeom prst="straightConnector1">
-            <a:avLst/>
-          </a:prstGeom>
-          <a:noFill/>
-          <a:ln w="38100" cap="flat" cmpd="sng" algn="ctr">
-            <a:solidFill>
-              <a:srgbClr val="C00000"/>
-            </a:solidFill>
-            <a:prstDash val="solid"/>
-            <a:round/>
-            <a:headEnd type="none" w="med" len="med"/>
-            <a:tailEnd type="none" w="med" len="med"/>
-          </a:ln>
-          <a:effectLst>
-            <a:outerShdw blurRad="50800" dist="38100" dir="2700000" algn="tl" rotWithShape="0">
-              <a:prstClr val="black">
-                <a:alpha val="40000"/>
-              </a:prstClr>
-            </a:outerShdw>
-          </a:effectLst>
-        </p:spPr>
-      </p:cxnSp>
-      <p:cxnSp>
-        <p:nvCxnSpPr>
-          <p:cNvPr id="133" name="Gerade Verbindung mit Pfeil 132">
-            <a:extLst>
-              <a:ext uri="{FF2B5EF4-FFF2-40B4-BE49-F238E27FC236}">
-                <a16:creationId xmlns:a16="http://schemas.microsoft.com/office/drawing/2014/main" id="{D3F66049-C9FD-4768-9ED6-300B21567E45}"/>
-              </a:ext>
-            </a:extLst>
-          </p:cNvPr>
-          <p:cNvCxnSpPr>
-            <a:cxnSpLocks/>
-            <a:stCxn id="82" idx="2"/>
-            <a:endCxn id="308" idx="3"/>
-          </p:cNvCxnSpPr>
-          <p:nvPr/>
-        </p:nvCxnSpPr>
-        <p:spPr>
-          <a:xfrm>
-            <a:off x="1600786" y="2659155"/>
-            <a:ext cx="6363915" cy="1204763"/>
-          </a:xfrm>
-          <a:prstGeom prst="straightConnector1">
-            <a:avLst/>
-          </a:prstGeom>
-          <a:noFill/>
-          <a:ln w="38100" cap="flat" cmpd="sng" algn="ctr">
-            <a:solidFill>
-              <a:srgbClr val="00B050"/>
-            </a:solidFill>
-            <a:prstDash val="solid"/>
-            <a:round/>
-            <a:headEnd type="none" w="med" len="med"/>
-            <a:tailEnd type="none" w="med" len="med"/>
-          </a:ln>
-          <a:effectLst>
-            <a:outerShdw blurRad="50800" dist="38100" dir="2700000" algn="tl" rotWithShape="0">
-              <a:prstClr val="black">
-                <a:alpha val="40000"/>
-              </a:prstClr>
-            </a:outerShdw>
-          </a:effectLst>
-        </p:spPr>
-      </p:cxnSp>
-      <p:cxnSp>
-        <p:nvCxnSpPr>
-          <p:cNvPr id="140" name="Gerade Verbindung mit Pfeil 139">
-            <a:extLst>
-              <a:ext uri="{FF2B5EF4-FFF2-40B4-BE49-F238E27FC236}">
-                <a16:creationId xmlns:a16="http://schemas.microsoft.com/office/drawing/2014/main" id="{8A96EBF3-887E-4E23-BC0F-246AEE2D44B3}"/>
-              </a:ext>
-            </a:extLst>
-          </p:cNvPr>
-          <p:cNvCxnSpPr>
-            <a:cxnSpLocks/>
-            <a:stCxn id="82" idx="2"/>
-            <a:endCxn id="277" idx="3"/>
-          </p:cNvCxnSpPr>
-          <p:nvPr/>
-        </p:nvCxnSpPr>
-        <p:spPr>
-          <a:xfrm>
-            <a:off x="1600786" y="2659155"/>
-            <a:ext cx="4767465" cy="1745856"/>
-          </a:xfrm>
-          <a:prstGeom prst="straightConnector1">
-            <a:avLst/>
-          </a:prstGeom>
-          <a:noFill/>
-          <a:ln w="38100" cap="flat" cmpd="sng" algn="ctr">
-            <a:solidFill>
-              <a:srgbClr val="00B050"/>
-            </a:solidFill>
-            <a:prstDash val="solid"/>
-            <a:round/>
-            <a:headEnd type="none" w="med" len="med"/>
-            <a:tailEnd type="none" w="med" len="med"/>
-          </a:ln>
-          <a:effectLst>
-            <a:outerShdw blurRad="50800" dist="38100" dir="2700000" algn="tl" rotWithShape="0">
-              <a:prstClr val="black">
-                <a:alpha val="40000"/>
-              </a:prstClr>
-            </a:outerShdw>
-          </a:effectLst>
-        </p:spPr>
-      </p:cxnSp>
-      <p:cxnSp>
-        <p:nvCxnSpPr>
-          <p:cNvPr id="143" name="Gerade Verbindung mit Pfeil 142">
-            <a:extLst>
-              <a:ext uri="{FF2B5EF4-FFF2-40B4-BE49-F238E27FC236}">
-                <a16:creationId xmlns:a16="http://schemas.microsoft.com/office/drawing/2014/main" id="{BA060CCB-E7DC-4D18-9D56-E48AC35FC14C}"/>
-              </a:ext>
-            </a:extLst>
-          </p:cNvPr>
-          <p:cNvCxnSpPr>
-            <a:cxnSpLocks/>
-            <a:stCxn id="82" idx="2"/>
-            <a:endCxn id="244" idx="3"/>
-          </p:cNvCxnSpPr>
-          <p:nvPr/>
-        </p:nvCxnSpPr>
-        <p:spPr>
-          <a:xfrm>
-            <a:off x="1600786" y="2659155"/>
-            <a:ext cx="1053287" cy="965662"/>
-          </a:xfrm>
-          <a:prstGeom prst="straightConnector1">
-            <a:avLst/>
-          </a:prstGeom>
-          <a:noFill/>
-          <a:ln w="38100" cap="flat" cmpd="sng" algn="ctr">
-            <a:solidFill>
-              <a:srgbClr val="00B050"/>
-            </a:solidFill>
-            <a:prstDash val="solid"/>
-            <a:round/>
-            <a:headEnd type="none" w="med" len="med"/>
-            <a:tailEnd type="none" w="med" len="med"/>
-          </a:ln>
-          <a:effectLst>
-            <a:outerShdw blurRad="50800" dist="38100" dir="2700000" algn="tl" rotWithShape="0">
-              <a:prstClr val="black">
-                <a:alpha val="40000"/>
-              </a:prstClr>
-            </a:outerShdw>
-          </a:effectLst>
-        </p:spPr>
-      </p:cxnSp>
-      <p:cxnSp>
-        <p:nvCxnSpPr>
-          <p:cNvPr id="146" name="Gerade Verbindung mit Pfeil 145">
-            <a:extLst>
-              <a:ext uri="{FF2B5EF4-FFF2-40B4-BE49-F238E27FC236}">
-                <a16:creationId xmlns:a16="http://schemas.microsoft.com/office/drawing/2014/main" id="{C6ABEC47-3159-4869-A8A9-3CA11764A86F}"/>
-              </a:ext>
-            </a:extLst>
-          </p:cNvPr>
-          <p:cNvCxnSpPr>
-            <a:cxnSpLocks/>
-            <a:stCxn id="82" idx="2"/>
-            <a:endCxn id="253" idx="3"/>
-          </p:cNvCxnSpPr>
-          <p:nvPr/>
-        </p:nvCxnSpPr>
-        <p:spPr>
-          <a:xfrm>
-            <a:off x="1600786" y="2659155"/>
-            <a:ext cx="2565749" cy="1451736"/>
-          </a:xfrm>
-          <a:prstGeom prst="straightConnector1">
-            <a:avLst/>
-          </a:prstGeom>
-          <a:noFill/>
-          <a:ln w="38100" cap="flat" cmpd="sng" algn="ctr">
-            <a:solidFill>
-              <a:srgbClr val="00B050"/>
-            </a:solidFill>
-            <a:prstDash val="solid"/>
-            <a:round/>
-            <a:headEnd type="none" w="med" len="med"/>
-            <a:tailEnd type="none" w="med" len="med"/>
-          </a:ln>
-          <a:effectLst>
-            <a:outerShdw blurRad="50800" dist="38100" dir="2700000" algn="tl" rotWithShape="0">
-              <a:prstClr val="black">
-                <a:alpha val="40000"/>
-              </a:prstClr>
-            </a:outerShdw>
-          </a:effectLst>
-        </p:spPr>
-      </p:cxnSp>
-      <p:cxnSp>
-        <p:nvCxnSpPr>
-          <p:cNvPr id="149" name="Gerade Verbindung mit Pfeil 148">
-            <a:extLst>
-              <a:ext uri="{FF2B5EF4-FFF2-40B4-BE49-F238E27FC236}">
-                <a16:creationId xmlns:a16="http://schemas.microsoft.com/office/drawing/2014/main" id="{DDE87805-09A5-4843-BA6D-48B3ED16FC1F}"/>
-              </a:ext>
-            </a:extLst>
-          </p:cNvPr>
-          <p:cNvCxnSpPr>
-            <a:cxnSpLocks/>
-            <a:stCxn id="96" idx="2"/>
-            <a:endCxn id="225" idx="3"/>
-          </p:cNvCxnSpPr>
-          <p:nvPr/>
-        </p:nvCxnSpPr>
-        <p:spPr>
-          <a:xfrm flipH="1">
-            <a:off x="2836961" y="794968"/>
-            <a:ext cx="4338529" cy="2834071"/>
-          </a:xfrm>
-          <a:prstGeom prst="straightConnector1">
-            <a:avLst/>
-          </a:prstGeom>
-          <a:noFill/>
-          <a:ln w="25400" cap="flat" cmpd="sng" algn="ctr">
-            <a:solidFill>
-              <a:srgbClr val="C00000"/>
-            </a:solidFill>
-            <a:prstDash val="solid"/>
-            <a:round/>
-            <a:headEnd type="none" w="med" len="med"/>
-            <a:tailEnd type="none" w="med" len="med"/>
-          </a:ln>
-          <a:effectLst>
-            <a:outerShdw blurRad="50800" dist="38100" dir="2700000" algn="tl" rotWithShape="0">
-              <a:prstClr val="black">
-                <a:alpha val="40000"/>
-              </a:prstClr>
-            </a:outerShdw>
-          </a:effectLst>
-        </p:spPr>
-      </p:cxnSp>
-      <p:cxnSp>
-        <p:nvCxnSpPr>
-          <p:cNvPr id="152" name="Gerade Verbindung mit Pfeil 151">
-            <a:extLst>
-              <a:ext uri="{FF2B5EF4-FFF2-40B4-BE49-F238E27FC236}">
-                <a16:creationId xmlns:a16="http://schemas.microsoft.com/office/drawing/2014/main" id="{105CBEA4-7FE5-462C-B2BD-91B1EB886460}"/>
-              </a:ext>
-            </a:extLst>
-          </p:cNvPr>
-          <p:cNvCxnSpPr>
-            <a:cxnSpLocks/>
-            <a:stCxn id="82" idx="3"/>
-          </p:cNvCxnSpPr>
-          <p:nvPr/>
-        </p:nvCxnSpPr>
-        <p:spPr>
-          <a:xfrm flipV="1">
-            <a:off x="2193023" y="818747"/>
-            <a:ext cx="4550129" cy="1694214"/>
-          </a:xfrm>
-          <a:prstGeom prst="straightConnector1">
-            <a:avLst/>
-          </a:prstGeom>
-          <a:noFill/>
-          <a:ln w="38100" cap="flat" cmpd="sng" algn="ctr">
-            <a:solidFill>
-              <a:srgbClr val="00B050"/>
-            </a:solidFill>
-            <a:prstDash val="solid"/>
-            <a:round/>
-            <a:headEnd type="none" w="med" len="med"/>
-            <a:tailEnd type="none" w="med" len="med"/>
-          </a:ln>
-          <a:effectLst>
-            <a:outerShdw blurRad="50800" dist="38100" dir="2700000" algn="tl" rotWithShape="0">
-              <a:prstClr val="black">
-                <a:alpha val="40000"/>
-              </a:prstClr>
-            </a:outerShdw>
-          </a:effectLst>
-        </p:spPr>
-      </p:cxnSp>
-      <p:sp>
-        <p:nvSpPr>
-          <p:cNvPr id="225" name="Gleichschenkliges Dreieck 224">
-            <a:extLst>
-              <a:ext uri="{FF2B5EF4-FFF2-40B4-BE49-F238E27FC236}">
-                <a16:creationId xmlns:a16="http://schemas.microsoft.com/office/drawing/2014/main" id="{158BD913-E196-4523-91A6-0074CF2173D6}"/>
-              </a:ext>
-            </a:extLst>
-          </p:cNvPr>
-          <p:cNvSpPr/>
-          <p:nvPr/>
-        </p:nvSpPr>
-        <p:spPr>
-          <a:xfrm rot="13268434">
-            <a:off x="2747434" y="3615706"/>
-            <a:ext cx="108000" cy="108000"/>
-          </a:xfrm>
-          <a:prstGeom prst="triangle">
-            <a:avLst/>
-          </a:prstGeom>
-          <a:solidFill>
-            <a:srgbClr val="C00000"/>
-          </a:solidFill>
-          <a:ln>
-            <a:noFill/>
-          </a:ln>
-          <a:effectLst>
-            <a:outerShdw blurRad="50800" dist="38100" dir="2700000" algn="tl" rotWithShape="0">
-              <a:prstClr val="black">
-                <a:alpha val="40000"/>
-              </a:prstClr>
-            </a:outerShdw>
-          </a:effectLst>
-        </p:spPr>
-        <p:style>
-          <a:lnRef idx="2">
-            <a:schemeClr val="accent1">
-              <a:shade val="50000"/>
-            </a:schemeClr>
-          </a:lnRef>
-          <a:fillRef idx="1">
-            <a:schemeClr val="accent1"/>
-          </a:fillRef>
-          <a:effectRef idx="0">
-            <a:schemeClr val="accent1"/>
-          </a:effectRef>
-          <a:fontRef idx="minor">
-            <a:schemeClr val="lt1"/>
-          </a:fontRef>
-        </p:style>
-        <p:txBody>
-          <a:bodyPr rtlCol="0" anchor="ctr"/>
-          <a:lstStyle/>
-          <a:p>
-            <a:pPr algn="ctr"/>
-            <a:endParaRPr lang="en-US"/>
-          </a:p>
-        </p:txBody>
-      </p:sp>
-      <p:sp>
-        <p:nvSpPr>
-          <p:cNvPr id="244" name="Gleichschenkliges Dreieck 243">
-            <a:extLst>
-              <a:ext uri="{FF2B5EF4-FFF2-40B4-BE49-F238E27FC236}">
-                <a16:creationId xmlns:a16="http://schemas.microsoft.com/office/drawing/2014/main" id="{F387589C-E349-4DAC-8146-D780AB632BC4}"/>
-              </a:ext>
-            </a:extLst>
-          </p:cNvPr>
-          <p:cNvSpPr/>
-          <p:nvPr/>
-        </p:nvSpPr>
-        <p:spPr>
-          <a:xfrm rot="8773857">
-            <a:off x="2630089" y="3615706"/>
-            <a:ext cx="108000" cy="108000"/>
-          </a:xfrm>
-          <a:prstGeom prst="triangle">
-            <a:avLst/>
-          </a:prstGeom>
-          <a:solidFill>
-            <a:srgbClr val="00B050"/>
-          </a:solidFill>
-          <a:ln>
-            <a:noFill/>
-          </a:ln>
-          <a:effectLst>
-            <a:outerShdw blurRad="50800" dist="38100" dir="2700000" algn="tl" rotWithShape="0">
-              <a:prstClr val="black">
-                <a:alpha val="40000"/>
-              </a:prstClr>
-            </a:outerShdw>
-          </a:effectLst>
-        </p:spPr>
-        <p:style>
-          <a:lnRef idx="2">
-            <a:schemeClr val="accent1">
-              <a:shade val="50000"/>
-            </a:schemeClr>
-          </a:lnRef>
-          <a:fillRef idx="1">
-            <a:schemeClr val="accent1"/>
-          </a:fillRef>
-          <a:effectRef idx="0">
-            <a:schemeClr val="accent1"/>
-          </a:effectRef>
-          <a:fontRef idx="minor">
-            <a:schemeClr val="lt1"/>
-          </a:fontRef>
-        </p:style>
-        <p:txBody>
-          <a:bodyPr rtlCol="0" anchor="ctr"/>
-          <a:lstStyle/>
-          <a:p>
-            <a:pPr algn="ctr"/>
-            <a:endParaRPr lang="en-US"/>
-          </a:p>
-        </p:txBody>
-      </p:sp>
-      <p:sp>
-        <p:nvSpPr>
-          <p:cNvPr id="253" name="Gleichschenkliges Dreieck 252">
-            <a:extLst>
-              <a:ext uri="{FF2B5EF4-FFF2-40B4-BE49-F238E27FC236}">
-                <a16:creationId xmlns:a16="http://schemas.microsoft.com/office/drawing/2014/main" id="{DEAC0FB0-2A94-4D67-88DF-E76E683F63A8}"/>
-              </a:ext>
-            </a:extLst>
-          </p:cNvPr>
-          <p:cNvSpPr/>
-          <p:nvPr/>
-        </p:nvSpPr>
-        <p:spPr>
-          <a:xfrm rot="7070402">
-            <a:off x="4160285" y="4082109"/>
-            <a:ext cx="108000" cy="108000"/>
-          </a:xfrm>
-          <a:prstGeom prst="triangle">
-            <a:avLst/>
-          </a:prstGeom>
-          <a:solidFill>
-            <a:srgbClr val="00B050"/>
-          </a:solidFill>
-          <a:ln>
-            <a:noFill/>
-          </a:ln>
-          <a:effectLst>
-            <a:outerShdw blurRad="50800" dist="38100" dir="2700000" algn="tl" rotWithShape="0">
-              <a:prstClr val="black">
-                <a:alpha val="40000"/>
-              </a:prstClr>
-            </a:outerShdw>
-          </a:effectLst>
-        </p:spPr>
-        <p:style>
-          <a:lnRef idx="2">
-            <a:schemeClr val="accent1">
-              <a:shade val="50000"/>
-            </a:schemeClr>
-          </a:lnRef>
-          <a:fillRef idx="1">
-            <a:schemeClr val="accent1"/>
-          </a:fillRef>
-          <a:effectRef idx="0">
-            <a:schemeClr val="accent1"/>
-          </a:effectRef>
-          <a:fontRef idx="minor">
-            <a:schemeClr val="lt1"/>
-          </a:fontRef>
-        </p:style>
-        <p:txBody>
-          <a:bodyPr rtlCol="0" anchor="ctr"/>
-          <a:lstStyle/>
-          <a:p>
-            <a:pPr algn="ctr"/>
-            <a:endParaRPr lang="en-US"/>
-          </a:p>
-        </p:txBody>
-      </p:sp>
-      <p:sp>
-        <p:nvSpPr>
-          <p:cNvPr id="260" name="Gleichschenkliges Dreieck 259">
-            <a:extLst>
-              <a:ext uri="{FF2B5EF4-FFF2-40B4-BE49-F238E27FC236}">
-                <a16:creationId xmlns:a16="http://schemas.microsoft.com/office/drawing/2014/main" id="{0F5C47FB-1C81-489E-9A26-8F037CFDCBA0}"/>
-              </a:ext>
-            </a:extLst>
-          </p:cNvPr>
-          <p:cNvSpPr/>
-          <p:nvPr/>
-        </p:nvSpPr>
-        <p:spPr>
-          <a:xfrm rot="12594733">
-            <a:off x="4387704" y="4075727"/>
-            <a:ext cx="108000" cy="108000"/>
-          </a:xfrm>
-          <a:prstGeom prst="triangle">
-            <a:avLst/>
-          </a:prstGeom>
-          <a:solidFill>
-            <a:srgbClr val="C00000"/>
-          </a:solidFill>
-          <a:ln>
-            <a:noFill/>
-          </a:ln>
-          <a:effectLst>
-            <a:outerShdw blurRad="50800" dist="38100" dir="2700000" algn="tl" rotWithShape="0">
-              <a:prstClr val="black">
-                <a:alpha val="40000"/>
-              </a:prstClr>
-            </a:outerShdw>
-          </a:effectLst>
-        </p:spPr>
-        <p:style>
-          <a:lnRef idx="2">
-            <a:schemeClr val="accent1">
-              <a:shade val="50000"/>
-            </a:schemeClr>
-          </a:lnRef>
-          <a:fillRef idx="1">
-            <a:schemeClr val="accent1"/>
-          </a:fillRef>
-          <a:effectRef idx="0">
-            <a:schemeClr val="accent1"/>
-          </a:effectRef>
-          <a:fontRef idx="minor">
-            <a:schemeClr val="lt1"/>
-          </a:fontRef>
-        </p:style>
-        <p:txBody>
-          <a:bodyPr rtlCol="0" anchor="ctr"/>
-          <a:lstStyle/>
-          <a:p>
-            <a:pPr algn="ctr"/>
-            <a:endParaRPr lang="en-US"/>
-          </a:p>
-        </p:txBody>
-      </p:sp>
-      <p:sp>
-        <p:nvSpPr>
-          <p:cNvPr id="277" name="Gleichschenkliges Dreieck 276">
-            <a:extLst>
-              <a:ext uri="{FF2B5EF4-FFF2-40B4-BE49-F238E27FC236}">
-                <a16:creationId xmlns:a16="http://schemas.microsoft.com/office/drawing/2014/main" id="{86EEBB6A-E241-42CE-AC13-98EBAF3ABA44}"/>
-              </a:ext>
-            </a:extLst>
-          </p:cNvPr>
-          <p:cNvSpPr/>
-          <p:nvPr/>
-        </p:nvSpPr>
-        <p:spPr>
-          <a:xfrm rot="6379525">
-            <a:off x="6366074" y="4366190"/>
-            <a:ext cx="108000" cy="108000"/>
-          </a:xfrm>
-          <a:prstGeom prst="triangle">
-            <a:avLst/>
-          </a:prstGeom>
-          <a:solidFill>
-            <a:srgbClr val="00B050"/>
-          </a:solidFill>
-          <a:ln>
-            <a:noFill/>
-          </a:ln>
-          <a:effectLst>
-            <a:outerShdw blurRad="50800" dist="38100" dir="2700000" algn="tl" rotWithShape="0">
-              <a:prstClr val="black">
-                <a:alpha val="40000"/>
-              </a:prstClr>
-            </a:outerShdw>
-          </a:effectLst>
-        </p:spPr>
-        <p:style>
-          <a:lnRef idx="2">
-            <a:schemeClr val="accent1">
-              <a:shade val="50000"/>
-            </a:schemeClr>
-          </a:lnRef>
-          <a:fillRef idx="1">
-            <a:schemeClr val="accent1"/>
-          </a:fillRef>
-          <a:effectRef idx="0">
-            <a:schemeClr val="accent1"/>
-          </a:effectRef>
-          <a:fontRef idx="minor">
-            <a:schemeClr val="lt1"/>
-          </a:fontRef>
-        </p:style>
-        <p:txBody>
-          <a:bodyPr rtlCol="0" anchor="ctr"/>
-          <a:lstStyle/>
-          <a:p>
-            <a:pPr algn="ctr"/>
-            <a:endParaRPr lang="en-US"/>
-          </a:p>
-        </p:txBody>
-      </p:sp>
-      <p:sp>
-        <p:nvSpPr>
-          <p:cNvPr id="282" name="Gleichschenkliges Dreieck 281">
-            <a:extLst>
-              <a:ext uri="{FF2B5EF4-FFF2-40B4-BE49-F238E27FC236}">
-                <a16:creationId xmlns:a16="http://schemas.microsoft.com/office/drawing/2014/main" id="{AA9C8588-459E-4598-AEC4-94F680347174}"/>
-              </a:ext>
-            </a:extLst>
-          </p:cNvPr>
-          <p:cNvSpPr/>
-          <p:nvPr/>
-        </p:nvSpPr>
-        <p:spPr>
-          <a:xfrm rot="10774011">
-            <a:off x="6556372" y="4339504"/>
-            <a:ext cx="108000" cy="108000"/>
-          </a:xfrm>
-          <a:prstGeom prst="triangle">
-            <a:avLst/>
-          </a:prstGeom>
-          <a:solidFill>
-            <a:srgbClr val="C00000"/>
-          </a:solidFill>
-          <a:ln>
-            <a:noFill/>
-          </a:ln>
-          <a:effectLst>
-            <a:outerShdw blurRad="50800" dist="38100" dir="2700000" algn="tl" rotWithShape="0">
-              <a:prstClr val="black">
-                <a:alpha val="40000"/>
-              </a:prstClr>
-            </a:outerShdw>
-          </a:effectLst>
-        </p:spPr>
-        <p:style>
-          <a:lnRef idx="2">
-            <a:schemeClr val="accent1">
-              <a:shade val="50000"/>
-            </a:schemeClr>
-          </a:lnRef>
-          <a:fillRef idx="1">
-            <a:schemeClr val="accent1"/>
-          </a:fillRef>
-          <a:effectRef idx="0">
-            <a:schemeClr val="accent1"/>
-          </a:effectRef>
-          <a:fontRef idx="minor">
-            <a:schemeClr val="lt1"/>
-          </a:fontRef>
-        </p:style>
-        <p:txBody>
-          <a:bodyPr rtlCol="0" anchor="ctr"/>
-          <a:lstStyle/>
-          <a:p>
-            <a:pPr algn="ctr"/>
-            <a:endParaRPr lang="en-US"/>
-          </a:p>
-        </p:txBody>
-      </p:sp>
-      <p:sp>
-        <p:nvSpPr>
-          <p:cNvPr id="308" name="Gleichschenkliges Dreieck 307">
-            <a:extLst>
-              <a:ext uri="{FF2B5EF4-FFF2-40B4-BE49-F238E27FC236}">
-                <a16:creationId xmlns:a16="http://schemas.microsoft.com/office/drawing/2014/main" id="{79D2B915-6D31-4CE3-BE15-78F15B03D4DC}"/>
-              </a:ext>
-            </a:extLst>
-          </p:cNvPr>
-          <p:cNvSpPr/>
-          <p:nvPr/>
-        </p:nvSpPr>
-        <p:spPr>
-          <a:xfrm rot="6115709">
-            <a:off x="7963535" y="3821079"/>
-            <a:ext cx="108000" cy="108000"/>
-          </a:xfrm>
-          <a:prstGeom prst="triangle">
-            <a:avLst/>
-          </a:prstGeom>
-          <a:solidFill>
-            <a:srgbClr val="00B050"/>
-          </a:solidFill>
-          <a:ln>
-            <a:noFill/>
-          </a:ln>
-          <a:effectLst>
-            <a:outerShdw blurRad="50800" dist="38100" dir="2700000" algn="tl" rotWithShape="0">
-              <a:prstClr val="black">
-                <a:alpha val="40000"/>
-              </a:prstClr>
-            </a:outerShdw>
-          </a:effectLst>
-        </p:spPr>
-        <p:style>
-          <a:lnRef idx="2">
-            <a:schemeClr val="accent1">
-              <a:shade val="50000"/>
-            </a:schemeClr>
-          </a:lnRef>
-          <a:fillRef idx="1">
-            <a:schemeClr val="accent1"/>
-          </a:fillRef>
-          <a:effectRef idx="0">
-            <a:schemeClr val="accent1"/>
-          </a:effectRef>
-          <a:fontRef idx="minor">
-            <a:schemeClr val="lt1"/>
-          </a:fontRef>
-        </p:style>
-        <p:txBody>
-          <a:bodyPr rtlCol="0" anchor="ctr"/>
-          <a:lstStyle/>
-          <a:p>
-            <a:pPr algn="ctr"/>
-            <a:endParaRPr lang="en-US"/>
-          </a:p>
-        </p:txBody>
-      </p:sp>
-      <p:sp>
-        <p:nvSpPr>
-          <p:cNvPr id="309" name="Gleichschenkliges Dreieck 308">
-            <a:extLst>
-              <a:ext uri="{FF2B5EF4-FFF2-40B4-BE49-F238E27FC236}">
-                <a16:creationId xmlns:a16="http://schemas.microsoft.com/office/drawing/2014/main" id="{86E5D817-9B16-4B02-8161-CE949B261014}"/>
-              </a:ext>
-            </a:extLst>
-          </p:cNvPr>
-          <p:cNvSpPr/>
-          <p:nvPr/>
-        </p:nvSpPr>
-        <p:spPr>
-          <a:xfrm rot="10607087">
-            <a:off x="8091996" y="3774408"/>
-            <a:ext cx="108000" cy="108000"/>
-          </a:xfrm>
-          <a:prstGeom prst="triangle">
-            <a:avLst/>
-          </a:prstGeom>
-          <a:solidFill>
-            <a:srgbClr val="C00000"/>
-          </a:solidFill>
-          <a:ln>
-            <a:noFill/>
-          </a:ln>
-          <a:effectLst>
-            <a:outerShdw blurRad="50800" dist="38100" dir="2700000" algn="tl" rotWithShape="0">
-              <a:prstClr val="black">
-                <a:alpha val="40000"/>
-              </a:prstClr>
-            </a:outerShdw>
-          </a:effectLst>
-        </p:spPr>
-        <p:style>
-          <a:lnRef idx="2">
-            <a:schemeClr val="accent1">
-              <a:shade val="50000"/>
-            </a:schemeClr>
-          </a:lnRef>
-          <a:fillRef idx="1">
-            <a:schemeClr val="accent1"/>
-          </a:fillRef>
-          <a:effectRef idx="0">
-            <a:schemeClr val="accent1"/>
-          </a:effectRef>
-          <a:fontRef idx="minor">
-            <a:schemeClr val="lt1"/>
-          </a:fontRef>
-        </p:style>
-        <p:txBody>
-          <a:bodyPr rtlCol="0" anchor="ctr"/>
-          <a:lstStyle/>
-          <a:p>
-            <a:pPr algn="ctr"/>
-            <a:endParaRPr lang="en-US"/>
-          </a:p>
-        </p:txBody>
-      </p:sp>
-      <p:sp>
-        <p:nvSpPr>
-          <p:cNvPr id="322" name="Gleichschenkliges Dreieck 321">
-            <a:extLst>
-              <a:ext uri="{FF2B5EF4-FFF2-40B4-BE49-F238E27FC236}">
-                <a16:creationId xmlns:a16="http://schemas.microsoft.com/office/drawing/2014/main" id="{440DF057-EC90-445C-90A7-2E14B78B734A}"/>
-              </a:ext>
-            </a:extLst>
-          </p:cNvPr>
-          <p:cNvSpPr/>
-          <p:nvPr/>
-        </p:nvSpPr>
-        <p:spPr>
-          <a:xfrm rot="5002482">
-            <a:off x="6598197" y="644564"/>
-            <a:ext cx="108000" cy="108000"/>
-          </a:xfrm>
-          <a:prstGeom prst="triangle">
-            <a:avLst/>
-          </a:prstGeom>
-          <a:solidFill>
-            <a:srgbClr val="C00000"/>
-          </a:solidFill>
-          <a:ln>
-            <a:noFill/>
-          </a:ln>
-          <a:effectLst>
-            <a:outerShdw blurRad="50800" dist="38100" dir="2700000" algn="tl" rotWithShape="0">
-              <a:prstClr val="black">
-                <a:alpha val="40000"/>
-              </a:prstClr>
-            </a:outerShdw>
-          </a:effectLst>
-        </p:spPr>
-        <p:style>
-          <a:lnRef idx="2">
-            <a:schemeClr val="accent1">
-              <a:shade val="50000"/>
-            </a:schemeClr>
-          </a:lnRef>
-          <a:fillRef idx="1">
-            <a:schemeClr val="accent1"/>
-          </a:fillRef>
-          <a:effectRef idx="0">
-            <a:schemeClr val="accent1"/>
-          </a:effectRef>
-          <a:fontRef idx="minor">
-            <a:schemeClr val="lt1"/>
-          </a:fontRef>
-        </p:style>
-        <p:txBody>
-          <a:bodyPr rtlCol="0" anchor="ctr"/>
-          <a:lstStyle/>
-          <a:p>
-            <a:pPr algn="ctr"/>
-            <a:endParaRPr lang="en-US"/>
-          </a:p>
-        </p:txBody>
-      </p:sp>
-      <p:sp>
-        <p:nvSpPr>
-          <p:cNvPr id="325" name="Gleichschenkliges Dreieck 324">
-            <a:extLst>
-              <a:ext uri="{FF2B5EF4-FFF2-40B4-BE49-F238E27FC236}">
-                <a16:creationId xmlns:a16="http://schemas.microsoft.com/office/drawing/2014/main" id="{33EB7A10-6F89-45BA-84DD-AEE2271C4041}"/>
-              </a:ext>
-            </a:extLst>
-          </p:cNvPr>
-          <p:cNvSpPr/>
-          <p:nvPr/>
-        </p:nvSpPr>
-        <p:spPr>
-          <a:xfrm rot="4060640">
-            <a:off x="6726744" y="753125"/>
-            <a:ext cx="108000" cy="108000"/>
-          </a:xfrm>
-          <a:prstGeom prst="triangle">
-            <a:avLst/>
-          </a:prstGeom>
-          <a:solidFill>
-            <a:srgbClr val="00B050"/>
-          </a:solidFill>
-          <a:ln>
-            <a:noFill/>
-          </a:ln>
-          <a:effectLst>
-            <a:outerShdw blurRad="50800" dist="38100" dir="2700000" algn="tl" rotWithShape="0">
-              <a:prstClr val="black">
-                <a:alpha val="40000"/>
-              </a:prstClr>
-            </a:outerShdw>
-          </a:effectLst>
-        </p:spPr>
-        <p:style>
-          <a:lnRef idx="2">
-            <a:schemeClr val="accent1">
-              <a:shade val="50000"/>
-            </a:schemeClr>
-          </a:lnRef>
-          <a:fillRef idx="1">
-            <a:schemeClr val="accent1"/>
-          </a:fillRef>
-          <a:effectRef idx="0">
-            <a:schemeClr val="accent1"/>
-          </a:effectRef>
-          <a:fontRef idx="minor">
-            <a:schemeClr val="lt1"/>
-          </a:fontRef>
-        </p:style>
-        <p:txBody>
-          <a:bodyPr rtlCol="0" anchor="ctr"/>
-          <a:lstStyle/>
-          <a:p>
-            <a:pPr algn="ctr"/>
-            <a:endParaRPr lang="en-US"/>
-          </a:p>
-        </p:txBody>
-      </p:sp>
-      <p:sp>
-        <p:nvSpPr>
-          <p:cNvPr id="89" name="Rechteck 88">
-            <a:extLst>
-              <a:ext uri="{FF2B5EF4-FFF2-40B4-BE49-F238E27FC236}">
-                <a16:creationId xmlns:a16="http://schemas.microsoft.com/office/drawing/2014/main" id="{B01FC0D7-7C44-4907-8594-22DB3C47610D}"/>
-              </a:ext>
-            </a:extLst>
-          </p:cNvPr>
-          <p:cNvSpPr/>
-          <p:nvPr/>
-        </p:nvSpPr>
-        <p:spPr bwMode="gray">
-          <a:xfrm rot="16200000">
-            <a:off x="-703723" y="1277947"/>
-            <a:ext cx="2462212" cy="542847"/>
-          </a:xfrm>
-          <a:prstGeom prst="rect">
-            <a:avLst/>
-          </a:prstGeom>
-          <a:gradFill flip="none" rotWithShape="1">
-            <a:gsLst>
-              <a:gs pos="0">
-                <a:srgbClr val="D30F4B">
-                  <a:shade val="30000"/>
-                  <a:satMod val="115000"/>
-                </a:srgbClr>
-              </a:gs>
-              <a:gs pos="50000">
-                <a:srgbClr val="BD0039"/>
-              </a:gs>
-              <a:gs pos="100000">
-                <a:srgbClr val="D30F4B">
-                  <a:shade val="100000"/>
-                  <a:satMod val="115000"/>
-                </a:srgbClr>
-              </a:gs>
-            </a:gsLst>
-            <a:lin ang="2700000" scaled="1"/>
-            <a:tileRect/>
-          </a:gradFill>
-          <a:ln w="25400" cap="flat" cmpd="sng" algn="ctr">
-            <a:noFill/>
-            <a:prstDash val="solid"/>
-          </a:ln>
-          <a:effectLst/>
-        </p:spPr>
-        <p:txBody>
-          <a:bodyPr rtlCol="0" anchor="ctr"/>
-          <a:lstStyle/>
-          <a:p>
-            <a:pPr marL="0" marR="0" lvl="0" indent="0" algn="ctr" defTabSz="914400" eaLnBrk="1" fontAlgn="auto" latinLnBrk="0" hangingPunct="1">
-              <a:lnSpc>
-                <a:spcPct val="100000"/>
-              </a:lnSpc>
-              <a:spcBef>
-                <a:spcPts val="0"/>
-              </a:spcBef>
-              <a:spcAft>
-                <a:spcPts val="0"/>
-              </a:spcAft>
-              <a:buClrTx/>
-              <a:buSzTx/>
-              <a:buFontTx/>
-              <a:buNone/>
-              <a:tabLst/>
-              <a:defRPr/>
-            </a:pPr>
-            <a:r>
-              <a:rPr kumimoji="0" lang="de-DE" sz="1600" b="1" i="0" u="none" strike="noStrike" kern="0" cap="none" spc="0" normalizeH="0" baseline="0" noProof="0" dirty="0">
-                <a:ln>
-                  <a:noFill/>
-                </a:ln>
-                <a:solidFill>
-                  <a:srgbClr val="FFFFFF"/>
-                </a:solidFill>
-                <a:effectLst/>
-                <a:uLnTx/>
-                <a:uFillTx/>
-                <a:latin typeface="Arial"/>
-                <a:cs typeface="Arial"/>
-              </a:rPr>
-              <a:t>Perpetrator</a:t>
-            </a:r>
-          </a:p>
-        </p:txBody>
-      </p:sp>
-      <p:cxnSp>
-        <p:nvCxnSpPr>
-          <p:cNvPr id="83" name="Gerade Verbindung mit Pfeil 82">
-            <a:extLst>
-              <a:ext uri="{FF2B5EF4-FFF2-40B4-BE49-F238E27FC236}">
-                <a16:creationId xmlns:a16="http://schemas.microsoft.com/office/drawing/2014/main" id="{7C4C4657-F70E-402C-8786-36CBBA877661}"/>
-              </a:ext>
-            </a:extLst>
-          </p:cNvPr>
-          <p:cNvCxnSpPr>
-            <a:cxnSpLocks/>
-            <a:stCxn id="81" idx="2"/>
-            <a:endCxn id="225" idx="3"/>
-          </p:cNvCxnSpPr>
-          <p:nvPr/>
-        </p:nvCxnSpPr>
-        <p:spPr>
-          <a:xfrm flipH="1">
-            <a:off x="2836961" y="535272"/>
-            <a:ext cx="2839602" cy="3093767"/>
-          </a:xfrm>
-          <a:prstGeom prst="straightConnector1">
-            <a:avLst/>
-          </a:prstGeom>
-          <a:noFill/>
-          <a:ln w="25400" cap="flat" cmpd="sng" algn="ctr">
-            <a:solidFill>
-              <a:srgbClr val="C00000"/>
-            </a:solidFill>
-            <a:prstDash val="solid"/>
-            <a:round/>
-            <a:headEnd type="none" w="med" len="med"/>
-            <a:tailEnd type="none" w="med" len="med"/>
-          </a:ln>
-          <a:effectLst>
-            <a:outerShdw blurRad="50800" dist="38100" dir="2700000" algn="tl" rotWithShape="0">
-              <a:prstClr val="black">
-                <a:alpha val="40000"/>
-              </a:prstClr>
-            </a:outerShdw>
-          </a:effectLst>
-        </p:spPr>
-      </p:cxnSp>
-      <p:cxnSp>
-        <p:nvCxnSpPr>
-          <p:cNvPr id="85" name="Gerade Verbindung mit Pfeil 84">
-            <a:extLst>
-              <a:ext uri="{FF2B5EF4-FFF2-40B4-BE49-F238E27FC236}">
-                <a16:creationId xmlns:a16="http://schemas.microsoft.com/office/drawing/2014/main" id="{1D333C90-6C96-4BFC-9362-6D8923E3EB58}"/>
-              </a:ext>
-            </a:extLst>
-          </p:cNvPr>
-          <p:cNvCxnSpPr>
-            <a:cxnSpLocks/>
-            <a:stCxn id="81" idx="2"/>
-            <a:endCxn id="260" idx="3"/>
-          </p:cNvCxnSpPr>
-          <p:nvPr/>
-        </p:nvCxnSpPr>
-        <p:spPr>
-          <a:xfrm flipH="1">
-            <a:off x="4468632" y="535272"/>
-            <a:ext cx="1207931" cy="3547648"/>
-          </a:xfrm>
-          <a:prstGeom prst="straightConnector1">
-            <a:avLst/>
-          </a:prstGeom>
-          <a:noFill/>
-          <a:ln w="25400" cap="flat" cmpd="sng" algn="ctr">
-            <a:solidFill>
-              <a:srgbClr val="C00000"/>
-            </a:solidFill>
-            <a:prstDash val="solid"/>
-            <a:round/>
-            <a:headEnd type="none" w="med" len="med"/>
-            <a:tailEnd type="none" w="med" len="med"/>
-          </a:ln>
-          <a:effectLst>
-            <a:outerShdw blurRad="50800" dist="38100" dir="2700000" algn="tl" rotWithShape="0">
-              <a:prstClr val="black">
-                <a:alpha val="40000"/>
-              </a:prstClr>
-            </a:outerShdw>
-          </a:effectLst>
-        </p:spPr>
-      </p:cxnSp>
-      <p:cxnSp>
-        <p:nvCxnSpPr>
-          <p:cNvPr id="87" name="Gerade Verbindung mit Pfeil 86">
-            <a:extLst>
-              <a:ext uri="{FF2B5EF4-FFF2-40B4-BE49-F238E27FC236}">
-                <a16:creationId xmlns:a16="http://schemas.microsoft.com/office/drawing/2014/main" id="{B09C1B25-6846-4B5F-8D6B-5ECF6477CAB7}"/>
-              </a:ext>
-            </a:extLst>
-          </p:cNvPr>
-          <p:cNvCxnSpPr>
-            <a:cxnSpLocks/>
-            <a:stCxn id="81" idx="2"/>
-            <a:endCxn id="309" idx="3"/>
-          </p:cNvCxnSpPr>
-          <p:nvPr/>
-        </p:nvCxnSpPr>
-        <p:spPr>
-          <a:xfrm>
-            <a:off x="5676563" y="535272"/>
-            <a:ext cx="2466404" cy="3239221"/>
-          </a:xfrm>
-          <a:prstGeom prst="straightConnector1">
-            <a:avLst/>
-          </a:prstGeom>
-          <a:noFill/>
-          <a:ln w="25400" cap="flat" cmpd="sng" algn="ctr">
-            <a:solidFill>
-              <a:srgbClr val="C00000"/>
-            </a:solidFill>
-            <a:prstDash val="solid"/>
-            <a:round/>
-            <a:headEnd type="none" w="med" len="med"/>
-            <a:tailEnd type="none" w="med" len="med"/>
-          </a:ln>
-          <a:effectLst>
-            <a:outerShdw blurRad="50800" dist="38100" dir="2700000" algn="tl" rotWithShape="0">
-              <a:prstClr val="black">
-                <a:alpha val="40000"/>
-              </a:prstClr>
-            </a:outerShdw>
-          </a:effectLst>
-        </p:spPr>
-      </p:cxnSp>
-      <p:grpSp>
-        <p:nvGrpSpPr>
-          <p:cNvPr id="3" name="Gruppieren 2">
-            <a:extLst>
-              <a:ext uri="{FF2B5EF4-FFF2-40B4-BE49-F238E27FC236}">
-                <a16:creationId xmlns:a16="http://schemas.microsoft.com/office/drawing/2014/main" id="{651B8E68-14E9-40DC-9516-1A5587486B33}"/>
-              </a:ext>
-            </a:extLst>
-          </p:cNvPr>
-          <p:cNvGrpSpPr/>
-          <p:nvPr/>
-        </p:nvGrpSpPr>
-        <p:grpSpPr>
-          <a:xfrm>
-            <a:off x="4517898" y="2218921"/>
-            <a:ext cx="1478716" cy="1255456"/>
-            <a:chOff x="4667154" y="1816802"/>
-            <a:chExt cx="1478716" cy="1255456"/>
-          </a:xfrm>
-        </p:grpSpPr>
-        <p:sp>
-          <p:nvSpPr>
-            <p:cNvPr id="103" name="Freihandform: Form 102">
-              <a:extLst>
-                <a:ext uri="{FF2B5EF4-FFF2-40B4-BE49-F238E27FC236}">
-                  <a16:creationId xmlns:a16="http://schemas.microsoft.com/office/drawing/2014/main" id="{246D6CDD-062A-44A2-A9E8-EFAD2BDD5921}"/>
-                </a:ext>
-              </a:extLst>
-            </p:cNvPr>
-            <p:cNvSpPr/>
-            <p:nvPr/>
-          </p:nvSpPr>
-          <p:spPr>
-            <a:xfrm>
-              <a:off x="4736211" y="1816802"/>
-              <a:ext cx="1256861" cy="1255456"/>
-            </a:xfrm>
-            <a:custGeom>
-              <a:avLst/>
-              <a:gdLst>
-                <a:gd name="connsiteX0" fmla="*/ 283464 w 1256861"/>
-                <a:gd name="connsiteY0" fmla="*/ 859723 h 1255456"/>
-                <a:gd name="connsiteX1" fmla="*/ 216789 w 1256861"/>
-                <a:gd name="connsiteY1" fmla="*/ 859723 h 1255456"/>
-                <a:gd name="connsiteX2" fmla="*/ 162020 w 1256861"/>
-                <a:gd name="connsiteY2" fmla="*/ 847817 h 1255456"/>
-                <a:gd name="connsiteX3" fmla="*/ 126302 w 1256861"/>
-                <a:gd name="connsiteY3" fmla="*/ 876392 h 1255456"/>
-                <a:gd name="connsiteX4" fmla="*/ 64389 w 1256861"/>
-                <a:gd name="connsiteY4" fmla="*/ 843054 h 1255456"/>
-                <a:gd name="connsiteX5" fmla="*/ 19145 w 1256861"/>
-                <a:gd name="connsiteY5" fmla="*/ 804954 h 1255456"/>
-                <a:gd name="connsiteX6" fmla="*/ 4858 w 1256861"/>
-                <a:gd name="connsiteY6" fmla="*/ 764473 h 1255456"/>
-                <a:gd name="connsiteX7" fmla="*/ 100108 w 1256861"/>
-                <a:gd name="connsiteY7" fmla="*/ 723992 h 1255456"/>
-                <a:gd name="connsiteX8" fmla="*/ 42958 w 1256861"/>
-                <a:gd name="connsiteY8" fmla="*/ 673986 h 1255456"/>
-                <a:gd name="connsiteX9" fmla="*/ 92964 w 1256861"/>
-                <a:gd name="connsiteY9" fmla="*/ 628742 h 1255456"/>
-                <a:gd name="connsiteX10" fmla="*/ 138208 w 1256861"/>
-                <a:gd name="connsiteY10" fmla="*/ 550161 h 1255456"/>
-                <a:gd name="connsiteX11" fmla="*/ 192977 w 1256861"/>
-                <a:gd name="connsiteY11" fmla="*/ 488248 h 1255456"/>
-                <a:gd name="connsiteX12" fmla="*/ 247745 w 1256861"/>
-                <a:gd name="connsiteY12" fmla="*/ 404904 h 1255456"/>
-                <a:gd name="connsiteX13" fmla="*/ 245364 w 1256861"/>
-                <a:gd name="connsiteY13" fmla="*/ 323942 h 1255456"/>
-                <a:gd name="connsiteX14" fmla="*/ 271558 w 1256861"/>
-                <a:gd name="connsiteY14" fmla="*/ 257267 h 1255456"/>
-                <a:gd name="connsiteX15" fmla="*/ 335852 w 1256861"/>
-                <a:gd name="connsiteY15" fmla="*/ 281079 h 1255456"/>
-                <a:gd name="connsiteX16" fmla="*/ 402527 w 1256861"/>
-                <a:gd name="connsiteY16" fmla="*/ 204879 h 1255456"/>
-                <a:gd name="connsiteX17" fmla="*/ 457295 w 1256861"/>
-                <a:gd name="connsiteY17" fmla="*/ 202498 h 1255456"/>
-                <a:gd name="connsiteX18" fmla="*/ 493014 w 1256861"/>
-                <a:gd name="connsiteY18" fmla="*/ 181067 h 1255456"/>
-                <a:gd name="connsiteX19" fmla="*/ 500158 w 1256861"/>
-                <a:gd name="connsiteY19" fmla="*/ 133442 h 1255456"/>
-                <a:gd name="connsiteX20" fmla="*/ 612077 w 1256861"/>
-                <a:gd name="connsiteY20" fmla="*/ 119154 h 1255456"/>
-                <a:gd name="connsiteX21" fmla="*/ 588264 w 1256861"/>
-                <a:gd name="connsiteY21" fmla="*/ 92961 h 1255456"/>
-                <a:gd name="connsiteX22" fmla="*/ 597789 w 1256861"/>
-                <a:gd name="connsiteY22" fmla="*/ 9617 h 1255456"/>
-                <a:gd name="connsiteX23" fmla="*/ 676370 w 1256861"/>
-                <a:gd name="connsiteY23" fmla="*/ 4854 h 1255456"/>
-                <a:gd name="connsiteX24" fmla="*/ 759714 w 1256861"/>
-                <a:gd name="connsiteY24" fmla="*/ 21523 h 1255456"/>
-                <a:gd name="connsiteX25" fmla="*/ 766858 w 1256861"/>
-                <a:gd name="connsiteY25" fmla="*/ 40573 h 1255456"/>
-                <a:gd name="connsiteX26" fmla="*/ 785908 w 1256861"/>
-                <a:gd name="connsiteY26" fmla="*/ 92 h 1255456"/>
-                <a:gd name="connsiteX27" fmla="*/ 912114 w 1256861"/>
-                <a:gd name="connsiteY27" fmla="*/ 28667 h 1255456"/>
-                <a:gd name="connsiteX28" fmla="*/ 971645 w 1256861"/>
-                <a:gd name="connsiteY28" fmla="*/ 42954 h 1255456"/>
-                <a:gd name="connsiteX29" fmla="*/ 985933 w 1256861"/>
-                <a:gd name="connsiteY29" fmla="*/ 112011 h 1255456"/>
-                <a:gd name="connsiteX30" fmla="*/ 1038320 w 1256861"/>
-                <a:gd name="connsiteY30" fmla="*/ 195354 h 1255456"/>
-                <a:gd name="connsiteX31" fmla="*/ 1100233 w 1256861"/>
-                <a:gd name="connsiteY31" fmla="*/ 254886 h 1255456"/>
-                <a:gd name="connsiteX32" fmla="*/ 1152620 w 1256861"/>
-                <a:gd name="connsiteY32" fmla="*/ 288223 h 1255456"/>
-                <a:gd name="connsiteX33" fmla="*/ 1143095 w 1256861"/>
-                <a:gd name="connsiteY33" fmla="*/ 323942 h 1255456"/>
-                <a:gd name="connsiteX34" fmla="*/ 1157383 w 1256861"/>
-                <a:gd name="connsiteY34" fmla="*/ 362042 h 1255456"/>
-                <a:gd name="connsiteX35" fmla="*/ 1219295 w 1256861"/>
-                <a:gd name="connsiteY35" fmla="*/ 419192 h 1255456"/>
-                <a:gd name="connsiteX36" fmla="*/ 1190720 w 1256861"/>
-                <a:gd name="connsiteY36" fmla="*/ 464436 h 1255456"/>
-                <a:gd name="connsiteX37" fmla="*/ 1157383 w 1256861"/>
-                <a:gd name="connsiteY37" fmla="*/ 452529 h 1255456"/>
-                <a:gd name="connsiteX38" fmla="*/ 1176433 w 1256861"/>
-                <a:gd name="connsiteY38" fmla="*/ 490629 h 1255456"/>
-                <a:gd name="connsiteX39" fmla="*/ 1178814 w 1256861"/>
-                <a:gd name="connsiteY39" fmla="*/ 538254 h 1255456"/>
-                <a:gd name="connsiteX40" fmla="*/ 1157383 w 1256861"/>
-                <a:gd name="connsiteY40" fmla="*/ 552542 h 1255456"/>
-                <a:gd name="connsiteX41" fmla="*/ 1212152 w 1256861"/>
-                <a:gd name="connsiteY41" fmla="*/ 597786 h 1255456"/>
-                <a:gd name="connsiteX42" fmla="*/ 1209770 w 1256861"/>
-                <a:gd name="connsiteY42" fmla="*/ 621598 h 1255456"/>
-                <a:gd name="connsiteX43" fmla="*/ 1252633 w 1256861"/>
-                <a:gd name="connsiteY43" fmla="*/ 645411 h 1255456"/>
-                <a:gd name="connsiteX44" fmla="*/ 1255014 w 1256861"/>
-                <a:gd name="connsiteY44" fmla="*/ 704942 h 1255456"/>
-                <a:gd name="connsiteX45" fmla="*/ 1250252 w 1256861"/>
-                <a:gd name="connsiteY45" fmla="*/ 733517 h 1255456"/>
-                <a:gd name="connsiteX46" fmla="*/ 1233583 w 1256861"/>
-                <a:gd name="connsiteY46" fmla="*/ 759711 h 1255456"/>
-                <a:gd name="connsiteX47" fmla="*/ 1188339 w 1256861"/>
-                <a:gd name="connsiteY47" fmla="*/ 754948 h 1255456"/>
-                <a:gd name="connsiteX48" fmla="*/ 1162145 w 1256861"/>
-                <a:gd name="connsiteY48" fmla="*/ 754948 h 1255456"/>
-                <a:gd name="connsiteX49" fmla="*/ 1143095 w 1256861"/>
-                <a:gd name="connsiteY49" fmla="*/ 812098 h 1255456"/>
-                <a:gd name="connsiteX50" fmla="*/ 1152620 w 1256861"/>
-                <a:gd name="connsiteY50" fmla="*/ 862104 h 1255456"/>
-                <a:gd name="connsiteX51" fmla="*/ 1147858 w 1256861"/>
-                <a:gd name="connsiteY51" fmla="*/ 890679 h 1255456"/>
-                <a:gd name="connsiteX52" fmla="*/ 1157383 w 1256861"/>
-                <a:gd name="connsiteY52" fmla="*/ 919254 h 1255456"/>
-                <a:gd name="connsiteX53" fmla="*/ 1140714 w 1256861"/>
-                <a:gd name="connsiteY53" fmla="*/ 957354 h 1255456"/>
-                <a:gd name="connsiteX54" fmla="*/ 1095470 w 1256861"/>
-                <a:gd name="connsiteY54" fmla="*/ 988311 h 1255456"/>
-                <a:gd name="connsiteX55" fmla="*/ 1114520 w 1256861"/>
-                <a:gd name="connsiteY55" fmla="*/ 1026411 h 1255456"/>
-                <a:gd name="connsiteX56" fmla="*/ 1095470 w 1256861"/>
-                <a:gd name="connsiteY56" fmla="*/ 1071654 h 1255456"/>
-                <a:gd name="connsiteX57" fmla="*/ 1045464 w 1256861"/>
-                <a:gd name="connsiteY57" fmla="*/ 1074036 h 1255456"/>
-                <a:gd name="connsiteX58" fmla="*/ 1026414 w 1256861"/>
-                <a:gd name="connsiteY58" fmla="*/ 1095467 h 1255456"/>
-                <a:gd name="connsiteX59" fmla="*/ 1000220 w 1256861"/>
-                <a:gd name="connsiteY59" fmla="*/ 1128804 h 1255456"/>
-                <a:gd name="connsiteX60" fmla="*/ 954977 w 1256861"/>
-                <a:gd name="connsiteY60" fmla="*/ 1116898 h 1255456"/>
-                <a:gd name="connsiteX61" fmla="*/ 938308 w 1256861"/>
-                <a:gd name="connsiteY61" fmla="*/ 1157379 h 1255456"/>
-                <a:gd name="connsiteX62" fmla="*/ 950214 w 1256861"/>
-                <a:gd name="connsiteY62" fmla="*/ 1205004 h 1255456"/>
-                <a:gd name="connsiteX63" fmla="*/ 904970 w 1256861"/>
-                <a:gd name="connsiteY63" fmla="*/ 1231198 h 1255456"/>
-                <a:gd name="connsiteX64" fmla="*/ 862108 w 1256861"/>
-                <a:gd name="connsiteY64" fmla="*/ 1255011 h 1255456"/>
-                <a:gd name="connsiteX65" fmla="*/ 812102 w 1256861"/>
-                <a:gd name="connsiteY65" fmla="*/ 1243104 h 1255456"/>
-                <a:gd name="connsiteX66" fmla="*/ 783527 w 1256861"/>
-                <a:gd name="connsiteY66" fmla="*/ 1200242 h 1255456"/>
-                <a:gd name="connsiteX67" fmla="*/ 754952 w 1256861"/>
-                <a:gd name="connsiteY67" fmla="*/ 1181192 h 1255456"/>
-                <a:gd name="connsiteX68" fmla="*/ 676370 w 1256861"/>
-                <a:gd name="connsiteY68" fmla="*/ 1131186 h 1255456"/>
-                <a:gd name="connsiteX69" fmla="*/ 621602 w 1256861"/>
-                <a:gd name="connsiteY69" fmla="*/ 1135948 h 1255456"/>
-                <a:gd name="connsiteX70" fmla="*/ 564452 w 1256861"/>
-                <a:gd name="connsiteY70" fmla="*/ 1121661 h 1255456"/>
-                <a:gd name="connsiteX71" fmla="*/ 521589 w 1256861"/>
-                <a:gd name="connsiteY71" fmla="*/ 1107373 h 1255456"/>
-                <a:gd name="connsiteX72" fmla="*/ 514445 w 1256861"/>
-                <a:gd name="connsiteY72" fmla="*/ 1035936 h 1255456"/>
-                <a:gd name="connsiteX73" fmla="*/ 452533 w 1256861"/>
-                <a:gd name="connsiteY73" fmla="*/ 1031173 h 1255456"/>
-                <a:gd name="connsiteX74" fmla="*/ 395383 w 1256861"/>
-                <a:gd name="connsiteY74" fmla="*/ 1002598 h 1255456"/>
-                <a:gd name="connsiteX75" fmla="*/ 378714 w 1256861"/>
-                <a:gd name="connsiteY75" fmla="*/ 976404 h 1255456"/>
-                <a:gd name="connsiteX76" fmla="*/ 338233 w 1256861"/>
-                <a:gd name="connsiteY76" fmla="*/ 912111 h 1255456"/>
-                <a:gd name="connsiteX77" fmla="*/ 290608 w 1256861"/>
-                <a:gd name="connsiteY77" fmla="*/ 909729 h 1255456"/>
-                <a:gd name="connsiteX78" fmla="*/ 283464 w 1256861"/>
-                <a:gd name="connsiteY78" fmla="*/ 859723 h 1255456"/>
-              </a:gdLst>
-              <a:ahLst/>
-              <a:cxnLst>
-                <a:cxn ang="0">
-                  <a:pos x="connsiteX0" y="connsiteY0"/>
-                </a:cxn>
-                <a:cxn ang="0">
-                  <a:pos x="connsiteX1" y="connsiteY1"/>
-                </a:cxn>
-                <a:cxn ang="0">
-                  <a:pos x="connsiteX2" y="connsiteY2"/>
-                </a:cxn>
-                <a:cxn ang="0">
-                  <a:pos x="connsiteX3" y="connsiteY3"/>
-                </a:cxn>
-                <a:cxn ang="0">
-                  <a:pos x="connsiteX4" y="connsiteY4"/>
-                </a:cxn>
-                <a:cxn ang="0">
-                  <a:pos x="connsiteX5" y="connsiteY5"/>
-                </a:cxn>
-                <a:cxn ang="0">
-                  <a:pos x="connsiteX6" y="connsiteY6"/>
-                </a:cxn>
-                <a:cxn ang="0">
-                  <a:pos x="connsiteX7" y="connsiteY7"/>
-                </a:cxn>
-                <a:cxn ang="0">
-                  <a:pos x="connsiteX8" y="connsiteY8"/>
-                </a:cxn>
-                <a:cxn ang="0">
-                  <a:pos x="connsiteX9" y="connsiteY9"/>
-                </a:cxn>
-                <a:cxn ang="0">
-                  <a:pos x="connsiteX10" y="connsiteY10"/>
-                </a:cxn>
-                <a:cxn ang="0">
-                  <a:pos x="connsiteX11" y="connsiteY11"/>
-                </a:cxn>
-                <a:cxn ang="0">
-                  <a:pos x="connsiteX12" y="connsiteY12"/>
-                </a:cxn>
-                <a:cxn ang="0">
-                  <a:pos x="connsiteX13" y="connsiteY13"/>
-                </a:cxn>
-                <a:cxn ang="0">
-                  <a:pos x="connsiteX14" y="connsiteY14"/>
-                </a:cxn>
-                <a:cxn ang="0">
-                  <a:pos x="connsiteX15" y="connsiteY15"/>
-                </a:cxn>
-                <a:cxn ang="0">
-                  <a:pos x="connsiteX16" y="connsiteY16"/>
-                </a:cxn>
-                <a:cxn ang="0">
-                  <a:pos x="connsiteX17" y="connsiteY17"/>
-                </a:cxn>
-                <a:cxn ang="0">
-                  <a:pos x="connsiteX18" y="connsiteY18"/>
-                </a:cxn>
-                <a:cxn ang="0">
-                  <a:pos x="connsiteX19" y="connsiteY19"/>
-                </a:cxn>
-                <a:cxn ang="0">
-                  <a:pos x="connsiteX20" y="connsiteY20"/>
-                </a:cxn>
-                <a:cxn ang="0">
-                  <a:pos x="connsiteX21" y="connsiteY21"/>
-                </a:cxn>
-                <a:cxn ang="0">
-                  <a:pos x="connsiteX22" y="connsiteY22"/>
-                </a:cxn>
-                <a:cxn ang="0">
-                  <a:pos x="connsiteX23" y="connsiteY23"/>
-                </a:cxn>
-                <a:cxn ang="0">
-                  <a:pos x="connsiteX24" y="connsiteY24"/>
-                </a:cxn>
-                <a:cxn ang="0">
-                  <a:pos x="connsiteX25" y="connsiteY25"/>
-                </a:cxn>
-                <a:cxn ang="0">
-                  <a:pos x="connsiteX26" y="connsiteY26"/>
-                </a:cxn>
-                <a:cxn ang="0">
-                  <a:pos x="connsiteX27" y="connsiteY27"/>
-                </a:cxn>
-                <a:cxn ang="0">
-                  <a:pos x="connsiteX28" y="connsiteY28"/>
-                </a:cxn>
-                <a:cxn ang="0">
-                  <a:pos x="connsiteX29" y="connsiteY29"/>
-                </a:cxn>
-                <a:cxn ang="0">
-                  <a:pos x="connsiteX30" y="connsiteY30"/>
-                </a:cxn>
-                <a:cxn ang="0">
-                  <a:pos x="connsiteX31" y="connsiteY31"/>
-                </a:cxn>
-                <a:cxn ang="0">
-                  <a:pos x="connsiteX32" y="connsiteY32"/>
-                </a:cxn>
-                <a:cxn ang="0">
-                  <a:pos x="connsiteX33" y="connsiteY33"/>
-                </a:cxn>
-                <a:cxn ang="0">
-                  <a:pos x="connsiteX34" y="connsiteY34"/>
-                </a:cxn>
-                <a:cxn ang="0">
-                  <a:pos x="connsiteX35" y="connsiteY35"/>
-                </a:cxn>
-                <a:cxn ang="0">
-                  <a:pos x="connsiteX36" y="connsiteY36"/>
-                </a:cxn>
-                <a:cxn ang="0">
-                  <a:pos x="connsiteX37" y="connsiteY37"/>
-                </a:cxn>
-                <a:cxn ang="0">
-                  <a:pos x="connsiteX38" y="connsiteY38"/>
-                </a:cxn>
-                <a:cxn ang="0">
-                  <a:pos x="connsiteX39" y="connsiteY39"/>
-                </a:cxn>
-                <a:cxn ang="0">
-                  <a:pos x="connsiteX40" y="connsiteY40"/>
-                </a:cxn>
-                <a:cxn ang="0">
-                  <a:pos x="connsiteX41" y="connsiteY41"/>
-                </a:cxn>
-                <a:cxn ang="0">
-                  <a:pos x="connsiteX42" y="connsiteY42"/>
-                </a:cxn>
-                <a:cxn ang="0">
-                  <a:pos x="connsiteX43" y="connsiteY43"/>
-                </a:cxn>
-                <a:cxn ang="0">
-                  <a:pos x="connsiteX44" y="connsiteY44"/>
-                </a:cxn>
-                <a:cxn ang="0">
-                  <a:pos x="connsiteX45" y="connsiteY45"/>
-                </a:cxn>
-                <a:cxn ang="0">
-                  <a:pos x="connsiteX46" y="connsiteY46"/>
-                </a:cxn>
-                <a:cxn ang="0">
-                  <a:pos x="connsiteX47" y="connsiteY47"/>
-                </a:cxn>
-                <a:cxn ang="0">
-                  <a:pos x="connsiteX48" y="connsiteY48"/>
-                </a:cxn>
-                <a:cxn ang="0">
-                  <a:pos x="connsiteX49" y="connsiteY49"/>
-                </a:cxn>
-                <a:cxn ang="0">
-                  <a:pos x="connsiteX50" y="connsiteY50"/>
-                </a:cxn>
-                <a:cxn ang="0">
-                  <a:pos x="connsiteX51" y="connsiteY51"/>
-                </a:cxn>
-                <a:cxn ang="0">
-                  <a:pos x="connsiteX52" y="connsiteY52"/>
-                </a:cxn>
-                <a:cxn ang="0">
-                  <a:pos x="connsiteX53" y="connsiteY53"/>
-                </a:cxn>
-                <a:cxn ang="0">
-                  <a:pos x="connsiteX54" y="connsiteY54"/>
-                </a:cxn>
-                <a:cxn ang="0">
-                  <a:pos x="connsiteX55" y="connsiteY55"/>
-                </a:cxn>
-                <a:cxn ang="0">
-                  <a:pos x="connsiteX56" y="connsiteY56"/>
-                </a:cxn>
-                <a:cxn ang="0">
-                  <a:pos x="connsiteX57" y="connsiteY57"/>
-                </a:cxn>
-                <a:cxn ang="0">
-                  <a:pos x="connsiteX58" y="connsiteY58"/>
-                </a:cxn>
-                <a:cxn ang="0">
-                  <a:pos x="connsiteX59" y="connsiteY59"/>
-                </a:cxn>
-                <a:cxn ang="0">
-                  <a:pos x="connsiteX60" y="connsiteY60"/>
-                </a:cxn>
-                <a:cxn ang="0">
-                  <a:pos x="connsiteX61" y="connsiteY61"/>
-                </a:cxn>
-                <a:cxn ang="0">
-                  <a:pos x="connsiteX62" y="connsiteY62"/>
-                </a:cxn>
-                <a:cxn ang="0">
-                  <a:pos x="connsiteX63" y="connsiteY63"/>
-                </a:cxn>
-                <a:cxn ang="0">
-                  <a:pos x="connsiteX64" y="connsiteY64"/>
-                </a:cxn>
-                <a:cxn ang="0">
-                  <a:pos x="connsiteX65" y="connsiteY65"/>
-                </a:cxn>
-                <a:cxn ang="0">
-                  <a:pos x="connsiteX66" y="connsiteY66"/>
-                </a:cxn>
-                <a:cxn ang="0">
-                  <a:pos x="connsiteX67" y="connsiteY67"/>
-                </a:cxn>
-                <a:cxn ang="0">
-                  <a:pos x="connsiteX68" y="connsiteY68"/>
-                </a:cxn>
-                <a:cxn ang="0">
-                  <a:pos x="connsiteX69" y="connsiteY69"/>
-                </a:cxn>
-                <a:cxn ang="0">
-                  <a:pos x="connsiteX70" y="connsiteY70"/>
-                </a:cxn>
-                <a:cxn ang="0">
-                  <a:pos x="connsiteX71" y="connsiteY71"/>
-                </a:cxn>
-                <a:cxn ang="0">
-                  <a:pos x="connsiteX72" y="connsiteY72"/>
-                </a:cxn>
-                <a:cxn ang="0">
-                  <a:pos x="connsiteX73" y="connsiteY73"/>
-                </a:cxn>
-                <a:cxn ang="0">
-                  <a:pos x="connsiteX74" y="connsiteY74"/>
-                </a:cxn>
-                <a:cxn ang="0">
-                  <a:pos x="connsiteX75" y="connsiteY75"/>
-                </a:cxn>
-                <a:cxn ang="0">
-                  <a:pos x="connsiteX76" y="connsiteY76"/>
-                </a:cxn>
-                <a:cxn ang="0">
-                  <a:pos x="connsiteX77" y="connsiteY77"/>
-                </a:cxn>
-                <a:cxn ang="0">
-                  <a:pos x="connsiteX78" y="connsiteY78"/>
-                </a:cxn>
-              </a:cxnLst>
-              <a:rect l="l" t="t" r="r" b="b"/>
-              <a:pathLst>
-                <a:path w="1256861" h="1255456">
-                  <a:moveTo>
-                    <a:pt x="283464" y="859723"/>
-                  </a:moveTo>
-                  <a:cubicBezTo>
-                    <a:pt x="271161" y="851389"/>
-                    <a:pt x="237030" y="861707"/>
-                    <a:pt x="216789" y="859723"/>
-                  </a:cubicBezTo>
-                  <a:cubicBezTo>
-                    <a:pt x="196548" y="857739"/>
-                    <a:pt x="177101" y="845039"/>
-                    <a:pt x="162020" y="847817"/>
-                  </a:cubicBezTo>
-                  <a:cubicBezTo>
-                    <a:pt x="146939" y="850595"/>
-                    <a:pt x="142574" y="877186"/>
-                    <a:pt x="126302" y="876392"/>
-                  </a:cubicBezTo>
-                  <a:cubicBezTo>
-                    <a:pt x="110030" y="875598"/>
-                    <a:pt x="82248" y="854960"/>
-                    <a:pt x="64389" y="843054"/>
-                  </a:cubicBezTo>
-                  <a:cubicBezTo>
-                    <a:pt x="46530" y="831148"/>
-                    <a:pt x="29067" y="818051"/>
-                    <a:pt x="19145" y="804954"/>
-                  </a:cubicBezTo>
-                  <a:cubicBezTo>
-                    <a:pt x="9223" y="791857"/>
-                    <a:pt x="-8636" y="777967"/>
-                    <a:pt x="4858" y="764473"/>
-                  </a:cubicBezTo>
-                  <a:cubicBezTo>
-                    <a:pt x="18352" y="750979"/>
-                    <a:pt x="93758" y="739073"/>
-                    <a:pt x="100108" y="723992"/>
-                  </a:cubicBezTo>
-                  <a:cubicBezTo>
-                    <a:pt x="106458" y="708911"/>
-                    <a:pt x="44149" y="689861"/>
-                    <a:pt x="42958" y="673986"/>
-                  </a:cubicBezTo>
-                  <a:cubicBezTo>
-                    <a:pt x="41767" y="658111"/>
-                    <a:pt x="77089" y="649379"/>
-                    <a:pt x="92964" y="628742"/>
-                  </a:cubicBezTo>
-                  <a:cubicBezTo>
-                    <a:pt x="108839" y="608104"/>
-                    <a:pt x="121539" y="573577"/>
-                    <a:pt x="138208" y="550161"/>
-                  </a:cubicBezTo>
-                  <a:cubicBezTo>
-                    <a:pt x="154877" y="526745"/>
-                    <a:pt x="174721" y="512457"/>
-                    <a:pt x="192977" y="488248"/>
-                  </a:cubicBezTo>
-                  <a:cubicBezTo>
-                    <a:pt x="211233" y="464038"/>
-                    <a:pt x="239014" y="432288"/>
-                    <a:pt x="247745" y="404904"/>
-                  </a:cubicBezTo>
-                  <a:cubicBezTo>
-                    <a:pt x="256476" y="377520"/>
-                    <a:pt x="241395" y="348548"/>
-                    <a:pt x="245364" y="323942"/>
-                  </a:cubicBezTo>
-                  <a:cubicBezTo>
-                    <a:pt x="249333" y="299336"/>
-                    <a:pt x="256477" y="264411"/>
-                    <a:pt x="271558" y="257267"/>
-                  </a:cubicBezTo>
-                  <a:cubicBezTo>
-                    <a:pt x="286639" y="250123"/>
-                    <a:pt x="314024" y="289810"/>
-                    <a:pt x="335852" y="281079"/>
-                  </a:cubicBezTo>
-                  <a:cubicBezTo>
-                    <a:pt x="357680" y="272348"/>
-                    <a:pt x="382287" y="217976"/>
-                    <a:pt x="402527" y="204879"/>
-                  </a:cubicBezTo>
-                  <a:cubicBezTo>
-                    <a:pt x="422767" y="191782"/>
-                    <a:pt x="442214" y="206467"/>
-                    <a:pt x="457295" y="202498"/>
-                  </a:cubicBezTo>
-                  <a:cubicBezTo>
-                    <a:pt x="472376" y="198529"/>
-                    <a:pt x="485870" y="192576"/>
-                    <a:pt x="493014" y="181067"/>
-                  </a:cubicBezTo>
-                  <a:cubicBezTo>
-                    <a:pt x="500158" y="169558"/>
-                    <a:pt x="480314" y="143761"/>
-                    <a:pt x="500158" y="133442"/>
-                  </a:cubicBezTo>
-                  <a:cubicBezTo>
-                    <a:pt x="520002" y="123123"/>
-                    <a:pt x="597393" y="125901"/>
-                    <a:pt x="612077" y="119154"/>
-                  </a:cubicBezTo>
-                  <a:cubicBezTo>
-                    <a:pt x="626761" y="112407"/>
-                    <a:pt x="590645" y="111217"/>
-                    <a:pt x="588264" y="92961"/>
-                  </a:cubicBezTo>
-                  <a:cubicBezTo>
-                    <a:pt x="585883" y="74705"/>
-                    <a:pt x="583105" y="24301"/>
-                    <a:pt x="597789" y="9617"/>
-                  </a:cubicBezTo>
-                  <a:cubicBezTo>
-                    <a:pt x="612473" y="-5068"/>
-                    <a:pt x="649383" y="2870"/>
-                    <a:pt x="676370" y="4854"/>
-                  </a:cubicBezTo>
-                  <a:cubicBezTo>
-                    <a:pt x="703357" y="6838"/>
-                    <a:pt x="744633" y="15570"/>
-                    <a:pt x="759714" y="21523"/>
-                  </a:cubicBezTo>
-                  <a:cubicBezTo>
-                    <a:pt x="774795" y="27476"/>
-                    <a:pt x="762493" y="44145"/>
-                    <a:pt x="766858" y="40573"/>
-                  </a:cubicBezTo>
-                  <a:cubicBezTo>
-                    <a:pt x="771223" y="37001"/>
-                    <a:pt x="761699" y="2076"/>
-                    <a:pt x="785908" y="92"/>
-                  </a:cubicBezTo>
-                  <a:cubicBezTo>
-                    <a:pt x="810117" y="-1892"/>
-                    <a:pt x="912114" y="28667"/>
-                    <a:pt x="912114" y="28667"/>
-                  </a:cubicBezTo>
-                  <a:cubicBezTo>
-                    <a:pt x="943070" y="35811"/>
-                    <a:pt x="959342" y="29063"/>
-                    <a:pt x="971645" y="42954"/>
-                  </a:cubicBezTo>
-                  <a:cubicBezTo>
-                    <a:pt x="983948" y="56845"/>
-                    <a:pt x="974821" y="86611"/>
-                    <a:pt x="985933" y="112011"/>
-                  </a:cubicBezTo>
-                  <a:cubicBezTo>
-                    <a:pt x="997045" y="137411"/>
-                    <a:pt x="1019270" y="171542"/>
-                    <a:pt x="1038320" y="195354"/>
-                  </a:cubicBezTo>
-                  <a:cubicBezTo>
-                    <a:pt x="1057370" y="219166"/>
-                    <a:pt x="1081183" y="239408"/>
-                    <a:pt x="1100233" y="254886"/>
-                  </a:cubicBezTo>
-                  <a:cubicBezTo>
-                    <a:pt x="1119283" y="270364"/>
-                    <a:pt x="1145476" y="276714"/>
-                    <a:pt x="1152620" y="288223"/>
-                  </a:cubicBezTo>
-                  <a:cubicBezTo>
-                    <a:pt x="1159764" y="299732"/>
-                    <a:pt x="1142301" y="311639"/>
-                    <a:pt x="1143095" y="323942"/>
-                  </a:cubicBezTo>
-                  <a:cubicBezTo>
-                    <a:pt x="1143889" y="336245"/>
-                    <a:pt x="1144683" y="346167"/>
-                    <a:pt x="1157383" y="362042"/>
-                  </a:cubicBezTo>
-                  <a:cubicBezTo>
-                    <a:pt x="1170083" y="377917"/>
-                    <a:pt x="1213739" y="402126"/>
-                    <a:pt x="1219295" y="419192"/>
-                  </a:cubicBezTo>
-                  <a:cubicBezTo>
-                    <a:pt x="1224851" y="436258"/>
-                    <a:pt x="1201039" y="458880"/>
-                    <a:pt x="1190720" y="464436"/>
-                  </a:cubicBezTo>
-                  <a:cubicBezTo>
-                    <a:pt x="1180401" y="469992"/>
-                    <a:pt x="1159764" y="448163"/>
-                    <a:pt x="1157383" y="452529"/>
-                  </a:cubicBezTo>
-                  <a:cubicBezTo>
-                    <a:pt x="1155002" y="456895"/>
-                    <a:pt x="1172861" y="476342"/>
-                    <a:pt x="1176433" y="490629"/>
-                  </a:cubicBezTo>
-                  <a:cubicBezTo>
-                    <a:pt x="1180005" y="504916"/>
-                    <a:pt x="1181989" y="527935"/>
-                    <a:pt x="1178814" y="538254"/>
-                  </a:cubicBezTo>
-                  <a:cubicBezTo>
-                    <a:pt x="1175639" y="548573"/>
-                    <a:pt x="1151827" y="542620"/>
-                    <a:pt x="1157383" y="552542"/>
-                  </a:cubicBezTo>
-                  <a:cubicBezTo>
-                    <a:pt x="1162939" y="562464"/>
-                    <a:pt x="1203421" y="586277"/>
-                    <a:pt x="1212152" y="597786"/>
-                  </a:cubicBezTo>
-                  <a:cubicBezTo>
-                    <a:pt x="1220883" y="609295"/>
-                    <a:pt x="1203023" y="613660"/>
-                    <a:pt x="1209770" y="621598"/>
-                  </a:cubicBezTo>
-                  <a:cubicBezTo>
-                    <a:pt x="1216517" y="629535"/>
-                    <a:pt x="1245092" y="631520"/>
-                    <a:pt x="1252633" y="645411"/>
-                  </a:cubicBezTo>
-                  <a:cubicBezTo>
-                    <a:pt x="1260174" y="659302"/>
-                    <a:pt x="1255411" y="690258"/>
-                    <a:pt x="1255014" y="704942"/>
-                  </a:cubicBezTo>
-                  <a:cubicBezTo>
-                    <a:pt x="1254617" y="719626"/>
-                    <a:pt x="1253824" y="724389"/>
-                    <a:pt x="1250252" y="733517"/>
-                  </a:cubicBezTo>
-                  <a:cubicBezTo>
-                    <a:pt x="1246680" y="742645"/>
-                    <a:pt x="1243902" y="756139"/>
-                    <a:pt x="1233583" y="759711"/>
-                  </a:cubicBezTo>
-                  <a:cubicBezTo>
-                    <a:pt x="1223264" y="763283"/>
-                    <a:pt x="1200245" y="755742"/>
-                    <a:pt x="1188339" y="754948"/>
-                  </a:cubicBezTo>
-                  <a:cubicBezTo>
-                    <a:pt x="1176433" y="754154"/>
-                    <a:pt x="1169686" y="745423"/>
-                    <a:pt x="1162145" y="754948"/>
-                  </a:cubicBezTo>
-                  <a:cubicBezTo>
-                    <a:pt x="1154604" y="764473"/>
-                    <a:pt x="1144682" y="794239"/>
-                    <a:pt x="1143095" y="812098"/>
-                  </a:cubicBezTo>
-                  <a:cubicBezTo>
-                    <a:pt x="1141508" y="829957"/>
-                    <a:pt x="1151826" y="849007"/>
-                    <a:pt x="1152620" y="862104"/>
-                  </a:cubicBezTo>
-                  <a:cubicBezTo>
-                    <a:pt x="1153414" y="875201"/>
-                    <a:pt x="1147064" y="881154"/>
-                    <a:pt x="1147858" y="890679"/>
-                  </a:cubicBezTo>
-                  <a:cubicBezTo>
-                    <a:pt x="1148652" y="900204"/>
-                    <a:pt x="1158574" y="908142"/>
-                    <a:pt x="1157383" y="919254"/>
-                  </a:cubicBezTo>
-                  <a:cubicBezTo>
-                    <a:pt x="1156192" y="930367"/>
-                    <a:pt x="1151033" y="945845"/>
-                    <a:pt x="1140714" y="957354"/>
-                  </a:cubicBezTo>
-                  <a:cubicBezTo>
-                    <a:pt x="1130395" y="968863"/>
-                    <a:pt x="1099836" y="976802"/>
-                    <a:pt x="1095470" y="988311"/>
-                  </a:cubicBezTo>
-                  <a:cubicBezTo>
-                    <a:pt x="1091104" y="999820"/>
-                    <a:pt x="1114520" y="1012521"/>
-                    <a:pt x="1114520" y="1026411"/>
-                  </a:cubicBezTo>
-                  <a:cubicBezTo>
-                    <a:pt x="1114520" y="1040301"/>
-                    <a:pt x="1106979" y="1063717"/>
-                    <a:pt x="1095470" y="1071654"/>
-                  </a:cubicBezTo>
-                  <a:cubicBezTo>
-                    <a:pt x="1083961" y="1079592"/>
-                    <a:pt x="1056973" y="1070067"/>
-                    <a:pt x="1045464" y="1074036"/>
-                  </a:cubicBezTo>
-                  <a:cubicBezTo>
-                    <a:pt x="1033955" y="1078005"/>
-                    <a:pt x="1033955" y="1086339"/>
-                    <a:pt x="1026414" y="1095467"/>
-                  </a:cubicBezTo>
-                  <a:cubicBezTo>
-                    <a:pt x="1018873" y="1104595"/>
-                    <a:pt x="1012126" y="1125232"/>
-                    <a:pt x="1000220" y="1128804"/>
-                  </a:cubicBezTo>
-                  <a:cubicBezTo>
-                    <a:pt x="988314" y="1132376"/>
-                    <a:pt x="965296" y="1112136"/>
-                    <a:pt x="954977" y="1116898"/>
-                  </a:cubicBezTo>
-                  <a:cubicBezTo>
-                    <a:pt x="944658" y="1121660"/>
-                    <a:pt x="939102" y="1142695"/>
-                    <a:pt x="938308" y="1157379"/>
-                  </a:cubicBezTo>
-                  <a:cubicBezTo>
-                    <a:pt x="937514" y="1172063"/>
-                    <a:pt x="955770" y="1192701"/>
-                    <a:pt x="950214" y="1205004"/>
-                  </a:cubicBezTo>
-                  <a:cubicBezTo>
-                    <a:pt x="944658" y="1217307"/>
-                    <a:pt x="919654" y="1222864"/>
-                    <a:pt x="904970" y="1231198"/>
-                  </a:cubicBezTo>
-                  <a:cubicBezTo>
-                    <a:pt x="890286" y="1239532"/>
-                    <a:pt x="877586" y="1253027"/>
-                    <a:pt x="862108" y="1255011"/>
-                  </a:cubicBezTo>
-                  <a:cubicBezTo>
-                    <a:pt x="846630" y="1256995"/>
-                    <a:pt x="825199" y="1252232"/>
-                    <a:pt x="812102" y="1243104"/>
-                  </a:cubicBezTo>
-                  <a:cubicBezTo>
-                    <a:pt x="799005" y="1233976"/>
-                    <a:pt x="793052" y="1210561"/>
-                    <a:pt x="783527" y="1200242"/>
-                  </a:cubicBezTo>
-                  <a:cubicBezTo>
-                    <a:pt x="774002" y="1189923"/>
-                    <a:pt x="754952" y="1181192"/>
-                    <a:pt x="754952" y="1181192"/>
-                  </a:cubicBezTo>
-                  <a:cubicBezTo>
-                    <a:pt x="737093" y="1169683"/>
-                    <a:pt x="698595" y="1138727"/>
-                    <a:pt x="676370" y="1131186"/>
-                  </a:cubicBezTo>
-                  <a:cubicBezTo>
-                    <a:pt x="654145" y="1123645"/>
-                    <a:pt x="640255" y="1137536"/>
-                    <a:pt x="621602" y="1135948"/>
-                  </a:cubicBezTo>
-                  <a:cubicBezTo>
-                    <a:pt x="602949" y="1134361"/>
-                    <a:pt x="581121" y="1126424"/>
-                    <a:pt x="564452" y="1121661"/>
-                  </a:cubicBezTo>
-                  <a:cubicBezTo>
-                    <a:pt x="547783" y="1116899"/>
-                    <a:pt x="529923" y="1121660"/>
-                    <a:pt x="521589" y="1107373"/>
-                  </a:cubicBezTo>
-                  <a:cubicBezTo>
-                    <a:pt x="513255" y="1093086"/>
-                    <a:pt x="525954" y="1048636"/>
-                    <a:pt x="514445" y="1035936"/>
-                  </a:cubicBezTo>
-                  <a:cubicBezTo>
-                    <a:pt x="502936" y="1023236"/>
-                    <a:pt x="472377" y="1036729"/>
-                    <a:pt x="452533" y="1031173"/>
-                  </a:cubicBezTo>
-                  <a:cubicBezTo>
-                    <a:pt x="432689" y="1025617"/>
-                    <a:pt x="407686" y="1011726"/>
-                    <a:pt x="395383" y="1002598"/>
-                  </a:cubicBezTo>
-                  <a:cubicBezTo>
-                    <a:pt x="383080" y="993470"/>
-                    <a:pt x="378714" y="976404"/>
-                    <a:pt x="378714" y="976404"/>
-                  </a:cubicBezTo>
-                  <a:cubicBezTo>
-                    <a:pt x="369189" y="961323"/>
-                    <a:pt x="352917" y="923224"/>
-                    <a:pt x="338233" y="912111"/>
-                  </a:cubicBezTo>
-                  <a:cubicBezTo>
-                    <a:pt x="323549" y="900999"/>
-                    <a:pt x="300530" y="917270"/>
-                    <a:pt x="290608" y="909729"/>
-                  </a:cubicBezTo>
-                  <a:cubicBezTo>
-                    <a:pt x="280686" y="902188"/>
-                    <a:pt x="295767" y="868057"/>
-                    <a:pt x="283464" y="859723"/>
-                  </a:cubicBezTo>
-                  <a:close/>
-                </a:path>
-              </a:pathLst>
-            </a:custGeom>
-            <a:blipFill dpi="0" rotWithShape="1">
-              <a:blip r:embed="rId2">
-                <a:alphaModFix amt="80000"/>
-                <a:duotone>
-                  <a:prstClr val="black"/>
-                  <a:srgbClr val="FFFF00">
-                    <a:tint val="45000"/>
-                    <a:satMod val="400000"/>
-                  </a:srgbClr>
-                </a:duotone>
-                <a:extLst>
-                  <a:ext uri="{BEBA8EAE-BF5A-486C-A8C5-ECC9F3942E4B}">
-                    <a14:imgProps xmlns:a14="http://schemas.microsoft.com/office/drawing/2010/main">
-                      <a14:imgLayer r:embed="rId3">
-                        <a14:imgEffect>
-                          <a14:artisticCement/>
-                        </a14:imgEffect>
-                        <a14:imgEffect>
-                          <a14:sharpenSoften amount="50000"/>
-                        </a14:imgEffect>
-                        <a14:imgEffect>
-                          <a14:brightnessContrast bright="20000" contrast="-40000"/>
-                        </a14:imgEffect>
-                      </a14:imgLayer>
-                    </a14:imgProps>
-                  </a:ext>
-                </a:extLst>
-              </a:blip>
-              <a:srcRect/>
-              <a:tile tx="0" ty="0" sx="100000" sy="100000" flip="none" algn="tl"/>
-            </a:blipFill>
             <a:ln>
-              <a:solidFill>
-                <a:srgbClr val="A0A044"/>
-              </a:solidFill>
+              <a:noFill/>
             </a:ln>
             <a:effectLst>
               <a:outerShdw blurRad="50800" dist="38100" dir="2700000" algn="tl" rotWithShape="0">
@@ -7843,122 +8919,472 @@
             <a:lstStyle/>
             <a:p>
               <a:pPr algn="ctr"/>
-              <a:endParaRPr lang="en-US" dirty="0"/>
+              <a:endParaRPr lang="en-US"/>
             </a:p>
           </p:txBody>
         </p:sp>
         <p:sp>
           <p:nvSpPr>
-            <p:cNvPr id="101" name="Textfeld 100">
+            <p:cNvPr id="128" name="Gleichschenkliges Dreieck 252">
               <a:extLst>
                 <a:ext uri="{FF2B5EF4-FFF2-40B4-BE49-F238E27FC236}">
-                  <a16:creationId xmlns:a16="http://schemas.microsoft.com/office/drawing/2014/main" id="{3529796A-F003-4598-96A5-F678DAE42860}"/>
+                  <a16:creationId xmlns:a16="http://schemas.microsoft.com/office/drawing/2014/main" id="{D75756B5-F1D7-4970-8235-9450C3BB75A8}"/>
                 </a:ext>
               </a:extLst>
             </p:cNvPr>
-            <p:cNvSpPr txBox="1"/>
+            <p:cNvSpPr/>
             <p:nvPr/>
           </p:nvSpPr>
           <p:spPr>
-            <a:xfrm>
-              <a:off x="4667154" y="2269925"/>
-              <a:ext cx="1478716" cy="338554"/>
+            <a:xfrm rot="12500572">
+              <a:off x="2301776" y="1733598"/>
+              <a:ext cx="108000" cy="108000"/>
             </a:xfrm>
-            <a:prstGeom prst="rect">
+            <a:prstGeom prst="triangle">
+              <a:avLst/>
+            </a:prstGeom>
+            <a:solidFill>
+              <a:srgbClr val="00B050"/>
+            </a:solidFill>
+            <a:ln>
+              <a:noFill/>
+            </a:ln>
+            <a:effectLst>
+              <a:outerShdw blurRad="50800" dist="38100" dir="2700000" algn="tl" rotWithShape="0">
+                <a:prstClr val="black">
+                  <a:alpha val="40000"/>
+                </a:prstClr>
+              </a:outerShdw>
+            </a:effectLst>
+          </p:spPr>
+          <p:style>
+            <a:lnRef idx="2">
+              <a:schemeClr val="accent1">
+                <a:shade val="50000"/>
+              </a:schemeClr>
+            </a:lnRef>
+            <a:fillRef idx="1">
+              <a:schemeClr val="accent1"/>
+            </a:fillRef>
+            <a:effectRef idx="0">
+              <a:schemeClr val="accent1"/>
+            </a:effectRef>
+            <a:fontRef idx="minor">
+              <a:schemeClr val="lt1"/>
+            </a:fontRef>
+          </p:style>
+          <p:txBody>
+            <a:bodyPr rtlCol="0" anchor="ctr"/>
+            <a:lstStyle/>
+            <a:p>
+              <a:pPr algn="ctr"/>
+              <a:endParaRPr lang="en-US"/>
+            </a:p>
+          </p:txBody>
+        </p:sp>
+        <p:cxnSp>
+          <p:nvCxnSpPr>
+            <p:cNvPr id="119" name="Gerade Verbindung mit Pfeil 107">
+              <a:extLst>
+                <a:ext uri="{FF2B5EF4-FFF2-40B4-BE49-F238E27FC236}">
+                  <a16:creationId xmlns:a16="http://schemas.microsoft.com/office/drawing/2014/main" id="{7D07BA42-CA0B-4872-A6F5-88E18BF45201}"/>
+                </a:ext>
+              </a:extLst>
+            </p:cNvPr>
+            <p:cNvCxnSpPr>
+              <a:cxnSpLocks/>
+            </p:cNvCxnSpPr>
+            <p:nvPr/>
+          </p:nvCxnSpPr>
+          <p:spPr>
+            <a:xfrm flipH="1">
+              <a:off x="2376650" y="1488580"/>
+              <a:ext cx="129908" cy="258634"/>
+            </a:xfrm>
+            <a:prstGeom prst="straightConnector1">
               <a:avLst/>
             </a:prstGeom>
             <a:noFill/>
+            <a:ln w="25400" cap="flat" cmpd="sng" algn="ctr">
+              <a:solidFill>
+                <a:srgbClr val="00B050"/>
+              </a:solidFill>
+              <a:prstDash val="solid"/>
+              <a:round/>
+              <a:headEnd type="none" w="med" len="med"/>
+              <a:tailEnd type="none" w="med" len="med"/>
+            </a:ln>
             <a:effectLst>
               <a:outerShdw blurRad="50800" dist="38100" dir="2700000" algn="tl" rotWithShape="0">
-                <a:schemeClr val="bg1">
+                <a:prstClr val="black">
                   <a:alpha val="40000"/>
-                </a:schemeClr>
+                </a:prstClr>
               </a:outerShdw>
             </a:effectLst>
           </p:spPr>
+        </p:cxnSp>
+        <p:sp>
+          <p:nvSpPr>
+            <p:cNvPr id="130" name="Gleichschenkliges Dreieck 252">
+              <a:extLst>
+                <a:ext uri="{FF2B5EF4-FFF2-40B4-BE49-F238E27FC236}">
+                  <a16:creationId xmlns:a16="http://schemas.microsoft.com/office/drawing/2014/main" id="{C57BCDDB-579F-4F27-9C24-60F05BC17FB4}"/>
+                </a:ext>
+              </a:extLst>
+            </p:cNvPr>
+            <p:cNvSpPr/>
+            <p:nvPr/>
+          </p:nvSpPr>
+          <p:spPr>
+            <a:xfrm rot="7070402">
+              <a:off x="4153142" y="4077347"/>
+              <a:ext cx="108000" cy="108000"/>
+            </a:xfrm>
+            <a:prstGeom prst="triangle">
+              <a:avLst/>
+            </a:prstGeom>
+            <a:solidFill>
+              <a:srgbClr val="00B050"/>
+            </a:solidFill>
+            <a:ln>
+              <a:noFill/>
+            </a:ln>
+            <a:effectLst>
+              <a:outerShdw blurRad="50800" dist="38100" dir="2700000" algn="tl" rotWithShape="0">
+                <a:prstClr val="black">
+                  <a:alpha val="40000"/>
+                </a:prstClr>
+              </a:outerShdw>
+            </a:effectLst>
+          </p:spPr>
+          <p:style>
+            <a:lnRef idx="2">
+              <a:schemeClr val="accent1">
+                <a:shade val="50000"/>
+              </a:schemeClr>
+            </a:lnRef>
+            <a:fillRef idx="1">
+              <a:schemeClr val="accent1"/>
+            </a:fillRef>
+            <a:effectRef idx="0">
+              <a:schemeClr val="accent1"/>
+            </a:effectRef>
+            <a:fontRef idx="minor">
+              <a:schemeClr val="lt1"/>
+            </a:fontRef>
+          </p:style>
           <p:txBody>
-            <a:bodyPr wrap="square" rtlCol="0">
-              <a:spAutoFit/>
-            </a:bodyPr>
+            <a:bodyPr rtlCol="0" anchor="ctr"/>
             <a:lstStyle/>
             <a:p>
-              <a:pPr marL="0" marR="0" lvl="0" indent="0" algn="ctr" defTabSz="1221456" eaLnBrk="1" fontAlgn="auto" latinLnBrk="0" hangingPunct="1">
-                <a:lnSpc>
-                  <a:spcPct val="100000"/>
-                </a:lnSpc>
-                <a:spcBef>
-                  <a:spcPts val="0"/>
-                </a:spcBef>
-                <a:spcAft>
-                  <a:spcPts val="0"/>
-                </a:spcAft>
-                <a:buClrTx/>
-                <a:buSzTx/>
-                <a:buFontTx/>
-                <a:buNone/>
-                <a:tabLst/>
-                <a:defRPr/>
-              </a:pPr>
-              <a:r>
-                <a:rPr kumimoji="0" lang="de-DE" sz="1600" b="1" i="0" u="none" strike="noStrike" kern="0" cap="none" spc="0" normalizeH="0" baseline="0" noProof="0" dirty="0">
-                  <a:ln>
-                    <a:noFill/>
-                  </a:ln>
-                  <a:solidFill>
-                    <a:schemeClr val="tx1">
-                      <a:lumMod val="85000"/>
-                      <a:lumOff val="15000"/>
-                    </a:schemeClr>
-                  </a:solidFill>
-                  <a:effectLst/>
-                  <a:uLnTx/>
-                  <a:uFillTx/>
-                  <a:latin typeface="Arial"/>
-                  <a:cs typeface="Calibri" panose="020F0502020204030204" pitchFamily="34" charset="0"/>
-                </a:rPr>
-                <a:t>CYP</a:t>
-              </a:r>
-              <a:r>
-                <a:rPr kumimoji="0" lang="de-DE" sz="500" b="1" i="0" u="none" strike="noStrike" kern="0" cap="none" spc="0" normalizeH="0" baseline="0" noProof="0" dirty="0">
-                  <a:ln>
-                    <a:noFill/>
-                  </a:ln>
-                  <a:solidFill>
-                    <a:schemeClr val="tx1">
-                      <a:lumMod val="85000"/>
-                      <a:lumOff val="15000"/>
-                    </a:schemeClr>
-                  </a:solidFill>
-                  <a:effectLst/>
-                  <a:uLnTx/>
-                  <a:uFillTx/>
-                  <a:latin typeface="Arial"/>
-                  <a:cs typeface="Calibri" panose="020F0502020204030204" pitchFamily="34" charset="0"/>
-                </a:rPr>
-                <a:t> </a:t>
-              </a:r>
-              <a:r>
-                <a:rPr kumimoji="0" lang="de-DE" sz="1600" b="1" i="0" u="none" strike="noStrike" kern="0" cap="none" spc="0" normalizeH="0" baseline="0" noProof="0" dirty="0">
-                  <a:ln>
-                    <a:noFill/>
-                  </a:ln>
-                  <a:solidFill>
-                    <a:schemeClr val="tx1">
-                      <a:lumMod val="85000"/>
-                      <a:lumOff val="15000"/>
-                    </a:schemeClr>
-                  </a:solidFill>
-                  <a:effectLst/>
-                  <a:uLnTx/>
-                  <a:uFillTx/>
-                  <a:latin typeface="Arial"/>
-                  <a:cs typeface="Calibri" panose="020F0502020204030204" pitchFamily="34" charset="0"/>
-                </a:rPr>
-                <a:t>3A4</a:t>
-              </a:r>
+              <a:pPr algn="ctr"/>
+              <a:endParaRPr lang="en-US"/>
             </a:p>
           </p:txBody>
         </p:sp>
+        <p:sp>
+          <p:nvSpPr>
+            <p:cNvPr id="131" name="Gleichschenkliges Dreieck 276">
+              <a:extLst>
+                <a:ext uri="{FF2B5EF4-FFF2-40B4-BE49-F238E27FC236}">
+                  <a16:creationId xmlns:a16="http://schemas.microsoft.com/office/drawing/2014/main" id="{D7FAA8E7-A924-4F21-98D1-078B92D34E01}"/>
+                </a:ext>
+              </a:extLst>
+            </p:cNvPr>
+            <p:cNvSpPr/>
+            <p:nvPr/>
+          </p:nvSpPr>
+          <p:spPr>
+            <a:xfrm rot="6653607">
+              <a:off x="6358931" y="4370952"/>
+              <a:ext cx="108000" cy="108000"/>
+            </a:xfrm>
+            <a:prstGeom prst="triangle">
+              <a:avLst/>
+            </a:prstGeom>
+            <a:solidFill>
+              <a:srgbClr val="00B050"/>
+            </a:solidFill>
+            <a:ln>
+              <a:noFill/>
+            </a:ln>
+            <a:effectLst>
+              <a:outerShdw blurRad="50800" dist="38100" dir="2700000" algn="tl" rotWithShape="0">
+                <a:prstClr val="black">
+                  <a:alpha val="40000"/>
+                </a:prstClr>
+              </a:outerShdw>
+            </a:effectLst>
+          </p:spPr>
+          <p:style>
+            <a:lnRef idx="2">
+              <a:schemeClr val="accent1">
+                <a:shade val="50000"/>
+              </a:schemeClr>
+            </a:lnRef>
+            <a:fillRef idx="1">
+              <a:schemeClr val="accent1"/>
+            </a:fillRef>
+            <a:effectRef idx="0">
+              <a:schemeClr val="accent1"/>
+            </a:effectRef>
+            <a:fontRef idx="minor">
+              <a:schemeClr val="lt1"/>
+            </a:fontRef>
+          </p:style>
+          <p:txBody>
+            <a:bodyPr rtlCol="0" anchor="ctr"/>
+            <a:lstStyle/>
+            <a:p>
+              <a:pPr algn="ctr"/>
+              <a:endParaRPr lang="en-US"/>
+            </a:p>
+          </p:txBody>
+        </p:sp>
+        <p:cxnSp>
+          <p:nvCxnSpPr>
+            <p:cNvPr id="132" name="Gerade Verbindung mit Pfeil 111">
+              <a:extLst>
+                <a:ext uri="{FF2B5EF4-FFF2-40B4-BE49-F238E27FC236}">
+                  <a16:creationId xmlns:a16="http://schemas.microsoft.com/office/drawing/2014/main" id="{7854DC59-44F2-4CC9-9B92-B9A2DF0A9599}"/>
+                </a:ext>
+              </a:extLst>
+            </p:cNvPr>
+            <p:cNvCxnSpPr>
+              <a:cxnSpLocks/>
+              <a:stCxn id="74" idx="2"/>
+            </p:cNvCxnSpPr>
+            <p:nvPr/>
+          </p:nvCxnSpPr>
+          <p:spPr>
+            <a:xfrm flipH="1">
+              <a:off x="2496811" y="1165304"/>
+              <a:ext cx="5752294" cy="779431"/>
+            </a:xfrm>
+            <a:prstGeom prst="straightConnector1">
+              <a:avLst/>
+            </a:prstGeom>
+            <a:noFill/>
+            <a:ln w="25400" cap="flat" cmpd="sng" algn="ctr">
+              <a:solidFill>
+                <a:srgbClr val="C00000"/>
+              </a:solidFill>
+              <a:prstDash val="solid"/>
+              <a:round/>
+              <a:headEnd type="none" w="med" len="med"/>
+              <a:tailEnd type="none" w="med" len="med"/>
+            </a:ln>
+            <a:effectLst>
+              <a:outerShdw blurRad="50800" dist="38100" dir="2700000" algn="tl" rotWithShape="0">
+                <a:prstClr val="black">
+                  <a:alpha val="40000"/>
+                </a:prstClr>
+              </a:outerShdw>
+            </a:effectLst>
+          </p:spPr>
+        </p:cxnSp>
+        <p:sp>
+          <p:nvSpPr>
+            <p:cNvPr id="135" name="Gleichschenkliges Dreieck 259">
+              <a:extLst>
+                <a:ext uri="{FF2B5EF4-FFF2-40B4-BE49-F238E27FC236}">
+                  <a16:creationId xmlns:a16="http://schemas.microsoft.com/office/drawing/2014/main" id="{B4A4A427-3DC5-489E-BAF2-660A57CC0AAA}"/>
+                </a:ext>
+              </a:extLst>
+            </p:cNvPr>
+            <p:cNvSpPr/>
+            <p:nvPr/>
+          </p:nvSpPr>
+          <p:spPr>
+            <a:xfrm rot="15688735">
+              <a:off x="2392938" y="1890126"/>
+              <a:ext cx="108000" cy="108000"/>
+            </a:xfrm>
+            <a:prstGeom prst="triangle">
+              <a:avLst/>
+            </a:prstGeom>
+            <a:solidFill>
+              <a:srgbClr val="C00000"/>
+            </a:solidFill>
+            <a:ln>
+              <a:noFill/>
+            </a:ln>
+            <a:effectLst>
+              <a:outerShdw blurRad="50800" dist="38100" dir="2700000" algn="tl" rotWithShape="0">
+                <a:prstClr val="black">
+                  <a:alpha val="40000"/>
+                </a:prstClr>
+              </a:outerShdw>
+            </a:effectLst>
+          </p:spPr>
+          <p:style>
+            <a:lnRef idx="2">
+              <a:schemeClr val="accent1">
+                <a:shade val="50000"/>
+              </a:schemeClr>
+            </a:lnRef>
+            <a:fillRef idx="1">
+              <a:schemeClr val="accent1"/>
+            </a:fillRef>
+            <a:effectRef idx="0">
+              <a:schemeClr val="accent1"/>
+            </a:effectRef>
+            <a:fontRef idx="minor">
+              <a:schemeClr val="lt1"/>
+            </a:fontRef>
+          </p:style>
+          <p:txBody>
+            <a:bodyPr rtlCol="0" anchor="ctr"/>
+            <a:lstStyle/>
+            <a:p>
+              <a:pPr algn="ctr"/>
+              <a:endParaRPr lang="en-US"/>
+            </a:p>
+          </p:txBody>
+        </p:sp>
+        <p:cxnSp>
+          <p:nvCxnSpPr>
+            <p:cNvPr id="141" name="Gerade Verbindung mit Pfeil 142">
+              <a:extLst>
+                <a:ext uri="{FF2B5EF4-FFF2-40B4-BE49-F238E27FC236}">
+                  <a16:creationId xmlns:a16="http://schemas.microsoft.com/office/drawing/2014/main" id="{D756DE5F-91B3-4242-AC21-1F6296FE0CE4}"/>
+                </a:ext>
+              </a:extLst>
+            </p:cNvPr>
+            <p:cNvCxnSpPr>
+              <a:cxnSpLocks/>
+            </p:cNvCxnSpPr>
+            <p:nvPr/>
+          </p:nvCxnSpPr>
+          <p:spPr>
+            <a:xfrm flipV="1">
+              <a:off x="2186218" y="1555020"/>
+              <a:ext cx="116987" cy="252341"/>
+            </a:xfrm>
+            <a:prstGeom prst="straightConnector1">
+              <a:avLst/>
+            </a:prstGeom>
+            <a:noFill/>
+            <a:ln w="38100" cap="flat" cmpd="sng" algn="ctr">
+              <a:solidFill>
+                <a:srgbClr val="00B050"/>
+              </a:solidFill>
+              <a:prstDash val="solid"/>
+              <a:round/>
+              <a:headEnd type="none" w="med" len="med"/>
+              <a:tailEnd type="none" w="med" len="med"/>
+            </a:ln>
+            <a:effectLst>
+              <a:outerShdw blurRad="50800" dist="38100" dir="2700000" algn="tl" rotWithShape="0">
+                <a:prstClr val="black">
+                  <a:alpha val="40000"/>
+                </a:prstClr>
+              </a:outerShdw>
+            </a:effectLst>
+          </p:spPr>
+        </p:cxnSp>
+        <p:sp>
+          <p:nvSpPr>
+            <p:cNvPr id="142" name="Gleichschenkliges Dreieck 252">
+              <a:extLst>
+                <a:ext uri="{FF2B5EF4-FFF2-40B4-BE49-F238E27FC236}">
+                  <a16:creationId xmlns:a16="http://schemas.microsoft.com/office/drawing/2014/main" id="{29E4E807-5A55-4E70-BF21-80D6599CBFF5}"/>
+                </a:ext>
+              </a:extLst>
+            </p:cNvPr>
+            <p:cNvSpPr/>
+            <p:nvPr/>
+          </p:nvSpPr>
+          <p:spPr>
+            <a:xfrm rot="1514955">
+              <a:off x="2257880" y="1482710"/>
+              <a:ext cx="108000" cy="108000"/>
+            </a:xfrm>
+            <a:prstGeom prst="triangle">
+              <a:avLst/>
+            </a:prstGeom>
+            <a:solidFill>
+              <a:srgbClr val="00B050"/>
+            </a:solidFill>
+            <a:ln>
+              <a:noFill/>
+            </a:ln>
+            <a:effectLst>
+              <a:outerShdw blurRad="50800" dist="38100" dir="2700000" algn="tl" rotWithShape="0">
+                <a:prstClr val="black">
+                  <a:alpha val="40000"/>
+                </a:prstClr>
+              </a:outerShdw>
+            </a:effectLst>
+          </p:spPr>
+          <p:style>
+            <a:lnRef idx="2">
+              <a:schemeClr val="accent1">
+                <a:shade val="50000"/>
+              </a:schemeClr>
+            </a:lnRef>
+            <a:fillRef idx="1">
+              <a:schemeClr val="accent1"/>
+            </a:fillRef>
+            <a:effectRef idx="0">
+              <a:schemeClr val="accent1"/>
+            </a:effectRef>
+            <a:fontRef idx="minor">
+              <a:schemeClr val="lt1"/>
+            </a:fontRef>
+          </p:style>
+          <p:txBody>
+            <a:bodyPr rtlCol="0" anchor="ctr"/>
+            <a:lstStyle/>
+            <a:p>
+              <a:pPr algn="ctr"/>
+              <a:endParaRPr lang="en-US"/>
+            </a:p>
+          </p:txBody>
+        </p:sp>
+        <p:cxnSp>
+          <p:nvCxnSpPr>
+            <p:cNvPr id="144" name="Gerade Verbindung mit Pfeil 4">
+              <a:extLst>
+                <a:ext uri="{FF2B5EF4-FFF2-40B4-BE49-F238E27FC236}">
+                  <a16:creationId xmlns:a16="http://schemas.microsoft.com/office/drawing/2014/main" id="{029B5047-0E4B-4552-A84F-C40E2AE27D02}"/>
+                </a:ext>
+              </a:extLst>
+            </p:cNvPr>
+            <p:cNvCxnSpPr>
+              <a:cxnSpLocks/>
+              <a:stCxn id="84" idx="2"/>
+              <a:endCxn id="135" idx="3"/>
+            </p:cNvCxnSpPr>
+            <p:nvPr/>
+          </p:nvCxnSpPr>
+          <p:spPr>
+            <a:xfrm flipH="1">
+              <a:off x="2500342" y="1003811"/>
+              <a:ext cx="380385" cy="932314"/>
+            </a:xfrm>
+            <a:prstGeom prst="straightConnector1">
+              <a:avLst/>
+            </a:prstGeom>
+            <a:noFill/>
+            <a:ln w="12700" cap="flat" cmpd="sng" algn="ctr">
+              <a:solidFill>
+                <a:srgbClr val="C00000"/>
+              </a:solidFill>
+              <a:prstDash val="solid"/>
+              <a:round/>
+              <a:headEnd type="none" w="med" len="med"/>
+              <a:tailEnd type="none" w="med" len="med"/>
+            </a:ln>
+            <a:effectLst>
+              <a:outerShdw blurRad="50800" dist="38100" dir="2700000" algn="tl" rotWithShape="0">
+                <a:prstClr val="black">
+                  <a:alpha val="40000"/>
+                </a:prstClr>
+              </a:outerShdw>
+            </a:effectLst>
+          </p:spPr>
+        </p:cxnSp>
       </p:grpSp>
     </p:spTree>
     <p:extLst>
@@ -8235,8 +9661,14 @@
 </file>
 
 <file path=customXml/item1.xml><?xml version="1.0" encoding="utf-8"?>
-<?mso-contentType ?>
-<SharedContentType xmlns="Microsoft.SharePoint.Taxonomy.ContentTypeSync" SourceId="7bc43322-b630-4bac-8b27-31def233d1d0" ContentTypeId="0x0101" PreviousValue="false"/>
+<p:properties xmlns:p="http://schemas.microsoft.com/office/2006/metadata/properties" xmlns:xsi="http://www.w3.org/2001/XMLSchema-instance" xmlns:pc="http://schemas.microsoft.com/office/infopath/2007/PartnerControls">
+  <documentManagement>
+    <TaxCatchAll xmlns="1a4d292e-883c-434b-96e3-060cfff16c86"/>
+    <_dlc_ExpireDateSaved xmlns="http://schemas.microsoft.com/sharepoint/v3" xsi:nil="true"/>
+    <_dlc_ExpireDate xmlns="http://schemas.microsoft.com/sharepoint/v3" xsi:nil="true"/>
+    <_dlc_Exempt xmlns="http://schemas.microsoft.com/sharepoint/v3" xsi:nil="true"/>
+  </documentManagement>
+</p:properties>
 </file>
 
 <file path=customXml/item2.xml><?xml version="1.0" encoding="utf-8"?>
@@ -8503,14 +9935,8 @@
 </file>
 
 <file path=customXml/item3.xml><?xml version="1.0" encoding="utf-8"?>
-<p:properties xmlns:p="http://schemas.microsoft.com/office/2006/metadata/properties" xmlns:xsi="http://www.w3.org/2001/XMLSchema-instance" xmlns:pc="http://schemas.microsoft.com/office/infopath/2007/PartnerControls">
-  <documentManagement>
-    <TaxCatchAll xmlns="1a4d292e-883c-434b-96e3-060cfff16c86"/>
-    <_dlc_ExpireDateSaved xmlns="http://schemas.microsoft.com/sharepoint/v3" xsi:nil="true"/>
-    <_dlc_ExpireDate xmlns="http://schemas.microsoft.com/sharepoint/v3" xsi:nil="true"/>
-    <_dlc_Exempt xmlns="http://schemas.microsoft.com/sharepoint/v3" xsi:nil="true"/>
-  </documentManagement>
-</p:properties>
+<?mso-contentType ?>
+<SharedContentType xmlns="Microsoft.SharePoint.Taxonomy.ContentTypeSync" SourceId="7bc43322-b630-4bac-8b27-31def233d1d0" ContentTypeId="0x0101" PreviousValue="false"/>
 </file>
 
 <file path=customXml/item4.xml><?xml version="1.0" encoding="utf-8"?>
@@ -8523,9 +9949,12 @@
 </file>
 
 <file path=customXml/itemProps1.xml><?xml version="1.0" encoding="utf-8"?>
-<ds:datastoreItem xmlns:ds="http://schemas.openxmlformats.org/officeDocument/2006/customXml" ds:itemID="{E2E7F328-0877-4E3B-89D4-88D98111FCAF}">
+<ds:datastoreItem xmlns:ds="http://schemas.openxmlformats.org/officeDocument/2006/customXml" ds:itemID="{0ACF9CDC-7187-4C27-99A4-44DD755F7818}">
   <ds:schemaRefs>
-    <ds:schemaRef ds:uri="Microsoft.SharePoint.Taxonomy.ContentTypeSync"/>
+    <ds:schemaRef ds:uri="http://schemas.microsoft.com/office/2006/metadata/properties"/>
+    <ds:schemaRef ds:uri="http://schemas.microsoft.com/office/infopath/2007/PartnerControls"/>
+    <ds:schemaRef ds:uri="1a4d292e-883c-434b-96e3-060cfff16c86"/>
+    <ds:schemaRef ds:uri="http://schemas.microsoft.com/sharepoint/v3"/>
   </ds:schemaRefs>
 </ds:datastoreItem>
 </file>
@@ -8552,12 +9981,9 @@
 </file>
 
 <file path=customXml/itemProps3.xml><?xml version="1.0" encoding="utf-8"?>
-<ds:datastoreItem xmlns:ds="http://schemas.openxmlformats.org/officeDocument/2006/customXml" ds:itemID="{0ACF9CDC-7187-4C27-99A4-44DD755F7818}">
+<ds:datastoreItem xmlns:ds="http://schemas.openxmlformats.org/officeDocument/2006/customXml" ds:itemID="{E2E7F328-0877-4E3B-89D4-88D98111FCAF}">
   <ds:schemaRefs>
-    <ds:schemaRef ds:uri="http://schemas.microsoft.com/office/2006/metadata/properties"/>
-    <ds:schemaRef ds:uri="http://schemas.microsoft.com/office/infopath/2007/PartnerControls"/>
-    <ds:schemaRef ds:uri="1a4d292e-883c-434b-96e3-060cfff16c86"/>
-    <ds:schemaRef ds:uri="http://schemas.microsoft.com/sharepoint/v3"/>
+    <ds:schemaRef ds:uri="Microsoft.SharePoint.Taxonomy.ContentTypeSync"/>
   </ds:schemaRefs>
 </ds:datastoreItem>
 </file>
